--- a/files/web.pptx
+++ b/files/web.pptx
@@ -5,7 +5,7 @@
     <p:sldMasterId id="2147483648" r:id="rId1"/>
   </p:sldMasterIdLst>
   <p:notesMasterIdLst>
-    <p:notesMasterId r:id="rId14"/>
+    <p:notesMasterId r:id="rId15"/>
   </p:notesMasterIdLst>
   <p:sldIdLst>
     <p:sldId id="256" r:id="rId2"/>
@@ -19,7 +19,8 @@
     <p:sldId id="267" r:id="rId10"/>
     <p:sldId id="266" r:id="rId11"/>
     <p:sldId id="268" r:id="rId12"/>
-    <p:sldId id="269" r:id="rId13"/>
+    <p:sldId id="270" r:id="rId13"/>
+    <p:sldId id="269" r:id="rId14"/>
   </p:sldIdLst>
   <p:sldSz cx="12192000" cy="6858000"/>
   <p:notesSz cx="6858000" cy="9144000"/>
@@ -705,6 +706,90 @@
             <a:fld id="{BA0E419B-3FD7-4E72-8480-B28DB7144CBF}" type="slidenum">
               <a:rPr lang="he-IL" smtClean="0"/>
               <a:t>12</a:t>
+            </a:fld>
+            <a:endParaRPr lang="he-IL"/>
+          </a:p>
+        </p:txBody>
+      </p:sp>
+    </p:spTree>
+    <p:extLst>
+      <p:ext uri="{BB962C8B-B14F-4D97-AF65-F5344CB8AC3E}">
+        <p14:creationId xmlns:p14="http://schemas.microsoft.com/office/powerpoint/2010/main" val="1915132206"/>
+      </p:ext>
+    </p:extLst>
+  </p:cSld>
+  <p:clrMapOvr>
+    <a:masterClrMapping/>
+  </p:clrMapOvr>
+</p:notes>
+</file>
+
+<file path=ppt/notesSlides/notesSlide12.xml><?xml version="1.0" encoding="utf-8"?>
+<p:notes xmlns:a="http://schemas.openxmlformats.org/drawingml/2006/main" xmlns:r="http://schemas.openxmlformats.org/officeDocument/2006/relationships" xmlns:p="http://schemas.openxmlformats.org/presentationml/2006/main">
+  <p:cSld>
+    <p:spTree>
+      <p:nvGrpSpPr>
+        <p:cNvPr id="1" name=""/>
+        <p:cNvGrpSpPr/>
+        <p:nvPr/>
+      </p:nvGrpSpPr>
+      <p:grpSpPr>
+        <a:xfrm>
+          <a:off x="0" y="0"/>
+          <a:ext cx="0" cy="0"/>
+          <a:chOff x="0" y="0"/>
+          <a:chExt cx="0" cy="0"/>
+        </a:xfrm>
+      </p:grpSpPr>
+      <p:sp>
+        <p:nvSpPr>
+          <p:cNvPr id="2" name="Slide Image Placeholder 1"/>
+          <p:cNvSpPr>
+            <a:spLocks noGrp="1" noRot="1" noChangeAspect="1"/>
+          </p:cNvSpPr>
+          <p:nvPr>
+            <p:ph type="sldImg"/>
+          </p:nvPr>
+        </p:nvSpPr>
+        <p:spPr/>
+      </p:sp>
+      <p:sp>
+        <p:nvSpPr>
+          <p:cNvPr id="3" name="Notes Placeholder 2"/>
+          <p:cNvSpPr>
+            <a:spLocks noGrp="1"/>
+          </p:cNvSpPr>
+          <p:nvPr>
+            <p:ph type="body" idx="1"/>
+          </p:nvPr>
+        </p:nvSpPr>
+        <p:spPr/>
+        <p:txBody>
+          <a:bodyPr/>
+          <a:lstStyle/>
+          <a:p>
+            <a:endParaRPr lang="he-IL" dirty="0"/>
+          </a:p>
+        </p:txBody>
+      </p:sp>
+      <p:sp>
+        <p:nvSpPr>
+          <p:cNvPr id="4" name="Slide Number Placeholder 3"/>
+          <p:cNvSpPr>
+            <a:spLocks noGrp="1"/>
+          </p:cNvSpPr>
+          <p:nvPr>
+            <p:ph type="sldNum" sz="quarter" idx="5"/>
+          </p:nvPr>
+        </p:nvSpPr>
+        <p:spPr/>
+        <p:txBody>
+          <a:bodyPr/>
+          <a:lstStyle/>
+          <a:p>
+            <a:fld id="{BA0E419B-3FD7-4E72-8480-B28DB7144CBF}" type="slidenum">
+              <a:rPr lang="he-IL" smtClean="0"/>
+              <a:t>13</a:t>
             </a:fld>
             <a:endParaRPr lang="he-IL"/>
           </a:p>
@@ -4987,6 +5072,142 @@
 </file>
 
 <file path=ppt/slides/slide12.xml><?xml version="1.0" encoding="utf-8"?>
+<p:sld xmlns:a="http://schemas.openxmlformats.org/drawingml/2006/main" xmlns:r="http://schemas.openxmlformats.org/officeDocument/2006/relationships" xmlns:p="http://schemas.openxmlformats.org/presentationml/2006/main">
+  <p:cSld>
+    <p:spTree>
+      <p:nvGrpSpPr>
+        <p:cNvPr id="1" name=""/>
+        <p:cNvGrpSpPr/>
+        <p:nvPr/>
+      </p:nvGrpSpPr>
+      <p:grpSpPr>
+        <a:xfrm>
+          <a:off x="0" y="0"/>
+          <a:ext cx="0" cy="0"/>
+          <a:chOff x="0" y="0"/>
+          <a:chExt cx="0" cy="0"/>
+        </a:xfrm>
+      </p:grpSpPr>
+      <p:sp>
+        <p:nvSpPr>
+          <p:cNvPr id="2" name="Title 1">
+            <a:extLst>
+              <a:ext uri="{FF2B5EF4-FFF2-40B4-BE49-F238E27FC236}">
+                <a16:creationId xmlns:a16="http://schemas.microsoft.com/office/drawing/2014/main" id="{B781A450-ECAB-C0A7-630D-371CCE9342AA}"/>
+              </a:ext>
+            </a:extLst>
+          </p:cNvPr>
+          <p:cNvSpPr>
+            <a:spLocks noGrp="1"/>
+          </p:cNvSpPr>
+          <p:nvPr>
+            <p:ph type="title"/>
+          </p:nvPr>
+        </p:nvSpPr>
+        <p:spPr/>
+        <p:txBody>
+          <a:bodyPr/>
+          <a:lstStyle/>
+          <a:p>
+            <a:r>
+              <a:rPr lang="en-US" dirty="0"/>
+              <a:t>Burp Suite</a:t>
+            </a:r>
+            <a:endParaRPr lang="he-IL" dirty="0"/>
+          </a:p>
+        </p:txBody>
+      </p:sp>
+      <p:sp>
+        <p:nvSpPr>
+          <p:cNvPr id="3" name="Content Placeholder 2">
+            <a:extLst>
+              <a:ext uri="{FF2B5EF4-FFF2-40B4-BE49-F238E27FC236}">
+                <a16:creationId xmlns:a16="http://schemas.microsoft.com/office/drawing/2014/main" id="{594AF2EC-A18C-9173-3274-7590ADCD337D}"/>
+              </a:ext>
+            </a:extLst>
+          </p:cNvPr>
+          <p:cNvSpPr>
+            <a:spLocks noGrp="1"/>
+          </p:cNvSpPr>
+          <p:nvPr>
+            <p:ph idx="1"/>
+          </p:nvPr>
+        </p:nvSpPr>
+        <p:spPr>
+          <a:xfrm>
+            <a:off x="838200" y="1825625"/>
+            <a:ext cx="10515600" cy="4555078"/>
+          </a:xfrm>
+        </p:spPr>
+        <p:txBody>
+          <a:bodyPr>
+            <a:normAutofit/>
+          </a:bodyPr>
+          <a:lstStyle/>
+          <a:p>
+            <a:r>
+              <a:rPr lang="en-US" dirty="0"/>
+              <a:t>A popular software for penetration testing of web applications</a:t>
+            </a:r>
+          </a:p>
+          <a:p>
+            <a:r>
+              <a:rPr lang="en-US" dirty="0"/>
+              <a:t>May be useful in advanced CTFs</a:t>
+            </a:r>
+          </a:p>
+        </p:txBody>
+      </p:sp>
+      <p:pic>
+        <p:nvPicPr>
+          <p:cNvPr id="5" name="Picture 4" descr="A screenshot of a computer&#10;&#10;Description automatically generated">
+            <a:extLst>
+              <a:ext uri="{FF2B5EF4-FFF2-40B4-BE49-F238E27FC236}">
+                <a16:creationId xmlns:a16="http://schemas.microsoft.com/office/drawing/2014/main" id="{B3B98F56-D0EE-6218-155A-666EA74AEC53}"/>
+              </a:ext>
+            </a:extLst>
+          </p:cNvPr>
+          <p:cNvPicPr>
+            <a:picLocks noChangeAspect="1"/>
+          </p:cNvPicPr>
+          <p:nvPr/>
+        </p:nvPicPr>
+        <p:blipFill>
+          <a:blip r:embed="rId3">
+            <a:extLst>
+              <a:ext uri="{28A0092B-C50C-407E-A947-70E740481C1C}">
+                <a14:useLocalDpi xmlns:a14="http://schemas.microsoft.com/office/drawing/2010/main" val="0"/>
+              </a:ext>
+            </a:extLst>
+          </a:blip>
+          <a:stretch>
+            <a:fillRect/>
+          </a:stretch>
+        </p:blipFill>
+        <p:spPr>
+          <a:xfrm>
+            <a:off x="3083503" y="3156035"/>
+            <a:ext cx="6024993" cy="3326792"/>
+          </a:xfrm>
+          <a:prstGeom prst="rect">
+            <a:avLst/>
+          </a:prstGeom>
+        </p:spPr>
+      </p:pic>
+    </p:spTree>
+    <p:extLst>
+      <p:ext uri="{BB962C8B-B14F-4D97-AF65-F5344CB8AC3E}">
+        <p14:creationId xmlns:p14="http://schemas.microsoft.com/office/powerpoint/2010/main" val="2814239109"/>
+      </p:ext>
+    </p:extLst>
+  </p:cSld>
+  <p:clrMapOvr>
+    <a:masterClrMapping/>
+  </p:clrMapOvr>
+</p:sld>
+</file>
+
+<file path=ppt/slides/slide13.xml><?xml version="1.0" encoding="utf-8"?>
 <p:sld xmlns:a="http://schemas.openxmlformats.org/drawingml/2006/main" xmlns:r="http://schemas.openxmlformats.org/officeDocument/2006/relationships" xmlns:p="http://schemas.openxmlformats.org/presentationml/2006/main">
   <p:cSld>
     <p:spTree>

--- a/files/web.pptx
+++ b/files/web.pptx
@@ -5,23 +5,26 @@
     <p:sldMasterId id="2147483648" r:id="rId1"/>
   </p:sldMasterIdLst>
   <p:notesMasterIdLst>
-    <p:notesMasterId r:id="rId16"/>
+    <p:notesMasterId r:id="rId19"/>
   </p:notesMasterIdLst>
   <p:sldIdLst>
     <p:sldId id="276" r:id="rId2"/>
-    <p:sldId id="281" r:id="rId3"/>
-    <p:sldId id="305" r:id="rId4"/>
-    <p:sldId id="296" r:id="rId5"/>
-    <p:sldId id="295" r:id="rId6"/>
-    <p:sldId id="297" r:id="rId7"/>
-    <p:sldId id="298" r:id="rId8"/>
-    <p:sldId id="299" r:id="rId9"/>
-    <p:sldId id="300" r:id="rId10"/>
-    <p:sldId id="301" r:id="rId11"/>
-    <p:sldId id="302" r:id="rId12"/>
-    <p:sldId id="303" r:id="rId13"/>
-    <p:sldId id="304" r:id="rId14"/>
-    <p:sldId id="292" r:id="rId15"/>
+    <p:sldId id="305" r:id="rId3"/>
+    <p:sldId id="296" r:id="rId4"/>
+    <p:sldId id="295" r:id="rId5"/>
+    <p:sldId id="297" r:id="rId6"/>
+    <p:sldId id="298" r:id="rId7"/>
+    <p:sldId id="299" r:id="rId8"/>
+    <p:sldId id="283" r:id="rId9"/>
+    <p:sldId id="285" r:id="rId10"/>
+    <p:sldId id="300" r:id="rId11"/>
+    <p:sldId id="301" r:id="rId12"/>
+    <p:sldId id="302" r:id="rId13"/>
+    <p:sldId id="303" r:id="rId14"/>
+    <p:sldId id="306" r:id="rId15"/>
+    <p:sldId id="284" r:id="rId16"/>
+    <p:sldId id="275" r:id="rId17"/>
+    <p:sldId id="292" r:id="rId18"/>
   </p:sldIdLst>
   <p:sldSz cx="12192000" cy="6858000"/>
   <p:notesSz cx="6858000" cy="9144000"/>
@@ -128,6 +131,496 @@
 </p:presentation>
 </file>
 
+<file path=ppt/revisionInfo.xml><?xml version="1.0" encoding="utf-8"?>
+<p1510:revInfo xmlns:a="http://schemas.openxmlformats.org/drawingml/2006/main" xmlns:r="http://schemas.openxmlformats.org/officeDocument/2006/relationships" xmlns:p1510="http://schemas.microsoft.com/office/powerpoint/2015/10/main">
+  <p1510:revLst>
+    <p1510:client id="{DE27488F-790A-6D62-74DF-BA8B50F70215}" v="6" dt="2024-11-23T16:25:54.430"/>
+    <p1510:client id="{E05D65DB-9178-A16C-DFEE-6FD2E5CCE25D}" v="138" dt="2024-11-23T16:35:35.779"/>
+  </p1510:revLst>
+</p1510:revInfo>
+</file>
+
+<file path=ppt/changesInfos/changesInfo1.xml><?xml version="1.0" encoding="utf-8"?>
+<pc:chgInfo xmlns:a="http://schemas.openxmlformats.org/drawingml/2006/main" xmlns:r="http://schemas.openxmlformats.org/officeDocument/2006/relationships" xmlns:ac="http://schemas.microsoft.com/office/drawing/2013/main/command" xmlns:pc="http://schemas.microsoft.com/office/powerpoint/2013/main/command">
+  <pc:docChgLst>
+    <pc:chgData name="Ido Tausi" userId="S::ido.tausi@campus.technion.ac.il::1567c06e-5e2a-4862-b785-95e9ccc091da" providerId="AD" clId="Web-{8930D729-B634-ECE3-9824-64B91DFBBFF4}"/>
+    <pc:docChg chg="addSld delSld modSld">
+      <pc:chgData name="Ido Tausi" userId="S::ido.tausi@campus.technion.ac.il::1567c06e-5e2a-4862-b785-95e9ccc091da" providerId="AD" clId="Web-{8930D729-B634-ECE3-9824-64B91DFBBFF4}" dt="2024-11-16T18:47:23.802" v="1475"/>
+      <pc:docMkLst>
+        <pc:docMk/>
+      </pc:docMkLst>
+      <pc:sldChg chg="modSp">
+        <pc:chgData name="Ido Tausi" userId="S::ido.tausi@campus.technion.ac.il::1567c06e-5e2a-4862-b785-95e9ccc091da" providerId="AD" clId="Web-{8930D729-B634-ECE3-9824-64B91DFBBFF4}" dt="2024-11-16T18:47:16.880" v="1472" actId="20577"/>
+        <pc:sldMkLst>
+          <pc:docMk/>
+          <pc:sldMk cId="1021187848" sldId="275"/>
+        </pc:sldMkLst>
+        <pc:spChg chg="mod">
+          <ac:chgData name="Ido Tausi" userId="S::ido.tausi@campus.technion.ac.il::1567c06e-5e2a-4862-b785-95e9ccc091da" providerId="AD" clId="Web-{8930D729-B634-ECE3-9824-64B91DFBBFF4}" dt="2024-11-16T18:47:16.880" v="1472" actId="20577"/>
+          <ac:spMkLst>
+            <pc:docMk/>
+            <pc:sldMk cId="1021187848" sldId="275"/>
+            <ac:spMk id="10" creationId="{41D002C8-CC40-FE0D-6F22-238967E65159}"/>
+          </ac:spMkLst>
+        </pc:spChg>
+      </pc:sldChg>
+      <pc:sldChg chg="modSp">
+        <pc:chgData name="Ido Tausi" userId="S::ido.tausi@campus.technion.ac.il::1567c06e-5e2a-4862-b785-95e9ccc091da" providerId="AD" clId="Web-{8930D729-B634-ECE3-9824-64B91DFBBFF4}" dt="2024-11-16T18:08:26.344" v="35" actId="20577"/>
+        <pc:sldMkLst>
+          <pc:docMk/>
+          <pc:sldMk cId="979666265" sldId="276"/>
+        </pc:sldMkLst>
+        <pc:spChg chg="mod">
+          <ac:chgData name="Ido Tausi" userId="S::ido.tausi@campus.technion.ac.il::1567c06e-5e2a-4862-b785-95e9ccc091da" providerId="AD" clId="Web-{8930D729-B634-ECE3-9824-64B91DFBBFF4}" dt="2024-11-16T18:08:26.344" v="35" actId="20577"/>
+          <ac:spMkLst>
+            <pc:docMk/>
+            <pc:sldMk cId="979666265" sldId="276"/>
+            <ac:spMk id="10" creationId="{41D002C8-CC40-FE0D-6F22-238967E65159}"/>
+          </ac:spMkLst>
+        </pc:spChg>
+        <pc:spChg chg="mod">
+          <ac:chgData name="Ido Tausi" userId="S::ido.tausi@campus.technion.ac.il::1567c06e-5e2a-4862-b785-95e9ccc091da" providerId="AD" clId="Web-{8930D729-B634-ECE3-9824-64B91DFBBFF4}" dt="2024-11-16T18:06:36.165" v="7" actId="20577"/>
+          <ac:spMkLst>
+            <pc:docMk/>
+            <pc:sldMk cId="979666265" sldId="276"/>
+            <ac:spMk id="16" creationId="{E9394D29-BC34-199F-B7B9-48169D245347}"/>
+          </ac:spMkLst>
+        </pc:spChg>
+        <pc:picChg chg="mod">
+          <ac:chgData name="Ido Tausi" userId="S::ido.tausi@campus.technion.ac.il::1567c06e-5e2a-4862-b785-95e9ccc091da" providerId="AD" clId="Web-{8930D729-B634-ECE3-9824-64B91DFBBFF4}" dt="2024-11-16T18:06:57.041" v="26" actId="1076"/>
+          <ac:picMkLst>
+            <pc:docMk/>
+            <pc:sldMk cId="979666265" sldId="276"/>
+            <ac:picMk id="9" creationId="{644C4AF9-6CBF-8504-F8FE-8E825ADADD7D}"/>
+          </ac:picMkLst>
+        </pc:picChg>
+      </pc:sldChg>
+      <pc:sldChg chg="del">
+        <pc:chgData name="Ido Tausi" userId="S::ido.tausi@campus.technion.ac.il::1567c06e-5e2a-4862-b785-95e9ccc091da" providerId="AD" clId="Web-{8930D729-B634-ECE3-9824-64B91DFBBFF4}" dt="2024-11-16T18:38:48.941" v="1076"/>
+        <pc:sldMkLst>
+          <pc:docMk/>
+          <pc:sldMk cId="1075442738" sldId="281"/>
+        </pc:sldMkLst>
+      </pc:sldChg>
+      <pc:sldChg chg="addSp delSp modSp del">
+        <pc:chgData name="Ido Tausi" userId="S::ido.tausi@campus.technion.ac.il::1567c06e-5e2a-4862-b785-95e9ccc091da" providerId="AD" clId="Web-{8930D729-B634-ECE3-9824-64B91DFBBFF4}" dt="2024-11-16T18:38:43.363" v="1075"/>
+        <pc:sldMkLst>
+          <pc:docMk/>
+          <pc:sldMk cId="3907658013" sldId="282"/>
+        </pc:sldMkLst>
+        <pc:spChg chg="add del mod">
+          <ac:chgData name="Ido Tausi" userId="S::ido.tausi@campus.technion.ac.il::1567c06e-5e2a-4862-b785-95e9ccc091da" providerId="AD" clId="Web-{8930D729-B634-ECE3-9824-64B91DFBBFF4}" dt="2024-11-16T18:27:37.947" v="652"/>
+          <ac:spMkLst>
+            <pc:docMk/>
+            <pc:sldMk cId="3907658013" sldId="282"/>
+            <ac:spMk id="2" creationId="{E4DD1BD4-F4DE-ADD8-797C-E29510902E7D}"/>
+          </ac:spMkLst>
+        </pc:spChg>
+      </pc:sldChg>
+      <pc:sldChg chg="addSp delSp modSp">
+        <pc:chgData name="Ido Tausi" userId="S::ido.tausi@campus.technion.ac.il::1567c06e-5e2a-4862-b785-95e9ccc091da" providerId="AD" clId="Web-{8930D729-B634-ECE3-9824-64B91DFBBFF4}" dt="2024-11-16T18:13:14.252" v="78" actId="1076"/>
+        <pc:sldMkLst>
+          <pc:docMk/>
+          <pc:sldMk cId="1524253978" sldId="283"/>
+        </pc:sldMkLst>
+        <pc:spChg chg="mod">
+          <ac:chgData name="Ido Tausi" userId="S::ido.tausi@campus.technion.ac.il::1567c06e-5e2a-4862-b785-95e9ccc091da" providerId="AD" clId="Web-{8930D729-B634-ECE3-9824-64B91DFBBFF4}" dt="2024-11-16T18:09:04.909" v="48" actId="14100"/>
+          <ac:spMkLst>
+            <pc:docMk/>
+            <pc:sldMk cId="1524253978" sldId="283"/>
+            <ac:spMk id="4" creationId="{A56F6798-CB7E-F967-5BAF-A562F7DB9950}"/>
+          </ac:spMkLst>
+        </pc:spChg>
+        <pc:spChg chg="mod">
+          <ac:chgData name="Ido Tausi" userId="S::ido.tausi@campus.technion.ac.il::1567c06e-5e2a-4862-b785-95e9ccc091da" providerId="AD" clId="Web-{8930D729-B634-ECE3-9824-64B91DFBBFF4}" dt="2024-11-16T18:11:54.138" v="73" actId="20577"/>
+          <ac:spMkLst>
+            <pc:docMk/>
+            <pc:sldMk cId="1524253978" sldId="283"/>
+            <ac:spMk id="8" creationId="{9E2D4994-61E5-995F-BDA0-2FC0F1B87884}"/>
+          </ac:spMkLst>
+        </pc:spChg>
+        <pc:picChg chg="add mod">
+          <ac:chgData name="Ido Tausi" userId="S::ido.tausi@campus.technion.ac.il::1567c06e-5e2a-4862-b785-95e9ccc091da" providerId="AD" clId="Web-{8930D729-B634-ECE3-9824-64B91DFBBFF4}" dt="2024-11-16T18:13:14.252" v="78" actId="1076"/>
+          <ac:picMkLst>
+            <pc:docMk/>
+            <pc:sldMk cId="1524253978" sldId="283"/>
+            <ac:picMk id="2" creationId="{7229D2DF-BE34-BB50-9AB7-8D79E68D27E5}"/>
+          </ac:picMkLst>
+        </pc:picChg>
+        <pc:picChg chg="del">
+          <ac:chgData name="Ido Tausi" userId="S::ido.tausi@campus.technion.ac.il::1567c06e-5e2a-4862-b785-95e9ccc091da" providerId="AD" clId="Web-{8930D729-B634-ECE3-9824-64B91DFBBFF4}" dt="2024-11-16T18:11:57.123" v="74"/>
+          <ac:picMkLst>
+            <pc:docMk/>
+            <pc:sldMk cId="1524253978" sldId="283"/>
+            <ac:picMk id="7" creationId="{82593117-84B0-21CE-AF99-00ACEFCFE9BB}"/>
+          </ac:picMkLst>
+        </pc:picChg>
+      </pc:sldChg>
+      <pc:sldChg chg="addSp delSp modSp">
+        <pc:chgData name="Ido Tausi" userId="S::ido.tausi@campus.technion.ac.il::1567c06e-5e2a-4862-b785-95e9ccc091da" providerId="AD" clId="Web-{8930D729-B634-ECE3-9824-64B91DFBBFF4}" dt="2024-11-16T18:16:53.578" v="185" actId="20577"/>
+        <pc:sldMkLst>
+          <pc:docMk/>
+          <pc:sldMk cId="713239404" sldId="285"/>
+        </pc:sldMkLst>
+        <pc:spChg chg="mod">
+          <ac:chgData name="Ido Tausi" userId="S::ido.tausi@campus.technion.ac.il::1567c06e-5e2a-4862-b785-95e9ccc091da" providerId="AD" clId="Web-{8930D729-B634-ECE3-9824-64B91DFBBFF4}" dt="2024-11-16T18:13:35.894" v="86" actId="20577"/>
+          <ac:spMkLst>
+            <pc:docMk/>
+            <pc:sldMk cId="713239404" sldId="285"/>
+            <ac:spMk id="4" creationId="{A56F6798-CB7E-F967-5BAF-A562F7DB9950}"/>
+          </ac:spMkLst>
+        </pc:spChg>
+        <pc:spChg chg="add mod">
+          <ac:chgData name="Ido Tausi" userId="S::ido.tausi@campus.technion.ac.il::1567c06e-5e2a-4862-b785-95e9ccc091da" providerId="AD" clId="Web-{8930D729-B634-ECE3-9824-64B91DFBBFF4}" dt="2024-11-16T18:16:53.578" v="185" actId="20577"/>
+          <ac:spMkLst>
+            <pc:docMk/>
+            <pc:sldMk cId="713239404" sldId="285"/>
+            <ac:spMk id="7" creationId="{F341DF30-5ED5-0C10-DB8A-E5BA1FDE2E89}"/>
+          </ac:spMkLst>
+        </pc:spChg>
+        <pc:picChg chg="del">
+          <ac:chgData name="Ido Tausi" userId="S::ido.tausi@campus.technion.ac.il::1567c06e-5e2a-4862-b785-95e9ccc091da" providerId="AD" clId="Web-{8930D729-B634-ECE3-9824-64B91DFBBFF4}" dt="2024-11-16T18:13:39.301" v="88"/>
+          <ac:picMkLst>
+            <pc:docMk/>
+            <pc:sldMk cId="713239404" sldId="285"/>
+            <ac:picMk id="3" creationId="{43FD61E9-8C85-4891-84BB-55D4A465035D}"/>
+          </ac:picMkLst>
+        </pc:picChg>
+        <pc:picChg chg="del">
+          <ac:chgData name="Ido Tausi" userId="S::ido.tausi@campus.technion.ac.il::1567c06e-5e2a-4862-b785-95e9ccc091da" providerId="AD" clId="Web-{8930D729-B634-ECE3-9824-64B91DFBBFF4}" dt="2024-11-16T18:13:39.301" v="89"/>
+          <ac:picMkLst>
+            <pc:docMk/>
+            <pc:sldMk cId="713239404" sldId="285"/>
+            <ac:picMk id="8" creationId="{656BFCC2-B71B-4F9E-8EBE-764FABEED7D5}"/>
+          </ac:picMkLst>
+        </pc:picChg>
+        <pc:picChg chg="del">
+          <ac:chgData name="Ido Tausi" userId="S::ido.tausi@campus.technion.ac.il::1567c06e-5e2a-4862-b785-95e9ccc091da" providerId="AD" clId="Web-{8930D729-B634-ECE3-9824-64B91DFBBFF4}" dt="2024-11-16T18:13:39.301" v="87"/>
+          <ac:picMkLst>
+            <pc:docMk/>
+            <pc:sldMk cId="713239404" sldId="285"/>
+            <ac:picMk id="13" creationId="{06B852D1-D35A-41EE-AB0C-B9F9D940A1B6}"/>
+          </ac:picMkLst>
+        </pc:picChg>
+      </pc:sldChg>
+      <pc:sldChg chg="del">
+        <pc:chgData name="Ido Tausi" userId="S::ido.tausi@campus.technion.ac.il::1567c06e-5e2a-4862-b785-95e9ccc091da" providerId="AD" clId="Web-{8930D729-B634-ECE3-9824-64B91DFBBFF4}" dt="2024-11-16T18:46:27.048" v="1461"/>
+        <pc:sldMkLst>
+          <pc:docMk/>
+          <pc:sldMk cId="2687700068" sldId="286"/>
+        </pc:sldMkLst>
+      </pc:sldChg>
+      <pc:sldChg chg="del">
+        <pc:chgData name="Ido Tausi" userId="S::ido.tausi@campus.technion.ac.il::1567c06e-5e2a-4862-b785-95e9ccc091da" providerId="AD" clId="Web-{8930D729-B634-ECE3-9824-64B91DFBBFF4}" dt="2024-11-16T18:46:27.033" v="1458"/>
+        <pc:sldMkLst>
+          <pc:docMk/>
+          <pc:sldMk cId="1425004807" sldId="287"/>
+        </pc:sldMkLst>
+      </pc:sldChg>
+      <pc:sldChg chg="del">
+        <pc:chgData name="Ido Tausi" userId="S::ido.tausi@campus.technion.ac.il::1567c06e-5e2a-4862-b785-95e9ccc091da" providerId="AD" clId="Web-{8930D729-B634-ECE3-9824-64B91DFBBFF4}" dt="2024-11-16T18:46:27.033" v="1455"/>
+        <pc:sldMkLst>
+          <pc:docMk/>
+          <pc:sldMk cId="597549082" sldId="288"/>
+        </pc:sldMkLst>
+      </pc:sldChg>
+      <pc:sldChg chg="del">
+        <pc:chgData name="Ido Tausi" userId="S::ido.tausi@campus.technion.ac.il::1567c06e-5e2a-4862-b785-95e9ccc091da" providerId="AD" clId="Web-{8930D729-B634-ECE3-9824-64B91DFBBFF4}" dt="2024-11-16T18:46:27.033" v="1457"/>
+        <pc:sldMkLst>
+          <pc:docMk/>
+          <pc:sldMk cId="4242368251" sldId="289"/>
+        </pc:sldMkLst>
+      </pc:sldChg>
+      <pc:sldChg chg="del">
+        <pc:chgData name="Ido Tausi" userId="S::ido.tausi@campus.technion.ac.il::1567c06e-5e2a-4862-b785-95e9ccc091da" providerId="AD" clId="Web-{8930D729-B634-ECE3-9824-64B91DFBBFF4}" dt="2024-11-16T18:46:27.033" v="1454"/>
+        <pc:sldMkLst>
+          <pc:docMk/>
+          <pc:sldMk cId="461029542" sldId="290"/>
+        </pc:sldMkLst>
+      </pc:sldChg>
+      <pc:sldChg chg="del">
+        <pc:chgData name="Ido Tausi" userId="S::ido.tausi@campus.technion.ac.il::1567c06e-5e2a-4862-b785-95e9ccc091da" providerId="AD" clId="Web-{8930D729-B634-ECE3-9824-64B91DFBBFF4}" dt="2024-11-16T18:46:27.033" v="1456"/>
+        <pc:sldMkLst>
+          <pc:docMk/>
+          <pc:sldMk cId="113454644" sldId="291"/>
+        </pc:sldMkLst>
+      </pc:sldChg>
+      <pc:sldChg chg="del">
+        <pc:chgData name="Ido Tausi" userId="S::ido.tausi@campus.technion.ac.il::1567c06e-5e2a-4862-b785-95e9ccc091da" providerId="AD" clId="Web-{8930D729-B634-ECE3-9824-64B91DFBBFF4}" dt="2024-11-16T18:46:27.033" v="1460"/>
+        <pc:sldMkLst>
+          <pc:docMk/>
+          <pc:sldMk cId="4173614842" sldId="293"/>
+        </pc:sldMkLst>
+      </pc:sldChg>
+      <pc:sldChg chg="del">
+        <pc:chgData name="Ido Tausi" userId="S::ido.tausi@campus.technion.ac.il::1567c06e-5e2a-4862-b785-95e9ccc091da" providerId="AD" clId="Web-{8930D729-B634-ECE3-9824-64B91DFBBFF4}" dt="2024-11-16T18:46:27.033" v="1459"/>
+        <pc:sldMkLst>
+          <pc:docMk/>
+          <pc:sldMk cId="3105752112" sldId="295"/>
+        </pc:sldMkLst>
+      </pc:sldChg>
+      <pc:sldChg chg="del">
+        <pc:chgData name="Ido Tausi" userId="S::ido.tausi@campus.technion.ac.il::1567c06e-5e2a-4862-b785-95e9ccc091da" providerId="AD" clId="Web-{8930D729-B634-ECE3-9824-64B91DFBBFF4}" dt="2024-11-16T18:46:27.048" v="1462"/>
+        <pc:sldMkLst>
+          <pc:docMk/>
+          <pc:sldMk cId="2111246385" sldId="296"/>
+        </pc:sldMkLst>
+      </pc:sldChg>
+      <pc:sldChg chg="del">
+        <pc:chgData name="Ido Tausi" userId="S::ido.tausi@campus.technion.ac.il::1567c06e-5e2a-4862-b785-95e9ccc091da" providerId="AD" clId="Web-{8930D729-B634-ECE3-9824-64B91DFBBFF4}" dt="2024-11-16T18:47:23.802" v="1475"/>
+        <pc:sldMkLst>
+          <pc:docMk/>
+          <pc:sldMk cId="3247026290" sldId="297"/>
+        </pc:sldMkLst>
+      </pc:sldChg>
+      <pc:sldChg chg="del">
+        <pc:chgData name="Ido Tausi" userId="S::ido.tausi@campus.technion.ac.il::1567c06e-5e2a-4862-b785-95e9ccc091da" providerId="AD" clId="Web-{8930D729-B634-ECE3-9824-64B91DFBBFF4}" dt="2024-11-16T18:47:23.802" v="1474"/>
+        <pc:sldMkLst>
+          <pc:docMk/>
+          <pc:sldMk cId="3454123686" sldId="298"/>
+        </pc:sldMkLst>
+      </pc:sldChg>
+      <pc:sldChg chg="del">
+        <pc:chgData name="Ido Tausi" userId="S::ido.tausi@campus.technion.ac.il::1567c06e-5e2a-4862-b785-95e9ccc091da" providerId="AD" clId="Web-{8930D729-B634-ECE3-9824-64B91DFBBFF4}" dt="2024-11-16T18:47:23.802" v="1473"/>
+        <pc:sldMkLst>
+          <pc:docMk/>
+          <pc:sldMk cId="444774772" sldId="299"/>
+        </pc:sldMkLst>
+      </pc:sldChg>
+      <pc:sldChg chg="addSp delSp modSp add replId">
+        <pc:chgData name="Ido Tausi" userId="S::ido.tausi@campus.technion.ac.il::1567c06e-5e2a-4862-b785-95e9ccc091da" providerId="AD" clId="Web-{8930D729-B634-ECE3-9824-64B91DFBBFF4}" dt="2024-11-16T18:38:27.565" v="1064" actId="20577"/>
+        <pc:sldMkLst>
+          <pc:docMk/>
+          <pc:sldMk cId="3636506714" sldId="300"/>
+        </pc:sldMkLst>
+        <pc:spChg chg="add mod">
+          <ac:chgData name="Ido Tausi" userId="S::ido.tausi@campus.technion.ac.il::1567c06e-5e2a-4862-b785-95e9ccc091da" providerId="AD" clId="Web-{8930D729-B634-ECE3-9824-64B91DFBBFF4}" dt="2024-11-16T18:37:51.313" v="1060" actId="20577"/>
+          <ac:spMkLst>
+            <pc:docMk/>
+            <pc:sldMk cId="3636506714" sldId="300"/>
+            <ac:spMk id="3" creationId="{7438A983-7AC4-63FF-EA9C-6085ED22683F}"/>
+          </ac:spMkLst>
+        </pc:spChg>
+        <pc:spChg chg="mod">
+          <ac:chgData name="Ido Tausi" userId="S::ido.tausi@campus.technion.ac.il::1567c06e-5e2a-4862-b785-95e9ccc091da" providerId="AD" clId="Web-{8930D729-B634-ECE3-9824-64B91DFBBFF4}" dt="2024-11-16T18:38:27.565" v="1064" actId="20577"/>
+          <ac:spMkLst>
+            <pc:docMk/>
+            <pc:sldMk cId="3636506714" sldId="300"/>
+            <ac:spMk id="4" creationId="{A56F6798-CB7E-F967-5BAF-A562F7DB9950}"/>
+          </ac:spMkLst>
+        </pc:spChg>
+        <pc:spChg chg="del mod">
+          <ac:chgData name="Ido Tausi" userId="S::ido.tausi@campus.technion.ac.il::1567c06e-5e2a-4862-b785-95e9ccc091da" providerId="AD" clId="Web-{8930D729-B634-ECE3-9824-64B91DFBBFF4}" dt="2024-11-16T18:16:11.982" v="163"/>
+          <ac:spMkLst>
+            <pc:docMk/>
+            <pc:sldMk cId="3636506714" sldId="300"/>
+            <ac:spMk id="7" creationId="{F341DF30-5ED5-0C10-DB8A-E5BA1FDE2E89}"/>
+          </ac:spMkLst>
+        </pc:spChg>
+      </pc:sldChg>
+      <pc:sldChg chg="modSp add replId addAnim delAnim">
+        <pc:chgData name="Ido Tausi" userId="S::ido.tausi@campus.technion.ac.il::1567c06e-5e2a-4862-b785-95e9ccc091da" providerId="AD" clId="Web-{8930D729-B634-ECE3-9824-64B91DFBBFF4}" dt="2024-11-16T18:38:34.237" v="1066" actId="20577"/>
+        <pc:sldMkLst>
+          <pc:docMk/>
+          <pc:sldMk cId="1173730785" sldId="301"/>
+        </pc:sldMkLst>
+        <pc:spChg chg="mod">
+          <ac:chgData name="Ido Tausi" userId="S::ido.tausi@campus.technion.ac.il::1567c06e-5e2a-4862-b785-95e9ccc091da" providerId="AD" clId="Web-{8930D729-B634-ECE3-9824-64B91DFBBFF4}" dt="2024-11-16T18:34:25.034" v="870" actId="20577"/>
+          <ac:spMkLst>
+            <pc:docMk/>
+            <pc:sldMk cId="1173730785" sldId="301"/>
+            <ac:spMk id="3" creationId="{7438A983-7AC4-63FF-EA9C-6085ED22683F}"/>
+          </ac:spMkLst>
+        </pc:spChg>
+        <pc:spChg chg="mod">
+          <ac:chgData name="Ido Tausi" userId="S::ido.tausi@campus.technion.ac.il::1567c06e-5e2a-4862-b785-95e9ccc091da" providerId="AD" clId="Web-{8930D729-B634-ECE3-9824-64B91DFBBFF4}" dt="2024-11-16T18:38:34.237" v="1066" actId="20577"/>
+          <ac:spMkLst>
+            <pc:docMk/>
+            <pc:sldMk cId="1173730785" sldId="301"/>
+            <ac:spMk id="4" creationId="{A56F6798-CB7E-F967-5BAF-A562F7DB9950}"/>
+          </ac:spMkLst>
+        </pc:spChg>
+      </pc:sldChg>
+      <pc:sldChg chg="modSp add replId">
+        <pc:chgData name="Ido Tausi" userId="S::ido.tausi@campus.technion.ac.il::1567c06e-5e2a-4862-b785-95e9ccc091da" providerId="AD" clId="Web-{8930D729-B634-ECE3-9824-64B91DFBBFF4}" dt="2024-11-16T18:38:40.800" v="1074" actId="20577"/>
+        <pc:sldMkLst>
+          <pc:docMk/>
+          <pc:sldMk cId="3161627711" sldId="302"/>
+        </pc:sldMkLst>
+        <pc:spChg chg="mod">
+          <ac:chgData name="Ido Tausi" userId="S::ido.tausi@campus.technion.ac.il::1567c06e-5e2a-4862-b785-95e9ccc091da" providerId="AD" clId="Web-{8930D729-B634-ECE3-9824-64B91DFBBFF4}" dt="2024-11-16T18:36:01.806" v="1023" actId="20577"/>
+          <ac:spMkLst>
+            <pc:docMk/>
+            <pc:sldMk cId="3161627711" sldId="302"/>
+            <ac:spMk id="3" creationId="{7438A983-7AC4-63FF-EA9C-6085ED22683F}"/>
+          </ac:spMkLst>
+        </pc:spChg>
+        <pc:spChg chg="mod">
+          <ac:chgData name="Ido Tausi" userId="S::ido.tausi@campus.technion.ac.il::1567c06e-5e2a-4862-b785-95e9ccc091da" providerId="AD" clId="Web-{8930D729-B634-ECE3-9824-64B91DFBBFF4}" dt="2024-11-16T18:38:40.800" v="1074" actId="20577"/>
+          <ac:spMkLst>
+            <pc:docMk/>
+            <pc:sldMk cId="3161627711" sldId="302"/>
+            <ac:spMk id="4" creationId="{A56F6798-CB7E-F967-5BAF-A562F7DB9950}"/>
+          </ac:spMkLst>
+        </pc:spChg>
+      </pc:sldChg>
+      <pc:sldChg chg="modSp add replId">
+        <pc:chgData name="Ido Tausi" userId="S::ido.tausi@campus.technion.ac.il::1567c06e-5e2a-4862-b785-95e9ccc091da" providerId="AD" clId="Web-{8930D729-B634-ECE3-9824-64B91DFBBFF4}" dt="2024-11-16T18:45:59.828" v="1453" actId="20577"/>
+        <pc:sldMkLst>
+          <pc:docMk/>
+          <pc:sldMk cId="240339233" sldId="303"/>
+        </pc:sldMkLst>
+        <pc:spChg chg="mod">
+          <ac:chgData name="Ido Tausi" userId="S::ido.tausi@campus.technion.ac.il::1567c06e-5e2a-4862-b785-95e9ccc091da" providerId="AD" clId="Web-{8930D729-B634-ECE3-9824-64B91DFBBFF4}" dt="2024-11-16T18:45:59.828" v="1453" actId="20577"/>
+          <ac:spMkLst>
+            <pc:docMk/>
+            <pc:sldMk cId="240339233" sldId="303"/>
+            <ac:spMk id="3" creationId="{7438A983-7AC4-63FF-EA9C-6085ED22683F}"/>
+          </ac:spMkLst>
+        </pc:spChg>
+        <pc:spChg chg="mod">
+          <ac:chgData name="Ido Tausi" userId="S::ido.tausi@campus.technion.ac.il::1567c06e-5e2a-4862-b785-95e9ccc091da" providerId="AD" clId="Web-{8930D729-B634-ECE3-9824-64B91DFBBFF4}" dt="2024-11-16T18:42:50.894" v="1262" actId="20577"/>
+          <ac:spMkLst>
+            <pc:docMk/>
+            <pc:sldMk cId="240339233" sldId="303"/>
+            <ac:spMk id="4" creationId="{A56F6798-CB7E-F967-5BAF-A562F7DB9950}"/>
+          </ac:spMkLst>
+        </pc:spChg>
+      </pc:sldChg>
+    </pc:docChg>
+  </pc:docChgLst>
+  <pc:docChgLst>
+    <pc:chgData name="Ido Tausi" userId="S::ido.tausi@campus.technion.ac.il::1567c06e-5e2a-4862-b785-95e9ccc091da" providerId="AD" clId="Web-{DE27488F-790A-6D62-74DF-BA8B50F70215}"/>
+    <pc:docChg chg="addSld">
+      <pc:chgData name="Ido Tausi" userId="S::ido.tausi@campus.technion.ac.il::1567c06e-5e2a-4862-b785-95e9ccc091da" providerId="AD" clId="Web-{DE27488F-790A-6D62-74DF-BA8B50F70215}" dt="2024-11-23T16:25:54.430" v="5"/>
+      <pc:docMkLst>
+        <pc:docMk/>
+      </pc:docMkLst>
+      <pc:sldChg chg="add">
+        <pc:chgData name="Ido Tausi" userId="S::ido.tausi@campus.technion.ac.il::1567c06e-5e2a-4862-b785-95e9ccc091da" providerId="AD" clId="Web-{DE27488F-790A-6D62-74DF-BA8B50F70215}" dt="2024-11-23T16:25:54.399" v="2"/>
+        <pc:sldMkLst>
+          <pc:docMk/>
+          <pc:sldMk cId="1265218944" sldId="295"/>
+        </pc:sldMkLst>
+      </pc:sldChg>
+      <pc:sldChg chg="add">
+        <pc:chgData name="Ido Tausi" userId="S::ido.tausi@campus.technion.ac.il::1567c06e-5e2a-4862-b785-95e9ccc091da" providerId="AD" clId="Web-{DE27488F-790A-6D62-74DF-BA8B50F70215}" dt="2024-11-23T16:25:54.383" v="1"/>
+        <pc:sldMkLst>
+          <pc:docMk/>
+          <pc:sldMk cId="2591993594" sldId="296"/>
+        </pc:sldMkLst>
+      </pc:sldChg>
+      <pc:sldChg chg="add">
+        <pc:chgData name="Ido Tausi" userId="S::ido.tausi@campus.technion.ac.il::1567c06e-5e2a-4862-b785-95e9ccc091da" providerId="AD" clId="Web-{DE27488F-790A-6D62-74DF-BA8B50F70215}" dt="2024-11-23T16:25:54.399" v="3"/>
+        <pc:sldMkLst>
+          <pc:docMk/>
+          <pc:sldMk cId="3677432543" sldId="297"/>
+        </pc:sldMkLst>
+      </pc:sldChg>
+      <pc:sldChg chg="add">
+        <pc:chgData name="Ido Tausi" userId="S::ido.tausi@campus.technion.ac.il::1567c06e-5e2a-4862-b785-95e9ccc091da" providerId="AD" clId="Web-{DE27488F-790A-6D62-74DF-BA8B50F70215}" dt="2024-11-23T16:25:54.414" v="4"/>
+        <pc:sldMkLst>
+          <pc:docMk/>
+          <pc:sldMk cId="3822575714" sldId="298"/>
+        </pc:sldMkLst>
+      </pc:sldChg>
+      <pc:sldChg chg="add">
+        <pc:chgData name="Ido Tausi" userId="S::ido.tausi@campus.technion.ac.il::1567c06e-5e2a-4862-b785-95e9ccc091da" providerId="AD" clId="Web-{DE27488F-790A-6D62-74DF-BA8B50F70215}" dt="2024-11-23T16:25:54.430" v="5"/>
+        <pc:sldMkLst>
+          <pc:docMk/>
+          <pc:sldMk cId="1089048576" sldId="299"/>
+        </pc:sldMkLst>
+      </pc:sldChg>
+      <pc:sldChg chg="add">
+        <pc:chgData name="Ido Tausi" userId="S::ido.tausi@campus.technion.ac.il::1567c06e-5e2a-4862-b785-95e9ccc091da" providerId="AD" clId="Web-{DE27488F-790A-6D62-74DF-BA8B50F70215}" dt="2024-11-23T16:25:54.383" v="0"/>
+        <pc:sldMkLst>
+          <pc:docMk/>
+          <pc:sldMk cId="1984506345" sldId="305"/>
+        </pc:sldMkLst>
+      </pc:sldChg>
+    </pc:docChg>
+  </pc:docChgLst>
+  <pc:docChgLst>
+    <pc:chgData name="Ido Tausi" userId="S::ido.tausi@campus.technion.ac.il::1567c06e-5e2a-4862-b785-95e9ccc091da" providerId="AD" clId="Web-{E05D65DB-9178-A16C-DFEE-6FD2E5CCE25D}"/>
+    <pc:docChg chg="addSld modSld">
+      <pc:chgData name="Ido Tausi" userId="S::ido.tausi@campus.technion.ac.il::1567c06e-5e2a-4862-b785-95e9ccc091da" providerId="AD" clId="Web-{E05D65DB-9178-A16C-DFEE-6FD2E5CCE25D}" dt="2024-11-23T16:35:34.326" v="70" actId="20577"/>
+      <pc:docMkLst>
+        <pc:docMk/>
+      </pc:docMkLst>
+      <pc:sldChg chg="modSp">
+        <pc:chgData name="Ido Tausi" userId="S::ido.tausi@campus.technion.ac.il::1567c06e-5e2a-4862-b785-95e9ccc091da" providerId="AD" clId="Web-{E05D65DB-9178-A16C-DFEE-6FD2E5CCE25D}" dt="2024-11-23T16:35:34.326" v="70" actId="20577"/>
+        <pc:sldMkLst>
+          <pc:docMk/>
+          <pc:sldMk cId="979666265" sldId="276"/>
+        </pc:sldMkLst>
+        <pc:spChg chg="mod">
+          <ac:chgData name="Ido Tausi" userId="S::ido.tausi@campus.technion.ac.il::1567c06e-5e2a-4862-b785-95e9ccc091da" providerId="AD" clId="Web-{E05D65DB-9178-A16C-DFEE-6FD2E5CCE25D}" dt="2024-11-23T16:35:34.326" v="70" actId="20577"/>
+          <ac:spMkLst>
+            <pc:docMk/>
+            <pc:sldMk cId="979666265" sldId="276"/>
+            <ac:spMk id="10" creationId="{41D002C8-CC40-FE0D-6F22-238967E65159}"/>
+          </ac:spMkLst>
+        </pc:spChg>
+      </pc:sldChg>
+      <pc:sldChg chg="modSp">
+        <pc:chgData name="Ido Tausi" userId="S::ido.tausi@campus.technion.ac.il::1567c06e-5e2a-4862-b785-95e9ccc091da" providerId="AD" clId="Web-{E05D65DB-9178-A16C-DFEE-6FD2E5CCE25D}" dt="2024-11-23T16:31:44.162" v="1" actId="20577"/>
+        <pc:sldMkLst>
+          <pc:docMk/>
+          <pc:sldMk cId="713239404" sldId="285"/>
+        </pc:sldMkLst>
+        <pc:spChg chg="mod">
+          <ac:chgData name="Ido Tausi" userId="S::ido.tausi@campus.technion.ac.il::1567c06e-5e2a-4862-b785-95e9ccc091da" providerId="AD" clId="Web-{E05D65DB-9178-A16C-DFEE-6FD2E5CCE25D}" dt="2024-11-23T16:31:44.162" v="1" actId="20577"/>
+          <ac:spMkLst>
+            <pc:docMk/>
+            <pc:sldMk cId="713239404" sldId="285"/>
+            <ac:spMk id="7" creationId="{F341DF30-5ED5-0C10-DB8A-E5BA1FDE2E89}"/>
+          </ac:spMkLst>
+        </pc:spChg>
+      </pc:sldChg>
+      <pc:sldChg chg="modSp add replId">
+        <pc:chgData name="Ido Tausi" userId="S::ido.tausi@campus.technion.ac.il::1567c06e-5e2a-4862-b785-95e9ccc091da" providerId="AD" clId="Web-{E05D65DB-9178-A16C-DFEE-6FD2E5CCE25D}" dt="2024-11-23T16:34:50.121" v="50" actId="20577"/>
+        <pc:sldMkLst>
+          <pc:docMk/>
+          <pc:sldMk cId="4244575190" sldId="306"/>
+        </pc:sldMkLst>
+        <pc:spChg chg="mod">
+          <ac:chgData name="Ido Tausi" userId="S::ido.tausi@campus.technion.ac.il::1567c06e-5e2a-4862-b785-95e9ccc091da" providerId="AD" clId="Web-{E05D65DB-9178-A16C-DFEE-6FD2E5CCE25D}" dt="2024-11-23T16:34:50.121" v="50" actId="20577"/>
+          <ac:spMkLst>
+            <pc:docMk/>
+            <pc:sldMk cId="4244575190" sldId="306"/>
+            <ac:spMk id="3" creationId="{7438A983-7AC4-63FF-EA9C-6085ED22683F}"/>
+          </ac:spMkLst>
+        </pc:spChg>
+      </pc:sldChg>
+    </pc:docChg>
+  </pc:docChgLst>
+  <pc:docChgLst>
+    <pc:chgData name="Ido Tausi" userId="S::ido.tausi@campus.technion.ac.il::1567c06e-5e2a-4862-b785-95e9ccc091da" providerId="AD" clId="Web-{0C578867-9A0E-2155-F8BD-A0AD620F4C39}"/>
+    <pc:docChg chg="modSld">
+      <pc:chgData name="Ido Tausi" userId="S::ido.tausi@campus.technion.ac.il::1567c06e-5e2a-4862-b785-95e9ccc091da" providerId="AD" clId="Web-{0C578867-9A0E-2155-F8BD-A0AD620F4C39}" dt="2024-11-16T19:17:23.710" v="1" actId="20577"/>
+      <pc:docMkLst>
+        <pc:docMk/>
+      </pc:docMkLst>
+      <pc:sldChg chg="modSp">
+        <pc:chgData name="Ido Tausi" userId="S::ido.tausi@campus.technion.ac.il::1567c06e-5e2a-4862-b785-95e9ccc091da" providerId="AD" clId="Web-{0C578867-9A0E-2155-F8BD-A0AD620F4C39}" dt="2024-11-16T19:17:23.710" v="1" actId="20577"/>
+        <pc:sldMkLst>
+          <pc:docMk/>
+          <pc:sldMk cId="979666265" sldId="276"/>
+        </pc:sldMkLst>
+        <pc:spChg chg="mod">
+          <ac:chgData name="Ido Tausi" userId="S::ido.tausi@campus.technion.ac.il::1567c06e-5e2a-4862-b785-95e9ccc091da" providerId="AD" clId="Web-{0C578867-9A0E-2155-F8BD-A0AD620F4C39}" dt="2024-11-16T19:17:23.710" v="1" actId="20577"/>
+          <ac:spMkLst>
+            <pc:docMk/>
+            <pc:sldMk cId="979666265" sldId="276"/>
+            <ac:spMk id="10" creationId="{41D002C8-CC40-FE0D-6F22-238967E65159}"/>
+          </ac:spMkLst>
+        </pc:spChg>
+      </pc:sldChg>
+    </pc:docChg>
+  </pc:docChgLst>
+</pc:chgInfo>
+</file>
+
 <file path=ppt/notesMasters/notesMaster1.xml><?xml version="1.0" encoding="utf-8"?>
 <p:notesMaster xmlns:a="http://schemas.openxmlformats.org/drawingml/2006/main" xmlns:r="http://schemas.openxmlformats.org/officeDocument/2006/relationships" xmlns:p="http://schemas.openxmlformats.org/presentationml/2006/main">
   <p:cSld>
@@ -210,7 +703,7 @@
           <a:p>
             <a:fld id="{C6513600-717B-4CBB-9AFE-1F576C1D3E1D}" type="datetimeFigureOut">
               <a:rPr lang="he-IL" smtClean="0"/>
-              <a:t>כ'/שבט/תשפ"ד</a:t>
+              <a:t>כ"ב/חשון/תשפ"ה</a:t>
             </a:fld>
             <a:endParaRPr lang="he-IL"/>
           </a:p>
@@ -552,7 +1045,7 @@
     </p:spTree>
     <p:extLst>
       <p:ext uri="{BB962C8B-B14F-4D97-AF65-F5344CB8AC3E}">
-        <p14:creationId xmlns:p14="http://schemas.microsoft.com/office/powerpoint/2010/main" val="3393526927"/>
+        <p14:creationId xmlns:p14="http://schemas.microsoft.com/office/powerpoint/2010/main" val="722038638"/>
       </p:ext>
     </p:extLst>
   </p:cSld>
@@ -606,7 +1099,7 @@
           <a:bodyPr/>
           <a:lstStyle/>
           <a:p>
-            <a:endParaRPr lang="en-IL" dirty="0"/>
+            <a:endParaRPr lang="en-IL"/>
           </a:p>
         </p:txBody>
       </p:sp>
@@ -636,7 +1129,7 @@
     </p:spTree>
     <p:extLst>
       <p:ext uri="{BB962C8B-B14F-4D97-AF65-F5344CB8AC3E}">
-        <p14:creationId xmlns:p14="http://schemas.microsoft.com/office/powerpoint/2010/main" val="3368099403"/>
+        <p14:creationId xmlns:p14="http://schemas.microsoft.com/office/powerpoint/2010/main" val="3302443624"/>
       </p:ext>
     </p:extLst>
   </p:cSld>
@@ -690,7 +1183,7 @@
           <a:bodyPr/>
           <a:lstStyle/>
           <a:p>
-            <a:endParaRPr lang="en-IL" dirty="0"/>
+            <a:endParaRPr lang="en-IL"/>
           </a:p>
         </p:txBody>
       </p:sp>
@@ -720,7 +1213,7 @@
     </p:spTree>
     <p:extLst>
       <p:ext uri="{BB962C8B-B14F-4D97-AF65-F5344CB8AC3E}">
-        <p14:creationId xmlns:p14="http://schemas.microsoft.com/office/powerpoint/2010/main" val="2923395195"/>
+        <p14:creationId xmlns:p14="http://schemas.microsoft.com/office/powerpoint/2010/main" val="1704760973"/>
       </p:ext>
     </p:extLst>
   </p:cSld>
@@ -774,7 +1267,7 @@
           <a:bodyPr/>
           <a:lstStyle/>
           <a:p>
-            <a:endParaRPr lang="en-IL" dirty="0"/>
+            <a:endParaRPr lang="en-IL"/>
           </a:p>
         </p:txBody>
       </p:sp>
@@ -804,7 +1297,7 @@
     </p:spTree>
     <p:extLst>
       <p:ext uri="{BB962C8B-B14F-4D97-AF65-F5344CB8AC3E}">
-        <p14:creationId xmlns:p14="http://schemas.microsoft.com/office/powerpoint/2010/main" val="1931643320"/>
+        <p14:creationId xmlns:p14="http://schemas.microsoft.com/office/powerpoint/2010/main" val="88704454"/>
       </p:ext>
     </p:extLst>
   </p:cSld>
@@ -858,8 +1351,7 @@
           <a:bodyPr/>
           <a:lstStyle/>
           <a:p>
-            <a:pPr marL="0" algn="r" defTabSz="914400" rtl="1" eaLnBrk="1" latinLnBrk="0" hangingPunct="1"/>
-            <a:endParaRPr lang="en-IL" dirty="0"/>
+            <a:endParaRPr lang="en-IL"/>
           </a:p>
         </p:txBody>
       </p:sp>
@@ -889,7 +1381,261 @@
     </p:spTree>
     <p:extLst>
       <p:ext uri="{BB962C8B-B14F-4D97-AF65-F5344CB8AC3E}">
-        <p14:creationId xmlns:p14="http://schemas.microsoft.com/office/powerpoint/2010/main" val="2062865522"/>
+        <p14:creationId xmlns:p14="http://schemas.microsoft.com/office/powerpoint/2010/main" val="3095861973"/>
+      </p:ext>
+    </p:extLst>
+  </p:cSld>
+  <p:clrMapOvr>
+    <a:masterClrMapping/>
+  </p:clrMapOvr>
+</p:notes>
+</file>
+
+<file path=ppt/notesSlides/notesSlide14.xml><?xml version="1.0" encoding="utf-8"?>
+<p:notes xmlns:a="http://schemas.openxmlformats.org/drawingml/2006/main" xmlns:r="http://schemas.openxmlformats.org/officeDocument/2006/relationships" xmlns:p="http://schemas.openxmlformats.org/presentationml/2006/main">
+  <p:cSld>
+    <p:spTree>
+      <p:nvGrpSpPr>
+        <p:cNvPr id="1" name=""/>
+        <p:cNvGrpSpPr/>
+        <p:nvPr/>
+      </p:nvGrpSpPr>
+      <p:grpSpPr>
+        <a:xfrm>
+          <a:off x="0" y="0"/>
+          <a:ext cx="0" cy="0"/>
+          <a:chOff x="0" y="0"/>
+          <a:chExt cx="0" cy="0"/>
+        </a:xfrm>
+      </p:grpSpPr>
+      <p:sp>
+        <p:nvSpPr>
+          <p:cNvPr id="2" name="Slide Image Placeholder 1"/>
+          <p:cNvSpPr>
+            <a:spLocks noGrp="1" noRot="1" noChangeAspect="1"/>
+          </p:cNvSpPr>
+          <p:nvPr>
+            <p:ph type="sldImg"/>
+          </p:nvPr>
+        </p:nvSpPr>
+        <p:spPr/>
+      </p:sp>
+      <p:sp>
+        <p:nvSpPr>
+          <p:cNvPr id="3" name="Notes Placeholder 2"/>
+          <p:cNvSpPr>
+            <a:spLocks noGrp="1"/>
+          </p:cNvSpPr>
+          <p:nvPr>
+            <p:ph type="body" idx="1"/>
+          </p:nvPr>
+        </p:nvSpPr>
+        <p:spPr/>
+        <p:txBody>
+          <a:bodyPr/>
+          <a:lstStyle/>
+          <a:p>
+            <a:endParaRPr lang="en-IL"/>
+          </a:p>
+        </p:txBody>
+      </p:sp>
+      <p:sp>
+        <p:nvSpPr>
+          <p:cNvPr id="4" name="Slide Number Placeholder 3"/>
+          <p:cNvSpPr>
+            <a:spLocks noGrp="1"/>
+          </p:cNvSpPr>
+          <p:nvPr>
+            <p:ph type="sldNum" sz="quarter" idx="5"/>
+          </p:nvPr>
+        </p:nvSpPr>
+        <p:spPr/>
+        <p:txBody>
+          <a:bodyPr/>
+          <a:lstStyle/>
+          <a:p>
+            <a:fld id="{C2E715B0-74F3-B64E-A730-C7F3E6BEB915}" type="slidenum">
+              <a:rPr lang="en-IL" smtClean="0"/>
+              <a:t>14</a:t>
+            </a:fld>
+            <a:endParaRPr lang="en-IL"/>
+          </a:p>
+        </p:txBody>
+      </p:sp>
+    </p:spTree>
+    <p:extLst>
+      <p:ext uri="{BB962C8B-B14F-4D97-AF65-F5344CB8AC3E}">
+        <p14:creationId xmlns:p14="http://schemas.microsoft.com/office/powerpoint/2010/main" val="2456272747"/>
+      </p:ext>
+    </p:extLst>
+  </p:cSld>
+  <p:clrMapOvr>
+    <a:masterClrMapping/>
+  </p:clrMapOvr>
+</p:notes>
+</file>
+
+<file path=ppt/notesSlides/notesSlide15.xml><?xml version="1.0" encoding="utf-8"?>
+<p:notes xmlns:a="http://schemas.openxmlformats.org/drawingml/2006/main" xmlns:r="http://schemas.openxmlformats.org/officeDocument/2006/relationships" xmlns:p="http://schemas.openxmlformats.org/presentationml/2006/main">
+  <p:cSld>
+    <p:spTree>
+      <p:nvGrpSpPr>
+        <p:cNvPr id="1" name=""/>
+        <p:cNvGrpSpPr/>
+        <p:nvPr/>
+      </p:nvGrpSpPr>
+      <p:grpSpPr>
+        <a:xfrm>
+          <a:off x="0" y="0"/>
+          <a:ext cx="0" cy="0"/>
+          <a:chOff x="0" y="0"/>
+          <a:chExt cx="0" cy="0"/>
+        </a:xfrm>
+      </p:grpSpPr>
+      <p:sp>
+        <p:nvSpPr>
+          <p:cNvPr id="2" name="Slide Image Placeholder 1"/>
+          <p:cNvSpPr>
+            <a:spLocks noGrp="1" noRot="1" noChangeAspect="1"/>
+          </p:cNvSpPr>
+          <p:nvPr>
+            <p:ph type="sldImg"/>
+          </p:nvPr>
+        </p:nvSpPr>
+        <p:spPr/>
+      </p:sp>
+      <p:sp>
+        <p:nvSpPr>
+          <p:cNvPr id="3" name="Notes Placeholder 2"/>
+          <p:cNvSpPr>
+            <a:spLocks noGrp="1"/>
+          </p:cNvSpPr>
+          <p:nvPr>
+            <p:ph type="body" idx="1"/>
+          </p:nvPr>
+        </p:nvSpPr>
+        <p:spPr/>
+        <p:txBody>
+          <a:bodyPr/>
+          <a:lstStyle/>
+          <a:p>
+            <a:pPr marL="0" algn="r" defTabSz="914400" rtl="1" eaLnBrk="1" latinLnBrk="0" hangingPunct="1"/>
+            <a:endParaRPr lang="en-IL"/>
+          </a:p>
+        </p:txBody>
+      </p:sp>
+      <p:sp>
+        <p:nvSpPr>
+          <p:cNvPr id="4" name="Slide Number Placeholder 3"/>
+          <p:cNvSpPr>
+            <a:spLocks noGrp="1"/>
+          </p:cNvSpPr>
+          <p:nvPr>
+            <p:ph type="sldNum" sz="quarter" idx="5"/>
+          </p:nvPr>
+        </p:nvSpPr>
+        <p:spPr/>
+        <p:txBody>
+          <a:bodyPr/>
+          <a:lstStyle/>
+          <a:p>
+            <a:fld id="{C2E715B0-74F3-B64E-A730-C7F3E6BEB915}" type="slidenum">
+              <a:rPr lang="en-IL" smtClean="0"/>
+              <a:t>15</a:t>
+            </a:fld>
+            <a:endParaRPr lang="en-IL"/>
+          </a:p>
+        </p:txBody>
+      </p:sp>
+    </p:spTree>
+    <p:extLst>
+      <p:ext uri="{BB962C8B-B14F-4D97-AF65-F5344CB8AC3E}">
+        <p14:creationId xmlns:p14="http://schemas.microsoft.com/office/powerpoint/2010/main" val="1251682440"/>
+      </p:ext>
+    </p:extLst>
+  </p:cSld>
+  <p:clrMapOvr>
+    <a:masterClrMapping/>
+  </p:clrMapOvr>
+</p:notes>
+</file>
+
+<file path=ppt/notesSlides/notesSlide16.xml><?xml version="1.0" encoding="utf-8"?>
+<p:notes xmlns:a="http://schemas.openxmlformats.org/drawingml/2006/main" xmlns:r="http://schemas.openxmlformats.org/officeDocument/2006/relationships" xmlns:p="http://schemas.openxmlformats.org/presentationml/2006/main">
+  <p:cSld>
+    <p:spTree>
+      <p:nvGrpSpPr>
+        <p:cNvPr id="1" name=""/>
+        <p:cNvGrpSpPr/>
+        <p:nvPr/>
+      </p:nvGrpSpPr>
+      <p:grpSpPr>
+        <a:xfrm>
+          <a:off x="0" y="0"/>
+          <a:ext cx="0" cy="0"/>
+          <a:chOff x="0" y="0"/>
+          <a:chExt cx="0" cy="0"/>
+        </a:xfrm>
+      </p:grpSpPr>
+      <p:sp>
+        <p:nvSpPr>
+          <p:cNvPr id="2" name="Slide Image Placeholder 1"/>
+          <p:cNvSpPr>
+            <a:spLocks noGrp="1" noRot="1" noChangeAspect="1"/>
+          </p:cNvSpPr>
+          <p:nvPr>
+            <p:ph type="sldImg"/>
+          </p:nvPr>
+        </p:nvSpPr>
+        <p:spPr/>
+      </p:sp>
+      <p:sp>
+        <p:nvSpPr>
+          <p:cNvPr id="3" name="Notes Placeholder 2"/>
+          <p:cNvSpPr>
+            <a:spLocks noGrp="1"/>
+          </p:cNvSpPr>
+          <p:nvPr>
+            <p:ph type="body" idx="1"/>
+          </p:nvPr>
+        </p:nvSpPr>
+        <p:spPr/>
+        <p:txBody>
+          <a:bodyPr/>
+          <a:lstStyle/>
+          <a:p>
+            <a:pPr marL="0" algn="r" defTabSz="914400" rtl="1" eaLnBrk="1" latinLnBrk="0" hangingPunct="1"/>
+            <a:endParaRPr lang="en-IL"/>
+          </a:p>
+        </p:txBody>
+      </p:sp>
+      <p:sp>
+        <p:nvSpPr>
+          <p:cNvPr id="4" name="Slide Number Placeholder 3"/>
+          <p:cNvSpPr>
+            <a:spLocks noGrp="1"/>
+          </p:cNvSpPr>
+          <p:nvPr>
+            <p:ph type="sldNum" sz="quarter" idx="5"/>
+          </p:nvPr>
+        </p:nvSpPr>
+        <p:spPr/>
+        <p:txBody>
+          <a:bodyPr/>
+          <a:lstStyle/>
+          <a:p>
+            <a:fld id="{C2E715B0-74F3-B64E-A730-C7F3E6BEB915}" type="slidenum">
+              <a:rPr lang="en-IL" smtClean="0"/>
+              <a:t>16</a:t>
+            </a:fld>
+            <a:endParaRPr lang="en-IL"/>
+          </a:p>
+        </p:txBody>
+      </p:sp>
+    </p:spTree>
+    <p:extLst>
+      <p:ext uri="{BB962C8B-B14F-4D97-AF65-F5344CB8AC3E}">
+        <p14:creationId xmlns:p14="http://schemas.microsoft.com/office/powerpoint/2010/main" val="4181573200"/>
       </p:ext>
     </p:extLst>
   </p:cSld>
@@ -973,7 +1719,7 @@
     </p:spTree>
     <p:extLst>
       <p:ext uri="{BB962C8B-B14F-4D97-AF65-F5344CB8AC3E}">
-        <p14:creationId xmlns:p14="http://schemas.microsoft.com/office/powerpoint/2010/main" val="722038638"/>
+        <p14:creationId xmlns:p14="http://schemas.microsoft.com/office/powerpoint/2010/main" val="2457098909"/>
       </p:ext>
     </p:extLst>
   </p:cSld>
@@ -1057,7 +1803,7 @@
     </p:spTree>
     <p:extLst>
       <p:ext uri="{BB962C8B-B14F-4D97-AF65-F5344CB8AC3E}">
-        <p14:creationId xmlns:p14="http://schemas.microsoft.com/office/powerpoint/2010/main" val="2457098909"/>
+        <p14:creationId xmlns:p14="http://schemas.microsoft.com/office/powerpoint/2010/main" val="484190291"/>
       </p:ext>
     </p:extLst>
   </p:cSld>
@@ -1141,7 +1887,7 @@
     </p:spTree>
     <p:extLst>
       <p:ext uri="{BB962C8B-B14F-4D97-AF65-F5344CB8AC3E}">
-        <p14:creationId xmlns:p14="http://schemas.microsoft.com/office/powerpoint/2010/main" val="484190291"/>
+        <p14:creationId xmlns:p14="http://schemas.microsoft.com/office/powerpoint/2010/main" val="916860929"/>
       </p:ext>
     </p:extLst>
   </p:cSld>
@@ -1225,7 +1971,7 @@
     </p:spTree>
     <p:extLst>
       <p:ext uri="{BB962C8B-B14F-4D97-AF65-F5344CB8AC3E}">
-        <p14:creationId xmlns:p14="http://schemas.microsoft.com/office/powerpoint/2010/main" val="916860929"/>
+        <p14:creationId xmlns:p14="http://schemas.microsoft.com/office/powerpoint/2010/main" val="1487830318"/>
       </p:ext>
     </p:extLst>
   </p:cSld>
@@ -1309,7 +2055,7 @@
     </p:spTree>
     <p:extLst>
       <p:ext uri="{BB962C8B-B14F-4D97-AF65-F5344CB8AC3E}">
-        <p14:creationId xmlns:p14="http://schemas.microsoft.com/office/powerpoint/2010/main" val="1487830318"/>
+        <p14:creationId xmlns:p14="http://schemas.microsoft.com/office/powerpoint/2010/main" val="406597927"/>
       </p:ext>
     </p:extLst>
   </p:cSld>
@@ -1363,7 +2109,7 @@
           <a:bodyPr/>
           <a:lstStyle/>
           <a:p>
-            <a:endParaRPr lang="en-IL" dirty="0"/>
+            <a:endParaRPr lang="en-IL"/>
           </a:p>
         </p:txBody>
       </p:sp>
@@ -1393,7 +2139,7 @@
     </p:spTree>
     <p:extLst>
       <p:ext uri="{BB962C8B-B14F-4D97-AF65-F5344CB8AC3E}">
-        <p14:creationId xmlns:p14="http://schemas.microsoft.com/office/powerpoint/2010/main" val="406597927"/>
+        <p14:creationId xmlns:p14="http://schemas.microsoft.com/office/powerpoint/2010/main" val="3016080475"/>
       </p:ext>
     </p:extLst>
   </p:cSld>
@@ -1447,7 +2193,7 @@
           <a:bodyPr/>
           <a:lstStyle/>
           <a:p>
-            <a:endParaRPr lang="en-IL" dirty="0"/>
+            <a:endParaRPr lang="en-IL"/>
           </a:p>
         </p:txBody>
       </p:sp>
@@ -1477,7 +2223,7 @@
     </p:spTree>
     <p:extLst>
       <p:ext uri="{BB962C8B-B14F-4D97-AF65-F5344CB8AC3E}">
-        <p14:creationId xmlns:p14="http://schemas.microsoft.com/office/powerpoint/2010/main" val="3584733320"/>
+        <p14:creationId xmlns:p14="http://schemas.microsoft.com/office/powerpoint/2010/main" val="3573718654"/>
       </p:ext>
     </p:extLst>
   </p:cSld>
@@ -1531,7 +2277,7 @@
           <a:bodyPr/>
           <a:lstStyle/>
           <a:p>
-            <a:endParaRPr lang="en-IL" dirty="0"/>
+            <a:endParaRPr lang="en-IL"/>
           </a:p>
         </p:txBody>
       </p:sp>
@@ -1561,7 +2307,7 @@
     </p:spTree>
     <p:extLst>
       <p:ext uri="{BB962C8B-B14F-4D97-AF65-F5344CB8AC3E}">
-        <p14:creationId xmlns:p14="http://schemas.microsoft.com/office/powerpoint/2010/main" val="830392934"/>
+        <p14:creationId xmlns:p14="http://schemas.microsoft.com/office/powerpoint/2010/main" val="4266508459"/>
       </p:ext>
     </p:extLst>
   </p:cSld>
@@ -1720,7 +2466,7 @@
           <a:p>
             <a:fld id="{02109FA5-8937-4EFE-A1A6-BD6EB76E3D9A}" type="datetimeFigureOut">
               <a:rPr lang="he-IL" smtClean="0"/>
-              <a:t>כ'/שבט/תשפ"ד</a:t>
+              <a:t>כ"ב/חשון/תשפ"ה</a:t>
             </a:fld>
             <a:endParaRPr lang="he-IL"/>
           </a:p>
@@ -1920,7 +2666,7 @@
           <a:p>
             <a:fld id="{02109FA5-8937-4EFE-A1A6-BD6EB76E3D9A}" type="datetimeFigureOut">
               <a:rPr lang="he-IL" smtClean="0"/>
-              <a:t>כ'/שבט/תשפ"ד</a:t>
+              <a:t>כ"ב/חשון/תשפ"ה</a:t>
             </a:fld>
             <a:endParaRPr lang="he-IL"/>
           </a:p>
@@ -2130,7 +2876,7 @@
           <a:p>
             <a:fld id="{02109FA5-8937-4EFE-A1A6-BD6EB76E3D9A}" type="datetimeFigureOut">
               <a:rPr lang="he-IL" smtClean="0"/>
-              <a:t>כ'/שבט/תשפ"ד</a:t>
+              <a:t>כ"ב/חשון/תשפ"ה</a:t>
             </a:fld>
             <a:endParaRPr lang="he-IL"/>
           </a:p>
@@ -2330,7 +3076,7 @@
           <a:p>
             <a:fld id="{02109FA5-8937-4EFE-A1A6-BD6EB76E3D9A}" type="datetimeFigureOut">
               <a:rPr lang="he-IL" smtClean="0"/>
-              <a:t>כ'/שבט/תשפ"ד</a:t>
+              <a:t>כ"ב/חשון/תשפ"ה</a:t>
             </a:fld>
             <a:endParaRPr lang="he-IL"/>
           </a:p>
@@ -2606,7 +3352,7 @@
           <a:p>
             <a:fld id="{02109FA5-8937-4EFE-A1A6-BD6EB76E3D9A}" type="datetimeFigureOut">
               <a:rPr lang="he-IL" smtClean="0"/>
-              <a:t>כ'/שבט/תשפ"ד</a:t>
+              <a:t>כ"ב/חשון/תשפ"ה</a:t>
             </a:fld>
             <a:endParaRPr lang="he-IL"/>
           </a:p>
@@ -2874,7 +3620,7 @@
           <a:p>
             <a:fld id="{02109FA5-8937-4EFE-A1A6-BD6EB76E3D9A}" type="datetimeFigureOut">
               <a:rPr lang="he-IL" smtClean="0"/>
-              <a:t>כ'/שבט/תשפ"ד</a:t>
+              <a:t>כ"ב/חשון/תשפ"ה</a:t>
             </a:fld>
             <a:endParaRPr lang="he-IL"/>
           </a:p>
@@ -3289,7 +4035,7 @@
           <a:p>
             <a:fld id="{02109FA5-8937-4EFE-A1A6-BD6EB76E3D9A}" type="datetimeFigureOut">
               <a:rPr lang="he-IL" smtClean="0"/>
-              <a:t>כ'/שבט/תשפ"ד</a:t>
+              <a:t>כ"ב/חשון/תשפ"ה</a:t>
             </a:fld>
             <a:endParaRPr lang="he-IL"/>
           </a:p>
@@ -3431,7 +4177,7 @@
           <a:p>
             <a:fld id="{02109FA5-8937-4EFE-A1A6-BD6EB76E3D9A}" type="datetimeFigureOut">
               <a:rPr lang="he-IL" smtClean="0"/>
-              <a:t>כ'/שבט/תשפ"ד</a:t>
+              <a:t>כ"ב/חשון/תשפ"ה</a:t>
             </a:fld>
             <a:endParaRPr lang="he-IL"/>
           </a:p>
@@ -3544,7 +4290,7 @@
           <a:p>
             <a:fld id="{02109FA5-8937-4EFE-A1A6-BD6EB76E3D9A}" type="datetimeFigureOut">
               <a:rPr lang="he-IL" smtClean="0"/>
-              <a:t>כ'/שבט/תשפ"ד</a:t>
+              <a:t>כ"ב/חשון/תשפ"ה</a:t>
             </a:fld>
             <a:endParaRPr lang="he-IL"/>
           </a:p>
@@ -3857,7 +4603,7 @@
           <a:p>
             <a:fld id="{02109FA5-8937-4EFE-A1A6-BD6EB76E3D9A}" type="datetimeFigureOut">
               <a:rPr lang="he-IL" smtClean="0"/>
-              <a:t>כ'/שבט/תשפ"ד</a:t>
+              <a:t>כ"ב/חשון/תשפ"ה</a:t>
             </a:fld>
             <a:endParaRPr lang="he-IL"/>
           </a:p>
@@ -4150,7 +4896,7 @@
           <a:p>
             <a:fld id="{02109FA5-8937-4EFE-A1A6-BD6EB76E3D9A}" type="datetimeFigureOut">
               <a:rPr lang="he-IL" smtClean="0"/>
-              <a:t>כ'/שבט/תשפ"ד</a:t>
+              <a:t>כ"ב/חשון/תשפ"ה</a:t>
             </a:fld>
             <a:endParaRPr lang="he-IL"/>
           </a:p>
@@ -4393,7 +5139,7 @@
           <a:p>
             <a:fld id="{02109FA5-8937-4EFE-A1A6-BD6EB76E3D9A}" type="datetimeFigureOut">
               <a:rPr lang="he-IL" smtClean="0"/>
-              <a:t>כ'/שבט/תשפ"ד</a:t>
+              <a:t>כ"ב/חשון/תשפ"ה</a:t>
             </a:fld>
             <a:endParaRPr lang="he-IL"/>
           </a:p>
@@ -4832,7 +5578,7 @@
         </p:blipFill>
         <p:spPr>
           <a:xfrm>
-            <a:off x="0" y="-3259"/>
+            <a:off x="0" y="6573"/>
             <a:ext cx="12192000" cy="6858000"/>
           </a:xfrm>
           <a:prstGeom prst="rect">
@@ -4862,7 +5608,7 @@
         </p:blipFill>
         <p:spPr>
           <a:xfrm>
-            <a:off x="8170096" y="2004365"/>
+            <a:off x="8535439" y="2108749"/>
             <a:ext cx="1998805" cy="3028493"/>
           </a:xfrm>
           <a:prstGeom prst="rect">
@@ -4870,6 +5616,108 @@
           </a:prstGeom>
         </p:spPr>
       </p:pic>
+      <p:sp>
+        <p:nvSpPr>
+          <p:cNvPr id="10" name="TextBox 9">
+            <a:extLst>
+              <a:ext uri="{FF2B5EF4-FFF2-40B4-BE49-F238E27FC236}">
+                <a16:creationId xmlns:a16="http://schemas.microsoft.com/office/drawing/2014/main" id="{41D002C8-CC40-FE0D-6F22-238967E65159}"/>
+              </a:ext>
+            </a:extLst>
+          </p:cNvPr>
+          <p:cNvSpPr txBox="1"/>
+          <p:nvPr/>
+        </p:nvSpPr>
+        <p:spPr>
+          <a:xfrm>
+            <a:off x="1750647" y="2551633"/>
+            <a:ext cx="6585401" cy="2416046"/>
+          </a:xfrm>
+          <a:prstGeom prst="rect">
+            <a:avLst/>
+          </a:prstGeom>
+          <a:noFill/>
+        </p:spPr>
+        <p:txBody>
+          <a:bodyPr wrap="square" lIns="91440" tIns="45720" rIns="91440" bIns="45720" rtlCol="0" anchor="t">
+            <a:spAutoFit/>
+          </a:bodyPr>
+          <a:lstStyle/>
+          <a:p>
+            <a:pPr algn="l">
+              <a:lnSpc>
+                <a:spcPts val="6000"/>
+              </a:lnSpc>
+            </a:pPr>
+            <a:r>
+              <a:rPr lang="en-US" sz="6000" b="1" dirty="0">
+                <a:solidFill>
+                  <a:srgbClr val="E1FD21"/>
+                </a:solidFill>
+                <a:effectLst/>
+                <a:latin typeface="Miriam Libre"/>
+                <a:ea typeface="3270 CONDENSED" panose="02000509000000000000" pitchFamily="49" charset="0"/>
+                <a:cs typeface="Miriam Libre"/>
+              </a:rPr>
+              <a:t>Session #</a:t>
+            </a:r>
+            <a:r>
+              <a:rPr lang="en-US" sz="6000" b="1" dirty="0">
+                <a:solidFill>
+                  <a:srgbClr val="E1FD21"/>
+                </a:solidFill>
+                <a:latin typeface="Miriam Libre"/>
+                <a:ea typeface="3270 CONDENSED" panose="02000509000000000000" pitchFamily="49" charset="0"/>
+                <a:cs typeface="Miriam Libre"/>
+              </a:rPr>
+              <a:t>2</a:t>
+            </a:r>
+            <a:endParaRPr lang="en-US" sz="6000" b="1" dirty="0">
+              <a:solidFill>
+                <a:srgbClr val="E1FD21"/>
+              </a:solidFill>
+              <a:effectLst/>
+              <a:latin typeface="Miriam Libre" pitchFamily="2" charset="-79"/>
+              <a:ea typeface="3270 CONDENSED" panose="02000509000000000000" pitchFamily="49" charset="0"/>
+              <a:cs typeface="Miriam Libre" pitchFamily="2" charset="-79"/>
+            </a:endParaRPr>
+          </a:p>
+          <a:p>
+            <a:pPr>
+              <a:lnSpc>
+                <a:spcPts val="6000"/>
+              </a:lnSpc>
+            </a:pPr>
+            <a:r>
+              <a:rPr lang="en-US" sz="5400" b="1" dirty="0">
+                <a:solidFill>
+                  <a:schemeClr val="bg1"/>
+                </a:solidFill>
+                <a:latin typeface="Miriam Libre"/>
+                <a:cs typeface="Miriam Libre"/>
+              </a:rPr>
+              <a:t>Web Exploitation</a:t>
+            </a:r>
+          </a:p>
+          <a:p>
+            <a:pPr>
+              <a:lnSpc>
+                <a:spcPts val="6000"/>
+              </a:lnSpc>
+            </a:pPr>
+            <a:r>
+              <a:rPr lang="en-US" sz="4000" b="1" dirty="0">
+                <a:solidFill>
+                  <a:schemeClr val="bg1"/>
+                </a:solidFill>
+                <a:latin typeface="Miriam Libre"/>
+                <a:cs typeface="Miriam Libre"/>
+              </a:rPr>
+              <a:t>SQL Injection</a:t>
+            </a:r>
+          </a:p>
+        </p:txBody>
+      </p:sp>
       <p:pic>
         <p:nvPicPr>
           <p:cNvPr id="12" name="Picture 11">
@@ -4965,30 +5813,22 @@
           <a:noFill/>
         </p:spPr>
         <p:txBody>
-          <a:bodyPr wrap="square" rtlCol="0">
+          <a:bodyPr wrap="square" lIns="91440" tIns="45720" rIns="91440" bIns="45720" rtlCol="0" anchor="t">
             <a:spAutoFit/>
           </a:bodyPr>
           <a:lstStyle/>
           <a:p>
             <a:r>
-              <a:rPr lang="en-US" dirty="0">
+              <a:rPr lang="en-US">
                 <a:solidFill>
                   <a:schemeClr val="bg1"/>
                 </a:solidFill>
-                <a:effectLst/>
-                <a:latin typeface="Miriam Libre" pitchFamily="2" charset="-79"/>
-                <a:cs typeface="Miriam Libre" pitchFamily="2" charset="-79"/>
+                <a:latin typeface="Miriam Libre"/>
+                <a:cs typeface="Miriam Libre"/>
               </a:rPr>
-              <a:t>January 2024</a:t>
-            </a:r>
-            <a:endParaRPr lang="he-IL" dirty="0">
-              <a:solidFill>
-                <a:schemeClr val="bg1"/>
-              </a:solidFill>
-              <a:effectLst/>
-              <a:latin typeface="Miriam Libre" pitchFamily="2" charset="-79"/>
-              <a:cs typeface="Miriam Libre" pitchFamily="2" charset="-79"/>
-            </a:endParaRPr>
+              <a:t>Winter 2024/25</a:t>
+            </a:r>
+            <a:endParaRPr lang="en-US"/>
           </a:p>
         </p:txBody>
       </p:sp>
@@ -5022,82 +5862,6 @@
           </a:prstGeom>
         </p:spPr>
       </p:pic>
-      <p:sp>
-        <p:nvSpPr>
-          <p:cNvPr id="3" name="TextBox 2">
-            <a:extLst>
-              <a:ext uri="{FF2B5EF4-FFF2-40B4-BE49-F238E27FC236}">
-                <a16:creationId xmlns:a16="http://schemas.microsoft.com/office/drawing/2014/main" id="{CE82530B-2F42-6F0E-243B-7A2F08DDA1C0}"/>
-              </a:ext>
-            </a:extLst>
-          </p:cNvPr>
-          <p:cNvSpPr txBox="1"/>
-          <p:nvPr/>
-        </p:nvSpPr>
-        <p:spPr>
-          <a:xfrm>
-            <a:off x="1189703" y="3340650"/>
-            <a:ext cx="6923609" cy="1669688"/>
-          </a:xfrm>
-          <a:prstGeom prst="rect">
-            <a:avLst/>
-          </a:prstGeom>
-          <a:noFill/>
-        </p:spPr>
-        <p:txBody>
-          <a:bodyPr wrap="square" rtlCol="0">
-            <a:spAutoFit/>
-          </a:bodyPr>
-          <a:lstStyle/>
-          <a:p>
-            <a:pPr algn="l">
-              <a:lnSpc>
-                <a:spcPts val="6000"/>
-              </a:lnSpc>
-            </a:pPr>
-            <a:r>
-              <a:rPr lang="en-US" sz="6000" b="1" dirty="0">
-                <a:solidFill>
-                  <a:srgbClr val="E1FD21"/>
-                </a:solidFill>
-                <a:effectLst/>
-                <a:latin typeface="Miriam Libre" pitchFamily="2" charset="-79"/>
-                <a:ea typeface="3270 CONDENSED" panose="02000509000000000000" pitchFamily="49" charset="0"/>
-                <a:cs typeface="Miriam Libre" pitchFamily="2" charset="-79"/>
-              </a:rPr>
-              <a:t>Session #2</a:t>
-            </a:r>
-          </a:p>
-          <a:p>
-            <a:pPr algn="l">
-              <a:lnSpc>
-                <a:spcPts val="6000"/>
-              </a:lnSpc>
-            </a:pPr>
-            <a:r>
-              <a:rPr lang="en-US" sz="6000" b="1" dirty="0">
-                <a:solidFill>
-                  <a:schemeClr val="bg1"/>
-                </a:solidFill>
-                <a:effectLst/>
-                <a:latin typeface="Miriam Libre" pitchFamily="2" charset="-79"/>
-                <a:ea typeface="3270 CONDENSED" panose="02000509000000000000" pitchFamily="49" charset="0"/>
-                <a:cs typeface="Miriam Libre" pitchFamily="2" charset="-79"/>
-              </a:rPr>
-              <a:t>Web Exploitation</a:t>
-            </a:r>
-            <a:endParaRPr lang="he-IL" sz="6000" b="1" dirty="0">
-              <a:solidFill>
-                <a:schemeClr val="bg1"/>
-              </a:solidFill>
-              <a:effectLst/>
-              <a:latin typeface="Miriam Libre" pitchFamily="2" charset="-79"/>
-              <a:ea typeface="3270 CONDENSED" panose="02000509000000000000" pitchFamily="49" charset="0"/>
-              <a:cs typeface="Miriam Libre" pitchFamily="2" charset="-79"/>
-            </a:endParaRPr>
-          </a:p>
-        </p:txBody>
-      </p:sp>
     </p:spTree>
     <p:extLst>
       <p:ext uri="{BB962C8B-B14F-4D97-AF65-F5344CB8AC3E}">
@@ -5208,7 +5972,7 @@
           <a:lstStyle/>
           <a:p>
             <a:pPr marL="0" algn="ctr" defTabSz="914400" rtl="0" eaLnBrk="1" latinLnBrk="0" hangingPunct="1"/>
-            <a:endParaRPr lang="en-IL" dirty="0"/>
+            <a:endParaRPr lang="en-IL"/>
           </a:p>
         </p:txBody>
       </p:sp>
@@ -5253,12 +6017,41 @@
           </a:fontRef>
         </p:style>
       </p:cxnSp>
-      <p:sp>
-        <p:nvSpPr>
-          <p:cNvPr id="8" name="TextBox 7">
-            <a:extLst>
-              <a:ext uri="{FF2B5EF4-FFF2-40B4-BE49-F238E27FC236}">
-                <a16:creationId xmlns:a16="http://schemas.microsoft.com/office/drawing/2014/main" id="{9E2D4994-61E5-995F-BDA0-2FC0F1B87884}"/>
+      <p:pic>
+        <p:nvPicPr>
+          <p:cNvPr id="11" name="Picture 10">
+            <a:extLst>
+              <a:ext uri="{FF2B5EF4-FFF2-40B4-BE49-F238E27FC236}">
+                <a16:creationId xmlns:a16="http://schemas.microsoft.com/office/drawing/2014/main" id="{9C0DC1BB-F10B-06AB-68E6-BEC246A4E787}"/>
+              </a:ext>
+            </a:extLst>
+          </p:cNvPr>
+          <p:cNvPicPr>
+            <a:picLocks noChangeAspect="1"/>
+          </p:cNvPicPr>
+          <p:nvPr/>
+        </p:nvPicPr>
+        <p:blipFill>
+          <a:blip r:embed="rId4"/>
+          <a:srcRect/>
+          <a:stretch/>
+        </p:blipFill>
+        <p:spPr>
+          <a:xfrm>
+            <a:off x="8495747" y="6366654"/>
+            <a:ext cx="2989117" cy="243717"/>
+          </a:xfrm>
+          <a:prstGeom prst="rect">
+            <a:avLst/>
+          </a:prstGeom>
+        </p:spPr>
+      </p:pic>
+      <p:sp>
+        <p:nvSpPr>
+          <p:cNvPr id="4" name="TextBox 3">
+            <a:extLst>
+              <a:ext uri="{FF2B5EF4-FFF2-40B4-BE49-F238E27FC236}">
+                <a16:creationId xmlns:a16="http://schemas.microsoft.com/office/drawing/2014/main" id="{A56F6798-CB7E-F967-5BAF-A562F7DB9950}"/>
               </a:ext>
             </a:extLst>
           </p:cNvPr>
@@ -5267,8 +6060,8 @@
         </p:nvSpPr>
         <p:spPr>
           <a:xfrm>
-            <a:off x="707135" y="1432533"/>
-            <a:ext cx="10777729" cy="4339650"/>
+            <a:off x="604498" y="297371"/>
+            <a:ext cx="11016714" cy="707886"/>
           </a:xfrm>
           <a:prstGeom prst="rect">
             <a:avLst/>
@@ -5276,32 +6069,78 @@
           <a:noFill/>
         </p:spPr>
         <p:txBody>
-          <a:bodyPr wrap="square" rtlCol="0">
+          <a:bodyPr wrap="square" lIns="91440" tIns="45720" rIns="91440" bIns="45720" rtlCol="0" anchor="t">
             <a:spAutoFit/>
           </a:bodyPr>
           <a:lstStyle/>
           <a:p>
-            <a:pPr algn="ctr">
-              <a:lnSpc>
-                <a:spcPct val="150000"/>
-              </a:lnSpc>
-            </a:pPr>
-            <a:endParaRPr lang="en-US" sz="2400" dirty="0">
-              <a:solidFill>
-                <a:schemeClr val="bg1"/>
-              </a:solidFill>
-              <a:effectLst/>
-              <a:latin typeface="Miriam Libre" pitchFamily="2" charset="-79"/>
-              <a:cs typeface="Miriam Libre" pitchFamily="2" charset="-79"/>
-            </a:endParaRPr>
-          </a:p>
-          <a:p>
-            <a:pPr algn="ctr">
-              <a:lnSpc>
-                <a:spcPct val="150000"/>
-              </a:lnSpc>
-            </a:pPr>
-            <a:endParaRPr lang="en-US" sz="2400" dirty="0">
+            <a:r>
+              <a:rPr lang="en-US" sz="4000" b="1">
+                <a:solidFill>
+                  <a:srgbClr val="E2FE21"/>
+                </a:solidFill>
+                <a:latin typeface="Miriam Libre"/>
+                <a:ea typeface="+mn-lt"/>
+                <a:cs typeface="Miriam Libre"/>
+              </a:rPr>
+              <a:t>SQL Injection - Intro</a:t>
+            </a:r>
+            <a:endParaRPr lang="en-US"/>
+          </a:p>
+        </p:txBody>
+      </p:sp>
+      <p:sp>
+        <p:nvSpPr>
+          <p:cNvPr id="12" name="TextBox 11">
+            <a:extLst>
+              <a:ext uri="{FF2B5EF4-FFF2-40B4-BE49-F238E27FC236}">
+                <a16:creationId xmlns:a16="http://schemas.microsoft.com/office/drawing/2014/main" id="{8DB64316-BED0-E985-D34B-5228710A02F8}"/>
+              </a:ext>
+            </a:extLst>
+          </p:cNvPr>
+          <p:cNvSpPr txBox="1"/>
+          <p:nvPr/>
+        </p:nvSpPr>
+        <p:spPr>
+          <a:xfrm>
+            <a:off x="707135" y="6373039"/>
+            <a:ext cx="6097218" cy="246221"/>
+          </a:xfrm>
+          <a:prstGeom prst="rect">
+            <a:avLst/>
+          </a:prstGeom>
+          <a:noFill/>
+        </p:spPr>
+        <p:txBody>
+          <a:bodyPr wrap="square">
+            <a:spAutoFit/>
+          </a:bodyPr>
+          <a:lstStyle/>
+          <a:p>
+            <a:pPr marL="0" defTabSz="914400" eaLnBrk="1" latinLnBrk="0" hangingPunct="1"/>
+            <a:r>
+              <a:rPr lang="en-US" sz="1000">
+                <a:solidFill>
+                  <a:srgbClr val="E2FE21"/>
+                </a:solidFill>
+                <a:effectLst/>
+                <a:latin typeface="Miriam Libre" pitchFamily="2" charset="-79"/>
+                <a:cs typeface="Miriam Libre" pitchFamily="2" charset="-79"/>
+              </a:rPr>
+              <a:t>01</a:t>
+            </a:r>
+            <a:r>
+              <a:rPr lang="en-US" sz="1000">
+                <a:solidFill>
+                  <a:schemeClr val="bg1"/>
+                </a:solidFill>
+                <a:effectLst/>
+                <a:latin typeface="Miriam Libre" pitchFamily="2" charset="-79"/>
+                <a:cs typeface="Miriam Libre" pitchFamily="2" charset="-79"/>
+              </a:rPr>
+              <a:t>       Introduction</a:t>
+            </a:r>
+            <a:endParaRPr lang="en-IL" sz="1000">
               <a:solidFill>
                 <a:schemeClr val="bg1"/>
               </a:solidFill>
@@ -5309,28 +6148,54 @@
               <a:cs typeface="Miriam Libre" pitchFamily="2" charset="-79"/>
             </a:endParaRPr>
           </a:p>
-          <a:p>
-            <a:pPr algn="ctr">
+        </p:txBody>
+      </p:sp>
+      <p:sp>
+        <p:nvSpPr>
+          <p:cNvPr id="3" name="TextBox 2">
+            <a:extLst>
+              <a:ext uri="{FF2B5EF4-FFF2-40B4-BE49-F238E27FC236}">
+                <a16:creationId xmlns:a16="http://schemas.microsoft.com/office/drawing/2014/main" id="{7438A983-7AC4-63FF-EA9C-6085ED22683F}"/>
+              </a:ext>
+            </a:extLst>
+          </p:cNvPr>
+          <p:cNvSpPr txBox="1"/>
+          <p:nvPr/>
+        </p:nvSpPr>
+        <p:spPr>
+          <a:xfrm>
+            <a:off x="542553" y="1273452"/>
+            <a:ext cx="10659948" cy="6140142"/>
+          </a:xfrm>
+          <a:prstGeom prst="rect">
+            <a:avLst/>
+          </a:prstGeom>
+          <a:noFill/>
+        </p:spPr>
+        <p:txBody>
+          <a:bodyPr wrap="square" lIns="91440" tIns="45720" rIns="91440" bIns="45720" rtlCol="0" anchor="t">
+            <a:spAutoFit/>
+          </a:bodyPr>
+          <a:lstStyle/>
+          <a:p>
+            <a:pPr marL="457200" indent="-457200">
               <a:lnSpc>
                 <a:spcPct val="150000"/>
               </a:lnSpc>
+              <a:buFont typeface="Arial"/>
+              <a:buChar char="•"/>
             </a:pPr>
-            <a:endParaRPr lang="en-US" sz="2400" dirty="0">
-              <a:solidFill>
-                <a:schemeClr val="bg1"/>
-              </a:solidFill>
-              <a:effectLst/>
-              <a:latin typeface="Miriam Libre" pitchFamily="2" charset="-79"/>
-              <a:cs typeface="Miriam Libre" pitchFamily="2" charset="-79"/>
-            </a:endParaRPr>
-          </a:p>
-          <a:p>
-            <a:pPr algn="ctr">
-              <a:lnSpc>
-                <a:spcPct val="150000"/>
-              </a:lnSpc>
-            </a:pPr>
-            <a:endParaRPr lang="en-US" sz="2400" dirty="0">
+            <a:r>
+              <a:rPr lang="en-US" sz="2400">
+                <a:solidFill>
+                  <a:schemeClr val="bg1"/>
+                </a:solidFill>
+                <a:latin typeface="Miriam Libre"/>
+                <a:cs typeface="Miriam Libre"/>
+              </a:rPr>
+              <a:t>SQL is a query language, which can use user's input.</a:t>
+            </a:r>
+            <a:endParaRPr lang="en-US" sz="2400">
               <a:solidFill>
                 <a:schemeClr val="bg1"/>
               </a:solidFill>
@@ -5339,27 +6204,14 @@
             </a:endParaRPr>
           </a:p>
           <a:p>
-            <a:pPr algn="ctr">
+            <a:pPr marL="457200" indent="-457200">
               <a:lnSpc>
                 <a:spcPct val="150000"/>
               </a:lnSpc>
+              <a:buFont typeface="Arial"/>
+              <a:buChar char="•"/>
             </a:pPr>
-            <a:endParaRPr lang="en-US" sz="2400" dirty="0">
-              <a:solidFill>
-                <a:schemeClr val="bg1"/>
-              </a:solidFill>
-              <a:effectLst/>
-              <a:latin typeface="Miriam Libre" pitchFamily="2" charset="-79"/>
-              <a:cs typeface="Miriam Libre" pitchFamily="2" charset="-79"/>
-            </a:endParaRPr>
-          </a:p>
-          <a:p>
-            <a:pPr algn="ctr">
-              <a:lnSpc>
-                <a:spcPct val="150000"/>
-              </a:lnSpc>
-            </a:pPr>
-            <a:endParaRPr lang="en-US" sz="2400" dirty="0">
+            <a:endParaRPr lang="en-US" sz="2400">
               <a:solidFill>
                 <a:schemeClr val="bg1"/>
               </a:solidFill>
@@ -5368,177 +6220,133 @@
             </a:endParaRPr>
           </a:p>
           <a:p>
-            <a:pPr algn="ctr">
+            <a:pPr marL="457200" indent="-457200">
+              <a:lnSpc>
+                <a:spcPct val="150000"/>
+              </a:lnSpc>
+              <a:buFont typeface="Arial"/>
+              <a:buChar char="•"/>
+            </a:pPr>
+            <a:r>
+              <a:rPr lang="en-US" sz="2400">
+                <a:solidFill>
+                  <a:schemeClr val="bg1"/>
+                </a:solidFill>
+                <a:latin typeface="Miriam Libre"/>
+                <a:cs typeface="Miriam Libre"/>
+              </a:rPr>
+              <a:t>Example SQL query – returns all the users that have 'foo' username and 'bar' password: </a:t>
+            </a:r>
+          </a:p>
+          <a:p>
+            <a:pPr>
               <a:lnSpc>
                 <a:spcPct val="150000"/>
               </a:lnSpc>
             </a:pPr>
-            <a:endParaRPr lang="en-US" sz="2400" dirty="0">
+            <a:r>
+              <a:rPr lang="en-US" sz="2400">
+                <a:solidFill>
+                  <a:schemeClr val="bg1"/>
+                </a:solidFill>
+                <a:latin typeface="Miriam Libre"/>
+                <a:cs typeface="Miriam Libre"/>
+              </a:rPr>
+              <a:t>   </a:t>
+            </a:r>
+            <a:r>
+              <a:rPr lang="en-US" sz="2400">
+                <a:solidFill>
+                  <a:schemeClr val="bg1"/>
+                </a:solidFill>
+                <a:ea typeface="+mn-lt"/>
+                <a:cs typeface="Miriam Libre"/>
+              </a:rPr>
+              <a:t>SELECT * FROM Users </a:t>
+            </a:r>
+          </a:p>
+          <a:p>
+            <a:pPr>
+              <a:lnSpc>
+                <a:spcPct val="150000"/>
+              </a:lnSpc>
+            </a:pPr>
+            <a:r>
+              <a:rPr lang="en-US" sz="2400">
+                <a:solidFill>
+                  <a:schemeClr val="bg1"/>
+                </a:solidFill>
+                <a:ea typeface="+mn-lt"/>
+                <a:cs typeface="Miriam Libre"/>
+              </a:rPr>
+              <a:t>   WHERE username = 'foo' AND password = 'bar'</a:t>
+            </a:r>
+          </a:p>
+          <a:p>
+            <a:pPr marL="457200" indent="-457200">
+              <a:lnSpc>
+                <a:spcPct val="150000"/>
+              </a:lnSpc>
+              <a:buFont typeface="Arial"/>
+              <a:buChar char="•"/>
+            </a:pPr>
+            <a:endParaRPr lang="en-US" sz="2400">
               <a:solidFill>
                 <a:schemeClr val="bg1"/>
               </a:solidFill>
-              <a:effectLst/>
-              <a:latin typeface="Miriam Libre" pitchFamily="2" charset="-79"/>
-              <a:cs typeface="Miriam Libre" pitchFamily="2" charset="-79"/>
+              <a:latin typeface="Miriam Libre"/>
+              <a:cs typeface="Miriam Libre"/>
             </a:endParaRPr>
           </a:p>
           <a:p>
-            <a:pPr algn="ctr"/>
-            <a:r>
-              <a:rPr lang="en-US" sz="2400" dirty="0">
+            <a:pPr marL="457200" indent="-457200">
+              <a:lnSpc>
+                <a:spcPct val="150000"/>
+              </a:lnSpc>
+              <a:buFont typeface="Arial"/>
+              <a:buChar char="•"/>
+            </a:pPr>
+            <a:r>
+              <a:rPr lang="en-US" sz="2400">
                 <a:solidFill>
                   <a:schemeClr val="bg1"/>
                 </a:solidFill>
-                <a:hlinkClick r:id="rId4">
-                  <a:extLst>
-                    <a:ext uri="{A12FA001-AC4F-418D-AE19-62706E023703}">
-                      <ahyp:hlinkClr xmlns:ahyp="http://schemas.microsoft.com/office/drawing/2018/hyperlinkcolor" val="tx"/>
-                    </a:ext>
-                  </a:extLst>
-                </a:hlinkClick>
+                <a:latin typeface="Miriam Libre"/>
+                <a:cs typeface="Miriam Libre"/>
               </a:rPr>
-              <a:t>https://play.picoctf.org/practice/challenge/46</a:t>
-            </a:r>
-            <a:endParaRPr lang="en-US" sz="2400" dirty="0">
-              <a:solidFill>
-                <a:schemeClr val="bg1"/>
-              </a:solidFill>
-            </a:endParaRPr>
-          </a:p>
-        </p:txBody>
-      </p:sp>
-      <p:pic>
-        <p:nvPicPr>
-          <p:cNvPr id="11" name="Picture 10">
-            <a:extLst>
-              <a:ext uri="{FF2B5EF4-FFF2-40B4-BE49-F238E27FC236}">
-                <a16:creationId xmlns:a16="http://schemas.microsoft.com/office/drawing/2014/main" id="{9C0DC1BB-F10B-06AB-68E6-BEC246A4E787}"/>
-              </a:ext>
-            </a:extLst>
-          </p:cNvPr>
-          <p:cNvPicPr>
-            <a:picLocks noChangeAspect="1"/>
-          </p:cNvPicPr>
-          <p:nvPr/>
-        </p:nvPicPr>
-        <p:blipFill>
-          <a:blip r:embed="rId5"/>
-          <a:srcRect/>
-          <a:stretch/>
-        </p:blipFill>
-        <p:spPr>
-          <a:xfrm>
-            <a:off x="8495747" y="6366654"/>
-            <a:ext cx="2989117" cy="243717"/>
-          </a:xfrm>
-          <a:prstGeom prst="rect">
-            <a:avLst/>
-          </a:prstGeom>
-        </p:spPr>
-      </p:pic>
-      <p:sp>
-        <p:nvSpPr>
-          <p:cNvPr id="4" name="TextBox 3">
-            <a:extLst>
-              <a:ext uri="{FF2B5EF4-FFF2-40B4-BE49-F238E27FC236}">
-                <a16:creationId xmlns:a16="http://schemas.microsoft.com/office/drawing/2014/main" id="{A56F6798-CB7E-F967-5BAF-A562F7DB9950}"/>
-              </a:ext>
-            </a:extLst>
-          </p:cNvPr>
-          <p:cNvSpPr txBox="1"/>
-          <p:nvPr/>
-        </p:nvSpPr>
-        <p:spPr>
-          <a:xfrm>
-            <a:off x="707135" y="576675"/>
-            <a:ext cx="7136374" cy="600164"/>
-          </a:xfrm>
-          <a:prstGeom prst="rect">
-            <a:avLst/>
-          </a:prstGeom>
-          <a:noFill/>
-        </p:spPr>
-        <p:txBody>
-          <a:bodyPr wrap="square" rtlCol="0">
-            <a:spAutoFit/>
-          </a:bodyPr>
-          <a:lstStyle/>
-          <a:p>
-            <a:pPr algn="l"/>
-            <a:r>
-              <a:rPr lang="en-US" sz="3300" b="1" dirty="0">
-                <a:solidFill>
-                  <a:srgbClr val="E2FE21"/>
-                </a:solidFill>
-                <a:effectLst/>
-                <a:latin typeface="Miriam Libre" pitchFamily="2" charset="-79"/>
-                <a:cs typeface="Miriam Libre" pitchFamily="2" charset="-79"/>
+              <a:t>Malicious users can exploit that and </a:t>
+            </a:r>
+            <a:r>
+              <a:rPr lang="en-US" sz="2400" b="1" u="sng">
+                <a:solidFill>
+                  <a:schemeClr val="bg1"/>
+                </a:solidFill>
+                <a:latin typeface="Miriam Libre"/>
+                <a:cs typeface="Miriam Libre"/>
               </a:rPr>
-              <a:t>Demo: broken access control</a:t>
-            </a:r>
-            <a:endParaRPr lang="he-IL" sz="3300" b="1" dirty="0">
-              <a:solidFill>
-                <a:srgbClr val="E2FE21"/>
-              </a:solidFill>
-              <a:effectLst/>
-              <a:latin typeface="Miriam Libre" pitchFamily="2" charset="-79"/>
-              <a:cs typeface="Miriam Libre" pitchFamily="2" charset="-79"/>
-            </a:endParaRPr>
-          </a:p>
-        </p:txBody>
-      </p:sp>
-      <p:sp>
-        <p:nvSpPr>
-          <p:cNvPr id="12" name="TextBox 11">
-            <a:extLst>
-              <a:ext uri="{FF2B5EF4-FFF2-40B4-BE49-F238E27FC236}">
-                <a16:creationId xmlns:a16="http://schemas.microsoft.com/office/drawing/2014/main" id="{8DB64316-BED0-E985-D34B-5228710A02F8}"/>
-              </a:ext>
-            </a:extLst>
-          </p:cNvPr>
-          <p:cNvSpPr txBox="1"/>
-          <p:nvPr/>
-        </p:nvSpPr>
-        <p:spPr>
-          <a:xfrm>
-            <a:off x="707135" y="6373039"/>
-            <a:ext cx="6097218" cy="246221"/>
-          </a:xfrm>
-          <a:prstGeom prst="rect">
-            <a:avLst/>
-          </a:prstGeom>
-          <a:noFill/>
-        </p:spPr>
-        <p:txBody>
-          <a:bodyPr wrap="square">
-            <a:spAutoFit/>
-          </a:bodyPr>
-          <a:lstStyle/>
-          <a:p>
-            <a:pPr marL="0" defTabSz="914400" eaLnBrk="1" latinLnBrk="0" hangingPunct="1"/>
-            <a:r>
-              <a:rPr lang="en-US" sz="1000" dirty="0">
-                <a:solidFill>
-                  <a:srgbClr val="E2FE21"/>
-                </a:solidFill>
-                <a:effectLst/>
-                <a:latin typeface="Miriam Libre" pitchFamily="2" charset="-79"/>
-                <a:cs typeface="Miriam Libre" pitchFamily="2" charset="-79"/>
+              <a:t>break</a:t>
+            </a:r>
+            <a:r>
+              <a:rPr lang="en-US" sz="2400">
+                <a:solidFill>
+                  <a:schemeClr val="bg1"/>
+                </a:solidFill>
+                <a:latin typeface="Miriam Libre"/>
+                <a:cs typeface="Miriam Libre"/>
               </a:rPr>
-              <a:t>02</a:t>
-            </a:r>
-            <a:r>
-              <a:rPr lang="en-US" sz="1000" dirty="0">
+              <a:t> the logic of the query.</a:t>
+            </a:r>
+            <a:r>
+              <a:rPr lang="en-US" sz="2400" b="1">
                 <a:solidFill>
                   <a:schemeClr val="bg1"/>
                 </a:solidFill>
-                <a:effectLst/>
-                <a:latin typeface="Miriam Libre" pitchFamily="2" charset="-79"/>
-                <a:cs typeface="Miriam Libre" pitchFamily="2" charset="-79"/>
+                <a:latin typeface="Miriam Libre"/>
+                <a:cs typeface="Miriam Libre"/>
               </a:rPr>
-              <a:t>       Web Exploitation</a:t>
-            </a:r>
-            <a:endParaRPr lang="en-IL" sz="1000" dirty="0">
+              <a:t> </a:t>
+            </a:r>
+            <a:endParaRPr lang="en-US" sz="2400" b="1">
               <a:solidFill>
                 <a:schemeClr val="bg1"/>
               </a:solidFill>
@@ -5546,56 +6354,60 @@
               <a:cs typeface="Miriam Libre" pitchFamily="2" charset="-79"/>
             </a:endParaRPr>
           </a:p>
-        </p:txBody>
-      </p:sp>
-      <p:pic>
-        <p:nvPicPr>
-          <p:cNvPr id="2" name="Picture 1">
-            <a:extLst>
-              <a:ext uri="{FF2B5EF4-FFF2-40B4-BE49-F238E27FC236}">
-                <a16:creationId xmlns:a16="http://schemas.microsoft.com/office/drawing/2014/main" id="{216901CD-C582-5D38-5602-C23554AC1C47}"/>
-              </a:ext>
-            </a:extLst>
-          </p:cNvPr>
-          <p:cNvPicPr>
-            <a:picLocks noChangeAspect="1"/>
-          </p:cNvPicPr>
-          <p:nvPr/>
-        </p:nvPicPr>
-        <p:blipFill>
-          <a:blip r:embed="rId6"/>
-          <a:stretch>
-            <a:fillRect/>
-          </a:stretch>
-        </p:blipFill>
-        <p:spPr>
-          <a:xfrm>
-            <a:off x="2582875" y="1824851"/>
-            <a:ext cx="7026249" cy="3208298"/>
-          </a:xfrm>
-          <a:prstGeom prst="rect">
-            <a:avLst/>
-          </a:prstGeom>
-          <a:ln w="12700" cap="sq">
-            <a:solidFill>
-              <a:srgbClr val="000000"/>
-            </a:solidFill>
-            <a:prstDash val="solid"/>
-            <a:miter lim="800000"/>
-          </a:ln>
-          <a:effectLst>
-            <a:outerShdw blurRad="50800" dist="38100" dir="2700000" algn="tl" rotWithShape="0">
-              <a:srgbClr val="000000">
-                <a:alpha val="43000"/>
-              </a:srgbClr>
-            </a:outerShdw>
-          </a:effectLst>
-        </p:spPr>
-      </p:pic>
+          <a:p>
+            <a:pPr marL="457200" indent="-457200">
+              <a:lnSpc>
+                <a:spcPct val="150000"/>
+              </a:lnSpc>
+              <a:buFont typeface="Arial"/>
+              <a:buChar char="•"/>
+            </a:pPr>
+            <a:endParaRPr lang="en-US" sz="2400" b="1">
+              <a:solidFill>
+                <a:schemeClr val="bg1"/>
+              </a:solidFill>
+              <a:latin typeface="Miriam Libre" pitchFamily="2" charset="-79"/>
+              <a:cs typeface="Miriam Libre" pitchFamily="2" charset="-79"/>
+            </a:endParaRPr>
+          </a:p>
+          <a:p>
+            <a:pPr marL="457200" indent="-457200">
+              <a:lnSpc>
+                <a:spcPct val="150000"/>
+              </a:lnSpc>
+              <a:buFont typeface="Arial"/>
+              <a:buChar char="•"/>
+            </a:pPr>
+            <a:endParaRPr lang="en-US" sz="2400">
+              <a:solidFill>
+                <a:schemeClr val="bg1"/>
+              </a:solidFill>
+              <a:latin typeface="Miriam Libre" pitchFamily="2" charset="-79"/>
+              <a:cs typeface="Miriam Libre" pitchFamily="2" charset="-79"/>
+            </a:endParaRPr>
+          </a:p>
+          <a:p>
+            <a:pPr marL="285750" indent="-285750">
+              <a:lnSpc>
+                <a:spcPct val="150000"/>
+              </a:lnSpc>
+              <a:buFont typeface="Arial" panose="020B0604020202020204" pitchFamily="34" charset="0"/>
+              <a:buChar char="•"/>
+            </a:pPr>
+            <a:endParaRPr lang="en-US" sz="2400">
+              <a:solidFill>
+                <a:schemeClr val="bg1"/>
+              </a:solidFill>
+              <a:latin typeface="Miriam Libre" pitchFamily="2" charset="-79"/>
+              <a:cs typeface="Miriam Libre" pitchFamily="2" charset="-79"/>
+            </a:endParaRPr>
+          </a:p>
+        </p:txBody>
+      </p:sp>
     </p:spTree>
     <p:extLst>
       <p:ext uri="{BB962C8B-B14F-4D97-AF65-F5344CB8AC3E}">
-        <p14:creationId xmlns:p14="http://schemas.microsoft.com/office/powerpoint/2010/main" val="4285844870"/>
+        <p14:creationId xmlns:p14="http://schemas.microsoft.com/office/powerpoint/2010/main" val="3636506714"/>
       </p:ext>
     </p:extLst>
   </p:cSld>
@@ -5702,7 +6514,7 @@
           <a:lstStyle/>
           <a:p>
             <a:pPr marL="0" algn="ctr" defTabSz="914400" rtl="0" eaLnBrk="1" latinLnBrk="0" hangingPunct="1"/>
-            <a:endParaRPr lang="en-IL" dirty="0"/>
+            <a:endParaRPr lang="en-IL"/>
           </a:p>
         </p:txBody>
       </p:sp>
@@ -5747,255 +6559,6 @@
           </a:fontRef>
         </p:style>
       </p:cxnSp>
-      <p:sp>
-        <p:nvSpPr>
-          <p:cNvPr id="8" name="TextBox 7">
-            <a:extLst>
-              <a:ext uri="{FF2B5EF4-FFF2-40B4-BE49-F238E27FC236}">
-                <a16:creationId xmlns:a16="http://schemas.microsoft.com/office/drawing/2014/main" id="{9E2D4994-61E5-995F-BDA0-2FC0F1B87884}"/>
-              </a:ext>
-            </a:extLst>
-          </p:cNvPr>
-          <p:cNvSpPr txBox="1"/>
-          <p:nvPr/>
-        </p:nvSpPr>
-        <p:spPr>
-          <a:xfrm>
-            <a:off x="707135" y="1432533"/>
-            <a:ext cx="10777729" cy="4905189"/>
-          </a:xfrm>
-          <a:prstGeom prst="rect">
-            <a:avLst/>
-          </a:prstGeom>
-          <a:noFill/>
-        </p:spPr>
-        <p:txBody>
-          <a:bodyPr wrap="square" rtlCol="0">
-            <a:spAutoFit/>
-          </a:bodyPr>
-          <a:lstStyle/>
-          <a:p>
-            <a:pPr marL="285750" indent="-285750">
-              <a:lnSpc>
-                <a:spcPct val="150000"/>
-              </a:lnSpc>
-              <a:buFont typeface="Arial" panose="020B0604020202020204" pitchFamily="34" charset="0"/>
-              <a:buChar char="•"/>
-            </a:pPr>
-            <a:r>
-              <a:rPr lang="en-US" sz="2400" dirty="0">
-                <a:solidFill>
-                  <a:schemeClr val="bg1"/>
-                </a:solidFill>
-                <a:latin typeface="Miriam Libre" pitchFamily="2" charset="-79"/>
-                <a:cs typeface="Miriam Libre" pitchFamily="2" charset="-79"/>
-              </a:rPr>
-              <a:t>Client-side code…</a:t>
-            </a:r>
-          </a:p>
-          <a:p>
-            <a:pPr marL="742950" lvl="1" indent="-285750">
-              <a:lnSpc>
-                <a:spcPct val="150000"/>
-              </a:lnSpc>
-              <a:buFont typeface="Arial" panose="020B0604020202020204" pitchFamily="34" charset="0"/>
-              <a:buChar char="•"/>
-            </a:pPr>
-            <a:r>
-              <a:rPr lang="en-US" dirty="0">
-                <a:solidFill>
-                  <a:schemeClr val="bg1"/>
-                </a:solidFill>
-                <a:effectLst/>
-                <a:latin typeface="Miriam Libre" pitchFamily="2" charset="-79"/>
-                <a:cs typeface="Miriam Libre" pitchFamily="2" charset="-79"/>
-              </a:rPr>
-              <a:t>Runs on the user’s browser</a:t>
-            </a:r>
-          </a:p>
-          <a:p>
-            <a:pPr marL="742950" lvl="1" indent="-285750">
-              <a:lnSpc>
-                <a:spcPct val="150000"/>
-              </a:lnSpc>
-              <a:buFont typeface="Arial" panose="020B0604020202020204" pitchFamily="34" charset="0"/>
-              <a:buChar char="•"/>
-            </a:pPr>
-            <a:r>
-              <a:rPr lang="en-US" dirty="0">
-                <a:solidFill>
-                  <a:schemeClr val="bg1"/>
-                </a:solidFill>
-                <a:latin typeface="Miriam Libre" pitchFamily="2" charset="-79"/>
-                <a:cs typeface="Miriam Libre" pitchFamily="2" charset="-79"/>
-              </a:rPr>
-              <a:t>The user can access it</a:t>
-            </a:r>
-          </a:p>
-          <a:p>
-            <a:pPr marL="742950" lvl="1" indent="-285750">
-              <a:lnSpc>
-                <a:spcPct val="150000"/>
-              </a:lnSpc>
-              <a:buFont typeface="Arial" panose="020B0604020202020204" pitchFamily="34" charset="0"/>
-              <a:buChar char="•"/>
-            </a:pPr>
-            <a:r>
-              <a:rPr lang="en-US" dirty="0">
-                <a:solidFill>
-                  <a:schemeClr val="bg1"/>
-                </a:solidFill>
-                <a:effectLst/>
-                <a:latin typeface="Miriam Libre" pitchFamily="2" charset="-79"/>
-                <a:cs typeface="Miriam Libre" pitchFamily="2" charset="-79"/>
-              </a:rPr>
-              <a:t>These are the HTML, CSS, JS files we’ve seen</a:t>
-            </a:r>
-          </a:p>
-          <a:p>
-            <a:pPr marL="285750" indent="-285750">
-              <a:lnSpc>
-                <a:spcPct val="150000"/>
-              </a:lnSpc>
-              <a:buFont typeface="Arial" panose="020B0604020202020204" pitchFamily="34" charset="0"/>
-              <a:buChar char="•"/>
-            </a:pPr>
-            <a:r>
-              <a:rPr lang="en-US" sz="2400" dirty="0">
-                <a:solidFill>
-                  <a:schemeClr val="bg1"/>
-                </a:solidFill>
-                <a:latin typeface="Miriam Libre" pitchFamily="2" charset="-79"/>
-                <a:cs typeface="Miriam Libre" pitchFamily="2" charset="-79"/>
-              </a:rPr>
-              <a:t>Server-side code…</a:t>
-            </a:r>
-          </a:p>
-          <a:p>
-            <a:pPr marL="742950" lvl="1" indent="-285750">
-              <a:lnSpc>
-                <a:spcPct val="150000"/>
-              </a:lnSpc>
-              <a:buFont typeface="Arial" panose="020B0604020202020204" pitchFamily="34" charset="0"/>
-              <a:buChar char="•"/>
-            </a:pPr>
-            <a:r>
-              <a:rPr lang="en-US" dirty="0">
-                <a:solidFill>
-                  <a:schemeClr val="bg1"/>
-                </a:solidFill>
-                <a:effectLst/>
-                <a:latin typeface="Miriam Libre" pitchFamily="2" charset="-79"/>
-                <a:cs typeface="Miriam Libre" pitchFamily="2" charset="-79"/>
-              </a:rPr>
-              <a:t>Runs on the web server</a:t>
-            </a:r>
-          </a:p>
-          <a:p>
-            <a:pPr marL="742950" lvl="1" indent="-285750">
-              <a:lnSpc>
-                <a:spcPct val="150000"/>
-              </a:lnSpc>
-              <a:buFont typeface="Arial" panose="020B0604020202020204" pitchFamily="34" charset="0"/>
-              <a:buChar char="•"/>
-            </a:pPr>
-            <a:r>
-              <a:rPr lang="en-US" dirty="0">
-                <a:solidFill>
-                  <a:schemeClr val="bg1"/>
-                </a:solidFill>
-                <a:latin typeface="Miriam Libre" pitchFamily="2" charset="-79"/>
-                <a:cs typeface="Miriam Libre" pitchFamily="2" charset="-79"/>
-              </a:rPr>
-              <a:t>The user can’t access it</a:t>
-            </a:r>
-          </a:p>
-          <a:p>
-            <a:pPr marL="742950" lvl="1" indent="-285750">
-              <a:lnSpc>
-                <a:spcPct val="150000"/>
-              </a:lnSpc>
-              <a:buFont typeface="Arial" panose="020B0604020202020204" pitchFamily="34" charset="0"/>
-              <a:buChar char="•"/>
-            </a:pPr>
-            <a:r>
-              <a:rPr lang="en-US" dirty="0">
-                <a:solidFill>
-                  <a:schemeClr val="bg1"/>
-                </a:solidFill>
-                <a:effectLst/>
-                <a:latin typeface="Miriam Libre" pitchFamily="2" charset="-79"/>
-                <a:cs typeface="Miriam Libre" pitchFamily="2" charset="-79"/>
-              </a:rPr>
-              <a:t>Determines how the server responds to each request</a:t>
-            </a:r>
-          </a:p>
-          <a:p>
-            <a:pPr marL="742950" lvl="1" indent="-285750">
-              <a:lnSpc>
-                <a:spcPct val="150000"/>
-              </a:lnSpc>
-              <a:buFont typeface="Arial" panose="020B0604020202020204" pitchFamily="34" charset="0"/>
-              <a:buChar char="•"/>
-            </a:pPr>
-            <a:r>
-              <a:rPr lang="en-US" dirty="0">
-                <a:solidFill>
-                  <a:schemeClr val="bg1"/>
-                </a:solidFill>
-                <a:latin typeface="Miriam Libre" pitchFamily="2" charset="-79"/>
-                <a:cs typeface="Miriam Libre" pitchFamily="2" charset="-79"/>
-              </a:rPr>
-              <a:t>Does that by querying databases, considering permissions, etc.</a:t>
-            </a:r>
-          </a:p>
-          <a:p>
-            <a:pPr marL="742950" lvl="1" indent="-285750">
-              <a:lnSpc>
-                <a:spcPct val="150000"/>
-              </a:lnSpc>
-              <a:buFont typeface="Arial" panose="020B0604020202020204" pitchFamily="34" charset="0"/>
-              <a:buChar char="•"/>
-            </a:pPr>
-            <a:r>
-              <a:rPr lang="en-US" dirty="0">
-                <a:solidFill>
-                  <a:schemeClr val="bg1"/>
-                </a:solidFill>
-                <a:effectLst/>
-                <a:latin typeface="Miriam Libre" pitchFamily="2" charset="-79"/>
-                <a:cs typeface="Miriam Libre" pitchFamily="2" charset="-79"/>
-              </a:rPr>
-              <a:t>Popular languages: PHP, Python, JavaScript (NodeJS), …</a:t>
-            </a:r>
-            <a:endParaRPr lang="he-IL" dirty="0">
-              <a:solidFill>
-                <a:schemeClr val="bg1"/>
-              </a:solidFill>
-              <a:effectLst/>
-              <a:latin typeface="Miriam Libre" pitchFamily="2" charset="-79"/>
-              <a:cs typeface="Miriam Libre" pitchFamily="2" charset="-79"/>
-            </a:endParaRPr>
-          </a:p>
-          <a:p>
-            <a:pPr marL="742950" lvl="1" indent="-285750">
-              <a:lnSpc>
-                <a:spcPct val="150000"/>
-              </a:lnSpc>
-              <a:buFont typeface="Arial" panose="020B0604020202020204" pitchFamily="34" charset="0"/>
-              <a:buChar char="•"/>
-            </a:pPr>
-            <a:endParaRPr lang="he-IL" b="1" dirty="0">
-              <a:solidFill>
-                <a:schemeClr val="bg1"/>
-              </a:solidFill>
-              <a:effectLst/>
-              <a:latin typeface="Miriam Libre" pitchFamily="2" charset="-79"/>
-              <a:cs typeface="Miriam Libre" pitchFamily="2" charset="-79"/>
-            </a:endParaRPr>
-          </a:p>
-        </p:txBody>
-      </p:sp>
       <p:pic>
         <p:nvPicPr>
           <p:cNvPr id="11" name="Picture 10">
@@ -6039,8 +6602,8 @@
         </p:nvSpPr>
         <p:spPr>
           <a:xfrm>
-            <a:off x="707135" y="576675"/>
-            <a:ext cx="7136374" cy="600164"/>
+            <a:off x="604498" y="297371"/>
+            <a:ext cx="11016714" cy="707886"/>
           </a:xfrm>
           <a:prstGeom prst="rect">
             <a:avLst/>
@@ -6048,14 +6611,57 @@
           <a:noFill/>
         </p:spPr>
         <p:txBody>
-          <a:bodyPr wrap="square" rtlCol="0">
+          <a:bodyPr wrap="square" lIns="91440" tIns="45720" rIns="91440" bIns="45720" rtlCol="0" anchor="t">
             <a:spAutoFit/>
           </a:bodyPr>
           <a:lstStyle/>
           <a:p>
-            <a:pPr algn="l"/>
-            <a:r>
-              <a:rPr lang="en-US" sz="3300" b="1" dirty="0">
+            <a:r>
+              <a:rPr lang="en-US" sz="4000" b="1">
+                <a:solidFill>
+                  <a:srgbClr val="E2FE21"/>
+                </a:solidFill>
+                <a:latin typeface="Miriam Libre"/>
+                <a:ea typeface="+mn-lt"/>
+                <a:cs typeface="Miriam Libre"/>
+              </a:rPr>
+              <a:t>SQL Injection - Attack</a:t>
+            </a:r>
+            <a:endParaRPr lang="en-US"/>
+          </a:p>
+        </p:txBody>
+      </p:sp>
+      <p:sp>
+        <p:nvSpPr>
+          <p:cNvPr id="12" name="TextBox 11">
+            <a:extLst>
+              <a:ext uri="{FF2B5EF4-FFF2-40B4-BE49-F238E27FC236}">
+                <a16:creationId xmlns:a16="http://schemas.microsoft.com/office/drawing/2014/main" id="{8DB64316-BED0-E985-D34B-5228710A02F8}"/>
+              </a:ext>
+            </a:extLst>
+          </p:cNvPr>
+          <p:cNvSpPr txBox="1"/>
+          <p:nvPr/>
+        </p:nvSpPr>
+        <p:spPr>
+          <a:xfrm>
+            <a:off x="707135" y="6373039"/>
+            <a:ext cx="6097218" cy="246221"/>
+          </a:xfrm>
+          <a:prstGeom prst="rect">
+            <a:avLst/>
+          </a:prstGeom>
+          <a:noFill/>
+        </p:spPr>
+        <p:txBody>
+          <a:bodyPr wrap="square">
+            <a:spAutoFit/>
+          </a:bodyPr>
+          <a:lstStyle/>
+          <a:p>
+            <a:pPr marL="0" defTabSz="914400" eaLnBrk="1" latinLnBrk="0" hangingPunct="1"/>
+            <a:r>
+              <a:rPr lang="en-US" sz="1000">
                 <a:solidFill>
                   <a:srgbClr val="E2FE21"/>
                 </a:solidFill>
@@ -6063,71 +6669,20 @@
                 <a:latin typeface="Miriam Libre" pitchFamily="2" charset="-79"/>
                 <a:cs typeface="Miriam Libre" pitchFamily="2" charset="-79"/>
               </a:rPr>
-              <a:t>Client-side / server-side</a:t>
-            </a:r>
-            <a:endParaRPr lang="he-IL" sz="3300" b="1" dirty="0">
-              <a:solidFill>
-                <a:srgbClr val="E2FE21"/>
-              </a:solidFill>
-              <a:effectLst/>
-              <a:latin typeface="Miriam Libre" pitchFamily="2" charset="-79"/>
-              <a:cs typeface="Miriam Libre" pitchFamily="2" charset="-79"/>
-            </a:endParaRPr>
-          </a:p>
-        </p:txBody>
-      </p:sp>
-      <p:sp>
-        <p:nvSpPr>
-          <p:cNvPr id="12" name="TextBox 11">
-            <a:extLst>
-              <a:ext uri="{FF2B5EF4-FFF2-40B4-BE49-F238E27FC236}">
-                <a16:creationId xmlns:a16="http://schemas.microsoft.com/office/drawing/2014/main" id="{8DB64316-BED0-E985-D34B-5228710A02F8}"/>
-              </a:ext>
-            </a:extLst>
-          </p:cNvPr>
-          <p:cNvSpPr txBox="1"/>
-          <p:nvPr/>
-        </p:nvSpPr>
-        <p:spPr>
-          <a:xfrm>
-            <a:off x="707135" y="6373039"/>
-            <a:ext cx="6097218" cy="246221"/>
-          </a:xfrm>
-          <a:prstGeom prst="rect">
-            <a:avLst/>
-          </a:prstGeom>
-          <a:noFill/>
-        </p:spPr>
-        <p:txBody>
-          <a:bodyPr wrap="square">
-            <a:spAutoFit/>
-          </a:bodyPr>
-          <a:lstStyle/>
-          <a:p>
-            <a:pPr marL="0" defTabSz="914400" eaLnBrk="1" latinLnBrk="0" hangingPunct="1"/>
-            <a:r>
-              <a:rPr lang="en-US" sz="1000" dirty="0">
-                <a:solidFill>
-                  <a:srgbClr val="E2FE21"/>
+              <a:t>01</a:t>
+            </a:r>
+            <a:r>
+              <a:rPr lang="en-US" sz="1000">
+                <a:solidFill>
+                  <a:schemeClr val="bg1"/>
                 </a:solidFill>
                 <a:effectLst/>
                 <a:latin typeface="Miriam Libre" pitchFamily="2" charset="-79"/>
                 <a:cs typeface="Miriam Libre" pitchFamily="2" charset="-79"/>
               </a:rPr>
-              <a:t>02</a:t>
-            </a:r>
-            <a:r>
-              <a:rPr lang="en-US" sz="1000" dirty="0">
-                <a:solidFill>
-                  <a:schemeClr val="bg1"/>
-                </a:solidFill>
-                <a:effectLst/>
-                <a:latin typeface="Miriam Libre" pitchFamily="2" charset="-79"/>
-                <a:cs typeface="Miriam Libre" pitchFamily="2" charset="-79"/>
-              </a:rPr>
-              <a:t>       Web Exploitation</a:t>
-            </a:r>
-            <a:endParaRPr lang="en-IL" sz="1000" dirty="0">
+              <a:t>       Introduction</a:t>
+            </a:r>
+            <a:endParaRPr lang="en-IL" sz="1000">
               <a:solidFill>
                 <a:schemeClr val="bg1"/>
               </a:solidFill>
@@ -6137,10 +6692,239 @@
           </a:p>
         </p:txBody>
       </p:sp>
+      <p:sp>
+        <p:nvSpPr>
+          <p:cNvPr id="3" name="TextBox 2">
+            <a:extLst>
+              <a:ext uri="{FF2B5EF4-FFF2-40B4-BE49-F238E27FC236}">
+                <a16:creationId xmlns:a16="http://schemas.microsoft.com/office/drawing/2014/main" id="{7438A983-7AC4-63FF-EA9C-6085ED22683F}"/>
+              </a:ext>
+            </a:extLst>
+          </p:cNvPr>
+          <p:cNvSpPr txBox="1"/>
+          <p:nvPr/>
+        </p:nvSpPr>
+        <p:spPr>
+          <a:xfrm>
+            <a:off x="542553" y="1273452"/>
+            <a:ext cx="10659948" cy="5262979"/>
+          </a:xfrm>
+          <a:prstGeom prst="rect">
+            <a:avLst/>
+          </a:prstGeom>
+          <a:noFill/>
+        </p:spPr>
+        <p:txBody>
+          <a:bodyPr wrap="square" lIns="91440" tIns="45720" rIns="91440" bIns="45720" rtlCol="0" anchor="t">
+            <a:spAutoFit/>
+          </a:bodyPr>
+          <a:lstStyle/>
+          <a:p>
+            <a:pPr marL="457200" indent="-457200">
+              <a:buFont typeface="Arial"/>
+              <a:buChar char="•"/>
+            </a:pPr>
+            <a:r>
+              <a:rPr lang="en-US" sz="2800">
+                <a:solidFill>
+                  <a:schemeClr val="bg1"/>
+                </a:solidFill>
+                <a:latin typeface="Miriam Libre"/>
+                <a:cs typeface="Miriam Libre"/>
+              </a:rPr>
+              <a:t>Example SQL query:</a:t>
+            </a:r>
+          </a:p>
+          <a:p>
+            <a:r>
+              <a:rPr lang="en-US" sz="2800">
+                <a:solidFill>
+                  <a:schemeClr val="bg1"/>
+                </a:solidFill>
+                <a:latin typeface="Miriam Libre"/>
+                <a:cs typeface="Miriam Libre"/>
+              </a:rPr>
+              <a:t>   </a:t>
+            </a:r>
+            <a:r>
+              <a:rPr lang="en-US" sz="2800">
+                <a:solidFill>
+                  <a:schemeClr val="bg1"/>
+                </a:solidFill>
+                <a:ea typeface="+mn-lt"/>
+                <a:cs typeface="Miriam Libre"/>
+              </a:rPr>
+              <a:t>SELECT * FROM Users </a:t>
+            </a:r>
+          </a:p>
+          <a:p>
+            <a:r>
+              <a:rPr lang="en-US" sz="2800">
+                <a:solidFill>
+                  <a:schemeClr val="bg1"/>
+                </a:solidFill>
+                <a:ea typeface="+mn-lt"/>
+                <a:cs typeface="Miriam Libre"/>
+              </a:rPr>
+              <a:t>   WHERE username = Param1 AND password=Param2</a:t>
+            </a:r>
+          </a:p>
+          <a:p>
+            <a:pPr marL="457200" indent="-457200">
+              <a:buFont typeface="Arial"/>
+              <a:buChar char="•"/>
+            </a:pPr>
+            <a:endParaRPr lang="en-US" sz="2800">
+              <a:solidFill>
+                <a:schemeClr val="bg1"/>
+              </a:solidFill>
+              <a:latin typeface="Miriam Libre"/>
+              <a:cs typeface="Miriam Libre"/>
+            </a:endParaRPr>
+          </a:p>
+          <a:p>
+            <a:pPr marL="457200" indent="-457200">
+              <a:buFont typeface="Arial"/>
+              <a:buChar char="•"/>
+            </a:pPr>
+            <a:r>
+              <a:rPr lang="en-US" sz="2800">
+                <a:solidFill>
+                  <a:schemeClr val="bg1"/>
+                </a:solidFill>
+                <a:latin typeface="Miriam Libre"/>
+                <a:cs typeface="Miriam Libre"/>
+              </a:rPr>
+              <a:t>If a user submits:</a:t>
+            </a:r>
+            <a:endParaRPr lang="en-US" sz="2800">
+              <a:solidFill>
+                <a:schemeClr val="bg1"/>
+              </a:solidFill>
+              <a:latin typeface="Miriam Libre"/>
+              <a:ea typeface="+mn-lt"/>
+              <a:cs typeface="Miriam Libre"/>
+            </a:endParaRPr>
+          </a:p>
+          <a:p>
+            <a:r>
+              <a:rPr lang="en-US" sz="2800">
+                <a:solidFill>
+                  <a:schemeClr val="bg1"/>
+                </a:solidFill>
+                <a:ea typeface="+mn-lt"/>
+                <a:cs typeface="+mn-lt"/>
+              </a:rPr>
+              <a:t>  username: ' OR 1=1 --</a:t>
+            </a:r>
+            <a:endParaRPr lang="en-US" sz="2800">
+              <a:solidFill>
+                <a:schemeClr val="bg1"/>
+              </a:solidFill>
+              <a:latin typeface="Miriam Libre" pitchFamily="2" charset="-79"/>
+              <a:ea typeface="+mn-lt"/>
+              <a:cs typeface="Miriam Libre" pitchFamily="2" charset="-79"/>
+            </a:endParaRPr>
+          </a:p>
+          <a:p>
+            <a:r>
+              <a:rPr lang="en-US" sz="2800">
+                <a:solidFill>
+                  <a:schemeClr val="bg1"/>
+                </a:solidFill>
+                <a:ea typeface="+mn-lt"/>
+                <a:cs typeface="+mn-lt"/>
+              </a:rPr>
+              <a:t>  password: Anything</a:t>
+            </a:r>
+            <a:endParaRPr lang="en-US" sz="2800">
+              <a:solidFill>
+                <a:schemeClr val="bg1"/>
+              </a:solidFill>
+              <a:latin typeface="Miriam Libre" pitchFamily="2" charset="-79"/>
+              <a:cs typeface="Miriam Libre" pitchFamily="2" charset="-79"/>
+            </a:endParaRPr>
+          </a:p>
+          <a:p>
+            <a:endParaRPr lang="en-US" sz="2800">
+              <a:solidFill>
+                <a:schemeClr val="bg1"/>
+              </a:solidFill>
+              <a:latin typeface="Aptos"/>
+              <a:cs typeface="Miriam Libre"/>
+            </a:endParaRPr>
+          </a:p>
+          <a:p>
+            <a:pPr marL="457200" indent="-457200">
+              <a:buFont typeface="Arial"/>
+              <a:buChar char="•"/>
+            </a:pPr>
+            <a:r>
+              <a:rPr lang="en-US" sz="2800">
+                <a:solidFill>
+                  <a:schemeClr val="bg1"/>
+                </a:solidFill>
+                <a:latin typeface="Miriam Libre"/>
+                <a:cs typeface="Miriam Libre"/>
+              </a:rPr>
+              <a:t>Then the query will be:</a:t>
+            </a:r>
+          </a:p>
+          <a:p>
+            <a:r>
+              <a:rPr lang="en-US" sz="2800">
+                <a:solidFill>
+                  <a:schemeClr val="bg1"/>
+                </a:solidFill>
+                <a:latin typeface="Aptos"/>
+                <a:cs typeface="Miriam Libre"/>
+              </a:rPr>
+              <a:t>   SELECT * FROM Users </a:t>
+            </a:r>
+          </a:p>
+          <a:p>
+            <a:r>
+              <a:rPr lang="en-US" sz="2800">
+                <a:solidFill>
+                  <a:schemeClr val="bg1"/>
+                </a:solidFill>
+                <a:latin typeface="Aptos"/>
+                <a:cs typeface="Miriam Libre"/>
+              </a:rPr>
+              <a:t>   WHERE username = '' OR 1=1 -- </a:t>
+            </a:r>
+            <a:r>
+              <a:rPr lang="en-US" sz="2800" i="1">
+                <a:solidFill>
+                  <a:schemeClr val="bg1">
+                    <a:lumMod val="65000"/>
+                  </a:schemeClr>
+                </a:solidFill>
+                <a:latin typeface="Aptos"/>
+                <a:cs typeface="Miriam Libre"/>
+              </a:rPr>
+              <a:t>AND password = Anything</a:t>
+            </a:r>
+          </a:p>
+          <a:p>
+            <a:pPr marL="285750" indent="-285750">
+              <a:buFont typeface="Arial" panose="020B0604020202020204" pitchFamily="34" charset="0"/>
+              <a:buChar char="•"/>
+            </a:pPr>
+            <a:endParaRPr lang="en-US" sz="2800">
+              <a:solidFill>
+                <a:schemeClr val="bg1"/>
+              </a:solidFill>
+              <a:latin typeface="Miriam Libre" pitchFamily="2" charset="-79"/>
+              <a:cs typeface="Miriam Libre" pitchFamily="2" charset="-79"/>
+            </a:endParaRPr>
+          </a:p>
+        </p:txBody>
+      </p:sp>
     </p:spTree>
     <p:extLst>
       <p:ext uri="{BB962C8B-B14F-4D97-AF65-F5344CB8AC3E}">
-        <p14:creationId xmlns:p14="http://schemas.microsoft.com/office/powerpoint/2010/main" val="2664288212"/>
+        <p14:creationId xmlns:p14="http://schemas.microsoft.com/office/powerpoint/2010/main" val="1173730785"/>
       </p:ext>
     </p:extLst>
   </p:cSld>
@@ -6247,7 +7031,7 @@
           <a:lstStyle/>
           <a:p>
             <a:pPr marL="0" algn="ctr" defTabSz="914400" rtl="0" eaLnBrk="1" latinLnBrk="0" hangingPunct="1"/>
-            <a:endParaRPr lang="en-IL" dirty="0"/>
+            <a:endParaRPr lang="en-IL"/>
           </a:p>
         </p:txBody>
       </p:sp>
@@ -6292,12 +7076,41 @@
           </a:fontRef>
         </p:style>
       </p:cxnSp>
-      <p:sp>
-        <p:nvSpPr>
-          <p:cNvPr id="8" name="TextBox 7">
-            <a:extLst>
-              <a:ext uri="{FF2B5EF4-FFF2-40B4-BE49-F238E27FC236}">
-                <a16:creationId xmlns:a16="http://schemas.microsoft.com/office/drawing/2014/main" id="{9E2D4994-61E5-995F-BDA0-2FC0F1B87884}"/>
+      <p:pic>
+        <p:nvPicPr>
+          <p:cNvPr id="11" name="Picture 10">
+            <a:extLst>
+              <a:ext uri="{FF2B5EF4-FFF2-40B4-BE49-F238E27FC236}">
+                <a16:creationId xmlns:a16="http://schemas.microsoft.com/office/drawing/2014/main" id="{9C0DC1BB-F10B-06AB-68E6-BEC246A4E787}"/>
+              </a:ext>
+            </a:extLst>
+          </p:cNvPr>
+          <p:cNvPicPr>
+            <a:picLocks noChangeAspect="1"/>
+          </p:cNvPicPr>
+          <p:nvPr/>
+        </p:nvPicPr>
+        <p:blipFill>
+          <a:blip r:embed="rId4"/>
+          <a:srcRect/>
+          <a:stretch/>
+        </p:blipFill>
+        <p:spPr>
+          <a:xfrm>
+            <a:off x="8495747" y="6366654"/>
+            <a:ext cx="2989117" cy="243717"/>
+          </a:xfrm>
+          <a:prstGeom prst="rect">
+            <a:avLst/>
+          </a:prstGeom>
+        </p:spPr>
+      </p:pic>
+      <p:sp>
+        <p:nvSpPr>
+          <p:cNvPr id="4" name="TextBox 3">
+            <a:extLst>
+              <a:ext uri="{FF2B5EF4-FFF2-40B4-BE49-F238E27FC236}">
+                <a16:creationId xmlns:a16="http://schemas.microsoft.com/office/drawing/2014/main" id="{A56F6798-CB7E-F967-5BAF-A562F7DB9950}"/>
               </a:ext>
             </a:extLst>
           </p:cNvPr>
@@ -6306,8 +7119,8 @@
         </p:nvSpPr>
         <p:spPr>
           <a:xfrm>
-            <a:off x="707135" y="1432533"/>
-            <a:ext cx="10777729" cy="4339650"/>
+            <a:off x="604498" y="297371"/>
+            <a:ext cx="11016714" cy="707886"/>
           </a:xfrm>
           <a:prstGeom prst="rect">
             <a:avLst/>
@@ -6315,32 +7128,78 @@
           <a:noFill/>
         </p:spPr>
         <p:txBody>
-          <a:bodyPr wrap="square" rtlCol="0">
+          <a:bodyPr wrap="square" lIns="91440" tIns="45720" rIns="91440" bIns="45720" rtlCol="0" anchor="t">
             <a:spAutoFit/>
           </a:bodyPr>
           <a:lstStyle/>
           <a:p>
-            <a:pPr algn="ctr">
-              <a:lnSpc>
-                <a:spcPct val="150000"/>
-              </a:lnSpc>
-            </a:pPr>
-            <a:endParaRPr lang="en-US" sz="2400" dirty="0">
-              <a:solidFill>
-                <a:schemeClr val="bg1"/>
-              </a:solidFill>
-              <a:effectLst/>
-              <a:latin typeface="Miriam Libre" pitchFamily="2" charset="-79"/>
-              <a:cs typeface="Miriam Libre" pitchFamily="2" charset="-79"/>
-            </a:endParaRPr>
-          </a:p>
-          <a:p>
-            <a:pPr algn="ctr">
-              <a:lnSpc>
-                <a:spcPct val="150000"/>
-              </a:lnSpc>
-            </a:pPr>
-            <a:endParaRPr lang="en-US" sz="2400" dirty="0">
+            <a:r>
+              <a:rPr lang="en-US" sz="4000" b="1">
+                <a:solidFill>
+                  <a:srgbClr val="E2FE21"/>
+                </a:solidFill>
+                <a:latin typeface="Miriam Libre"/>
+                <a:ea typeface="+mn-lt"/>
+                <a:cs typeface="Miriam Libre"/>
+              </a:rPr>
+              <a:t>SQL Injection - Results</a:t>
+            </a:r>
+            <a:endParaRPr lang="en-US"/>
+          </a:p>
+        </p:txBody>
+      </p:sp>
+      <p:sp>
+        <p:nvSpPr>
+          <p:cNvPr id="12" name="TextBox 11">
+            <a:extLst>
+              <a:ext uri="{FF2B5EF4-FFF2-40B4-BE49-F238E27FC236}">
+                <a16:creationId xmlns:a16="http://schemas.microsoft.com/office/drawing/2014/main" id="{8DB64316-BED0-E985-D34B-5228710A02F8}"/>
+              </a:ext>
+            </a:extLst>
+          </p:cNvPr>
+          <p:cNvSpPr txBox="1"/>
+          <p:nvPr/>
+        </p:nvSpPr>
+        <p:spPr>
+          <a:xfrm>
+            <a:off x="707135" y="6373039"/>
+            <a:ext cx="6097218" cy="246221"/>
+          </a:xfrm>
+          <a:prstGeom prst="rect">
+            <a:avLst/>
+          </a:prstGeom>
+          <a:noFill/>
+        </p:spPr>
+        <p:txBody>
+          <a:bodyPr wrap="square">
+            <a:spAutoFit/>
+          </a:bodyPr>
+          <a:lstStyle/>
+          <a:p>
+            <a:pPr marL="0" defTabSz="914400" eaLnBrk="1" latinLnBrk="0" hangingPunct="1"/>
+            <a:r>
+              <a:rPr lang="en-US" sz="1000">
+                <a:solidFill>
+                  <a:srgbClr val="E2FE21"/>
+                </a:solidFill>
+                <a:effectLst/>
+                <a:latin typeface="Miriam Libre" pitchFamily="2" charset="-79"/>
+                <a:cs typeface="Miriam Libre" pitchFamily="2" charset="-79"/>
+              </a:rPr>
+              <a:t>01</a:t>
+            </a:r>
+            <a:r>
+              <a:rPr lang="en-US" sz="1000">
+                <a:solidFill>
+                  <a:schemeClr val="bg1"/>
+                </a:solidFill>
+                <a:effectLst/>
+                <a:latin typeface="Miriam Libre" pitchFamily="2" charset="-79"/>
+                <a:cs typeface="Miriam Libre" pitchFamily="2" charset="-79"/>
+              </a:rPr>
+              <a:t>       Introduction</a:t>
+            </a:r>
+            <a:endParaRPr lang="en-IL" sz="1000">
               <a:solidFill>
                 <a:schemeClr val="bg1"/>
               </a:solidFill>
@@ -6348,28 +7207,93 @@
               <a:cs typeface="Miriam Libre" pitchFamily="2" charset="-79"/>
             </a:endParaRPr>
           </a:p>
-          <a:p>
-            <a:pPr algn="ctr">
-              <a:lnSpc>
-                <a:spcPct val="150000"/>
-              </a:lnSpc>
+        </p:txBody>
+      </p:sp>
+      <p:sp>
+        <p:nvSpPr>
+          <p:cNvPr id="3" name="TextBox 2">
+            <a:extLst>
+              <a:ext uri="{FF2B5EF4-FFF2-40B4-BE49-F238E27FC236}">
+                <a16:creationId xmlns:a16="http://schemas.microsoft.com/office/drawing/2014/main" id="{7438A983-7AC4-63FF-EA9C-6085ED22683F}"/>
+              </a:ext>
+            </a:extLst>
+          </p:cNvPr>
+          <p:cNvSpPr txBox="1"/>
+          <p:nvPr/>
+        </p:nvSpPr>
+        <p:spPr>
+          <a:xfrm>
+            <a:off x="542553" y="1273452"/>
+            <a:ext cx="10659948" cy="3970318"/>
+          </a:xfrm>
+          <a:prstGeom prst="rect">
+            <a:avLst/>
+          </a:prstGeom>
+          <a:noFill/>
+        </p:spPr>
+        <p:txBody>
+          <a:bodyPr wrap="square" lIns="91440" tIns="45720" rIns="91440" bIns="45720" rtlCol="0" anchor="t">
+            <a:spAutoFit/>
+          </a:bodyPr>
+          <a:lstStyle/>
+          <a:p>
+            <a:pPr marL="457200" indent="-457200">
+              <a:buFont typeface="Arial"/>
+              <a:buChar char="•"/>
             </a:pPr>
-            <a:endParaRPr lang="en-US" sz="2400" dirty="0">
-              <a:solidFill>
-                <a:schemeClr val="bg1"/>
-              </a:solidFill>
-              <a:effectLst/>
-              <a:latin typeface="Miriam Libre" pitchFamily="2" charset="-79"/>
-              <a:cs typeface="Miriam Libre" pitchFamily="2" charset="-79"/>
-            </a:endParaRPr>
-          </a:p>
-          <a:p>
-            <a:pPr algn="ctr">
-              <a:lnSpc>
-                <a:spcPct val="150000"/>
-              </a:lnSpc>
+            <a:r>
+              <a:rPr lang="en-US" sz="2800">
+                <a:solidFill>
+                  <a:schemeClr val="bg1"/>
+                </a:solidFill>
+                <a:latin typeface="Miriam Libre"/>
+                <a:cs typeface="Miriam Libre"/>
+              </a:rPr>
+              <a:t>The injected query:</a:t>
+            </a:r>
+          </a:p>
+          <a:p>
+            <a:r>
+              <a:rPr lang="en-US" sz="2800">
+                <a:solidFill>
+                  <a:schemeClr val="bg1"/>
+                </a:solidFill>
+                <a:latin typeface="Aptos"/>
+                <a:cs typeface="Miriam Libre"/>
+              </a:rPr>
+              <a:t>   SELECT * FROM Users </a:t>
+            </a:r>
+          </a:p>
+          <a:p>
+            <a:r>
+              <a:rPr lang="en-US" sz="2800">
+                <a:solidFill>
+                  <a:schemeClr val="bg1"/>
+                </a:solidFill>
+                <a:latin typeface="Aptos"/>
+                <a:cs typeface="Miriam Libre"/>
+              </a:rPr>
+              <a:t>   WHERE username = '' OR 1=1 -- </a:t>
+            </a:r>
+            <a:r>
+              <a:rPr lang="en-US" sz="2800" i="1">
+                <a:solidFill>
+                  <a:schemeClr val="bg1">
+                    <a:lumMod val="65000"/>
+                  </a:schemeClr>
+                </a:solidFill>
+                <a:latin typeface="Aptos"/>
+                <a:cs typeface="Miriam Libre"/>
+              </a:rPr>
+              <a:t>AND password = Anything</a:t>
+            </a:r>
+          </a:p>
+          <a:p>
+            <a:pPr marL="285750" indent="-285750">
+              <a:buFont typeface="Arial" panose="020B0604020202020204" pitchFamily="34" charset="0"/>
+              <a:buChar char="•"/>
             </a:pPr>
-            <a:endParaRPr lang="en-US" sz="2400" dirty="0">
+            <a:endParaRPr lang="en-US" sz="2800">
               <a:solidFill>
                 <a:schemeClr val="bg1"/>
               </a:solidFill>
@@ -6378,27 +7302,27 @@
             </a:endParaRPr>
           </a:p>
           <a:p>
-            <a:pPr algn="ctr">
-              <a:lnSpc>
-                <a:spcPct val="150000"/>
-              </a:lnSpc>
+            <a:pPr marL="285750" indent="-285750">
+              <a:buFont typeface="Arial" panose="020B0604020202020204" pitchFamily="34" charset="0"/>
+              <a:buChar char="•"/>
             </a:pPr>
-            <a:endParaRPr lang="en-US" sz="2400" dirty="0">
-              <a:solidFill>
-                <a:schemeClr val="bg1"/>
-              </a:solidFill>
-              <a:effectLst/>
-              <a:latin typeface="Miriam Libre" pitchFamily="2" charset="-79"/>
-              <a:cs typeface="Miriam Libre" pitchFamily="2" charset="-79"/>
-            </a:endParaRPr>
-          </a:p>
-          <a:p>
-            <a:pPr algn="ctr">
-              <a:lnSpc>
-                <a:spcPct val="150000"/>
-              </a:lnSpc>
+            <a:r>
+              <a:rPr lang="en-US" sz="2800">
+                <a:solidFill>
+                  <a:schemeClr val="bg1"/>
+                </a:solidFill>
+                <a:latin typeface="Miriam Libre"/>
+                <a:cs typeface="Miriam Libre"/>
+              </a:rPr>
+              <a:t>Now, the query will return all users, because 1=1 is always true.</a:t>
+            </a:r>
+          </a:p>
+          <a:p>
+            <a:pPr marL="285750" indent="-285750">
+              <a:buFont typeface="Arial" panose="020B0604020202020204" pitchFamily="34" charset="0"/>
+              <a:buChar char="•"/>
             </a:pPr>
-            <a:endParaRPr lang="en-US" sz="2400" dirty="0">
+            <a:endParaRPr lang="en-US" sz="2800">
               <a:solidFill>
                 <a:schemeClr val="bg1"/>
               </a:solidFill>
@@ -6407,234 +7331,27 @@
             </a:endParaRPr>
           </a:p>
           <a:p>
-            <a:pPr algn="ctr">
-              <a:lnSpc>
-                <a:spcPct val="150000"/>
-              </a:lnSpc>
+            <a:pPr marL="285750" indent="-285750">
+              <a:buFont typeface="Arial" panose="020B0604020202020204" pitchFamily="34" charset="0"/>
+              <a:buChar char="•"/>
             </a:pPr>
-            <a:endParaRPr lang="en-US" sz="2400" dirty="0">
-              <a:solidFill>
-                <a:schemeClr val="bg1"/>
-              </a:solidFill>
-              <a:effectLst/>
-              <a:latin typeface="Miriam Libre" pitchFamily="2" charset="-79"/>
-              <a:cs typeface="Miriam Libre" pitchFamily="2" charset="-79"/>
-            </a:endParaRPr>
-          </a:p>
-          <a:p>
-            <a:pPr algn="ctr"/>
-            <a:r>
-              <a:rPr lang="en-US" sz="2400" dirty="0">
+            <a:r>
+              <a:rPr lang="en-US" sz="2800">
                 <a:solidFill>
                   <a:schemeClr val="bg1"/>
                 </a:solidFill>
-                <a:hlinkClick r:id="rId4">
-                  <a:extLst>
-                    <a:ext uri="{A12FA001-AC4F-418D-AE19-62706E023703}">
-                      <ahyp:hlinkClr xmlns:ahyp="http://schemas.microsoft.com/office/drawing/2018/hyperlinkcolor" val="tx"/>
-                    </a:ext>
-                  </a:extLst>
-                </a:hlinkClick>
+                <a:latin typeface="Miriam Libre"/>
+                <a:cs typeface="Miriam Libre"/>
               </a:rPr>
-              <a:t>https://portswigger.net/web-security/sql-injection/lab-login-bypass</a:t>
-            </a:r>
-            <a:endParaRPr lang="en-US" sz="2400" dirty="0">
-              <a:solidFill>
-                <a:schemeClr val="bg1"/>
-              </a:solidFill>
-            </a:endParaRPr>
-          </a:p>
-        </p:txBody>
-      </p:sp>
-      <p:pic>
-        <p:nvPicPr>
-          <p:cNvPr id="11" name="Picture 10">
-            <a:extLst>
-              <a:ext uri="{FF2B5EF4-FFF2-40B4-BE49-F238E27FC236}">
-                <a16:creationId xmlns:a16="http://schemas.microsoft.com/office/drawing/2014/main" id="{9C0DC1BB-F10B-06AB-68E6-BEC246A4E787}"/>
-              </a:ext>
-            </a:extLst>
-          </p:cNvPr>
-          <p:cNvPicPr>
-            <a:picLocks noChangeAspect="1"/>
-          </p:cNvPicPr>
-          <p:nvPr/>
-        </p:nvPicPr>
-        <p:blipFill>
-          <a:blip r:embed="rId5"/>
-          <a:srcRect/>
-          <a:stretch/>
-        </p:blipFill>
-        <p:spPr>
-          <a:xfrm>
-            <a:off x="8495747" y="6366654"/>
-            <a:ext cx="2989117" cy="243717"/>
-          </a:xfrm>
-          <a:prstGeom prst="rect">
-            <a:avLst/>
-          </a:prstGeom>
-        </p:spPr>
-      </p:pic>
-      <p:sp>
-        <p:nvSpPr>
-          <p:cNvPr id="4" name="TextBox 3">
-            <a:extLst>
-              <a:ext uri="{FF2B5EF4-FFF2-40B4-BE49-F238E27FC236}">
-                <a16:creationId xmlns:a16="http://schemas.microsoft.com/office/drawing/2014/main" id="{A56F6798-CB7E-F967-5BAF-A562F7DB9950}"/>
-              </a:ext>
-            </a:extLst>
-          </p:cNvPr>
-          <p:cNvSpPr txBox="1"/>
-          <p:nvPr/>
-        </p:nvSpPr>
-        <p:spPr>
-          <a:xfrm>
-            <a:off x="707135" y="576675"/>
-            <a:ext cx="7136374" cy="600164"/>
-          </a:xfrm>
-          <a:prstGeom prst="rect">
-            <a:avLst/>
-          </a:prstGeom>
-          <a:noFill/>
-        </p:spPr>
-        <p:txBody>
-          <a:bodyPr wrap="square" rtlCol="0">
-            <a:spAutoFit/>
-          </a:bodyPr>
-          <a:lstStyle/>
-          <a:p>
-            <a:pPr algn="l"/>
-            <a:r>
-              <a:rPr lang="en-US" sz="3300" b="1" dirty="0">
-                <a:solidFill>
-                  <a:srgbClr val="E2FE21"/>
-                </a:solidFill>
-                <a:effectLst/>
-                <a:latin typeface="Miriam Libre" pitchFamily="2" charset="-79"/>
-                <a:cs typeface="Miriam Libre" pitchFamily="2" charset="-79"/>
-              </a:rPr>
-              <a:t>Demo: SQL Injection</a:t>
-            </a:r>
-            <a:endParaRPr lang="he-IL" sz="3300" b="1" dirty="0">
-              <a:solidFill>
-                <a:srgbClr val="E2FE21"/>
-              </a:solidFill>
-              <a:effectLst/>
-              <a:latin typeface="Miriam Libre" pitchFamily="2" charset="-79"/>
-              <a:cs typeface="Miriam Libre" pitchFamily="2" charset="-79"/>
-            </a:endParaRPr>
-          </a:p>
-        </p:txBody>
-      </p:sp>
-      <p:sp>
-        <p:nvSpPr>
-          <p:cNvPr id="12" name="TextBox 11">
-            <a:extLst>
-              <a:ext uri="{FF2B5EF4-FFF2-40B4-BE49-F238E27FC236}">
-                <a16:creationId xmlns:a16="http://schemas.microsoft.com/office/drawing/2014/main" id="{8DB64316-BED0-E985-D34B-5228710A02F8}"/>
-              </a:ext>
-            </a:extLst>
-          </p:cNvPr>
-          <p:cNvSpPr txBox="1"/>
-          <p:nvPr/>
-        </p:nvSpPr>
-        <p:spPr>
-          <a:xfrm>
-            <a:off x="707135" y="6373039"/>
-            <a:ext cx="6097218" cy="246221"/>
-          </a:xfrm>
-          <a:prstGeom prst="rect">
-            <a:avLst/>
-          </a:prstGeom>
-          <a:noFill/>
-        </p:spPr>
-        <p:txBody>
-          <a:bodyPr wrap="square">
-            <a:spAutoFit/>
-          </a:bodyPr>
-          <a:lstStyle/>
-          <a:p>
-            <a:pPr marL="0" defTabSz="914400" eaLnBrk="1" latinLnBrk="0" hangingPunct="1"/>
-            <a:r>
-              <a:rPr lang="en-US" sz="1000" dirty="0">
-                <a:solidFill>
-                  <a:srgbClr val="E2FE21"/>
-                </a:solidFill>
-                <a:effectLst/>
-                <a:latin typeface="Miriam Libre" pitchFamily="2" charset="-79"/>
-                <a:cs typeface="Miriam Libre" pitchFamily="2" charset="-79"/>
-              </a:rPr>
-              <a:t>02</a:t>
-            </a:r>
-            <a:r>
-              <a:rPr lang="en-US" sz="1000" dirty="0">
-                <a:solidFill>
-                  <a:schemeClr val="bg1"/>
-                </a:solidFill>
-                <a:effectLst/>
-                <a:latin typeface="Miriam Libre" pitchFamily="2" charset="-79"/>
-                <a:cs typeface="Miriam Libre" pitchFamily="2" charset="-79"/>
-              </a:rPr>
-              <a:t>       Web Exploitation</a:t>
-            </a:r>
-            <a:endParaRPr lang="en-IL" sz="1000" dirty="0">
-              <a:solidFill>
-                <a:schemeClr val="bg1"/>
-              </a:solidFill>
-              <a:latin typeface="Miriam Libre" pitchFamily="2" charset="-79"/>
-              <a:cs typeface="Miriam Libre" pitchFamily="2" charset="-79"/>
-            </a:endParaRPr>
-          </a:p>
-        </p:txBody>
-      </p:sp>
-      <p:pic>
-        <p:nvPicPr>
-          <p:cNvPr id="3" name="Picture 2">
-            <a:extLst>
-              <a:ext uri="{FF2B5EF4-FFF2-40B4-BE49-F238E27FC236}">
-                <a16:creationId xmlns:a16="http://schemas.microsoft.com/office/drawing/2014/main" id="{59AAE7A2-F7A9-E7D0-3A25-399E87350819}"/>
-              </a:ext>
-            </a:extLst>
-          </p:cNvPr>
-          <p:cNvPicPr>
-            <a:picLocks noChangeAspect="1"/>
-          </p:cNvPicPr>
-          <p:nvPr/>
-        </p:nvPicPr>
-        <p:blipFill>
-          <a:blip r:embed="rId6"/>
-          <a:stretch>
-            <a:fillRect/>
-          </a:stretch>
-        </p:blipFill>
-        <p:spPr>
-          <a:xfrm>
-            <a:off x="3543649" y="1611453"/>
-            <a:ext cx="5104699" cy="3572264"/>
-          </a:xfrm>
-          <a:prstGeom prst="rect">
-            <a:avLst/>
-          </a:prstGeom>
-          <a:ln w="12700" cap="sq">
-            <a:solidFill>
-              <a:srgbClr val="000000"/>
-            </a:solidFill>
-            <a:prstDash val="solid"/>
-            <a:miter lim="800000"/>
-          </a:ln>
-          <a:effectLst>
-            <a:outerShdw blurRad="50800" dist="38100" dir="2700000" algn="tl" rotWithShape="0">
-              <a:srgbClr val="000000">
-                <a:alpha val="43000"/>
-              </a:srgbClr>
-            </a:outerShdw>
-          </a:effectLst>
-        </p:spPr>
-      </p:pic>
+              <a:t>The malicious user can use it to login, steal information, or access and delete the database.</a:t>
+            </a:r>
+          </a:p>
+        </p:txBody>
+      </p:sp>
     </p:spTree>
     <p:extLst>
       <p:ext uri="{BB962C8B-B14F-4D97-AF65-F5344CB8AC3E}">
-        <p14:creationId xmlns:p14="http://schemas.microsoft.com/office/powerpoint/2010/main" val="3369492276"/>
+        <p14:creationId xmlns:p14="http://schemas.microsoft.com/office/powerpoint/2010/main" val="3161627711"/>
       </p:ext>
     </p:extLst>
   </p:cSld>
@@ -6741,7 +7458,7 @@
           <a:lstStyle/>
           <a:p>
             <a:pPr marL="0" algn="ctr" defTabSz="914400" rtl="0" eaLnBrk="1" latinLnBrk="0" hangingPunct="1"/>
-            <a:endParaRPr lang="en-IL" dirty="0"/>
+            <a:endParaRPr lang="en-IL"/>
           </a:p>
         </p:txBody>
       </p:sp>
@@ -6786,73 +7503,6 @@
           </a:fontRef>
         </p:style>
       </p:cxnSp>
-      <p:sp>
-        <p:nvSpPr>
-          <p:cNvPr id="8" name="TextBox 7">
-            <a:extLst>
-              <a:ext uri="{FF2B5EF4-FFF2-40B4-BE49-F238E27FC236}">
-                <a16:creationId xmlns:a16="http://schemas.microsoft.com/office/drawing/2014/main" id="{9E2D4994-61E5-995F-BDA0-2FC0F1B87884}"/>
-              </a:ext>
-            </a:extLst>
-          </p:cNvPr>
-          <p:cNvSpPr txBox="1"/>
-          <p:nvPr/>
-        </p:nvSpPr>
-        <p:spPr>
-          <a:xfrm>
-            <a:off x="707135" y="1432533"/>
-            <a:ext cx="10777729" cy="1154162"/>
-          </a:xfrm>
-          <a:prstGeom prst="rect">
-            <a:avLst/>
-          </a:prstGeom>
-          <a:noFill/>
-        </p:spPr>
-        <p:txBody>
-          <a:bodyPr wrap="square" rtlCol="0">
-            <a:spAutoFit/>
-          </a:bodyPr>
-          <a:lstStyle/>
-          <a:p>
-            <a:pPr marL="285750" indent="-285750">
-              <a:lnSpc>
-                <a:spcPct val="150000"/>
-              </a:lnSpc>
-              <a:buFont typeface="Arial" panose="020B0604020202020204" pitchFamily="34" charset="0"/>
-              <a:buChar char="•"/>
-            </a:pPr>
-            <a:r>
-              <a:rPr lang="en-US" sz="2400" dirty="0">
-                <a:solidFill>
-                  <a:schemeClr val="bg1"/>
-                </a:solidFill>
-                <a:latin typeface="Miriam Libre" pitchFamily="2" charset="-79"/>
-                <a:cs typeface="Miriam Libre" pitchFamily="2" charset="-79"/>
-              </a:rPr>
-              <a:t>A popular software for penetration testing of web applications</a:t>
-            </a:r>
-          </a:p>
-          <a:p>
-            <a:pPr marL="285750" indent="-285750">
-              <a:lnSpc>
-                <a:spcPct val="150000"/>
-              </a:lnSpc>
-              <a:buFont typeface="Arial" panose="020B0604020202020204" pitchFamily="34" charset="0"/>
-              <a:buChar char="•"/>
-            </a:pPr>
-            <a:r>
-              <a:rPr lang="en-US" sz="2400" dirty="0">
-                <a:solidFill>
-                  <a:schemeClr val="bg1"/>
-                </a:solidFill>
-                <a:latin typeface="Miriam Libre" pitchFamily="2" charset="-79"/>
-                <a:cs typeface="Miriam Libre" pitchFamily="2" charset="-79"/>
-              </a:rPr>
-              <a:t>Useful for CTFs</a:t>
-            </a:r>
-          </a:p>
-        </p:txBody>
-      </p:sp>
       <p:pic>
         <p:nvPicPr>
           <p:cNvPr id="11" name="Picture 10">
@@ -6896,8 +7546,8 @@
         </p:nvSpPr>
         <p:spPr>
           <a:xfrm>
-            <a:off x="707135" y="576675"/>
-            <a:ext cx="7136374" cy="600164"/>
+            <a:off x="604498" y="297371"/>
+            <a:ext cx="11016714" cy="707886"/>
           </a:xfrm>
           <a:prstGeom prst="rect">
             <a:avLst/>
@@ -6905,14 +7555,57 @@
           <a:noFill/>
         </p:spPr>
         <p:txBody>
-          <a:bodyPr wrap="square" rtlCol="0">
+          <a:bodyPr wrap="square" lIns="91440" tIns="45720" rIns="91440" bIns="45720" rtlCol="0" anchor="t">
             <a:spAutoFit/>
           </a:bodyPr>
           <a:lstStyle/>
           <a:p>
-            <a:pPr algn="l"/>
-            <a:r>
-              <a:rPr lang="en-US" sz="3300" b="1" dirty="0">
+            <a:r>
+              <a:rPr lang="en-US" sz="4000" b="1">
+                <a:solidFill>
+                  <a:srgbClr val="E2FE21"/>
+                </a:solidFill>
+                <a:latin typeface="Miriam Libre"/>
+                <a:ea typeface="+mn-lt"/>
+                <a:cs typeface="Miriam Libre"/>
+              </a:rPr>
+              <a:t>SQL Injection – More information</a:t>
+            </a:r>
+            <a:endParaRPr lang="en-US"/>
+          </a:p>
+        </p:txBody>
+      </p:sp>
+      <p:sp>
+        <p:nvSpPr>
+          <p:cNvPr id="12" name="TextBox 11">
+            <a:extLst>
+              <a:ext uri="{FF2B5EF4-FFF2-40B4-BE49-F238E27FC236}">
+                <a16:creationId xmlns:a16="http://schemas.microsoft.com/office/drawing/2014/main" id="{8DB64316-BED0-E985-D34B-5228710A02F8}"/>
+              </a:ext>
+            </a:extLst>
+          </p:cNvPr>
+          <p:cNvSpPr txBox="1"/>
+          <p:nvPr/>
+        </p:nvSpPr>
+        <p:spPr>
+          <a:xfrm>
+            <a:off x="707135" y="6373039"/>
+            <a:ext cx="6097218" cy="246221"/>
+          </a:xfrm>
+          <a:prstGeom prst="rect">
+            <a:avLst/>
+          </a:prstGeom>
+          <a:noFill/>
+        </p:spPr>
+        <p:txBody>
+          <a:bodyPr wrap="square">
+            <a:spAutoFit/>
+          </a:bodyPr>
+          <a:lstStyle/>
+          <a:p>
+            <a:pPr marL="0" defTabSz="914400" eaLnBrk="1" latinLnBrk="0" hangingPunct="1"/>
+            <a:r>
+              <a:rPr lang="en-US" sz="1000">
                 <a:solidFill>
                   <a:srgbClr val="E2FE21"/>
                 </a:solidFill>
@@ -6920,71 +7613,20 @@
                 <a:latin typeface="Miriam Libre" pitchFamily="2" charset="-79"/>
                 <a:cs typeface="Miriam Libre" pitchFamily="2" charset="-79"/>
               </a:rPr>
-              <a:t>Burp Suite</a:t>
-            </a:r>
-            <a:endParaRPr lang="he-IL" sz="3300" b="1" dirty="0">
-              <a:solidFill>
-                <a:srgbClr val="E2FE21"/>
-              </a:solidFill>
-              <a:effectLst/>
-              <a:latin typeface="Miriam Libre" pitchFamily="2" charset="-79"/>
-              <a:cs typeface="Miriam Libre" pitchFamily="2" charset="-79"/>
-            </a:endParaRPr>
-          </a:p>
-        </p:txBody>
-      </p:sp>
-      <p:sp>
-        <p:nvSpPr>
-          <p:cNvPr id="12" name="TextBox 11">
-            <a:extLst>
-              <a:ext uri="{FF2B5EF4-FFF2-40B4-BE49-F238E27FC236}">
-                <a16:creationId xmlns:a16="http://schemas.microsoft.com/office/drawing/2014/main" id="{8DB64316-BED0-E985-D34B-5228710A02F8}"/>
-              </a:ext>
-            </a:extLst>
-          </p:cNvPr>
-          <p:cNvSpPr txBox="1"/>
-          <p:nvPr/>
-        </p:nvSpPr>
-        <p:spPr>
-          <a:xfrm>
-            <a:off x="707135" y="6373039"/>
-            <a:ext cx="6097218" cy="246221"/>
-          </a:xfrm>
-          <a:prstGeom prst="rect">
-            <a:avLst/>
-          </a:prstGeom>
-          <a:noFill/>
-        </p:spPr>
-        <p:txBody>
-          <a:bodyPr wrap="square">
-            <a:spAutoFit/>
-          </a:bodyPr>
-          <a:lstStyle/>
-          <a:p>
-            <a:pPr marL="0" defTabSz="914400" eaLnBrk="1" latinLnBrk="0" hangingPunct="1"/>
-            <a:r>
-              <a:rPr lang="en-US" sz="1000" dirty="0">
-                <a:solidFill>
-                  <a:srgbClr val="E2FE21"/>
+              <a:t>01</a:t>
+            </a:r>
+            <a:r>
+              <a:rPr lang="en-US" sz="1000">
+                <a:solidFill>
+                  <a:schemeClr val="bg1"/>
                 </a:solidFill>
                 <a:effectLst/>
                 <a:latin typeface="Miriam Libre" pitchFamily="2" charset="-79"/>
                 <a:cs typeface="Miriam Libre" pitchFamily="2" charset="-79"/>
               </a:rPr>
-              <a:t>02</a:t>
-            </a:r>
-            <a:r>
-              <a:rPr lang="en-US" sz="1000" dirty="0">
-                <a:solidFill>
-                  <a:schemeClr val="bg1"/>
-                </a:solidFill>
-                <a:effectLst/>
-                <a:latin typeface="Miriam Libre" pitchFamily="2" charset="-79"/>
-                <a:cs typeface="Miriam Libre" pitchFamily="2" charset="-79"/>
-              </a:rPr>
-              <a:t>       Web Exploitation</a:t>
-            </a:r>
-            <a:endParaRPr lang="en-IL" sz="1000" dirty="0">
+              <a:t>       Introduction</a:t>
+            </a:r>
+            <a:endParaRPr lang="en-IL" sz="1000">
               <a:solidFill>
                 <a:schemeClr val="bg1"/>
               </a:solidFill>
@@ -6994,46 +7636,140 @@
           </a:p>
         </p:txBody>
       </p:sp>
-      <p:pic>
-        <p:nvPicPr>
-          <p:cNvPr id="2" name="Picture 1" descr="A screenshot of a computer&#10;&#10;Description automatically generated">
-            <a:extLst>
-              <a:ext uri="{FF2B5EF4-FFF2-40B4-BE49-F238E27FC236}">
-                <a16:creationId xmlns:a16="http://schemas.microsoft.com/office/drawing/2014/main" id="{B3B98F56-D0EE-6218-155A-666EA74AEC53}"/>
-              </a:ext>
-            </a:extLst>
-          </p:cNvPr>
-          <p:cNvPicPr>
-            <a:picLocks noChangeAspect="1"/>
-          </p:cNvPicPr>
+      <p:sp>
+        <p:nvSpPr>
+          <p:cNvPr id="3" name="TextBox 2">
+            <a:extLst>
+              <a:ext uri="{FF2B5EF4-FFF2-40B4-BE49-F238E27FC236}">
+                <a16:creationId xmlns:a16="http://schemas.microsoft.com/office/drawing/2014/main" id="{7438A983-7AC4-63FF-EA9C-6085ED22683F}"/>
+              </a:ext>
+            </a:extLst>
+          </p:cNvPr>
+          <p:cNvSpPr txBox="1"/>
           <p:nvPr/>
-        </p:nvPicPr>
-        <p:blipFill>
-          <a:blip r:embed="rId5">
-            <a:extLst>
-              <a:ext uri="{28A0092B-C50C-407E-A947-70E740481C1C}">
-                <a14:useLocalDpi xmlns:a14="http://schemas.microsoft.com/office/drawing/2010/main" val="0"/>
-              </a:ext>
-            </a:extLst>
-          </a:blip>
-          <a:stretch>
-            <a:fillRect/>
-          </a:stretch>
-        </p:blipFill>
-        <p:spPr>
-          <a:xfrm>
-            <a:off x="3073748" y="2753541"/>
-            <a:ext cx="6024993" cy="3326792"/>
+        </p:nvSpPr>
+        <p:spPr>
+          <a:xfrm>
+            <a:off x="542553" y="1273452"/>
+            <a:ext cx="10659948" cy="3539430"/>
           </a:xfrm>
           <a:prstGeom prst="rect">
             <a:avLst/>
           </a:prstGeom>
-        </p:spPr>
-      </p:pic>
+          <a:noFill/>
+        </p:spPr>
+        <p:txBody>
+          <a:bodyPr wrap="square" lIns="91440" tIns="45720" rIns="91440" bIns="45720" rtlCol="0" anchor="t">
+            <a:spAutoFit/>
+          </a:bodyPr>
+          <a:lstStyle/>
+          <a:p>
+            <a:pPr marL="457200" indent="-457200">
+              <a:buFont typeface="Arial"/>
+              <a:buChar char="•"/>
+            </a:pPr>
+            <a:r>
+              <a:rPr lang="en-US" sz="2800">
+                <a:solidFill>
+                  <a:schemeClr val="bg1"/>
+                </a:solidFill>
+                <a:latin typeface="Miriam Libre"/>
+                <a:cs typeface="Miriam Libre"/>
+              </a:rPr>
+              <a:t>You can use '--' sign for commenting the rest of the query in most SQL versions.</a:t>
+            </a:r>
+          </a:p>
+          <a:p>
+            <a:pPr marL="457200" indent="-457200">
+              <a:buFont typeface="Arial"/>
+              <a:buChar char="•"/>
+            </a:pPr>
+            <a:endParaRPr lang="en-US" sz="2800">
+              <a:solidFill>
+                <a:schemeClr val="bg1"/>
+              </a:solidFill>
+              <a:latin typeface="Miriam Libre"/>
+              <a:cs typeface="Miriam Libre"/>
+            </a:endParaRPr>
+          </a:p>
+          <a:p>
+            <a:pPr marL="457200" indent="-457200">
+              <a:buFont typeface="Arial"/>
+              <a:buChar char="•"/>
+            </a:pPr>
+            <a:r>
+              <a:rPr lang="en-US" sz="2800">
+                <a:solidFill>
+                  <a:schemeClr val="bg1"/>
+                </a:solidFill>
+                <a:latin typeface="Miriam Libre"/>
+                <a:cs typeface="Miriam Libre"/>
+              </a:rPr>
+              <a:t>SQL injections can get very complex and do a lot of things. In this meeting we would only beginner's level labs.</a:t>
+            </a:r>
+          </a:p>
+          <a:p>
+            <a:pPr marL="457200" indent="-457200">
+              <a:buFont typeface="Arial"/>
+              <a:buChar char="•"/>
+            </a:pPr>
+            <a:endParaRPr lang="en-US" sz="2800">
+              <a:solidFill>
+                <a:schemeClr val="bg1"/>
+              </a:solidFill>
+              <a:latin typeface="Miriam Libre"/>
+              <a:cs typeface="Miriam Libre"/>
+            </a:endParaRPr>
+          </a:p>
+          <a:p>
+            <a:pPr marL="457200" indent="-457200">
+              <a:buFont typeface="Arial"/>
+              <a:buChar char="•"/>
+            </a:pPr>
+            <a:r>
+              <a:rPr lang="en-US" sz="2800">
+                <a:solidFill>
+                  <a:srgbClr val="0070C0"/>
+                </a:solidFill>
+                <a:ea typeface="+mn-lt"/>
+                <a:cs typeface="+mn-lt"/>
+                <a:hlinkClick r:id="rId5">
+                  <a:extLst>
+                    <a:ext uri="{A12FA001-AC4F-418D-AE19-62706E023703}">
+                      <ahyp:hlinkClr xmlns:ahyp="http://schemas.microsoft.com/office/drawing/2018/hyperlinkcolor" val="tx"/>
+                    </a:ext>
+                  </a:extLst>
+                </a:hlinkClick>
+              </a:rPr>
+              <a:t>SQL Injection Cheast Sheet</a:t>
+            </a:r>
+            <a:endParaRPr lang="en-US" sz="2800">
+              <a:solidFill>
+                <a:srgbClr val="0070C0"/>
+              </a:solidFill>
+              <a:latin typeface="Miriam Libre"/>
+              <a:cs typeface="Miriam Libre"/>
+            </a:endParaRPr>
+          </a:p>
+          <a:p>
+            <a:pPr marL="457200" indent="-457200">
+              <a:buFont typeface="Arial"/>
+              <a:buChar char="•"/>
+            </a:pPr>
+            <a:endParaRPr lang="en-US" sz="2800">
+              <a:solidFill>
+                <a:schemeClr val="bg1"/>
+              </a:solidFill>
+              <a:latin typeface="Miriam Libre"/>
+              <a:cs typeface="Miriam Libre"/>
+            </a:endParaRPr>
+          </a:p>
+        </p:txBody>
+      </p:sp>
     </p:spTree>
     <p:extLst>
       <p:ext uri="{BB962C8B-B14F-4D97-AF65-F5344CB8AC3E}">
-        <p14:creationId xmlns:p14="http://schemas.microsoft.com/office/powerpoint/2010/main" val="1766604278"/>
+        <p14:creationId xmlns:p14="http://schemas.microsoft.com/office/powerpoint/2010/main" val="240339233"/>
       </p:ext>
     </p:extLst>
   </p:cSld>
@@ -7065,6 +7801,840 @@
           <p:cNvPr id="5" name="Picture 4">
             <a:extLst>
               <a:ext uri="{FF2B5EF4-FFF2-40B4-BE49-F238E27FC236}">
+                <a16:creationId xmlns:a16="http://schemas.microsoft.com/office/drawing/2014/main" id="{C2FC6D6F-4E9C-868A-98B1-1DA0DDA1F996}"/>
+              </a:ext>
+            </a:extLst>
+          </p:cNvPr>
+          <p:cNvPicPr>
+            <a:picLocks noChangeAspect="1"/>
+          </p:cNvPicPr>
+          <p:nvPr/>
+        </p:nvPicPr>
+        <p:blipFill>
+          <a:blip r:embed="rId3"/>
+          <a:srcRect/>
+          <a:stretch/>
+        </p:blipFill>
+        <p:spPr>
+          <a:xfrm>
+            <a:off x="0" y="0"/>
+            <a:ext cx="12192000" cy="6858000"/>
+          </a:xfrm>
+          <a:prstGeom prst="rect">
+            <a:avLst/>
+          </a:prstGeom>
+        </p:spPr>
+      </p:pic>
+      <p:sp>
+        <p:nvSpPr>
+          <p:cNvPr id="6" name="Rectangle 5">
+            <a:extLst>
+              <a:ext uri="{FF2B5EF4-FFF2-40B4-BE49-F238E27FC236}">
+                <a16:creationId xmlns:a16="http://schemas.microsoft.com/office/drawing/2014/main" id="{3311EF23-F64A-C782-28EA-1A8D297A9F1D}"/>
+              </a:ext>
+            </a:extLst>
+          </p:cNvPr>
+          <p:cNvSpPr/>
+          <p:nvPr/>
+        </p:nvSpPr>
+        <p:spPr>
+          <a:xfrm>
+            <a:off x="1" y="6247180"/>
+            <a:ext cx="12192000" cy="610819"/>
+          </a:xfrm>
+          <a:prstGeom prst="rect">
+            <a:avLst/>
+          </a:prstGeom>
+          <a:solidFill>
+            <a:schemeClr val="tx1">
+              <a:lumMod val="65000"/>
+              <a:lumOff val="35000"/>
+            </a:schemeClr>
+          </a:solidFill>
+          <a:ln>
+            <a:noFill/>
+          </a:ln>
+        </p:spPr>
+        <p:style>
+          <a:lnRef idx="2">
+            <a:schemeClr val="accent1">
+              <a:shade val="15000"/>
+            </a:schemeClr>
+          </a:lnRef>
+          <a:fillRef idx="1">
+            <a:schemeClr val="accent1"/>
+          </a:fillRef>
+          <a:effectRef idx="0">
+            <a:schemeClr val="accent1"/>
+          </a:effectRef>
+          <a:fontRef idx="minor">
+            <a:schemeClr val="lt1"/>
+          </a:fontRef>
+        </p:style>
+        <p:txBody>
+          <a:bodyPr rtlCol="0" anchor="ctr"/>
+          <a:lstStyle/>
+          <a:p>
+            <a:pPr marL="0" algn="ctr" defTabSz="914400" rtl="0" eaLnBrk="1" latinLnBrk="0" hangingPunct="1"/>
+            <a:endParaRPr lang="en-IL"/>
+          </a:p>
+        </p:txBody>
+      </p:sp>
+      <p:cxnSp>
+        <p:nvCxnSpPr>
+          <p:cNvPr id="9" name="Straight Connector 8">
+            <a:extLst>
+              <a:ext uri="{FF2B5EF4-FFF2-40B4-BE49-F238E27FC236}">
+                <a16:creationId xmlns:a16="http://schemas.microsoft.com/office/drawing/2014/main" id="{E480B6B1-9BD0-C14D-6C35-046B181B096E}"/>
+              </a:ext>
+            </a:extLst>
+          </p:cNvPr>
+          <p:cNvCxnSpPr/>
+          <p:nvPr/>
+        </p:nvCxnSpPr>
+        <p:spPr>
+          <a:xfrm>
+            <a:off x="124358" y="1128369"/>
+            <a:ext cx="11923775" cy="80467"/>
+          </a:xfrm>
+          <a:prstGeom prst="line">
+            <a:avLst/>
+          </a:prstGeom>
+          <a:ln>
+            <a:solidFill>
+              <a:srgbClr val="E2FE21"/>
+            </a:solidFill>
+          </a:ln>
+        </p:spPr>
+        <p:style>
+          <a:lnRef idx="1">
+            <a:schemeClr val="accent1"/>
+          </a:lnRef>
+          <a:fillRef idx="0">
+            <a:schemeClr val="accent1"/>
+          </a:fillRef>
+          <a:effectRef idx="0">
+            <a:schemeClr val="accent1"/>
+          </a:effectRef>
+          <a:fontRef idx="minor">
+            <a:schemeClr val="tx1"/>
+          </a:fontRef>
+        </p:style>
+      </p:cxnSp>
+      <p:pic>
+        <p:nvPicPr>
+          <p:cNvPr id="11" name="Picture 10">
+            <a:extLst>
+              <a:ext uri="{FF2B5EF4-FFF2-40B4-BE49-F238E27FC236}">
+                <a16:creationId xmlns:a16="http://schemas.microsoft.com/office/drawing/2014/main" id="{9C0DC1BB-F10B-06AB-68E6-BEC246A4E787}"/>
+              </a:ext>
+            </a:extLst>
+          </p:cNvPr>
+          <p:cNvPicPr>
+            <a:picLocks noChangeAspect="1"/>
+          </p:cNvPicPr>
+          <p:nvPr/>
+        </p:nvPicPr>
+        <p:blipFill>
+          <a:blip r:embed="rId4"/>
+          <a:srcRect/>
+          <a:stretch/>
+        </p:blipFill>
+        <p:spPr>
+          <a:xfrm>
+            <a:off x="8495747" y="6366654"/>
+            <a:ext cx="2989117" cy="243717"/>
+          </a:xfrm>
+          <a:prstGeom prst="rect">
+            <a:avLst/>
+          </a:prstGeom>
+        </p:spPr>
+      </p:pic>
+      <p:sp>
+        <p:nvSpPr>
+          <p:cNvPr id="4" name="TextBox 3">
+            <a:extLst>
+              <a:ext uri="{FF2B5EF4-FFF2-40B4-BE49-F238E27FC236}">
+                <a16:creationId xmlns:a16="http://schemas.microsoft.com/office/drawing/2014/main" id="{A56F6798-CB7E-F967-5BAF-A562F7DB9950}"/>
+              </a:ext>
+            </a:extLst>
+          </p:cNvPr>
+          <p:cNvSpPr txBox="1"/>
+          <p:nvPr/>
+        </p:nvSpPr>
+        <p:spPr>
+          <a:xfrm>
+            <a:off x="604498" y="297371"/>
+            <a:ext cx="11016714" cy="707886"/>
+          </a:xfrm>
+          <a:prstGeom prst="rect">
+            <a:avLst/>
+          </a:prstGeom>
+          <a:noFill/>
+        </p:spPr>
+        <p:txBody>
+          <a:bodyPr wrap="square" lIns="91440" tIns="45720" rIns="91440" bIns="45720" rtlCol="0" anchor="t">
+            <a:spAutoFit/>
+          </a:bodyPr>
+          <a:lstStyle/>
+          <a:p>
+            <a:r>
+              <a:rPr lang="en-US" sz="4000" b="1">
+                <a:solidFill>
+                  <a:srgbClr val="E2FE21"/>
+                </a:solidFill>
+                <a:latin typeface="Miriam Libre"/>
+                <a:ea typeface="+mn-lt"/>
+                <a:cs typeface="Miriam Libre"/>
+              </a:rPr>
+              <a:t>SQL Injection – More information</a:t>
+            </a:r>
+            <a:endParaRPr lang="en-US"/>
+          </a:p>
+        </p:txBody>
+      </p:sp>
+      <p:sp>
+        <p:nvSpPr>
+          <p:cNvPr id="12" name="TextBox 11">
+            <a:extLst>
+              <a:ext uri="{FF2B5EF4-FFF2-40B4-BE49-F238E27FC236}">
+                <a16:creationId xmlns:a16="http://schemas.microsoft.com/office/drawing/2014/main" id="{8DB64316-BED0-E985-D34B-5228710A02F8}"/>
+              </a:ext>
+            </a:extLst>
+          </p:cNvPr>
+          <p:cNvSpPr txBox="1"/>
+          <p:nvPr/>
+        </p:nvSpPr>
+        <p:spPr>
+          <a:xfrm>
+            <a:off x="707135" y="6373039"/>
+            <a:ext cx="6097218" cy="246221"/>
+          </a:xfrm>
+          <a:prstGeom prst="rect">
+            <a:avLst/>
+          </a:prstGeom>
+          <a:noFill/>
+        </p:spPr>
+        <p:txBody>
+          <a:bodyPr wrap="square">
+            <a:spAutoFit/>
+          </a:bodyPr>
+          <a:lstStyle/>
+          <a:p>
+            <a:pPr marL="0" defTabSz="914400" eaLnBrk="1" latinLnBrk="0" hangingPunct="1"/>
+            <a:r>
+              <a:rPr lang="en-US" sz="1000">
+                <a:solidFill>
+                  <a:srgbClr val="E2FE21"/>
+                </a:solidFill>
+                <a:effectLst/>
+                <a:latin typeface="Miriam Libre" pitchFamily="2" charset="-79"/>
+                <a:cs typeface="Miriam Libre" pitchFamily="2" charset="-79"/>
+              </a:rPr>
+              <a:t>01</a:t>
+            </a:r>
+            <a:r>
+              <a:rPr lang="en-US" sz="1000">
+                <a:solidFill>
+                  <a:schemeClr val="bg1"/>
+                </a:solidFill>
+                <a:effectLst/>
+                <a:latin typeface="Miriam Libre" pitchFamily="2" charset="-79"/>
+                <a:cs typeface="Miriam Libre" pitchFamily="2" charset="-79"/>
+              </a:rPr>
+              <a:t>       Introduction</a:t>
+            </a:r>
+            <a:endParaRPr lang="en-IL" sz="1000">
+              <a:solidFill>
+                <a:schemeClr val="bg1"/>
+              </a:solidFill>
+              <a:latin typeface="Miriam Libre" pitchFamily="2" charset="-79"/>
+              <a:cs typeface="Miriam Libre" pitchFamily="2" charset="-79"/>
+            </a:endParaRPr>
+          </a:p>
+        </p:txBody>
+      </p:sp>
+      <p:sp>
+        <p:nvSpPr>
+          <p:cNvPr id="3" name="TextBox 2">
+            <a:extLst>
+              <a:ext uri="{FF2B5EF4-FFF2-40B4-BE49-F238E27FC236}">
+                <a16:creationId xmlns:a16="http://schemas.microsoft.com/office/drawing/2014/main" id="{7438A983-7AC4-63FF-EA9C-6085ED22683F}"/>
+              </a:ext>
+            </a:extLst>
+          </p:cNvPr>
+          <p:cNvSpPr txBox="1"/>
+          <p:nvPr/>
+        </p:nvSpPr>
+        <p:spPr>
+          <a:xfrm>
+            <a:off x="542553" y="1273452"/>
+            <a:ext cx="10659948" cy="1815882"/>
+          </a:xfrm>
+          <a:prstGeom prst="rect">
+            <a:avLst/>
+          </a:prstGeom>
+          <a:noFill/>
+        </p:spPr>
+        <p:txBody>
+          <a:bodyPr wrap="square" lIns="91440" tIns="45720" rIns="91440" bIns="45720" rtlCol="0" anchor="t">
+            <a:spAutoFit/>
+          </a:bodyPr>
+          <a:lstStyle/>
+          <a:p>
+            <a:pPr marL="457200" indent="-457200">
+              <a:buFont typeface="Arial"/>
+              <a:buChar char="•"/>
+            </a:pPr>
+            <a:r>
+              <a:rPr lang="en-US" sz="2800" dirty="0">
+                <a:solidFill>
+                  <a:schemeClr val="bg1"/>
+                </a:solidFill>
+                <a:latin typeface="Miriam Libre"/>
+                <a:cs typeface="Miriam Libre"/>
+              </a:rPr>
+              <a:t>Demo 1 – </a:t>
+            </a:r>
+            <a:r>
+              <a:rPr lang="en-US" sz="2800" dirty="0">
+                <a:solidFill>
+                  <a:schemeClr val="bg1"/>
+                </a:solidFill>
+                <a:latin typeface="Miriam Libre"/>
+                <a:cs typeface="Miriam Libre"/>
+                <a:hlinkClick r:id="rId5">
+                  <a:extLst>
+                    <a:ext uri="{A12FA001-AC4F-418D-AE19-62706E023703}">
+                      <ahyp:hlinkClr xmlns:ahyp="http://schemas.microsoft.com/office/drawing/2018/hyperlinkcolor" val="tx"/>
+                    </a:ext>
+                  </a:extLst>
+                </a:hlinkClick>
+              </a:rPr>
+              <a:t>Hack into admin account</a:t>
+            </a:r>
+            <a:endParaRPr lang="en-US" sz="2800" dirty="0">
+              <a:solidFill>
+                <a:schemeClr val="bg1"/>
+              </a:solidFill>
+              <a:latin typeface="Miriam Libre"/>
+              <a:cs typeface="Miriam Libre"/>
+            </a:endParaRPr>
+          </a:p>
+          <a:p>
+            <a:pPr marL="457200" indent="-457200">
+              <a:buFont typeface="Arial"/>
+              <a:buChar char="•"/>
+            </a:pPr>
+            <a:endParaRPr lang="en-US" sz="2800" dirty="0">
+              <a:solidFill>
+                <a:schemeClr val="bg1"/>
+              </a:solidFill>
+              <a:latin typeface="Miriam Libre"/>
+              <a:cs typeface="Miriam Libre"/>
+            </a:endParaRPr>
+          </a:p>
+          <a:p>
+            <a:pPr marL="457200" indent="-457200">
+              <a:buFont typeface="Arial"/>
+              <a:buChar char="•"/>
+            </a:pPr>
+            <a:r>
+              <a:rPr lang="en-US" sz="2800" dirty="0">
+                <a:solidFill>
+                  <a:schemeClr val="bg1"/>
+                </a:solidFill>
+                <a:latin typeface="Miriam Libre"/>
+                <a:cs typeface="Miriam Libre"/>
+              </a:rPr>
+              <a:t>Demo 2 – </a:t>
+            </a:r>
+            <a:r>
+              <a:rPr lang="en-US" sz="2800" dirty="0">
+                <a:solidFill>
+                  <a:schemeClr val="bg1"/>
+                </a:solidFill>
+                <a:latin typeface="Miriam Libre"/>
+                <a:cs typeface="Miriam Libre"/>
+                <a:hlinkClick r:id="rId6">
+                  <a:extLst>
+                    <a:ext uri="{A12FA001-AC4F-418D-AE19-62706E023703}">
+                      <ahyp:hlinkClr xmlns:ahyp="http://schemas.microsoft.com/office/drawing/2018/hyperlinkcolor" val="tx"/>
+                    </a:ext>
+                  </a:extLst>
+                </a:hlinkClick>
+              </a:rPr>
+              <a:t>Get hidden information</a:t>
+            </a:r>
+            <a:endParaRPr lang="en-US" sz="2800" dirty="0">
+              <a:solidFill>
+                <a:schemeClr val="bg1"/>
+              </a:solidFill>
+              <a:latin typeface="Miriam Libre"/>
+              <a:cs typeface="Miriam Libre"/>
+            </a:endParaRPr>
+          </a:p>
+          <a:p>
+            <a:pPr marL="457200" indent="-457200">
+              <a:buFont typeface="Arial"/>
+              <a:buChar char="•"/>
+            </a:pPr>
+            <a:endParaRPr lang="en-US" sz="2800">
+              <a:solidFill>
+                <a:schemeClr val="bg1"/>
+              </a:solidFill>
+              <a:latin typeface="Miriam Libre"/>
+              <a:cs typeface="Miriam Libre"/>
+            </a:endParaRPr>
+          </a:p>
+        </p:txBody>
+      </p:sp>
+    </p:spTree>
+    <p:extLst>
+      <p:ext uri="{BB962C8B-B14F-4D97-AF65-F5344CB8AC3E}">
+        <p14:creationId xmlns:p14="http://schemas.microsoft.com/office/powerpoint/2010/main" val="4244575190"/>
+      </p:ext>
+    </p:extLst>
+  </p:cSld>
+  <p:clrMapOvr>
+    <a:masterClrMapping/>
+  </p:clrMapOvr>
+</p:sld>
+</file>
+
+<file path=ppt/slides/slide15.xml><?xml version="1.0" encoding="utf-8"?>
+<p:sld xmlns:a="http://schemas.openxmlformats.org/drawingml/2006/main" xmlns:r="http://schemas.openxmlformats.org/officeDocument/2006/relationships" xmlns:p="http://schemas.openxmlformats.org/presentationml/2006/main">
+  <p:cSld>
+    <p:spTree>
+      <p:nvGrpSpPr>
+        <p:cNvPr id="1" name=""/>
+        <p:cNvGrpSpPr/>
+        <p:nvPr/>
+      </p:nvGrpSpPr>
+      <p:grpSpPr>
+        <a:xfrm>
+          <a:off x="0" y="0"/>
+          <a:ext cx="0" cy="0"/>
+          <a:chOff x="0" y="0"/>
+          <a:chExt cx="0" cy="0"/>
+        </a:xfrm>
+      </p:grpSpPr>
+      <p:pic>
+        <p:nvPicPr>
+          <p:cNvPr id="5" name="Picture 4">
+            <a:extLst>
+              <a:ext uri="{FF2B5EF4-FFF2-40B4-BE49-F238E27FC236}">
+                <a16:creationId xmlns:a16="http://schemas.microsoft.com/office/drawing/2014/main" id="{C2FC6D6F-4E9C-868A-98B1-1DA0DDA1F996}"/>
+              </a:ext>
+            </a:extLst>
+          </p:cNvPr>
+          <p:cNvPicPr>
+            <a:picLocks noChangeAspect="1"/>
+          </p:cNvPicPr>
+          <p:nvPr/>
+        </p:nvPicPr>
+        <p:blipFill>
+          <a:blip r:embed="rId3"/>
+          <a:srcRect/>
+          <a:stretch/>
+        </p:blipFill>
+        <p:spPr>
+          <a:xfrm>
+            <a:off x="0" y="0"/>
+            <a:ext cx="12192000" cy="6858000"/>
+          </a:xfrm>
+          <a:prstGeom prst="rect">
+            <a:avLst/>
+          </a:prstGeom>
+        </p:spPr>
+      </p:pic>
+      <p:sp>
+        <p:nvSpPr>
+          <p:cNvPr id="6" name="Rectangle 5">
+            <a:extLst>
+              <a:ext uri="{FF2B5EF4-FFF2-40B4-BE49-F238E27FC236}">
+                <a16:creationId xmlns:a16="http://schemas.microsoft.com/office/drawing/2014/main" id="{3311EF23-F64A-C782-28EA-1A8D297A9F1D}"/>
+              </a:ext>
+            </a:extLst>
+          </p:cNvPr>
+          <p:cNvSpPr/>
+          <p:nvPr/>
+        </p:nvSpPr>
+        <p:spPr>
+          <a:xfrm>
+            <a:off x="1" y="6247180"/>
+            <a:ext cx="12192000" cy="610819"/>
+          </a:xfrm>
+          <a:prstGeom prst="rect">
+            <a:avLst/>
+          </a:prstGeom>
+          <a:solidFill>
+            <a:schemeClr val="tx1">
+              <a:lumMod val="65000"/>
+              <a:lumOff val="35000"/>
+            </a:schemeClr>
+          </a:solidFill>
+          <a:ln>
+            <a:noFill/>
+          </a:ln>
+        </p:spPr>
+        <p:style>
+          <a:lnRef idx="2">
+            <a:schemeClr val="accent1">
+              <a:shade val="15000"/>
+            </a:schemeClr>
+          </a:lnRef>
+          <a:fillRef idx="1">
+            <a:schemeClr val="accent1"/>
+          </a:fillRef>
+          <a:effectRef idx="0">
+            <a:schemeClr val="accent1"/>
+          </a:effectRef>
+          <a:fontRef idx="minor">
+            <a:schemeClr val="lt1"/>
+          </a:fontRef>
+        </p:style>
+        <p:txBody>
+          <a:bodyPr rtlCol="0" anchor="ctr"/>
+          <a:lstStyle/>
+          <a:p>
+            <a:pPr marL="0" algn="ctr" defTabSz="914400" rtl="0" eaLnBrk="1" latinLnBrk="0" hangingPunct="1"/>
+            <a:endParaRPr lang="en-IL"/>
+          </a:p>
+        </p:txBody>
+      </p:sp>
+      <p:cxnSp>
+        <p:nvCxnSpPr>
+          <p:cNvPr id="9" name="Straight Connector 8">
+            <a:extLst>
+              <a:ext uri="{FF2B5EF4-FFF2-40B4-BE49-F238E27FC236}">
+                <a16:creationId xmlns:a16="http://schemas.microsoft.com/office/drawing/2014/main" id="{E480B6B1-9BD0-C14D-6C35-046B181B096E}"/>
+              </a:ext>
+            </a:extLst>
+          </p:cNvPr>
+          <p:cNvCxnSpPr/>
+          <p:nvPr/>
+        </p:nvCxnSpPr>
+        <p:spPr>
+          <a:xfrm>
+            <a:off x="124358" y="1128369"/>
+            <a:ext cx="11923775" cy="80467"/>
+          </a:xfrm>
+          <a:prstGeom prst="line">
+            <a:avLst/>
+          </a:prstGeom>
+          <a:ln>
+            <a:solidFill>
+              <a:srgbClr val="E2FE21"/>
+            </a:solidFill>
+          </a:ln>
+        </p:spPr>
+        <p:style>
+          <a:lnRef idx="1">
+            <a:schemeClr val="accent1"/>
+          </a:lnRef>
+          <a:fillRef idx="0">
+            <a:schemeClr val="accent1"/>
+          </a:fillRef>
+          <a:effectRef idx="0">
+            <a:schemeClr val="accent1"/>
+          </a:effectRef>
+          <a:fontRef idx="minor">
+            <a:schemeClr val="tx1"/>
+          </a:fontRef>
+        </p:style>
+      </p:cxnSp>
+      <p:pic>
+        <p:nvPicPr>
+          <p:cNvPr id="11" name="Picture 10">
+            <a:extLst>
+              <a:ext uri="{FF2B5EF4-FFF2-40B4-BE49-F238E27FC236}">
+                <a16:creationId xmlns:a16="http://schemas.microsoft.com/office/drawing/2014/main" id="{9C0DC1BB-F10B-06AB-68E6-BEC246A4E787}"/>
+              </a:ext>
+            </a:extLst>
+          </p:cNvPr>
+          <p:cNvPicPr>
+            <a:picLocks noChangeAspect="1"/>
+          </p:cNvPicPr>
+          <p:nvPr/>
+        </p:nvPicPr>
+        <p:blipFill>
+          <a:blip r:embed="rId4"/>
+          <a:srcRect/>
+          <a:stretch/>
+        </p:blipFill>
+        <p:spPr>
+          <a:xfrm>
+            <a:off x="8495747" y="6366654"/>
+            <a:ext cx="2989117" cy="243717"/>
+          </a:xfrm>
+          <a:prstGeom prst="rect">
+            <a:avLst/>
+          </a:prstGeom>
+        </p:spPr>
+      </p:pic>
+      <p:sp>
+        <p:nvSpPr>
+          <p:cNvPr id="4" name="TextBox 3">
+            <a:extLst>
+              <a:ext uri="{FF2B5EF4-FFF2-40B4-BE49-F238E27FC236}">
+                <a16:creationId xmlns:a16="http://schemas.microsoft.com/office/drawing/2014/main" id="{A56F6798-CB7E-F967-5BAF-A562F7DB9950}"/>
+              </a:ext>
+            </a:extLst>
+          </p:cNvPr>
+          <p:cNvSpPr txBox="1"/>
+          <p:nvPr/>
+        </p:nvSpPr>
+        <p:spPr>
+          <a:xfrm>
+            <a:off x="641821" y="323475"/>
+            <a:ext cx="7136374" cy="830997"/>
+          </a:xfrm>
+          <a:prstGeom prst="rect">
+            <a:avLst/>
+          </a:prstGeom>
+          <a:noFill/>
+        </p:spPr>
+        <p:txBody>
+          <a:bodyPr wrap="square" rtlCol="0">
+            <a:spAutoFit/>
+          </a:bodyPr>
+          <a:lstStyle/>
+          <a:p>
+            <a:pPr algn="l"/>
+            <a:r>
+              <a:rPr lang="en-US" sz="4800" b="1">
+                <a:solidFill>
+                  <a:srgbClr val="E2FE21"/>
+                </a:solidFill>
+                <a:latin typeface="Miriam Libre" pitchFamily="2" charset="-79"/>
+                <a:cs typeface="Miriam Libre" pitchFamily="2" charset="-79"/>
+              </a:rPr>
+              <a:t>Website</a:t>
+            </a:r>
+            <a:endParaRPr lang="he-IL" sz="4800" b="1">
+              <a:solidFill>
+                <a:srgbClr val="E2FE21"/>
+              </a:solidFill>
+              <a:effectLst/>
+              <a:latin typeface="Miriam Libre" pitchFamily="2" charset="-79"/>
+              <a:cs typeface="Miriam Libre" pitchFamily="2" charset="-79"/>
+            </a:endParaRPr>
+          </a:p>
+        </p:txBody>
+      </p:sp>
+      <p:sp>
+        <p:nvSpPr>
+          <p:cNvPr id="12" name="TextBox 11">
+            <a:extLst>
+              <a:ext uri="{FF2B5EF4-FFF2-40B4-BE49-F238E27FC236}">
+                <a16:creationId xmlns:a16="http://schemas.microsoft.com/office/drawing/2014/main" id="{8DB64316-BED0-E985-D34B-5228710A02F8}"/>
+              </a:ext>
+            </a:extLst>
+          </p:cNvPr>
+          <p:cNvSpPr txBox="1"/>
+          <p:nvPr/>
+        </p:nvSpPr>
+        <p:spPr>
+          <a:xfrm>
+            <a:off x="707135" y="6373039"/>
+            <a:ext cx="6097218" cy="246221"/>
+          </a:xfrm>
+          <a:prstGeom prst="rect">
+            <a:avLst/>
+          </a:prstGeom>
+          <a:noFill/>
+        </p:spPr>
+        <p:txBody>
+          <a:bodyPr wrap="square">
+            <a:spAutoFit/>
+          </a:bodyPr>
+          <a:lstStyle/>
+          <a:p>
+            <a:pPr marL="0" defTabSz="914400" eaLnBrk="1" latinLnBrk="0" hangingPunct="1"/>
+            <a:r>
+              <a:rPr lang="en-US" sz="1000">
+                <a:solidFill>
+                  <a:srgbClr val="E2FE21"/>
+                </a:solidFill>
+                <a:effectLst/>
+                <a:latin typeface="Miriam Libre" pitchFamily="2" charset="-79"/>
+                <a:cs typeface="Miriam Libre" pitchFamily="2" charset="-79"/>
+              </a:rPr>
+              <a:t>01</a:t>
+            </a:r>
+            <a:r>
+              <a:rPr lang="en-US" sz="1000">
+                <a:solidFill>
+                  <a:schemeClr val="bg1"/>
+                </a:solidFill>
+                <a:effectLst/>
+                <a:latin typeface="Miriam Libre" pitchFamily="2" charset="-79"/>
+                <a:cs typeface="Miriam Libre" pitchFamily="2" charset="-79"/>
+              </a:rPr>
+              <a:t>       Introduction</a:t>
+            </a:r>
+            <a:endParaRPr lang="en-IL" sz="1000">
+              <a:solidFill>
+                <a:schemeClr val="bg1"/>
+              </a:solidFill>
+              <a:latin typeface="Miriam Libre" pitchFamily="2" charset="-79"/>
+              <a:cs typeface="Miriam Libre" pitchFamily="2" charset="-79"/>
+            </a:endParaRPr>
+          </a:p>
+        </p:txBody>
+      </p:sp>
+      <p:sp>
+        <p:nvSpPr>
+          <p:cNvPr id="2" name="TextBox 1">
+            <a:extLst>
+              <a:ext uri="{FF2B5EF4-FFF2-40B4-BE49-F238E27FC236}">
+                <a16:creationId xmlns:a16="http://schemas.microsoft.com/office/drawing/2014/main" id="{66D305CE-ABB2-9CA8-4B59-A94B25C07A36}"/>
+              </a:ext>
+            </a:extLst>
+          </p:cNvPr>
+          <p:cNvSpPr txBox="1"/>
+          <p:nvPr/>
+        </p:nvSpPr>
+        <p:spPr>
+          <a:xfrm>
+            <a:off x="480632" y="1339520"/>
+            <a:ext cx="10659948" cy="450123"/>
+          </a:xfrm>
+          <a:prstGeom prst="rect">
+            <a:avLst/>
+          </a:prstGeom>
+          <a:noFill/>
+        </p:spPr>
+        <p:txBody>
+          <a:bodyPr wrap="square" rtlCol="0">
+            <a:spAutoFit/>
+          </a:bodyPr>
+          <a:lstStyle/>
+          <a:p>
+            <a:pPr marL="285750" indent="-285750">
+              <a:lnSpc>
+                <a:spcPts val="2560"/>
+              </a:lnSpc>
+              <a:buFont typeface="Arial" panose="020B0604020202020204" pitchFamily="34" charset="0"/>
+              <a:buChar char="•"/>
+            </a:pPr>
+            <a:r>
+              <a:rPr lang="en-US" sz="2800">
+                <a:solidFill>
+                  <a:schemeClr val="bg1"/>
+                </a:solidFill>
+                <a:latin typeface="Miriam Libre" pitchFamily="2" charset="-79"/>
+                <a:cs typeface="Miriam Libre" pitchFamily="2" charset="-79"/>
+              </a:rPr>
+              <a:t>technionctf.com</a:t>
+            </a:r>
+            <a:endParaRPr lang="en-US" sz="2800">
+              <a:solidFill>
+                <a:schemeClr val="bg1"/>
+              </a:solidFill>
+              <a:effectLst/>
+              <a:latin typeface="Miriam Libre" pitchFamily="2" charset="-79"/>
+              <a:cs typeface="Miriam Libre" pitchFamily="2" charset="-79"/>
+            </a:endParaRPr>
+          </a:p>
+        </p:txBody>
+      </p:sp>
+      <p:pic>
+        <p:nvPicPr>
+          <p:cNvPr id="10" name="Picture 16">
+            <a:extLst>
+              <a:ext uri="{FF2B5EF4-FFF2-40B4-BE49-F238E27FC236}">
+                <a16:creationId xmlns:a16="http://schemas.microsoft.com/office/drawing/2014/main" id="{8569356E-7B56-45C0-9601-8BF76696E28A}"/>
+              </a:ext>
+            </a:extLst>
+          </p:cNvPr>
+          <p:cNvPicPr>
+            <a:picLocks noChangeAspect="1"/>
+          </p:cNvPicPr>
+          <p:nvPr/>
+        </p:nvPicPr>
+        <p:blipFill>
+          <a:blip r:embed="rId5"/>
+          <a:stretch>
+            <a:fillRect/>
+          </a:stretch>
+        </p:blipFill>
+        <p:spPr>
+          <a:xfrm>
+            <a:off x="480632" y="1838161"/>
+            <a:ext cx="1076545" cy="1076545"/>
+          </a:xfrm>
+          <a:prstGeom prst="rect">
+            <a:avLst/>
+          </a:prstGeom>
+        </p:spPr>
+      </p:pic>
+      <p:pic>
+        <p:nvPicPr>
+          <p:cNvPr id="13" name="תמונה 12">
+            <a:extLst>
+              <a:ext uri="{FF2B5EF4-FFF2-40B4-BE49-F238E27FC236}">
+                <a16:creationId xmlns:a16="http://schemas.microsoft.com/office/drawing/2014/main" id="{B70E30E0-E318-4403-8928-8B7305B1D457}"/>
+              </a:ext>
+            </a:extLst>
+          </p:cNvPr>
+          <p:cNvPicPr>
+            <a:picLocks noChangeAspect="1"/>
+          </p:cNvPicPr>
+          <p:nvPr/>
+        </p:nvPicPr>
+        <p:blipFill>
+          <a:blip r:embed="rId6"/>
+          <a:stretch>
+            <a:fillRect/>
+          </a:stretch>
+        </p:blipFill>
+        <p:spPr>
+          <a:xfrm>
+            <a:off x="2255037" y="1947023"/>
+            <a:ext cx="8751630" cy="3856464"/>
+          </a:xfrm>
+          <a:prstGeom prst="rect">
+            <a:avLst/>
+          </a:prstGeom>
+        </p:spPr>
+      </p:pic>
+    </p:spTree>
+    <p:extLst>
+      <p:ext uri="{BB962C8B-B14F-4D97-AF65-F5344CB8AC3E}">
+        <p14:creationId xmlns:p14="http://schemas.microsoft.com/office/powerpoint/2010/main" val="591629700"/>
+      </p:ext>
+    </p:extLst>
+  </p:cSld>
+  <p:clrMapOvr>
+    <a:masterClrMapping/>
+  </p:clrMapOvr>
+</p:sld>
+</file>
+
+<file path=ppt/slides/slide16.xml><?xml version="1.0" encoding="utf-8"?>
+<p:sld xmlns:a="http://schemas.openxmlformats.org/drawingml/2006/main" xmlns:r="http://schemas.openxmlformats.org/officeDocument/2006/relationships" xmlns:p="http://schemas.openxmlformats.org/presentationml/2006/main">
+  <p:cSld>
+    <p:spTree>
+      <p:nvGrpSpPr>
+        <p:cNvPr id="1" name=""/>
+        <p:cNvGrpSpPr/>
+        <p:nvPr/>
+      </p:nvGrpSpPr>
+      <p:grpSpPr>
+        <a:xfrm>
+          <a:off x="0" y="0"/>
+          <a:ext cx="0" cy="0"/>
+          <a:chOff x="0" y="0"/>
+          <a:chExt cx="0" cy="0"/>
+        </a:xfrm>
+      </p:grpSpPr>
+      <p:pic>
+        <p:nvPicPr>
+          <p:cNvPr id="5" name="Picture 4">
+            <a:extLst>
+              <a:ext uri="{FF2B5EF4-FFF2-40B4-BE49-F238E27FC236}">
                 <a16:creationId xmlns:a16="http://schemas.microsoft.com/office/drawing/2014/main" id="{C5B5E059-5994-DBF7-AC04-B767191E9B5D}"/>
               </a:ext>
             </a:extLst>
@@ -7105,7 +8675,7 @@
         <p:spPr>
           <a:xfrm>
             <a:off x="2965094" y="4337270"/>
-            <a:ext cx="6261812" cy="919482"/>
+            <a:ext cx="6261812" cy="1608133"/>
           </a:xfrm>
           <a:prstGeom prst="rect">
             <a:avLst/>
@@ -7113,7 +8683,7 @@
           <a:noFill/>
         </p:spPr>
         <p:txBody>
-          <a:bodyPr wrap="square" rtlCol="0">
+          <a:bodyPr wrap="square" lIns="91440" tIns="45720" rIns="91440" bIns="45720" rtlCol="0" anchor="t">
             <a:spAutoFit/>
           </a:bodyPr>
           <a:lstStyle/>
@@ -7124,20 +8694,36 @@
               </a:lnSpc>
             </a:pPr>
             <a:r>
-              <a:rPr lang="en-US" sz="6500" b="1" dirty="0">
+              <a:rPr lang="en-US" sz="6500" b="1">
                 <a:solidFill>
                   <a:schemeClr val="bg1"/>
                 </a:solidFill>
-                <a:latin typeface="Miriam Libre" pitchFamily="2" charset="-79"/>
-                <a:cs typeface="Miriam Libre" pitchFamily="2" charset="-79"/>
+                <a:latin typeface="Miriam Libre"/>
+                <a:cs typeface="Miriam Libre"/>
               </a:rPr>
-              <a:t>Let’s practice!</a:t>
-            </a:r>
-            <a:endParaRPr lang="he-IL" sz="6500" b="1" dirty="0">
+              <a:t>Practice Time</a:t>
+            </a:r>
+          </a:p>
+          <a:p>
+            <a:pPr algn="ctr">
+              <a:lnSpc>
+                <a:spcPts val="6000"/>
+              </a:lnSpc>
+            </a:pPr>
+            <a:r>
+              <a:rPr lang="en-US" sz="4000" b="1">
+                <a:solidFill>
+                  <a:schemeClr val="bg1"/>
+                </a:solidFill>
+                <a:latin typeface="Miriam Libre"/>
+                <a:cs typeface="Miriam Libre"/>
+              </a:rPr>
+              <a:t>Beginners | Advanced</a:t>
+            </a:r>
+            <a:endParaRPr lang="en-US" sz="4000" b="1">
               <a:solidFill>
                 <a:schemeClr val="bg1"/>
               </a:solidFill>
-              <a:effectLst/>
               <a:latin typeface="Miriam Libre" pitchFamily="2" charset="-79"/>
               <a:cs typeface="Miriam Libre" pitchFamily="2" charset="-79"/>
             </a:endParaRPr>
@@ -7236,7 +8822,220 @@
     </p:spTree>
     <p:extLst>
       <p:ext uri="{BB962C8B-B14F-4D97-AF65-F5344CB8AC3E}">
-        <p14:creationId xmlns:p14="http://schemas.microsoft.com/office/powerpoint/2010/main" val="874652347"/>
+        <p14:creationId xmlns:p14="http://schemas.microsoft.com/office/powerpoint/2010/main" val="1021187848"/>
+      </p:ext>
+    </p:extLst>
+  </p:cSld>
+  <p:clrMapOvr>
+    <a:masterClrMapping/>
+  </p:clrMapOvr>
+</p:sld>
+</file>
+
+<file path=ppt/slides/slide17.xml><?xml version="1.0" encoding="utf-8"?>
+<p:sld xmlns:a="http://schemas.openxmlformats.org/drawingml/2006/main" xmlns:r="http://schemas.openxmlformats.org/officeDocument/2006/relationships" xmlns:p="http://schemas.openxmlformats.org/presentationml/2006/main">
+  <p:cSld>
+    <p:spTree>
+      <p:nvGrpSpPr>
+        <p:cNvPr id="1" name=""/>
+        <p:cNvGrpSpPr/>
+        <p:nvPr/>
+      </p:nvGrpSpPr>
+      <p:grpSpPr>
+        <a:xfrm>
+          <a:off x="0" y="0"/>
+          <a:ext cx="0" cy="0"/>
+          <a:chOff x="0" y="0"/>
+          <a:chExt cx="0" cy="0"/>
+        </a:xfrm>
+      </p:grpSpPr>
+      <p:pic>
+        <p:nvPicPr>
+          <p:cNvPr id="5" name="Picture 4">
+            <a:extLst>
+              <a:ext uri="{FF2B5EF4-FFF2-40B4-BE49-F238E27FC236}">
+                <a16:creationId xmlns:a16="http://schemas.microsoft.com/office/drawing/2014/main" id="{C5B5E059-5994-DBF7-AC04-B767191E9B5D}"/>
+              </a:ext>
+            </a:extLst>
+          </p:cNvPr>
+          <p:cNvPicPr>
+            <a:picLocks noChangeAspect="1"/>
+          </p:cNvPicPr>
+          <p:nvPr/>
+        </p:nvPicPr>
+        <p:blipFill>
+          <a:blip r:embed="rId3"/>
+          <a:stretch>
+            <a:fillRect/>
+          </a:stretch>
+        </p:blipFill>
+        <p:spPr>
+          <a:xfrm>
+            <a:off x="0" y="0"/>
+            <a:ext cx="12192000" cy="6858000"/>
+          </a:xfrm>
+          <a:prstGeom prst="rect">
+            <a:avLst/>
+          </a:prstGeom>
+        </p:spPr>
+      </p:pic>
+      <p:sp>
+        <p:nvSpPr>
+          <p:cNvPr id="10" name="TextBox 9">
+            <a:extLst>
+              <a:ext uri="{FF2B5EF4-FFF2-40B4-BE49-F238E27FC236}">
+                <a16:creationId xmlns:a16="http://schemas.microsoft.com/office/drawing/2014/main" id="{41D002C8-CC40-FE0D-6F22-238967E65159}"/>
+              </a:ext>
+            </a:extLst>
+          </p:cNvPr>
+          <p:cNvSpPr txBox="1"/>
+          <p:nvPr/>
+        </p:nvSpPr>
+        <p:spPr>
+          <a:xfrm>
+            <a:off x="2965094" y="4337270"/>
+            <a:ext cx="6261812" cy="1646605"/>
+          </a:xfrm>
+          <a:prstGeom prst="rect">
+            <a:avLst/>
+          </a:prstGeom>
+          <a:noFill/>
+        </p:spPr>
+        <p:txBody>
+          <a:bodyPr wrap="square" lIns="91440" tIns="45720" rIns="91440" bIns="45720" rtlCol="0" anchor="t">
+            <a:spAutoFit/>
+          </a:bodyPr>
+          <a:lstStyle/>
+          <a:p>
+            <a:pPr algn="ctr">
+              <a:lnSpc>
+                <a:spcPts val="6000"/>
+              </a:lnSpc>
+            </a:pPr>
+            <a:r>
+              <a:rPr lang="en-US" sz="6500" b="1">
+                <a:solidFill>
+                  <a:schemeClr val="bg1"/>
+                </a:solidFill>
+                <a:latin typeface="Miriam Libre"/>
+                <a:cs typeface="Miriam Libre"/>
+              </a:rPr>
+              <a:t>Next Week...</a:t>
+            </a:r>
+          </a:p>
+          <a:p>
+            <a:pPr algn="ctr">
+              <a:lnSpc>
+                <a:spcPts val="6000"/>
+              </a:lnSpc>
+            </a:pPr>
+            <a:r>
+              <a:rPr lang="en-US" sz="4400" b="1">
+                <a:solidFill>
+                  <a:srgbClr val="FFFFFF"/>
+                </a:solidFill>
+                <a:latin typeface="Miriam Libre"/>
+                <a:cs typeface="Miriam Libre"/>
+              </a:rPr>
+              <a:t>web exploitation</a:t>
+            </a:r>
+            <a:endParaRPr lang="en-US"/>
+          </a:p>
+        </p:txBody>
+      </p:sp>
+      <p:pic>
+        <p:nvPicPr>
+          <p:cNvPr id="20" name="Picture 19">
+            <a:extLst>
+              <a:ext uri="{FF2B5EF4-FFF2-40B4-BE49-F238E27FC236}">
+                <a16:creationId xmlns:a16="http://schemas.microsoft.com/office/drawing/2014/main" id="{8D4E373E-2B45-DD01-4EC1-69D14129ED2F}"/>
+              </a:ext>
+            </a:extLst>
+          </p:cNvPr>
+          <p:cNvPicPr>
+            <a:picLocks noChangeAspect="1"/>
+          </p:cNvPicPr>
+          <p:nvPr/>
+        </p:nvPicPr>
+        <p:blipFill>
+          <a:blip r:embed="rId4"/>
+          <a:stretch>
+            <a:fillRect/>
+          </a:stretch>
+        </p:blipFill>
+        <p:spPr>
+          <a:xfrm>
+            <a:off x="-52426" y="6698054"/>
+            <a:ext cx="12296852" cy="166519"/>
+          </a:xfrm>
+          <a:prstGeom prst="rect">
+            <a:avLst/>
+          </a:prstGeom>
+        </p:spPr>
+      </p:pic>
+      <p:pic>
+        <p:nvPicPr>
+          <p:cNvPr id="2" name="Picture 1">
+            <a:extLst>
+              <a:ext uri="{FF2B5EF4-FFF2-40B4-BE49-F238E27FC236}">
+                <a16:creationId xmlns:a16="http://schemas.microsoft.com/office/drawing/2014/main" id="{74EDE1B2-AA06-4838-05EB-AC57A1D6F4EF}"/>
+              </a:ext>
+            </a:extLst>
+          </p:cNvPr>
+          <p:cNvPicPr>
+            <a:picLocks noChangeAspect="1"/>
+          </p:cNvPicPr>
+          <p:nvPr/>
+        </p:nvPicPr>
+        <p:blipFill>
+          <a:blip r:embed="rId5"/>
+          <a:srcRect/>
+          <a:stretch/>
+        </p:blipFill>
+        <p:spPr>
+          <a:xfrm>
+            <a:off x="819301" y="524291"/>
+            <a:ext cx="10585095" cy="520900"/>
+          </a:xfrm>
+          <a:prstGeom prst="rect">
+            <a:avLst/>
+          </a:prstGeom>
+        </p:spPr>
+      </p:pic>
+      <p:pic>
+        <p:nvPicPr>
+          <p:cNvPr id="4" name="Picture 3">
+            <a:extLst>
+              <a:ext uri="{FF2B5EF4-FFF2-40B4-BE49-F238E27FC236}">
+                <a16:creationId xmlns:a16="http://schemas.microsoft.com/office/drawing/2014/main" id="{C9E494CD-45EB-20D5-25E7-31FAD1644ECD}"/>
+              </a:ext>
+            </a:extLst>
+          </p:cNvPr>
+          <p:cNvPicPr>
+            <a:picLocks noChangeAspect="1"/>
+          </p:cNvPicPr>
+          <p:nvPr/>
+        </p:nvPicPr>
+        <p:blipFill>
+          <a:blip r:embed="rId6"/>
+          <a:stretch>
+            <a:fillRect/>
+          </a:stretch>
+        </p:blipFill>
+        <p:spPr>
+          <a:xfrm>
+            <a:off x="5429250" y="2171772"/>
+            <a:ext cx="1333500" cy="1803400"/>
+          </a:xfrm>
+          <a:prstGeom prst="rect">
+            <a:avLst/>
+          </a:prstGeom>
+        </p:spPr>
+      </p:pic>
+    </p:spTree>
+    <p:extLst>
+      <p:ext uri="{BB962C8B-B14F-4D97-AF65-F5344CB8AC3E}">
+        <p14:creationId xmlns:p14="http://schemas.microsoft.com/office/powerpoint/2010/main" val="1646168777"/>
       </p:ext>
     </p:extLst>
   </p:cSld>
@@ -7403,7 +9202,7 @@
         <p:spPr>
           <a:xfrm>
             <a:off x="707135" y="1432533"/>
-            <a:ext cx="8185709" cy="1154162"/>
+            <a:ext cx="8185709" cy="600164"/>
           </a:xfrm>
           <a:prstGeom prst="rect">
             <a:avLst/>
@@ -7432,7 +9231,7 @@
                 <a:latin typeface="Miriam Libre" pitchFamily="2" charset="-79"/>
                 <a:cs typeface="Miriam Libre" pitchFamily="2" charset="-79"/>
               </a:rPr>
-              <a:t>Next week’s session will require </a:t>
+              <a:t>The language for the </a:t>
             </a:r>
             <a:r>
               <a:rPr lang="en-US" sz="2400" b="1" dirty="0">
@@ -7443,24 +9242,8 @@
                 <a:latin typeface="Miriam Libre" pitchFamily="2" charset="-79"/>
                 <a:cs typeface="Miriam Libre" pitchFamily="2" charset="-79"/>
               </a:rPr>
-              <a:t>Kali Linux</a:t>
-            </a:r>
-            <a:endParaRPr lang="en-US" sz="2400" b="1" dirty="0">
-              <a:solidFill>
-                <a:schemeClr val="bg1"/>
-              </a:solidFill>
-              <a:latin typeface="Miriam Libre" pitchFamily="2" charset="-79"/>
-              <a:cs typeface="Miriam Libre" pitchFamily="2" charset="-79"/>
-            </a:endParaRPr>
-          </a:p>
-          <a:p>
-            <a:pPr marL="285750" indent="-285750">
-              <a:lnSpc>
-                <a:spcPct val="150000"/>
-              </a:lnSpc>
-              <a:buFont typeface="Arial" panose="020B0604020202020204" pitchFamily="34" charset="0"/>
-              <a:buChar char="•"/>
-            </a:pPr>
+              <a:t>content</a:t>
+            </a:r>
             <a:r>
               <a:rPr lang="en-US" sz="2400" dirty="0">
                 <a:solidFill>
@@ -7470,29 +9253,16 @@
                 <a:latin typeface="Miriam Libre" pitchFamily="2" charset="-79"/>
                 <a:cs typeface="Miriam Libre" pitchFamily="2" charset="-79"/>
               </a:rPr>
-              <a:t>An installation guide is available </a:t>
-            </a:r>
-            <a:r>
-              <a:rPr lang="en-US" sz="2400" dirty="0">
-                <a:solidFill>
-                  <a:schemeClr val="bg1"/>
-                </a:solidFill>
-                <a:latin typeface="Miriam Libre" pitchFamily="2" charset="-79"/>
-                <a:cs typeface="Miriam Libre" pitchFamily="2" charset="-79"/>
-              </a:rPr>
-              <a:t>o</a:t>
-            </a:r>
-            <a:r>
-              <a:rPr lang="en-US" sz="2400" dirty="0">
-                <a:solidFill>
-                  <a:schemeClr val="bg1"/>
-                </a:solidFill>
-                <a:effectLst/>
-                <a:latin typeface="Miriam Libre" pitchFamily="2" charset="-79"/>
-                <a:cs typeface="Miriam Libre" pitchFamily="2" charset="-79"/>
-              </a:rPr>
-              <a:t>n our website</a:t>
-            </a:r>
+              <a:t> of websites</a:t>
+            </a:r>
+            <a:endParaRPr lang="he-IL" dirty="0">
+              <a:solidFill>
+                <a:schemeClr val="bg1"/>
+              </a:solidFill>
+              <a:effectLst/>
+              <a:latin typeface="Miriam Libre" pitchFamily="2" charset="-79"/>
+              <a:cs typeface="Miriam Libre" pitchFamily="2" charset="-79"/>
+            </a:endParaRPr>
           </a:p>
         </p:txBody>
       </p:sp>
@@ -7563,7 +9333,7 @@
                 <a:latin typeface="Miriam Libre" pitchFamily="2" charset="-79"/>
                 <a:cs typeface="Miriam Libre" pitchFamily="2" charset="-79"/>
               </a:rPr>
-              <a:t>Before we get started…</a:t>
+              <a:t>HTML</a:t>
             </a:r>
             <a:endParaRPr lang="he-IL" sz="3300" b="1" dirty="0">
               <a:solidFill>
@@ -7614,7 +9384,17 @@
                 <a:latin typeface="Miriam Libre" pitchFamily="2" charset="-79"/>
                 <a:cs typeface="Miriam Libre" pitchFamily="2" charset="-79"/>
               </a:rPr>
-              <a:t>02</a:t>
+              <a:t>0</a:t>
+            </a:r>
+            <a:r>
+              <a:rPr lang="en-US" sz="1000" dirty="0">
+                <a:solidFill>
+                  <a:srgbClr val="E2FE21"/>
+                </a:solidFill>
+                <a:latin typeface="Miriam Libre" pitchFamily="2" charset="-79"/>
+                <a:cs typeface="Miriam Libre" pitchFamily="2" charset="-79"/>
+              </a:rPr>
+              <a:t>2</a:t>
             </a:r>
             <a:r>
               <a:rPr lang="en-US" sz="1000" dirty="0">
@@ -7625,22 +9405,239 @@
                 <a:latin typeface="Miriam Libre" pitchFamily="2" charset="-79"/>
                 <a:cs typeface="Miriam Libre" pitchFamily="2" charset="-79"/>
               </a:rPr>
-              <a:t>       Web Exploitation</a:t>
-            </a:r>
-            <a:endParaRPr lang="en-IL" sz="1000" dirty="0">
-              <a:solidFill>
-                <a:schemeClr val="bg1"/>
-              </a:solidFill>
-              <a:latin typeface="Miriam Libre" pitchFamily="2" charset="-79"/>
-              <a:cs typeface="Miriam Libre" pitchFamily="2" charset="-79"/>
-            </a:endParaRPr>
-          </a:p>
-        </p:txBody>
-      </p:sp>
+              <a:t>       </a:t>
+            </a:r>
+            <a:r>
+              <a:rPr lang="en-GB" sz="1000" dirty="0">
+                <a:solidFill>
+                  <a:schemeClr val="bg1"/>
+                </a:solidFill>
+                <a:effectLst/>
+                <a:latin typeface="Miriam Libre" pitchFamily="2" charset="-79"/>
+                <a:cs typeface="Miriam Libre" pitchFamily="2" charset="-79"/>
+              </a:rPr>
+              <a:t>Understanding Cross-Site Scripting (XSS)</a:t>
+            </a:r>
+          </a:p>
+        </p:txBody>
+      </p:sp>
+      <p:sp>
+        <p:nvSpPr>
+          <p:cNvPr id="10" name="Arrow: Right 9">
+            <a:extLst>
+              <a:ext uri="{FF2B5EF4-FFF2-40B4-BE49-F238E27FC236}">
+                <a16:creationId xmlns:a16="http://schemas.microsoft.com/office/drawing/2014/main" id="{46473282-5C80-ADE0-17C2-DC725458ED5B}"/>
+              </a:ext>
+            </a:extLst>
+          </p:cNvPr>
+          <p:cNvSpPr/>
+          <p:nvPr/>
+        </p:nvSpPr>
+        <p:spPr>
+          <a:xfrm>
+            <a:off x="8902754" y="3706073"/>
+            <a:ext cx="531845" cy="447869"/>
+          </a:xfrm>
+          <a:prstGeom prst="rightArrow">
+            <a:avLst/>
+          </a:prstGeom>
+        </p:spPr>
+        <p:style>
+          <a:lnRef idx="2">
+            <a:schemeClr val="accent1">
+              <a:shade val="15000"/>
+            </a:schemeClr>
+          </a:lnRef>
+          <a:fillRef idx="1">
+            <a:schemeClr val="accent1"/>
+          </a:fillRef>
+          <a:effectRef idx="0">
+            <a:schemeClr val="accent1"/>
+          </a:effectRef>
+          <a:fontRef idx="minor">
+            <a:schemeClr val="lt1"/>
+          </a:fontRef>
+        </p:style>
+        <p:txBody>
+          <a:bodyPr rtlCol="1" anchor="ctr"/>
+          <a:lstStyle>
+            <a:defPPr>
+              <a:defRPr lang="he-IL"/>
+            </a:defPPr>
+            <a:lvl1pPr marL="0" algn="l" defTabSz="914400" rtl="0" eaLnBrk="1" latinLnBrk="0" hangingPunct="1">
+              <a:defRPr sz="1800" kern="1200">
+                <a:solidFill>
+                  <a:schemeClr val="lt1"/>
+                </a:solidFill>
+                <a:latin typeface="+mn-lt"/>
+                <a:ea typeface="+mn-ea"/>
+                <a:cs typeface="+mn-cs"/>
+              </a:defRPr>
+            </a:lvl1pPr>
+            <a:lvl2pPr marL="457200" algn="l" defTabSz="914400" rtl="0" eaLnBrk="1" latinLnBrk="0" hangingPunct="1">
+              <a:defRPr sz="1800" kern="1200">
+                <a:solidFill>
+                  <a:schemeClr val="lt1"/>
+                </a:solidFill>
+                <a:latin typeface="+mn-lt"/>
+                <a:ea typeface="+mn-ea"/>
+                <a:cs typeface="+mn-cs"/>
+              </a:defRPr>
+            </a:lvl2pPr>
+            <a:lvl3pPr marL="914400" algn="l" defTabSz="914400" rtl="0" eaLnBrk="1" latinLnBrk="0" hangingPunct="1">
+              <a:defRPr sz="1800" kern="1200">
+                <a:solidFill>
+                  <a:schemeClr val="lt1"/>
+                </a:solidFill>
+                <a:latin typeface="+mn-lt"/>
+                <a:ea typeface="+mn-ea"/>
+                <a:cs typeface="+mn-cs"/>
+              </a:defRPr>
+            </a:lvl3pPr>
+            <a:lvl4pPr marL="1371600" algn="l" defTabSz="914400" rtl="0" eaLnBrk="1" latinLnBrk="0" hangingPunct="1">
+              <a:defRPr sz="1800" kern="1200">
+                <a:solidFill>
+                  <a:schemeClr val="lt1"/>
+                </a:solidFill>
+                <a:latin typeface="+mn-lt"/>
+                <a:ea typeface="+mn-ea"/>
+                <a:cs typeface="+mn-cs"/>
+              </a:defRPr>
+            </a:lvl4pPr>
+            <a:lvl5pPr marL="1828800" algn="l" defTabSz="914400" rtl="0" eaLnBrk="1" latinLnBrk="0" hangingPunct="1">
+              <a:defRPr sz="1800" kern="1200">
+                <a:solidFill>
+                  <a:schemeClr val="lt1"/>
+                </a:solidFill>
+                <a:latin typeface="+mn-lt"/>
+                <a:ea typeface="+mn-ea"/>
+                <a:cs typeface="+mn-cs"/>
+              </a:defRPr>
+            </a:lvl5pPr>
+            <a:lvl6pPr marL="2286000" algn="l" defTabSz="914400" rtl="0" eaLnBrk="1" latinLnBrk="0" hangingPunct="1">
+              <a:defRPr sz="1800" kern="1200">
+                <a:solidFill>
+                  <a:schemeClr val="lt1"/>
+                </a:solidFill>
+                <a:latin typeface="+mn-lt"/>
+                <a:ea typeface="+mn-ea"/>
+                <a:cs typeface="+mn-cs"/>
+              </a:defRPr>
+            </a:lvl6pPr>
+            <a:lvl7pPr marL="2743200" algn="l" defTabSz="914400" rtl="0" eaLnBrk="1" latinLnBrk="0" hangingPunct="1">
+              <a:defRPr sz="1800" kern="1200">
+                <a:solidFill>
+                  <a:schemeClr val="lt1"/>
+                </a:solidFill>
+                <a:latin typeface="+mn-lt"/>
+                <a:ea typeface="+mn-ea"/>
+                <a:cs typeface="+mn-cs"/>
+              </a:defRPr>
+            </a:lvl7pPr>
+            <a:lvl8pPr marL="3200400" algn="l" defTabSz="914400" rtl="0" eaLnBrk="1" latinLnBrk="0" hangingPunct="1">
+              <a:defRPr sz="1800" kern="1200">
+                <a:solidFill>
+                  <a:schemeClr val="lt1"/>
+                </a:solidFill>
+                <a:latin typeface="+mn-lt"/>
+                <a:ea typeface="+mn-ea"/>
+                <a:cs typeface="+mn-cs"/>
+              </a:defRPr>
+            </a:lvl8pPr>
+            <a:lvl9pPr marL="3657600" algn="l" defTabSz="914400" rtl="0" eaLnBrk="1" latinLnBrk="0" hangingPunct="1">
+              <a:defRPr sz="1800" kern="1200">
+                <a:solidFill>
+                  <a:schemeClr val="lt1"/>
+                </a:solidFill>
+                <a:latin typeface="+mn-lt"/>
+                <a:ea typeface="+mn-ea"/>
+                <a:cs typeface="+mn-cs"/>
+              </a:defRPr>
+            </a:lvl9pPr>
+          </a:lstStyle>
+          <a:p>
+            <a:pPr algn="ctr"/>
+            <a:endParaRPr lang="he-IL"/>
+          </a:p>
+        </p:txBody>
+      </p:sp>
+      <p:pic>
+        <p:nvPicPr>
+          <p:cNvPr id="16" name="Picture 15">
+            <a:extLst>
+              <a:ext uri="{FF2B5EF4-FFF2-40B4-BE49-F238E27FC236}">
+                <a16:creationId xmlns:a16="http://schemas.microsoft.com/office/drawing/2014/main" id="{2AB1BBC2-F12B-73AB-65EE-128CD3300C99}"/>
+              </a:ext>
+            </a:extLst>
+          </p:cNvPr>
+          <p:cNvPicPr>
+            <a:picLocks noChangeAspect="1"/>
+          </p:cNvPicPr>
+          <p:nvPr/>
+        </p:nvPicPr>
+        <p:blipFill rotWithShape="1">
+          <a:blip r:embed="rId5"/>
+          <a:srcRect r="18015"/>
+          <a:stretch/>
+        </p:blipFill>
+        <p:spPr>
+          <a:xfrm>
+            <a:off x="9635565" y="2441529"/>
+            <a:ext cx="2286698" cy="2819644"/>
+          </a:xfrm>
+          <a:prstGeom prst="rect">
+            <a:avLst/>
+          </a:prstGeom>
+          <a:ln w="12700" cap="sq">
+            <a:solidFill>
+              <a:srgbClr val="000000"/>
+            </a:solidFill>
+            <a:prstDash val="solid"/>
+            <a:miter lim="800000"/>
+          </a:ln>
+          <a:effectLst>
+            <a:outerShdw blurRad="50800" dist="38100" dir="2700000" algn="tl" rotWithShape="0">
+              <a:srgbClr val="000000">
+                <a:alpha val="43000"/>
+              </a:srgbClr>
+            </a:outerShdw>
+          </a:effectLst>
+        </p:spPr>
+      </p:pic>
+      <p:pic>
+        <p:nvPicPr>
+          <p:cNvPr id="17" name="table">
+            <a:extLst>
+              <a:ext uri="{FF2B5EF4-FFF2-40B4-BE49-F238E27FC236}">
+                <a16:creationId xmlns:a16="http://schemas.microsoft.com/office/drawing/2014/main" id="{D189AB9F-E8DD-E547-2D5F-28ADC62C398C}"/>
+              </a:ext>
+            </a:extLst>
+          </p:cNvPr>
+          <p:cNvPicPr>
+            <a:picLocks noChangeAspect="1"/>
+          </p:cNvPicPr>
+          <p:nvPr/>
+        </p:nvPicPr>
+        <p:blipFill>
+          <a:blip r:embed="rId6"/>
+          <a:stretch>
+            <a:fillRect/>
+          </a:stretch>
+        </p:blipFill>
+        <p:spPr>
+          <a:xfrm>
+            <a:off x="265939" y="2239939"/>
+            <a:ext cx="3154787" cy="3520746"/>
+          </a:xfrm>
+          <a:prstGeom prst="rect">
+            <a:avLst/>
+          </a:prstGeom>
+        </p:spPr>
+      </p:pic>
     </p:spTree>
     <p:extLst>
       <p:ext uri="{BB962C8B-B14F-4D97-AF65-F5344CB8AC3E}">
-        <p14:creationId xmlns:p14="http://schemas.microsoft.com/office/powerpoint/2010/main" val="1075442738"/>
+        <p14:creationId xmlns:p14="http://schemas.microsoft.com/office/powerpoint/2010/main" val="1984506345"/>
       </p:ext>
     </p:extLst>
   </p:cSld>
@@ -7847,7 +9844,7 @@
                 <a:latin typeface="Miriam Libre" pitchFamily="2" charset="-79"/>
                 <a:cs typeface="Miriam Libre" pitchFamily="2" charset="-79"/>
               </a:rPr>
-              <a:t>content</a:t>
+              <a:t>style</a:t>
             </a:r>
             <a:r>
               <a:rPr lang="en-US" sz="2400" dirty="0">
@@ -7938,7 +9935,7 @@
                 <a:latin typeface="Miriam Libre" pitchFamily="2" charset="-79"/>
                 <a:cs typeface="Miriam Libre" pitchFamily="2" charset="-79"/>
               </a:rPr>
-              <a:t>HTML</a:t>
+              <a:t>CSS</a:t>
             </a:r>
             <a:endParaRPr lang="he-IL" sz="3300" b="1" dirty="0">
               <a:solidFill>
@@ -8000,24 +9997,28 @@
                 <a:latin typeface="Miriam Libre" pitchFamily="2" charset="-79"/>
                 <a:cs typeface="Miriam Libre" pitchFamily="2" charset="-79"/>
               </a:rPr>
-              <a:t>       Web Exploitation</a:t>
-            </a:r>
-            <a:endParaRPr lang="en-IL" sz="1000" dirty="0">
-              <a:solidFill>
-                <a:schemeClr val="bg1"/>
-              </a:solidFill>
-              <a:latin typeface="Miriam Libre" pitchFamily="2" charset="-79"/>
-              <a:cs typeface="Miriam Libre" pitchFamily="2" charset="-79"/>
-            </a:endParaRPr>
-          </a:p>
-        </p:txBody>
-      </p:sp>
-      <p:sp>
-        <p:nvSpPr>
-          <p:cNvPr id="10" name="Arrow: Right 9">
-            <a:extLst>
-              <a:ext uri="{FF2B5EF4-FFF2-40B4-BE49-F238E27FC236}">
-                <a16:creationId xmlns:a16="http://schemas.microsoft.com/office/drawing/2014/main" id="{46473282-5C80-ADE0-17C2-DC725458ED5B}"/>
+              <a:t>       </a:t>
+            </a:r>
+            <a:r>
+              <a:rPr lang="en-GB" sz="1000" dirty="0">
+                <a:solidFill>
+                  <a:schemeClr val="bg1"/>
+                </a:solidFill>
+                <a:effectLst/>
+                <a:latin typeface="Miriam Libre" pitchFamily="2" charset="-79"/>
+                <a:cs typeface="Miriam Libre" pitchFamily="2" charset="-79"/>
+              </a:rPr>
+              <a:t>Understanding Cross-Site Scripting (XSS)</a:t>
+            </a:r>
+          </a:p>
+        </p:txBody>
+      </p:sp>
+      <p:sp>
+        <p:nvSpPr>
+          <p:cNvPr id="3" name="Arrow: Right 2">
+            <a:extLst>
+              <a:ext uri="{FF2B5EF4-FFF2-40B4-BE49-F238E27FC236}">
+                <a16:creationId xmlns:a16="http://schemas.microsoft.com/office/drawing/2014/main" id="{C152E1E2-B987-E839-E6E9-2FBC5EC043EE}"/>
               </a:ext>
             </a:extLst>
           </p:cNvPr>
@@ -8154,10 +10155,10 @@
       </p:sp>
       <p:pic>
         <p:nvPicPr>
-          <p:cNvPr id="16" name="Picture 15">
-            <a:extLst>
-              <a:ext uri="{FF2B5EF4-FFF2-40B4-BE49-F238E27FC236}">
-                <a16:creationId xmlns:a16="http://schemas.microsoft.com/office/drawing/2014/main" id="{2AB1BBC2-F12B-73AB-65EE-128CD3300C99}"/>
+          <p:cNvPr id="7" name="Picture 6">
+            <a:extLst>
+              <a:ext uri="{FF2B5EF4-FFF2-40B4-BE49-F238E27FC236}">
+                <a16:creationId xmlns:a16="http://schemas.microsoft.com/office/drawing/2014/main" id="{A5B091BF-2EC2-9A10-C56C-8BA77021C312}"/>
               </a:ext>
             </a:extLst>
           </p:cNvPr>
@@ -8167,13 +10168,21 @@
           <p:nvPr/>
         </p:nvPicPr>
         <p:blipFill rotWithShape="1">
-          <a:blip r:embed="rId5"/>
+          <a:blip r:embed="rId5">
+            <a:duotone>
+              <a:prstClr val="black"/>
+              <a:schemeClr val="accent3">
+                <a:tint val="45000"/>
+                <a:satMod val="400000"/>
+              </a:schemeClr>
+            </a:duotone>
+          </a:blip>
           <a:srcRect r="18015"/>
           <a:stretch/>
         </p:blipFill>
         <p:spPr>
           <a:xfrm>
-            <a:off x="9635565" y="2441529"/>
+            <a:off x="9635565" y="2442854"/>
             <a:ext cx="2286698" cy="2819644"/>
           </a:xfrm>
           <a:prstGeom prst="rect">
@@ -8197,10 +10206,10 @@
       </p:pic>
       <p:pic>
         <p:nvPicPr>
-          <p:cNvPr id="17" name="table">
-            <a:extLst>
-              <a:ext uri="{FF2B5EF4-FFF2-40B4-BE49-F238E27FC236}">
-                <a16:creationId xmlns:a16="http://schemas.microsoft.com/office/drawing/2014/main" id="{D189AB9F-E8DD-E547-2D5F-28ADC62C398C}"/>
+          <p:cNvPr id="10" name="table">
+            <a:extLst>
+              <a:ext uri="{FF2B5EF4-FFF2-40B4-BE49-F238E27FC236}">
+                <a16:creationId xmlns:a16="http://schemas.microsoft.com/office/drawing/2014/main" id="{7027F0DE-F902-FBC1-D6FD-1DC41DA837F0}"/>
               </a:ext>
             </a:extLst>
           </p:cNvPr>
@@ -8217,7 +10226,37 @@
         </p:blipFill>
         <p:spPr>
           <a:xfrm>
-            <a:off x="265939" y="2239939"/>
+            <a:off x="3619371" y="2240134"/>
+            <a:ext cx="2160175" cy="3520746"/>
+          </a:xfrm>
+          <a:prstGeom prst="rect">
+            <a:avLst/>
+          </a:prstGeom>
+        </p:spPr>
+      </p:pic>
+      <p:pic>
+        <p:nvPicPr>
+          <p:cNvPr id="18" name="table">
+            <a:extLst>
+              <a:ext uri="{FF2B5EF4-FFF2-40B4-BE49-F238E27FC236}">
+                <a16:creationId xmlns:a16="http://schemas.microsoft.com/office/drawing/2014/main" id="{7D26A87D-3D35-9E87-54AC-C013F0F55F3C}"/>
+              </a:ext>
+            </a:extLst>
+          </p:cNvPr>
+          <p:cNvPicPr>
+            <a:picLocks noChangeAspect="1"/>
+          </p:cNvPicPr>
+          <p:nvPr/>
+        </p:nvPicPr>
+        <p:blipFill>
+          <a:blip r:embed="rId7"/>
+          <a:stretch>
+            <a:fillRect/>
+          </a:stretch>
+        </p:blipFill>
+        <p:spPr>
+          <a:xfrm>
+            <a:off x="263779" y="2240134"/>
             <a:ext cx="3154787" cy="3520746"/>
           </a:xfrm>
           <a:prstGeom prst="rect">
@@ -8228,7 +10267,7 @@
     </p:spTree>
     <p:extLst>
       <p:ext uri="{BB962C8B-B14F-4D97-AF65-F5344CB8AC3E}">
-        <p14:creationId xmlns:p14="http://schemas.microsoft.com/office/powerpoint/2010/main" val="1984506345"/>
+        <p14:creationId xmlns:p14="http://schemas.microsoft.com/office/powerpoint/2010/main" val="2591993594"/>
       </p:ext>
     </p:extLst>
   </p:cSld>
@@ -8435,7 +10474,7 @@
                 <a:latin typeface="Miriam Libre" pitchFamily="2" charset="-79"/>
                 <a:cs typeface="Miriam Libre" pitchFamily="2" charset="-79"/>
               </a:rPr>
-              <a:t>style</a:t>
+              <a:t>behavior</a:t>
             </a:r>
             <a:r>
               <a:rPr lang="en-US" sz="2400" dirty="0">
@@ -8526,7 +10565,7 @@
                 <a:latin typeface="Miriam Libre" pitchFamily="2" charset="-79"/>
                 <a:cs typeface="Miriam Libre" pitchFamily="2" charset="-79"/>
               </a:rPr>
-              <a:t>CSS</a:t>
+              <a:t>JavaScript</a:t>
             </a:r>
             <a:endParaRPr lang="he-IL" sz="3300" b="1" dirty="0">
               <a:solidFill>
@@ -8588,461 +10627,10 @@
                 <a:latin typeface="Miriam Libre" pitchFamily="2" charset="-79"/>
                 <a:cs typeface="Miriam Libre" pitchFamily="2" charset="-79"/>
               </a:rPr>
-              <a:t>       Web Exploitation</a:t>
-            </a:r>
-            <a:endParaRPr lang="en-IL" sz="1000" dirty="0">
-              <a:solidFill>
-                <a:schemeClr val="bg1"/>
-              </a:solidFill>
-              <a:latin typeface="Miriam Libre" pitchFamily="2" charset="-79"/>
-              <a:cs typeface="Miriam Libre" pitchFamily="2" charset="-79"/>
-            </a:endParaRPr>
-          </a:p>
-        </p:txBody>
-      </p:sp>
-      <p:sp>
-        <p:nvSpPr>
-          <p:cNvPr id="3" name="Arrow: Right 2">
-            <a:extLst>
-              <a:ext uri="{FF2B5EF4-FFF2-40B4-BE49-F238E27FC236}">
-                <a16:creationId xmlns:a16="http://schemas.microsoft.com/office/drawing/2014/main" id="{C152E1E2-B987-E839-E6E9-2FBC5EC043EE}"/>
-              </a:ext>
-            </a:extLst>
-          </p:cNvPr>
-          <p:cNvSpPr/>
-          <p:nvPr/>
-        </p:nvSpPr>
-        <p:spPr>
-          <a:xfrm>
-            <a:off x="8902754" y="3706073"/>
-            <a:ext cx="531845" cy="447869"/>
-          </a:xfrm>
-          <a:prstGeom prst="rightArrow">
-            <a:avLst/>
-          </a:prstGeom>
-        </p:spPr>
-        <p:style>
-          <a:lnRef idx="2">
-            <a:schemeClr val="accent1">
-              <a:shade val="15000"/>
-            </a:schemeClr>
-          </a:lnRef>
-          <a:fillRef idx="1">
-            <a:schemeClr val="accent1"/>
-          </a:fillRef>
-          <a:effectRef idx="0">
-            <a:schemeClr val="accent1"/>
-          </a:effectRef>
-          <a:fontRef idx="minor">
-            <a:schemeClr val="lt1"/>
-          </a:fontRef>
-        </p:style>
-        <p:txBody>
-          <a:bodyPr rtlCol="1" anchor="ctr"/>
-          <a:lstStyle>
-            <a:defPPr>
-              <a:defRPr lang="he-IL"/>
-            </a:defPPr>
-            <a:lvl1pPr marL="0" algn="l" defTabSz="914400" rtl="0" eaLnBrk="1" latinLnBrk="0" hangingPunct="1">
-              <a:defRPr sz="1800" kern="1200">
-                <a:solidFill>
-                  <a:schemeClr val="lt1"/>
-                </a:solidFill>
-                <a:latin typeface="+mn-lt"/>
-                <a:ea typeface="+mn-ea"/>
-                <a:cs typeface="+mn-cs"/>
-              </a:defRPr>
-            </a:lvl1pPr>
-            <a:lvl2pPr marL="457200" algn="l" defTabSz="914400" rtl="0" eaLnBrk="1" latinLnBrk="0" hangingPunct="1">
-              <a:defRPr sz="1800" kern="1200">
-                <a:solidFill>
-                  <a:schemeClr val="lt1"/>
-                </a:solidFill>
-                <a:latin typeface="+mn-lt"/>
-                <a:ea typeface="+mn-ea"/>
-                <a:cs typeface="+mn-cs"/>
-              </a:defRPr>
-            </a:lvl2pPr>
-            <a:lvl3pPr marL="914400" algn="l" defTabSz="914400" rtl="0" eaLnBrk="1" latinLnBrk="0" hangingPunct="1">
-              <a:defRPr sz="1800" kern="1200">
-                <a:solidFill>
-                  <a:schemeClr val="lt1"/>
-                </a:solidFill>
-                <a:latin typeface="+mn-lt"/>
-                <a:ea typeface="+mn-ea"/>
-                <a:cs typeface="+mn-cs"/>
-              </a:defRPr>
-            </a:lvl3pPr>
-            <a:lvl4pPr marL="1371600" algn="l" defTabSz="914400" rtl="0" eaLnBrk="1" latinLnBrk="0" hangingPunct="1">
-              <a:defRPr sz="1800" kern="1200">
-                <a:solidFill>
-                  <a:schemeClr val="lt1"/>
-                </a:solidFill>
-                <a:latin typeface="+mn-lt"/>
-                <a:ea typeface="+mn-ea"/>
-                <a:cs typeface="+mn-cs"/>
-              </a:defRPr>
-            </a:lvl4pPr>
-            <a:lvl5pPr marL="1828800" algn="l" defTabSz="914400" rtl="0" eaLnBrk="1" latinLnBrk="0" hangingPunct="1">
-              <a:defRPr sz="1800" kern="1200">
-                <a:solidFill>
-                  <a:schemeClr val="lt1"/>
-                </a:solidFill>
-                <a:latin typeface="+mn-lt"/>
-                <a:ea typeface="+mn-ea"/>
-                <a:cs typeface="+mn-cs"/>
-              </a:defRPr>
-            </a:lvl5pPr>
-            <a:lvl6pPr marL="2286000" algn="l" defTabSz="914400" rtl="0" eaLnBrk="1" latinLnBrk="0" hangingPunct="1">
-              <a:defRPr sz="1800" kern="1200">
-                <a:solidFill>
-                  <a:schemeClr val="lt1"/>
-                </a:solidFill>
-                <a:latin typeface="+mn-lt"/>
-                <a:ea typeface="+mn-ea"/>
-                <a:cs typeface="+mn-cs"/>
-              </a:defRPr>
-            </a:lvl6pPr>
-            <a:lvl7pPr marL="2743200" algn="l" defTabSz="914400" rtl="0" eaLnBrk="1" latinLnBrk="0" hangingPunct="1">
-              <a:defRPr sz="1800" kern="1200">
-                <a:solidFill>
-                  <a:schemeClr val="lt1"/>
-                </a:solidFill>
-                <a:latin typeface="+mn-lt"/>
-                <a:ea typeface="+mn-ea"/>
-                <a:cs typeface="+mn-cs"/>
-              </a:defRPr>
-            </a:lvl7pPr>
-            <a:lvl8pPr marL="3200400" algn="l" defTabSz="914400" rtl="0" eaLnBrk="1" latinLnBrk="0" hangingPunct="1">
-              <a:defRPr sz="1800" kern="1200">
-                <a:solidFill>
-                  <a:schemeClr val="lt1"/>
-                </a:solidFill>
-                <a:latin typeface="+mn-lt"/>
-                <a:ea typeface="+mn-ea"/>
-                <a:cs typeface="+mn-cs"/>
-              </a:defRPr>
-            </a:lvl8pPr>
-            <a:lvl9pPr marL="3657600" algn="l" defTabSz="914400" rtl="0" eaLnBrk="1" latinLnBrk="0" hangingPunct="1">
-              <a:defRPr sz="1800" kern="1200">
-                <a:solidFill>
-                  <a:schemeClr val="lt1"/>
-                </a:solidFill>
-                <a:latin typeface="+mn-lt"/>
-                <a:ea typeface="+mn-ea"/>
-                <a:cs typeface="+mn-cs"/>
-              </a:defRPr>
-            </a:lvl9pPr>
-          </a:lstStyle>
-          <a:p>
-            <a:pPr algn="ctr"/>
-            <a:endParaRPr lang="he-IL"/>
-          </a:p>
-        </p:txBody>
-      </p:sp>
-      <p:pic>
-        <p:nvPicPr>
-          <p:cNvPr id="7" name="Picture 6">
-            <a:extLst>
-              <a:ext uri="{FF2B5EF4-FFF2-40B4-BE49-F238E27FC236}">
-                <a16:creationId xmlns:a16="http://schemas.microsoft.com/office/drawing/2014/main" id="{A5B091BF-2EC2-9A10-C56C-8BA77021C312}"/>
-              </a:ext>
-            </a:extLst>
-          </p:cNvPr>
-          <p:cNvPicPr>
-            <a:picLocks noChangeAspect="1"/>
-          </p:cNvPicPr>
-          <p:nvPr/>
-        </p:nvPicPr>
-        <p:blipFill rotWithShape="1">
-          <a:blip r:embed="rId5">
-            <a:duotone>
-              <a:prstClr val="black"/>
-              <a:schemeClr val="accent3">
-                <a:tint val="45000"/>
-                <a:satMod val="400000"/>
-              </a:schemeClr>
-            </a:duotone>
-          </a:blip>
-          <a:srcRect r="18015"/>
-          <a:stretch/>
-        </p:blipFill>
-        <p:spPr>
-          <a:xfrm>
-            <a:off x="9635565" y="2442854"/>
-            <a:ext cx="2286698" cy="2819644"/>
-          </a:xfrm>
-          <a:prstGeom prst="rect">
-            <a:avLst/>
-          </a:prstGeom>
-          <a:ln w="12700" cap="sq">
-            <a:solidFill>
-              <a:srgbClr val="000000"/>
-            </a:solidFill>
-            <a:prstDash val="solid"/>
-            <a:miter lim="800000"/>
-          </a:ln>
-          <a:effectLst>
-            <a:outerShdw blurRad="50800" dist="38100" dir="2700000" algn="tl" rotWithShape="0">
-              <a:srgbClr val="000000">
-                <a:alpha val="43000"/>
-              </a:srgbClr>
-            </a:outerShdw>
-          </a:effectLst>
-        </p:spPr>
-      </p:pic>
-      <p:pic>
-        <p:nvPicPr>
-          <p:cNvPr id="10" name="table">
-            <a:extLst>
-              <a:ext uri="{FF2B5EF4-FFF2-40B4-BE49-F238E27FC236}">
-                <a16:creationId xmlns:a16="http://schemas.microsoft.com/office/drawing/2014/main" id="{7027F0DE-F902-FBC1-D6FD-1DC41DA837F0}"/>
-              </a:ext>
-            </a:extLst>
-          </p:cNvPr>
-          <p:cNvPicPr>
-            <a:picLocks noChangeAspect="1"/>
-          </p:cNvPicPr>
-          <p:nvPr/>
-        </p:nvPicPr>
-        <p:blipFill>
-          <a:blip r:embed="rId6"/>
-          <a:stretch>
-            <a:fillRect/>
-          </a:stretch>
-        </p:blipFill>
-        <p:spPr>
-          <a:xfrm>
-            <a:off x="3619371" y="2240134"/>
-            <a:ext cx="2160175" cy="3520746"/>
-          </a:xfrm>
-          <a:prstGeom prst="rect">
-            <a:avLst/>
-          </a:prstGeom>
-        </p:spPr>
-      </p:pic>
-      <p:pic>
-        <p:nvPicPr>
-          <p:cNvPr id="18" name="table">
-            <a:extLst>
-              <a:ext uri="{FF2B5EF4-FFF2-40B4-BE49-F238E27FC236}">
-                <a16:creationId xmlns:a16="http://schemas.microsoft.com/office/drawing/2014/main" id="{7D26A87D-3D35-9E87-54AC-C013F0F55F3C}"/>
-              </a:ext>
-            </a:extLst>
-          </p:cNvPr>
-          <p:cNvPicPr>
-            <a:picLocks noChangeAspect="1"/>
-          </p:cNvPicPr>
-          <p:nvPr/>
-        </p:nvPicPr>
-        <p:blipFill>
-          <a:blip r:embed="rId7"/>
-          <a:stretch>
-            <a:fillRect/>
-          </a:stretch>
-        </p:blipFill>
-        <p:spPr>
-          <a:xfrm>
-            <a:off x="263779" y="2240134"/>
-            <a:ext cx="3154787" cy="3520746"/>
-          </a:xfrm>
-          <a:prstGeom prst="rect">
-            <a:avLst/>
-          </a:prstGeom>
-        </p:spPr>
-      </p:pic>
-    </p:spTree>
-    <p:extLst>
-      <p:ext uri="{BB962C8B-B14F-4D97-AF65-F5344CB8AC3E}">
-        <p14:creationId xmlns:p14="http://schemas.microsoft.com/office/powerpoint/2010/main" val="2591993594"/>
-      </p:ext>
-    </p:extLst>
-  </p:cSld>
-  <p:clrMapOvr>
-    <a:masterClrMapping/>
-  </p:clrMapOvr>
-</p:sld>
-</file>
-
-<file path=ppt/slides/slide5.xml><?xml version="1.0" encoding="utf-8"?>
-<p:sld xmlns:a="http://schemas.openxmlformats.org/drawingml/2006/main" xmlns:r="http://schemas.openxmlformats.org/officeDocument/2006/relationships" xmlns:p="http://schemas.openxmlformats.org/presentationml/2006/main">
-  <p:cSld>
-    <p:spTree>
-      <p:nvGrpSpPr>
-        <p:cNvPr id="1" name=""/>
-        <p:cNvGrpSpPr/>
-        <p:nvPr/>
-      </p:nvGrpSpPr>
-      <p:grpSpPr>
-        <a:xfrm>
-          <a:off x="0" y="0"/>
-          <a:ext cx="0" cy="0"/>
-          <a:chOff x="0" y="0"/>
-          <a:chExt cx="0" cy="0"/>
-        </a:xfrm>
-      </p:grpSpPr>
-      <p:pic>
-        <p:nvPicPr>
-          <p:cNvPr id="5" name="Picture 4">
-            <a:extLst>
-              <a:ext uri="{FF2B5EF4-FFF2-40B4-BE49-F238E27FC236}">
-                <a16:creationId xmlns:a16="http://schemas.microsoft.com/office/drawing/2014/main" id="{C2FC6D6F-4E9C-868A-98B1-1DA0DDA1F996}"/>
-              </a:ext>
-            </a:extLst>
-          </p:cNvPr>
-          <p:cNvPicPr>
-            <a:picLocks noChangeAspect="1"/>
-          </p:cNvPicPr>
-          <p:nvPr/>
-        </p:nvPicPr>
-        <p:blipFill>
-          <a:blip r:embed="rId3"/>
-          <a:srcRect/>
-          <a:stretch/>
-        </p:blipFill>
-        <p:spPr>
-          <a:xfrm>
-            <a:off x="0" y="0"/>
-            <a:ext cx="12192000" cy="6858000"/>
-          </a:xfrm>
-          <a:prstGeom prst="rect">
-            <a:avLst/>
-          </a:prstGeom>
-        </p:spPr>
-      </p:pic>
-      <p:sp>
-        <p:nvSpPr>
-          <p:cNvPr id="6" name="Rectangle 5">
-            <a:extLst>
-              <a:ext uri="{FF2B5EF4-FFF2-40B4-BE49-F238E27FC236}">
-                <a16:creationId xmlns:a16="http://schemas.microsoft.com/office/drawing/2014/main" id="{3311EF23-F64A-C782-28EA-1A8D297A9F1D}"/>
-              </a:ext>
-            </a:extLst>
-          </p:cNvPr>
-          <p:cNvSpPr/>
-          <p:nvPr/>
-        </p:nvSpPr>
-        <p:spPr>
-          <a:xfrm>
-            <a:off x="1" y="6247180"/>
-            <a:ext cx="12192000" cy="610819"/>
-          </a:xfrm>
-          <a:prstGeom prst="rect">
-            <a:avLst/>
-          </a:prstGeom>
-          <a:solidFill>
-            <a:schemeClr val="tx1">
-              <a:lumMod val="65000"/>
-              <a:lumOff val="35000"/>
-            </a:schemeClr>
-          </a:solidFill>
-          <a:ln>
-            <a:noFill/>
-          </a:ln>
-        </p:spPr>
-        <p:style>
-          <a:lnRef idx="2">
-            <a:schemeClr val="accent1">
-              <a:shade val="15000"/>
-            </a:schemeClr>
-          </a:lnRef>
-          <a:fillRef idx="1">
-            <a:schemeClr val="accent1"/>
-          </a:fillRef>
-          <a:effectRef idx="0">
-            <a:schemeClr val="accent1"/>
-          </a:effectRef>
-          <a:fontRef idx="minor">
-            <a:schemeClr val="lt1"/>
-          </a:fontRef>
-        </p:style>
-        <p:txBody>
-          <a:bodyPr rtlCol="0" anchor="ctr"/>
-          <a:lstStyle/>
-          <a:p>
-            <a:pPr marL="0" algn="ctr" defTabSz="914400" rtl="0" eaLnBrk="1" latinLnBrk="0" hangingPunct="1"/>
-            <a:endParaRPr lang="en-IL" dirty="0"/>
-          </a:p>
-        </p:txBody>
-      </p:sp>
-      <p:cxnSp>
-        <p:nvCxnSpPr>
-          <p:cNvPr id="9" name="Straight Connector 8">
-            <a:extLst>
-              <a:ext uri="{FF2B5EF4-FFF2-40B4-BE49-F238E27FC236}">
-                <a16:creationId xmlns:a16="http://schemas.microsoft.com/office/drawing/2014/main" id="{E480B6B1-9BD0-C14D-6C35-046B181B096E}"/>
-              </a:ext>
-            </a:extLst>
-          </p:cNvPr>
-          <p:cNvCxnSpPr/>
-          <p:nvPr/>
-        </p:nvCxnSpPr>
-        <p:spPr>
-          <a:xfrm>
-            <a:off x="124358" y="1128369"/>
-            <a:ext cx="11923775" cy="80467"/>
-          </a:xfrm>
-          <a:prstGeom prst="line">
-            <a:avLst/>
-          </a:prstGeom>
-          <a:ln>
-            <a:solidFill>
-              <a:srgbClr val="E2FE21"/>
-            </a:solidFill>
-          </a:ln>
-        </p:spPr>
-        <p:style>
-          <a:lnRef idx="1">
-            <a:schemeClr val="accent1"/>
-          </a:lnRef>
-          <a:fillRef idx="0">
-            <a:schemeClr val="accent1"/>
-          </a:fillRef>
-          <a:effectRef idx="0">
-            <a:schemeClr val="accent1"/>
-          </a:effectRef>
-          <a:fontRef idx="minor">
-            <a:schemeClr val="tx1"/>
-          </a:fontRef>
-        </p:style>
-      </p:cxnSp>
-      <p:sp>
-        <p:nvSpPr>
-          <p:cNvPr id="8" name="TextBox 7">
-            <a:extLst>
-              <a:ext uri="{FF2B5EF4-FFF2-40B4-BE49-F238E27FC236}">
-                <a16:creationId xmlns:a16="http://schemas.microsoft.com/office/drawing/2014/main" id="{9E2D4994-61E5-995F-BDA0-2FC0F1B87884}"/>
-              </a:ext>
-            </a:extLst>
-          </p:cNvPr>
-          <p:cNvSpPr txBox="1"/>
-          <p:nvPr/>
-        </p:nvSpPr>
-        <p:spPr>
-          <a:xfrm>
-            <a:off x="707135" y="1432533"/>
-            <a:ext cx="8185709" cy="600164"/>
-          </a:xfrm>
-          <a:prstGeom prst="rect">
-            <a:avLst/>
-          </a:prstGeom>
-          <a:noFill/>
-        </p:spPr>
-        <p:txBody>
-          <a:bodyPr wrap="square" rtlCol="0">
-            <a:spAutoFit/>
-          </a:bodyPr>
-          <a:lstStyle/>
-          <a:p>
-            <a:pPr marL="285750" indent="-285750">
-              <a:lnSpc>
-                <a:spcPct val="150000"/>
-              </a:lnSpc>
-              <a:buFont typeface="Arial" panose="020B0604020202020204" pitchFamily="34" charset="0"/>
-              <a:buChar char="•"/>
-            </a:pPr>
-            <a:r>
-              <a:rPr lang="en-US" sz="2400" dirty="0">
+              <a:t>       </a:t>
+            </a:r>
+            <a:r>
+              <a:rPr lang="en-GB" sz="1000" dirty="0">
                 <a:solidFill>
                   <a:schemeClr val="bg1"/>
                 </a:solidFill>
@@ -9050,176 +10638,8 @@
                 <a:latin typeface="Miriam Libre" pitchFamily="2" charset="-79"/>
                 <a:cs typeface="Miriam Libre" pitchFamily="2" charset="-79"/>
               </a:rPr>
-              <a:t>The language for the </a:t>
-            </a:r>
-            <a:r>
-              <a:rPr lang="en-US" sz="2400" b="1" dirty="0">
-                <a:solidFill>
-                  <a:schemeClr val="bg1"/>
-                </a:solidFill>
-                <a:effectLst/>
-                <a:latin typeface="Miriam Libre" pitchFamily="2" charset="-79"/>
-                <a:cs typeface="Miriam Libre" pitchFamily="2" charset="-79"/>
-              </a:rPr>
-              <a:t>behavior</a:t>
-            </a:r>
-            <a:r>
-              <a:rPr lang="en-US" sz="2400" dirty="0">
-                <a:solidFill>
-                  <a:schemeClr val="bg1"/>
-                </a:solidFill>
-                <a:effectLst/>
-                <a:latin typeface="Miriam Libre" pitchFamily="2" charset="-79"/>
-                <a:cs typeface="Miriam Libre" pitchFamily="2" charset="-79"/>
-              </a:rPr>
-              <a:t> of websites</a:t>
-            </a:r>
-            <a:endParaRPr lang="he-IL" dirty="0">
-              <a:solidFill>
-                <a:schemeClr val="bg1"/>
-              </a:solidFill>
-              <a:effectLst/>
-              <a:latin typeface="Miriam Libre" pitchFamily="2" charset="-79"/>
-              <a:cs typeface="Miriam Libre" pitchFamily="2" charset="-79"/>
-            </a:endParaRPr>
-          </a:p>
-        </p:txBody>
-      </p:sp>
-      <p:pic>
-        <p:nvPicPr>
-          <p:cNvPr id="11" name="Picture 10">
-            <a:extLst>
-              <a:ext uri="{FF2B5EF4-FFF2-40B4-BE49-F238E27FC236}">
-                <a16:creationId xmlns:a16="http://schemas.microsoft.com/office/drawing/2014/main" id="{9C0DC1BB-F10B-06AB-68E6-BEC246A4E787}"/>
-              </a:ext>
-            </a:extLst>
-          </p:cNvPr>
-          <p:cNvPicPr>
-            <a:picLocks noChangeAspect="1"/>
-          </p:cNvPicPr>
-          <p:nvPr/>
-        </p:nvPicPr>
-        <p:blipFill>
-          <a:blip r:embed="rId4"/>
-          <a:srcRect/>
-          <a:stretch/>
-        </p:blipFill>
-        <p:spPr>
-          <a:xfrm>
-            <a:off x="8495747" y="6366654"/>
-            <a:ext cx="2989117" cy="243717"/>
-          </a:xfrm>
-          <a:prstGeom prst="rect">
-            <a:avLst/>
-          </a:prstGeom>
-        </p:spPr>
-      </p:pic>
-      <p:sp>
-        <p:nvSpPr>
-          <p:cNvPr id="4" name="TextBox 3">
-            <a:extLst>
-              <a:ext uri="{FF2B5EF4-FFF2-40B4-BE49-F238E27FC236}">
-                <a16:creationId xmlns:a16="http://schemas.microsoft.com/office/drawing/2014/main" id="{A56F6798-CB7E-F967-5BAF-A562F7DB9950}"/>
-              </a:ext>
-            </a:extLst>
-          </p:cNvPr>
-          <p:cNvSpPr txBox="1"/>
-          <p:nvPr/>
-        </p:nvSpPr>
-        <p:spPr>
-          <a:xfrm>
-            <a:off x="707135" y="576675"/>
-            <a:ext cx="7136374" cy="600164"/>
-          </a:xfrm>
-          <a:prstGeom prst="rect">
-            <a:avLst/>
-          </a:prstGeom>
-          <a:noFill/>
-        </p:spPr>
-        <p:txBody>
-          <a:bodyPr wrap="square" rtlCol="0">
-            <a:spAutoFit/>
-          </a:bodyPr>
-          <a:lstStyle/>
-          <a:p>
-            <a:pPr algn="l"/>
-            <a:r>
-              <a:rPr lang="en-US" sz="3300" b="1" dirty="0">
-                <a:solidFill>
-                  <a:srgbClr val="E2FE21"/>
-                </a:solidFill>
-                <a:effectLst/>
-                <a:latin typeface="Miriam Libre" pitchFamily="2" charset="-79"/>
-                <a:cs typeface="Miriam Libre" pitchFamily="2" charset="-79"/>
-              </a:rPr>
-              <a:t>JavaScript</a:t>
-            </a:r>
-            <a:endParaRPr lang="he-IL" sz="3300" b="1" dirty="0">
-              <a:solidFill>
-                <a:srgbClr val="E2FE21"/>
-              </a:solidFill>
-              <a:effectLst/>
-              <a:latin typeface="Miriam Libre" pitchFamily="2" charset="-79"/>
-              <a:cs typeface="Miriam Libre" pitchFamily="2" charset="-79"/>
-            </a:endParaRPr>
-          </a:p>
-        </p:txBody>
-      </p:sp>
-      <p:sp>
-        <p:nvSpPr>
-          <p:cNvPr id="12" name="TextBox 11">
-            <a:extLst>
-              <a:ext uri="{FF2B5EF4-FFF2-40B4-BE49-F238E27FC236}">
-                <a16:creationId xmlns:a16="http://schemas.microsoft.com/office/drawing/2014/main" id="{8DB64316-BED0-E985-D34B-5228710A02F8}"/>
-              </a:ext>
-            </a:extLst>
-          </p:cNvPr>
-          <p:cNvSpPr txBox="1"/>
-          <p:nvPr/>
-        </p:nvSpPr>
-        <p:spPr>
-          <a:xfrm>
-            <a:off x="707135" y="6373039"/>
-            <a:ext cx="6097218" cy="246221"/>
-          </a:xfrm>
-          <a:prstGeom prst="rect">
-            <a:avLst/>
-          </a:prstGeom>
-          <a:noFill/>
-        </p:spPr>
-        <p:txBody>
-          <a:bodyPr wrap="square">
-            <a:spAutoFit/>
-          </a:bodyPr>
-          <a:lstStyle/>
-          <a:p>
-            <a:r>
-              <a:rPr lang="en-US" sz="1000" dirty="0">
-                <a:solidFill>
-                  <a:srgbClr val="E2FE21"/>
-                </a:solidFill>
-                <a:latin typeface="Miriam Libre" pitchFamily="2" charset="-79"/>
-                <a:cs typeface="Miriam Libre" pitchFamily="2" charset="-79"/>
-              </a:rPr>
-              <a:t>02</a:t>
-            </a:r>
-            <a:r>
-              <a:rPr lang="en-US" sz="1000" dirty="0">
-                <a:solidFill>
-                  <a:schemeClr val="bg1"/>
-                </a:solidFill>
-                <a:latin typeface="Miriam Libre" pitchFamily="2" charset="-79"/>
-                <a:cs typeface="Miriam Libre" pitchFamily="2" charset="-79"/>
-              </a:rPr>
-              <a:t>       Web Exploitation</a:t>
-            </a:r>
-            <a:endParaRPr lang="en-IL" sz="1000" dirty="0">
-              <a:solidFill>
-                <a:schemeClr val="bg1"/>
-              </a:solidFill>
-              <a:latin typeface="Miriam Libre" pitchFamily="2" charset="-79"/>
-              <a:cs typeface="Miriam Libre" pitchFamily="2" charset="-79"/>
-            </a:endParaRPr>
+              <a:t>Understanding Cross-Site Scripting (XSS)</a:t>
+            </a:r>
           </a:p>
         </p:txBody>
       </p:sp>
@@ -9759,7 +11179,7 @@
 </p:sld>
 </file>
 
-<file path=ppt/slides/slide6.xml><?xml version="1.0" encoding="utf-8"?>
+<file path=ppt/slides/slide5.xml><?xml version="1.0" encoding="utf-8"?>
 <p:sld xmlns:a="http://schemas.openxmlformats.org/drawingml/2006/main" xmlns:r="http://schemas.openxmlformats.org/officeDocument/2006/relationships" xmlns:p="http://schemas.openxmlformats.org/presentationml/2006/main">
   <p:cSld>
     <p:spTree>
@@ -10175,15 +11595,19 @@
                 <a:latin typeface="Miriam Libre" pitchFamily="2" charset="-79"/>
                 <a:cs typeface="Miriam Libre" pitchFamily="2" charset="-79"/>
               </a:rPr>
-              <a:t>       Web Exploitation</a:t>
-            </a:r>
-            <a:endParaRPr lang="en-IL" sz="1000" dirty="0">
-              <a:solidFill>
-                <a:schemeClr val="bg1"/>
-              </a:solidFill>
-              <a:latin typeface="Miriam Libre" pitchFamily="2" charset="-79"/>
-              <a:cs typeface="Miriam Libre" pitchFamily="2" charset="-79"/>
-            </a:endParaRPr>
+              <a:t>       </a:t>
+            </a:r>
+            <a:r>
+              <a:rPr lang="en-GB" sz="1000" dirty="0">
+                <a:solidFill>
+                  <a:schemeClr val="bg1"/>
+                </a:solidFill>
+                <a:effectLst/>
+                <a:latin typeface="Miriam Libre" pitchFamily="2" charset="-79"/>
+                <a:cs typeface="Miriam Libre" pitchFamily="2" charset="-79"/>
+              </a:rPr>
+              <a:t>Understanding Cross-Site Scripting (XSS)</a:t>
+            </a:r>
           </a:p>
         </p:txBody>
       </p:sp>
@@ -10260,6 +11684,990 @@
 </p:sld>
 </file>
 
+<file path=ppt/slides/slide6.xml><?xml version="1.0" encoding="utf-8"?>
+<p:sld xmlns:a="http://schemas.openxmlformats.org/drawingml/2006/main" xmlns:r="http://schemas.openxmlformats.org/officeDocument/2006/relationships" xmlns:p="http://schemas.openxmlformats.org/presentationml/2006/main">
+  <p:cSld>
+    <p:spTree>
+      <p:nvGrpSpPr>
+        <p:cNvPr id="1" name=""/>
+        <p:cNvGrpSpPr/>
+        <p:nvPr/>
+      </p:nvGrpSpPr>
+      <p:grpSpPr>
+        <a:xfrm>
+          <a:off x="0" y="0"/>
+          <a:ext cx="0" cy="0"/>
+          <a:chOff x="0" y="0"/>
+          <a:chExt cx="0" cy="0"/>
+        </a:xfrm>
+      </p:grpSpPr>
+      <p:pic>
+        <p:nvPicPr>
+          <p:cNvPr id="5" name="Picture 4">
+            <a:extLst>
+              <a:ext uri="{FF2B5EF4-FFF2-40B4-BE49-F238E27FC236}">
+                <a16:creationId xmlns:a16="http://schemas.microsoft.com/office/drawing/2014/main" id="{C2FC6D6F-4E9C-868A-98B1-1DA0DDA1F996}"/>
+              </a:ext>
+            </a:extLst>
+          </p:cNvPr>
+          <p:cNvPicPr>
+            <a:picLocks noChangeAspect="1"/>
+          </p:cNvPicPr>
+          <p:nvPr/>
+        </p:nvPicPr>
+        <p:blipFill>
+          <a:blip r:embed="rId3"/>
+          <a:srcRect/>
+          <a:stretch/>
+        </p:blipFill>
+        <p:spPr>
+          <a:xfrm>
+            <a:off x="0" y="0"/>
+            <a:ext cx="12192000" cy="6858000"/>
+          </a:xfrm>
+          <a:prstGeom prst="rect">
+            <a:avLst/>
+          </a:prstGeom>
+        </p:spPr>
+      </p:pic>
+      <p:sp>
+        <p:nvSpPr>
+          <p:cNvPr id="6" name="Rectangle 5">
+            <a:extLst>
+              <a:ext uri="{FF2B5EF4-FFF2-40B4-BE49-F238E27FC236}">
+                <a16:creationId xmlns:a16="http://schemas.microsoft.com/office/drawing/2014/main" id="{3311EF23-F64A-C782-28EA-1A8D297A9F1D}"/>
+              </a:ext>
+            </a:extLst>
+          </p:cNvPr>
+          <p:cNvSpPr/>
+          <p:nvPr/>
+        </p:nvSpPr>
+        <p:spPr>
+          <a:xfrm>
+            <a:off x="1" y="6247180"/>
+            <a:ext cx="12192000" cy="610819"/>
+          </a:xfrm>
+          <a:prstGeom prst="rect">
+            <a:avLst/>
+          </a:prstGeom>
+          <a:solidFill>
+            <a:schemeClr val="tx1">
+              <a:lumMod val="65000"/>
+              <a:lumOff val="35000"/>
+            </a:schemeClr>
+          </a:solidFill>
+          <a:ln>
+            <a:noFill/>
+          </a:ln>
+        </p:spPr>
+        <p:style>
+          <a:lnRef idx="2">
+            <a:schemeClr val="accent1">
+              <a:shade val="15000"/>
+            </a:schemeClr>
+          </a:lnRef>
+          <a:fillRef idx="1">
+            <a:schemeClr val="accent1"/>
+          </a:fillRef>
+          <a:effectRef idx="0">
+            <a:schemeClr val="accent1"/>
+          </a:effectRef>
+          <a:fontRef idx="minor">
+            <a:schemeClr val="lt1"/>
+          </a:fontRef>
+        </p:style>
+        <p:txBody>
+          <a:bodyPr rtlCol="0" anchor="ctr"/>
+          <a:lstStyle/>
+          <a:p>
+            <a:pPr marL="0" algn="ctr" defTabSz="914400" rtl="0" eaLnBrk="1" latinLnBrk="0" hangingPunct="1"/>
+            <a:endParaRPr lang="en-IL" dirty="0"/>
+          </a:p>
+        </p:txBody>
+      </p:sp>
+      <p:cxnSp>
+        <p:nvCxnSpPr>
+          <p:cNvPr id="9" name="Straight Connector 8">
+            <a:extLst>
+              <a:ext uri="{FF2B5EF4-FFF2-40B4-BE49-F238E27FC236}">
+                <a16:creationId xmlns:a16="http://schemas.microsoft.com/office/drawing/2014/main" id="{E480B6B1-9BD0-C14D-6C35-046B181B096E}"/>
+              </a:ext>
+            </a:extLst>
+          </p:cNvPr>
+          <p:cNvCxnSpPr/>
+          <p:nvPr/>
+        </p:nvCxnSpPr>
+        <p:spPr>
+          <a:xfrm>
+            <a:off x="124358" y="1128369"/>
+            <a:ext cx="11923775" cy="80467"/>
+          </a:xfrm>
+          <a:prstGeom prst="line">
+            <a:avLst/>
+          </a:prstGeom>
+          <a:ln>
+            <a:solidFill>
+              <a:srgbClr val="E2FE21"/>
+            </a:solidFill>
+          </a:ln>
+        </p:spPr>
+        <p:style>
+          <a:lnRef idx="1">
+            <a:schemeClr val="accent1"/>
+          </a:lnRef>
+          <a:fillRef idx="0">
+            <a:schemeClr val="accent1"/>
+          </a:fillRef>
+          <a:effectRef idx="0">
+            <a:schemeClr val="accent1"/>
+          </a:effectRef>
+          <a:fontRef idx="minor">
+            <a:schemeClr val="tx1"/>
+          </a:fontRef>
+        </p:style>
+      </p:cxnSp>
+      <p:sp>
+        <p:nvSpPr>
+          <p:cNvPr id="18" name="Rectangle 17">
+            <a:extLst>
+              <a:ext uri="{FF2B5EF4-FFF2-40B4-BE49-F238E27FC236}">
+                <a16:creationId xmlns:a16="http://schemas.microsoft.com/office/drawing/2014/main" id="{B4D01F2F-C816-9476-82B9-323D59322686}"/>
+              </a:ext>
+            </a:extLst>
+          </p:cNvPr>
+          <p:cNvSpPr/>
+          <p:nvPr/>
+        </p:nvSpPr>
+        <p:spPr>
+          <a:xfrm>
+            <a:off x="845574" y="3706761"/>
+            <a:ext cx="6174658" cy="2182762"/>
+          </a:xfrm>
+          <a:prstGeom prst="rect">
+            <a:avLst/>
+          </a:prstGeom>
+          <a:solidFill>
+            <a:schemeClr val="bg1"/>
+          </a:solidFill>
+        </p:spPr>
+        <p:style>
+          <a:lnRef idx="2">
+            <a:schemeClr val="accent1">
+              <a:shade val="15000"/>
+            </a:schemeClr>
+          </a:lnRef>
+          <a:fillRef idx="1">
+            <a:schemeClr val="accent1"/>
+          </a:fillRef>
+          <a:effectRef idx="0">
+            <a:schemeClr val="accent1"/>
+          </a:effectRef>
+          <a:fontRef idx="minor">
+            <a:schemeClr val="lt1"/>
+          </a:fontRef>
+        </p:style>
+        <p:txBody>
+          <a:bodyPr rtlCol="1" anchor="ctr"/>
+          <a:lstStyle/>
+          <a:p>
+            <a:pPr algn="ctr"/>
+            <a:endParaRPr lang="he-IL"/>
+          </a:p>
+        </p:txBody>
+      </p:sp>
+      <p:sp>
+        <p:nvSpPr>
+          <p:cNvPr id="8" name="TextBox 7">
+            <a:extLst>
+              <a:ext uri="{FF2B5EF4-FFF2-40B4-BE49-F238E27FC236}">
+                <a16:creationId xmlns:a16="http://schemas.microsoft.com/office/drawing/2014/main" id="{9E2D4994-61E5-995F-BDA0-2FC0F1B87884}"/>
+              </a:ext>
+            </a:extLst>
+          </p:cNvPr>
+          <p:cNvSpPr txBox="1"/>
+          <p:nvPr/>
+        </p:nvSpPr>
+        <p:spPr>
+          <a:xfrm>
+            <a:off x="707135" y="1432533"/>
+            <a:ext cx="10777729" cy="1996700"/>
+          </a:xfrm>
+          <a:prstGeom prst="rect">
+            <a:avLst/>
+          </a:prstGeom>
+          <a:noFill/>
+        </p:spPr>
+        <p:txBody>
+          <a:bodyPr wrap="square" rtlCol="0">
+            <a:spAutoFit/>
+          </a:bodyPr>
+          <a:lstStyle/>
+          <a:p>
+            <a:pPr marL="285750" indent="-285750">
+              <a:lnSpc>
+                <a:spcPct val="150000"/>
+              </a:lnSpc>
+              <a:buFont typeface="Arial" panose="020B0604020202020204" pitchFamily="34" charset="0"/>
+              <a:buChar char="•"/>
+            </a:pPr>
+            <a:r>
+              <a:rPr lang="en-US" sz="2400" dirty="0">
+                <a:solidFill>
+                  <a:schemeClr val="bg1"/>
+                </a:solidFill>
+                <a:effectLst/>
+                <a:latin typeface="Miriam Libre" pitchFamily="2" charset="-79"/>
+                <a:cs typeface="Miriam Libre" pitchFamily="2" charset="-79"/>
+              </a:rPr>
+              <a:t>A server that provides a website’s files (HTML, CSS, JS, …) to clients</a:t>
+            </a:r>
+          </a:p>
+          <a:p>
+            <a:pPr marL="285750" indent="-285750">
+              <a:lnSpc>
+                <a:spcPct val="150000"/>
+              </a:lnSpc>
+              <a:buFont typeface="Arial" panose="020B0604020202020204" pitchFamily="34" charset="0"/>
+              <a:buChar char="•"/>
+            </a:pPr>
+            <a:r>
+              <a:rPr lang="en-US" sz="2400" dirty="0">
+                <a:solidFill>
+                  <a:schemeClr val="bg1"/>
+                </a:solidFill>
+                <a:latin typeface="Miriam Libre" pitchFamily="2" charset="-79"/>
+                <a:cs typeface="Miriam Libre" pitchFamily="2" charset="-79"/>
+              </a:rPr>
+              <a:t>Example: starting a web server in Python</a:t>
+            </a:r>
+          </a:p>
+          <a:p>
+            <a:pPr marL="742950" lvl="1" indent="-285750">
+              <a:lnSpc>
+                <a:spcPct val="150000"/>
+              </a:lnSpc>
+              <a:buFont typeface="Arial" panose="020B0604020202020204" pitchFamily="34" charset="0"/>
+              <a:buChar char="•"/>
+            </a:pPr>
+            <a:r>
+              <a:rPr lang="en-US" dirty="0">
+                <a:solidFill>
+                  <a:schemeClr val="bg1"/>
+                </a:solidFill>
+                <a:effectLst/>
+                <a:highlight>
+                  <a:srgbClr val="000000"/>
+                </a:highlight>
+                <a:latin typeface="Miriam Libre" pitchFamily="2" charset="-79"/>
+                <a:cs typeface="Miriam Libre" pitchFamily="2" charset="-79"/>
+              </a:rPr>
+              <a:t>python -m </a:t>
+            </a:r>
+            <a:r>
+              <a:rPr lang="en-US" dirty="0" err="1">
+                <a:solidFill>
+                  <a:schemeClr val="bg1"/>
+                </a:solidFill>
+                <a:effectLst/>
+                <a:highlight>
+                  <a:srgbClr val="000000"/>
+                </a:highlight>
+                <a:latin typeface="Miriam Libre" pitchFamily="2" charset="-79"/>
+                <a:cs typeface="Miriam Libre" pitchFamily="2" charset="-79"/>
+              </a:rPr>
+              <a:t>http.server</a:t>
+            </a:r>
+            <a:r>
+              <a:rPr lang="en-US" dirty="0">
+                <a:solidFill>
+                  <a:schemeClr val="bg1"/>
+                </a:solidFill>
+                <a:effectLst/>
+                <a:highlight>
+                  <a:srgbClr val="000000"/>
+                </a:highlight>
+                <a:latin typeface="Miriam Libre" pitchFamily="2" charset="-79"/>
+                <a:cs typeface="Miriam Libre" pitchFamily="2" charset="-79"/>
+              </a:rPr>
+              <a:t> -d c:\website_files</a:t>
+            </a:r>
+          </a:p>
+          <a:p>
+            <a:pPr marL="742950" lvl="1" indent="-285750">
+              <a:lnSpc>
+                <a:spcPct val="150000"/>
+              </a:lnSpc>
+              <a:buFont typeface="Arial" panose="020B0604020202020204" pitchFamily="34" charset="0"/>
+              <a:buChar char="•"/>
+            </a:pPr>
+            <a:r>
+              <a:rPr lang="en-US" dirty="0">
+                <a:solidFill>
+                  <a:schemeClr val="bg1"/>
+                </a:solidFill>
+                <a:latin typeface="Miriam Libre" pitchFamily="2" charset="-79"/>
+                <a:cs typeface="Miriam Libre" pitchFamily="2" charset="-79"/>
+              </a:rPr>
+              <a:t>This web server simply provides whichever file the client requests</a:t>
+            </a:r>
+            <a:endParaRPr lang="he-IL" dirty="0">
+              <a:solidFill>
+                <a:schemeClr val="bg1"/>
+              </a:solidFill>
+              <a:effectLst/>
+              <a:latin typeface="Miriam Libre" pitchFamily="2" charset="-79"/>
+              <a:cs typeface="Miriam Libre" pitchFamily="2" charset="-79"/>
+            </a:endParaRPr>
+          </a:p>
+        </p:txBody>
+      </p:sp>
+      <p:pic>
+        <p:nvPicPr>
+          <p:cNvPr id="11" name="Picture 10">
+            <a:extLst>
+              <a:ext uri="{FF2B5EF4-FFF2-40B4-BE49-F238E27FC236}">
+                <a16:creationId xmlns:a16="http://schemas.microsoft.com/office/drawing/2014/main" id="{9C0DC1BB-F10B-06AB-68E6-BEC246A4E787}"/>
+              </a:ext>
+            </a:extLst>
+          </p:cNvPr>
+          <p:cNvPicPr>
+            <a:picLocks noChangeAspect="1"/>
+          </p:cNvPicPr>
+          <p:nvPr/>
+        </p:nvPicPr>
+        <p:blipFill>
+          <a:blip r:embed="rId4"/>
+          <a:srcRect/>
+          <a:stretch/>
+        </p:blipFill>
+        <p:spPr>
+          <a:xfrm>
+            <a:off x="8495747" y="6366654"/>
+            <a:ext cx="2989117" cy="243717"/>
+          </a:xfrm>
+          <a:prstGeom prst="rect">
+            <a:avLst/>
+          </a:prstGeom>
+        </p:spPr>
+      </p:pic>
+      <p:sp>
+        <p:nvSpPr>
+          <p:cNvPr id="4" name="TextBox 3">
+            <a:extLst>
+              <a:ext uri="{FF2B5EF4-FFF2-40B4-BE49-F238E27FC236}">
+                <a16:creationId xmlns:a16="http://schemas.microsoft.com/office/drawing/2014/main" id="{A56F6798-CB7E-F967-5BAF-A562F7DB9950}"/>
+              </a:ext>
+            </a:extLst>
+          </p:cNvPr>
+          <p:cNvSpPr txBox="1"/>
+          <p:nvPr/>
+        </p:nvSpPr>
+        <p:spPr>
+          <a:xfrm>
+            <a:off x="707135" y="576675"/>
+            <a:ext cx="7136374" cy="600164"/>
+          </a:xfrm>
+          <a:prstGeom prst="rect">
+            <a:avLst/>
+          </a:prstGeom>
+          <a:noFill/>
+        </p:spPr>
+        <p:txBody>
+          <a:bodyPr wrap="square" rtlCol="0">
+            <a:spAutoFit/>
+          </a:bodyPr>
+          <a:lstStyle/>
+          <a:p>
+            <a:pPr algn="l"/>
+            <a:r>
+              <a:rPr lang="en-US" sz="3300" b="1" dirty="0">
+                <a:solidFill>
+                  <a:srgbClr val="E2FE21"/>
+                </a:solidFill>
+                <a:effectLst/>
+                <a:latin typeface="Miriam Libre" pitchFamily="2" charset="-79"/>
+                <a:cs typeface="Miriam Libre" pitchFamily="2" charset="-79"/>
+              </a:rPr>
+              <a:t>Web server</a:t>
+            </a:r>
+            <a:endParaRPr lang="he-IL" sz="3300" b="1" dirty="0">
+              <a:solidFill>
+                <a:srgbClr val="E2FE21"/>
+              </a:solidFill>
+              <a:effectLst/>
+              <a:latin typeface="Miriam Libre" pitchFamily="2" charset="-79"/>
+              <a:cs typeface="Miriam Libre" pitchFamily="2" charset="-79"/>
+            </a:endParaRPr>
+          </a:p>
+        </p:txBody>
+      </p:sp>
+      <p:sp>
+        <p:nvSpPr>
+          <p:cNvPr id="12" name="TextBox 11">
+            <a:extLst>
+              <a:ext uri="{FF2B5EF4-FFF2-40B4-BE49-F238E27FC236}">
+                <a16:creationId xmlns:a16="http://schemas.microsoft.com/office/drawing/2014/main" id="{8DB64316-BED0-E985-D34B-5228710A02F8}"/>
+              </a:ext>
+            </a:extLst>
+          </p:cNvPr>
+          <p:cNvSpPr txBox="1"/>
+          <p:nvPr/>
+        </p:nvSpPr>
+        <p:spPr>
+          <a:xfrm>
+            <a:off x="707135" y="6373039"/>
+            <a:ext cx="6097218" cy="246221"/>
+          </a:xfrm>
+          <a:prstGeom prst="rect">
+            <a:avLst/>
+          </a:prstGeom>
+          <a:noFill/>
+        </p:spPr>
+        <p:txBody>
+          <a:bodyPr wrap="square">
+            <a:spAutoFit/>
+          </a:bodyPr>
+          <a:lstStyle/>
+          <a:p>
+            <a:pPr marL="0" defTabSz="914400" eaLnBrk="1" latinLnBrk="0" hangingPunct="1"/>
+            <a:r>
+              <a:rPr lang="en-US" sz="1000" dirty="0">
+                <a:solidFill>
+                  <a:srgbClr val="E2FE21"/>
+                </a:solidFill>
+                <a:effectLst/>
+                <a:latin typeface="Miriam Libre" pitchFamily="2" charset="-79"/>
+                <a:cs typeface="Miriam Libre" pitchFamily="2" charset="-79"/>
+              </a:rPr>
+              <a:t>02</a:t>
+            </a:r>
+            <a:r>
+              <a:rPr lang="en-US" sz="1000" dirty="0">
+                <a:solidFill>
+                  <a:schemeClr val="bg1"/>
+                </a:solidFill>
+                <a:effectLst/>
+                <a:latin typeface="Miriam Libre" pitchFamily="2" charset="-79"/>
+                <a:cs typeface="Miriam Libre" pitchFamily="2" charset="-79"/>
+              </a:rPr>
+              <a:t>       </a:t>
+            </a:r>
+            <a:r>
+              <a:rPr lang="en-GB" sz="1000" dirty="0">
+                <a:solidFill>
+                  <a:schemeClr val="bg1"/>
+                </a:solidFill>
+                <a:effectLst/>
+                <a:latin typeface="Miriam Libre" pitchFamily="2" charset="-79"/>
+                <a:cs typeface="Miriam Libre" pitchFamily="2" charset="-79"/>
+              </a:rPr>
+              <a:t>Understanding Cross-Site Scripting (XSS)</a:t>
+            </a:r>
+          </a:p>
+        </p:txBody>
+      </p:sp>
+      <p:pic>
+        <p:nvPicPr>
+          <p:cNvPr id="2" name="Picture 1">
+            <a:extLst>
+              <a:ext uri="{FF2B5EF4-FFF2-40B4-BE49-F238E27FC236}">
+                <a16:creationId xmlns:a16="http://schemas.microsoft.com/office/drawing/2014/main" id="{24B027AB-9471-2EB1-5D5F-1F06428483FB}"/>
+              </a:ext>
+            </a:extLst>
+          </p:cNvPr>
+          <p:cNvPicPr>
+            <a:picLocks noChangeAspect="1"/>
+          </p:cNvPicPr>
+          <p:nvPr/>
+        </p:nvPicPr>
+        <p:blipFill rotWithShape="1">
+          <a:blip r:embed="rId5"/>
+          <a:srcRect r="35421"/>
+          <a:stretch/>
+        </p:blipFill>
+        <p:spPr>
+          <a:xfrm>
+            <a:off x="7737544" y="3528989"/>
+            <a:ext cx="3481022" cy="2513728"/>
+          </a:xfrm>
+          <a:prstGeom prst="rect">
+            <a:avLst/>
+          </a:prstGeom>
+          <a:ln w="12700" cap="sq">
+            <a:solidFill>
+              <a:srgbClr val="000000"/>
+            </a:solidFill>
+            <a:prstDash val="solid"/>
+            <a:miter lim="800000"/>
+          </a:ln>
+          <a:effectLst>
+            <a:outerShdw blurRad="50800" dist="38100" dir="2700000" algn="tl" rotWithShape="0">
+              <a:srgbClr val="000000">
+                <a:alpha val="43000"/>
+              </a:srgbClr>
+            </a:outerShdw>
+          </a:effectLst>
+        </p:spPr>
+      </p:pic>
+      <p:pic>
+        <p:nvPicPr>
+          <p:cNvPr id="3" name="Picture 2" descr="A computer and printer&#10;&#10;Description automatically generated with medium confidence">
+            <a:extLst>
+              <a:ext uri="{FF2B5EF4-FFF2-40B4-BE49-F238E27FC236}">
+                <a16:creationId xmlns:a16="http://schemas.microsoft.com/office/drawing/2014/main" id="{65E15118-01EA-D677-A308-875F7C9C9A01}"/>
+              </a:ext>
+            </a:extLst>
+          </p:cNvPr>
+          <p:cNvPicPr>
+            <a:picLocks noChangeAspect="1"/>
+          </p:cNvPicPr>
+          <p:nvPr/>
+        </p:nvPicPr>
+        <p:blipFill rotWithShape="1">
+          <a:blip r:embed="rId6">
+            <a:extLst>
+              <a:ext uri="{28A0092B-C50C-407E-A947-70E740481C1C}">
+                <a14:useLocalDpi xmlns:a14="http://schemas.microsoft.com/office/drawing/2010/main" val="0"/>
+              </a:ext>
+            </a:extLst>
+          </a:blip>
+          <a:srcRect r="70419" b="49396"/>
+          <a:stretch/>
+        </p:blipFill>
+        <p:spPr>
+          <a:xfrm>
+            <a:off x="973434" y="3818213"/>
+            <a:ext cx="1784420" cy="1935279"/>
+          </a:xfrm>
+          <a:prstGeom prst="rect">
+            <a:avLst/>
+          </a:prstGeom>
+        </p:spPr>
+      </p:pic>
+      <p:pic>
+        <p:nvPicPr>
+          <p:cNvPr id="10" name="Picture 9" descr="A computer and printer&#10;&#10;Description automatically generated with medium confidence">
+            <a:extLst>
+              <a:ext uri="{FF2B5EF4-FFF2-40B4-BE49-F238E27FC236}">
+                <a16:creationId xmlns:a16="http://schemas.microsoft.com/office/drawing/2014/main" id="{92FBAE80-6097-3661-33DE-60BEF8A99796}"/>
+              </a:ext>
+            </a:extLst>
+          </p:cNvPr>
+          <p:cNvPicPr>
+            <a:picLocks noChangeAspect="1"/>
+          </p:cNvPicPr>
+          <p:nvPr/>
+        </p:nvPicPr>
+        <p:blipFill rotWithShape="1">
+          <a:blip r:embed="rId6">
+            <a:extLst>
+              <a:ext uri="{28A0092B-C50C-407E-A947-70E740481C1C}">
+                <a14:useLocalDpi xmlns:a14="http://schemas.microsoft.com/office/drawing/2010/main" val="0"/>
+              </a:ext>
+            </a:extLst>
+          </a:blip>
+          <a:srcRect l="29221" r="42794" b="50228"/>
+          <a:stretch/>
+        </p:blipFill>
+        <p:spPr>
+          <a:xfrm>
+            <a:off x="5196253" y="3850032"/>
+            <a:ext cx="1688123" cy="1903460"/>
+          </a:xfrm>
+          <a:prstGeom prst="roundRect">
+            <a:avLst/>
+          </a:prstGeom>
+        </p:spPr>
+      </p:pic>
+      <p:cxnSp>
+        <p:nvCxnSpPr>
+          <p:cNvPr id="13" name="Straight Arrow Connector 12">
+            <a:extLst>
+              <a:ext uri="{FF2B5EF4-FFF2-40B4-BE49-F238E27FC236}">
+                <a16:creationId xmlns:a16="http://schemas.microsoft.com/office/drawing/2014/main" id="{AF64C4F1-F58F-FFA4-4210-5D74797F50AB}"/>
+              </a:ext>
+            </a:extLst>
+          </p:cNvPr>
+          <p:cNvCxnSpPr/>
+          <p:nvPr/>
+        </p:nvCxnSpPr>
+        <p:spPr>
+          <a:xfrm>
+            <a:off x="2858336" y="4855373"/>
+            <a:ext cx="2190540" cy="0"/>
+          </a:xfrm>
+          <a:prstGeom prst="straightConnector1">
+            <a:avLst/>
+          </a:prstGeom>
+          <a:ln w="57150">
+            <a:tailEnd type="triangle"/>
+          </a:ln>
+        </p:spPr>
+        <p:style>
+          <a:lnRef idx="1">
+            <a:schemeClr val="accent1"/>
+          </a:lnRef>
+          <a:fillRef idx="0">
+            <a:schemeClr val="accent1"/>
+          </a:fillRef>
+          <a:effectRef idx="0">
+            <a:schemeClr val="accent1"/>
+          </a:effectRef>
+          <a:fontRef idx="minor">
+            <a:schemeClr val="tx1"/>
+          </a:fontRef>
+        </p:style>
+      </p:cxnSp>
+      <p:cxnSp>
+        <p:nvCxnSpPr>
+          <p:cNvPr id="14" name="Straight Arrow Connector 13">
+            <a:extLst>
+              <a:ext uri="{FF2B5EF4-FFF2-40B4-BE49-F238E27FC236}">
+                <a16:creationId xmlns:a16="http://schemas.microsoft.com/office/drawing/2014/main" id="{15604781-0DEE-3E3C-5FB4-ADDFABF94FBA}"/>
+              </a:ext>
+            </a:extLst>
+          </p:cNvPr>
+          <p:cNvCxnSpPr>
+            <a:cxnSpLocks/>
+          </p:cNvCxnSpPr>
+          <p:nvPr/>
+        </p:nvCxnSpPr>
+        <p:spPr>
+          <a:xfrm flipH="1">
+            <a:off x="2838240" y="5086485"/>
+            <a:ext cx="2190540" cy="0"/>
+          </a:xfrm>
+          <a:prstGeom prst="straightConnector1">
+            <a:avLst/>
+          </a:prstGeom>
+          <a:ln w="57150">
+            <a:tailEnd type="triangle"/>
+          </a:ln>
+        </p:spPr>
+        <p:style>
+          <a:lnRef idx="1">
+            <a:schemeClr val="accent1"/>
+          </a:lnRef>
+          <a:fillRef idx="0">
+            <a:schemeClr val="accent1"/>
+          </a:fillRef>
+          <a:effectRef idx="0">
+            <a:schemeClr val="accent1"/>
+          </a:effectRef>
+          <a:fontRef idx="minor">
+            <a:schemeClr val="tx1"/>
+          </a:fontRef>
+        </p:style>
+      </p:cxnSp>
+      <p:sp>
+        <p:nvSpPr>
+          <p:cNvPr id="15" name="TextBox 32">
+            <a:extLst>
+              <a:ext uri="{FF2B5EF4-FFF2-40B4-BE49-F238E27FC236}">
+                <a16:creationId xmlns:a16="http://schemas.microsoft.com/office/drawing/2014/main" id="{7D73452C-548C-32E4-637A-EB76AEA543F0}"/>
+              </a:ext>
+            </a:extLst>
+          </p:cNvPr>
+          <p:cNvSpPr txBox="1"/>
+          <p:nvPr/>
+        </p:nvSpPr>
+        <p:spPr>
+          <a:xfrm>
+            <a:off x="3268963" y="4416520"/>
+            <a:ext cx="1443985" cy="369332"/>
+          </a:xfrm>
+          <a:prstGeom prst="rect">
+            <a:avLst/>
+          </a:prstGeom>
+          <a:noFill/>
+        </p:spPr>
+        <p:txBody>
+          <a:bodyPr wrap="none" rtlCol="1">
+            <a:spAutoFit/>
+          </a:bodyPr>
+          <a:lstStyle>
+            <a:defPPr>
+              <a:defRPr lang="he-IL"/>
+            </a:defPPr>
+            <a:lvl1pPr marL="0" algn="l" defTabSz="914400" rtl="0" eaLnBrk="1" latinLnBrk="0" hangingPunct="1">
+              <a:defRPr sz="1800" kern="1200">
+                <a:solidFill>
+                  <a:schemeClr val="tx1"/>
+                </a:solidFill>
+                <a:latin typeface="+mn-lt"/>
+                <a:ea typeface="+mn-ea"/>
+                <a:cs typeface="+mn-cs"/>
+              </a:defRPr>
+            </a:lvl1pPr>
+            <a:lvl2pPr marL="457200" algn="l" defTabSz="914400" rtl="0" eaLnBrk="1" latinLnBrk="0" hangingPunct="1">
+              <a:defRPr sz="1800" kern="1200">
+                <a:solidFill>
+                  <a:schemeClr val="tx1"/>
+                </a:solidFill>
+                <a:latin typeface="+mn-lt"/>
+                <a:ea typeface="+mn-ea"/>
+                <a:cs typeface="+mn-cs"/>
+              </a:defRPr>
+            </a:lvl2pPr>
+            <a:lvl3pPr marL="914400" algn="l" defTabSz="914400" rtl="0" eaLnBrk="1" latinLnBrk="0" hangingPunct="1">
+              <a:defRPr sz="1800" kern="1200">
+                <a:solidFill>
+                  <a:schemeClr val="tx1"/>
+                </a:solidFill>
+                <a:latin typeface="+mn-lt"/>
+                <a:ea typeface="+mn-ea"/>
+                <a:cs typeface="+mn-cs"/>
+              </a:defRPr>
+            </a:lvl3pPr>
+            <a:lvl4pPr marL="1371600" algn="l" defTabSz="914400" rtl="0" eaLnBrk="1" latinLnBrk="0" hangingPunct="1">
+              <a:defRPr sz="1800" kern="1200">
+                <a:solidFill>
+                  <a:schemeClr val="tx1"/>
+                </a:solidFill>
+                <a:latin typeface="+mn-lt"/>
+                <a:ea typeface="+mn-ea"/>
+                <a:cs typeface="+mn-cs"/>
+              </a:defRPr>
+            </a:lvl4pPr>
+            <a:lvl5pPr marL="1828800" algn="l" defTabSz="914400" rtl="0" eaLnBrk="1" latinLnBrk="0" hangingPunct="1">
+              <a:defRPr sz="1800" kern="1200">
+                <a:solidFill>
+                  <a:schemeClr val="tx1"/>
+                </a:solidFill>
+                <a:latin typeface="+mn-lt"/>
+                <a:ea typeface="+mn-ea"/>
+                <a:cs typeface="+mn-cs"/>
+              </a:defRPr>
+            </a:lvl5pPr>
+            <a:lvl6pPr marL="2286000" algn="l" defTabSz="914400" rtl="0" eaLnBrk="1" latinLnBrk="0" hangingPunct="1">
+              <a:defRPr sz="1800" kern="1200">
+                <a:solidFill>
+                  <a:schemeClr val="tx1"/>
+                </a:solidFill>
+                <a:latin typeface="+mn-lt"/>
+                <a:ea typeface="+mn-ea"/>
+                <a:cs typeface="+mn-cs"/>
+              </a:defRPr>
+            </a:lvl6pPr>
+            <a:lvl7pPr marL="2743200" algn="l" defTabSz="914400" rtl="0" eaLnBrk="1" latinLnBrk="0" hangingPunct="1">
+              <a:defRPr sz="1800" kern="1200">
+                <a:solidFill>
+                  <a:schemeClr val="tx1"/>
+                </a:solidFill>
+                <a:latin typeface="+mn-lt"/>
+                <a:ea typeface="+mn-ea"/>
+                <a:cs typeface="+mn-cs"/>
+              </a:defRPr>
+            </a:lvl7pPr>
+            <a:lvl8pPr marL="3200400" algn="l" defTabSz="914400" rtl="0" eaLnBrk="1" latinLnBrk="0" hangingPunct="1">
+              <a:defRPr sz="1800" kern="1200">
+                <a:solidFill>
+                  <a:schemeClr val="tx1"/>
+                </a:solidFill>
+                <a:latin typeface="+mn-lt"/>
+                <a:ea typeface="+mn-ea"/>
+                <a:cs typeface="+mn-cs"/>
+              </a:defRPr>
+            </a:lvl8pPr>
+            <a:lvl9pPr marL="3657600" algn="l" defTabSz="914400" rtl="0" eaLnBrk="1" latinLnBrk="0" hangingPunct="1">
+              <a:defRPr sz="1800" kern="1200">
+                <a:solidFill>
+                  <a:schemeClr val="tx1"/>
+                </a:solidFill>
+                <a:latin typeface="+mn-lt"/>
+                <a:ea typeface="+mn-ea"/>
+                <a:cs typeface="+mn-cs"/>
+              </a:defRPr>
+            </a:lvl9pPr>
+          </a:lstStyle>
+          <a:p>
+            <a:r>
+              <a:rPr lang="en-US" dirty="0"/>
+              <a:t>GET /main.js</a:t>
+            </a:r>
+            <a:endParaRPr lang="he-IL" dirty="0"/>
+          </a:p>
+        </p:txBody>
+      </p:sp>
+      <p:sp>
+        <p:nvSpPr>
+          <p:cNvPr id="16" name="TextBox 33">
+            <a:extLst>
+              <a:ext uri="{FF2B5EF4-FFF2-40B4-BE49-F238E27FC236}">
+                <a16:creationId xmlns:a16="http://schemas.microsoft.com/office/drawing/2014/main" id="{AEA0F99B-9762-A188-61CD-BC82D6F72410}"/>
+              </a:ext>
+            </a:extLst>
+          </p:cNvPr>
+          <p:cNvSpPr txBox="1"/>
+          <p:nvPr/>
+        </p:nvSpPr>
+        <p:spPr>
+          <a:xfrm>
+            <a:off x="3566913" y="5181011"/>
+            <a:ext cx="918841" cy="369332"/>
+          </a:xfrm>
+          <a:prstGeom prst="rect">
+            <a:avLst/>
+          </a:prstGeom>
+          <a:noFill/>
+        </p:spPr>
+        <p:txBody>
+          <a:bodyPr wrap="none" rtlCol="1">
+            <a:spAutoFit/>
+          </a:bodyPr>
+          <a:lstStyle>
+            <a:defPPr>
+              <a:defRPr lang="he-IL"/>
+            </a:defPPr>
+            <a:lvl1pPr marL="0" algn="l" defTabSz="914400" rtl="0" eaLnBrk="1" latinLnBrk="0" hangingPunct="1">
+              <a:defRPr sz="1800" kern="1200">
+                <a:solidFill>
+                  <a:schemeClr val="tx1"/>
+                </a:solidFill>
+                <a:latin typeface="+mn-lt"/>
+                <a:ea typeface="+mn-ea"/>
+                <a:cs typeface="+mn-cs"/>
+              </a:defRPr>
+            </a:lvl1pPr>
+            <a:lvl2pPr marL="457200" algn="l" defTabSz="914400" rtl="0" eaLnBrk="1" latinLnBrk="0" hangingPunct="1">
+              <a:defRPr sz="1800" kern="1200">
+                <a:solidFill>
+                  <a:schemeClr val="tx1"/>
+                </a:solidFill>
+                <a:latin typeface="+mn-lt"/>
+                <a:ea typeface="+mn-ea"/>
+                <a:cs typeface="+mn-cs"/>
+              </a:defRPr>
+            </a:lvl2pPr>
+            <a:lvl3pPr marL="914400" algn="l" defTabSz="914400" rtl="0" eaLnBrk="1" latinLnBrk="0" hangingPunct="1">
+              <a:defRPr sz="1800" kern="1200">
+                <a:solidFill>
+                  <a:schemeClr val="tx1"/>
+                </a:solidFill>
+                <a:latin typeface="+mn-lt"/>
+                <a:ea typeface="+mn-ea"/>
+                <a:cs typeface="+mn-cs"/>
+              </a:defRPr>
+            </a:lvl3pPr>
+            <a:lvl4pPr marL="1371600" algn="l" defTabSz="914400" rtl="0" eaLnBrk="1" latinLnBrk="0" hangingPunct="1">
+              <a:defRPr sz="1800" kern="1200">
+                <a:solidFill>
+                  <a:schemeClr val="tx1"/>
+                </a:solidFill>
+                <a:latin typeface="+mn-lt"/>
+                <a:ea typeface="+mn-ea"/>
+                <a:cs typeface="+mn-cs"/>
+              </a:defRPr>
+            </a:lvl4pPr>
+            <a:lvl5pPr marL="1828800" algn="l" defTabSz="914400" rtl="0" eaLnBrk="1" latinLnBrk="0" hangingPunct="1">
+              <a:defRPr sz="1800" kern="1200">
+                <a:solidFill>
+                  <a:schemeClr val="tx1"/>
+                </a:solidFill>
+                <a:latin typeface="+mn-lt"/>
+                <a:ea typeface="+mn-ea"/>
+                <a:cs typeface="+mn-cs"/>
+              </a:defRPr>
+            </a:lvl5pPr>
+            <a:lvl6pPr marL="2286000" algn="l" defTabSz="914400" rtl="0" eaLnBrk="1" latinLnBrk="0" hangingPunct="1">
+              <a:defRPr sz="1800" kern="1200">
+                <a:solidFill>
+                  <a:schemeClr val="tx1"/>
+                </a:solidFill>
+                <a:latin typeface="+mn-lt"/>
+                <a:ea typeface="+mn-ea"/>
+                <a:cs typeface="+mn-cs"/>
+              </a:defRPr>
+            </a:lvl6pPr>
+            <a:lvl7pPr marL="2743200" algn="l" defTabSz="914400" rtl="0" eaLnBrk="1" latinLnBrk="0" hangingPunct="1">
+              <a:defRPr sz="1800" kern="1200">
+                <a:solidFill>
+                  <a:schemeClr val="tx1"/>
+                </a:solidFill>
+                <a:latin typeface="+mn-lt"/>
+                <a:ea typeface="+mn-ea"/>
+                <a:cs typeface="+mn-cs"/>
+              </a:defRPr>
+            </a:lvl7pPr>
+            <a:lvl8pPr marL="3200400" algn="l" defTabSz="914400" rtl="0" eaLnBrk="1" latinLnBrk="0" hangingPunct="1">
+              <a:defRPr sz="1800" kern="1200">
+                <a:solidFill>
+                  <a:schemeClr val="tx1"/>
+                </a:solidFill>
+                <a:latin typeface="+mn-lt"/>
+                <a:ea typeface="+mn-ea"/>
+                <a:cs typeface="+mn-cs"/>
+              </a:defRPr>
+            </a:lvl8pPr>
+            <a:lvl9pPr marL="3657600" algn="l" defTabSz="914400" rtl="0" eaLnBrk="1" latinLnBrk="0" hangingPunct="1">
+              <a:defRPr sz="1800" kern="1200">
+                <a:solidFill>
+                  <a:schemeClr val="tx1"/>
+                </a:solidFill>
+                <a:latin typeface="+mn-lt"/>
+                <a:ea typeface="+mn-ea"/>
+                <a:cs typeface="+mn-cs"/>
+              </a:defRPr>
+            </a:lvl9pPr>
+          </a:lstStyle>
+          <a:p>
+            <a:r>
+              <a:rPr lang="en-US" dirty="0"/>
+              <a:t>main.js</a:t>
+            </a:r>
+            <a:endParaRPr lang="he-IL" dirty="0"/>
+          </a:p>
+        </p:txBody>
+      </p:sp>
+      <p:pic>
+        <p:nvPicPr>
+          <p:cNvPr id="17" name="Picture 16" descr="A black background with a black square&#10;&#10;Description automatically generated with medium confidence">
+            <a:extLst>
+              <a:ext uri="{FF2B5EF4-FFF2-40B4-BE49-F238E27FC236}">
+                <a16:creationId xmlns:a16="http://schemas.microsoft.com/office/drawing/2014/main" id="{4BAF582A-FFB2-7B46-AC37-4851B2CDB026}"/>
+              </a:ext>
+            </a:extLst>
+          </p:cNvPr>
+          <p:cNvPicPr>
+            <a:picLocks noChangeAspect="1"/>
+          </p:cNvPicPr>
+          <p:nvPr/>
+        </p:nvPicPr>
+        <p:blipFill>
+          <a:blip r:embed="rId7">
+            <a:extLst>
+              <a:ext uri="{28A0092B-C50C-407E-A947-70E740481C1C}">
+                <a14:useLocalDpi xmlns:a14="http://schemas.microsoft.com/office/drawing/2010/main" val="0"/>
+              </a:ext>
+            </a:extLst>
+          </a:blip>
+          <a:stretch>
+            <a:fillRect/>
+          </a:stretch>
+        </p:blipFill>
+        <p:spPr>
+          <a:xfrm>
+            <a:off x="3370801" y="5237082"/>
+            <a:ext cx="250501" cy="250501"/>
+          </a:xfrm>
+          <a:prstGeom prst="rect">
+            <a:avLst/>
+          </a:prstGeom>
+        </p:spPr>
+      </p:pic>
+    </p:spTree>
+    <p:extLst>
+      <p:ext uri="{BB962C8B-B14F-4D97-AF65-F5344CB8AC3E}">
+        <p14:creationId xmlns:p14="http://schemas.microsoft.com/office/powerpoint/2010/main" val="3822575714"/>
+      </p:ext>
+    </p:extLst>
+  </p:cSld>
+  <p:clrMapOvr>
+    <a:masterClrMapping/>
+  </p:clrMapOvr>
+</p:sld>
+</file>
+
 <file path=ppt/slides/slide7.xml><?xml version="1.0" encoding="utf-8"?>
 <p:sld xmlns:a="http://schemas.openxmlformats.org/drawingml/2006/main" xmlns:r="http://schemas.openxmlformats.org/officeDocument/2006/relationships" xmlns:p="http://schemas.openxmlformats.org/presentationml/2006/main">
   <p:cSld>
@@ -10404,55 +12812,6 @@
       </p:cxnSp>
       <p:sp>
         <p:nvSpPr>
-          <p:cNvPr id="18" name="Rectangle 17">
-            <a:extLst>
-              <a:ext uri="{FF2B5EF4-FFF2-40B4-BE49-F238E27FC236}">
-                <a16:creationId xmlns:a16="http://schemas.microsoft.com/office/drawing/2014/main" id="{B4D01F2F-C816-9476-82B9-323D59322686}"/>
-              </a:ext>
-            </a:extLst>
-          </p:cNvPr>
-          <p:cNvSpPr/>
-          <p:nvPr/>
-        </p:nvSpPr>
-        <p:spPr>
-          <a:xfrm>
-            <a:off x="845574" y="3706761"/>
-            <a:ext cx="6174658" cy="2182762"/>
-          </a:xfrm>
-          <a:prstGeom prst="rect">
-            <a:avLst/>
-          </a:prstGeom>
-          <a:solidFill>
-            <a:schemeClr val="bg1"/>
-          </a:solidFill>
-        </p:spPr>
-        <p:style>
-          <a:lnRef idx="2">
-            <a:schemeClr val="accent1">
-              <a:shade val="15000"/>
-            </a:schemeClr>
-          </a:lnRef>
-          <a:fillRef idx="1">
-            <a:schemeClr val="accent1"/>
-          </a:fillRef>
-          <a:effectRef idx="0">
-            <a:schemeClr val="accent1"/>
-          </a:effectRef>
-          <a:fontRef idx="minor">
-            <a:schemeClr val="lt1"/>
-          </a:fontRef>
-        </p:style>
-        <p:txBody>
-          <a:bodyPr rtlCol="1" anchor="ctr"/>
-          <a:lstStyle/>
-          <a:p>
-            <a:pPr algn="ctr"/>
-            <a:endParaRPr lang="he-IL"/>
-          </a:p>
-        </p:txBody>
-      </p:sp>
-      <p:sp>
-        <p:nvSpPr>
           <p:cNvPr id="8" name="TextBox 7">
             <a:extLst>
               <a:ext uri="{FF2B5EF4-FFF2-40B4-BE49-F238E27FC236}">
@@ -10466,7 +12825,7 @@
         <p:spPr>
           <a:xfrm>
             <a:off x="707135" y="1432533"/>
-            <a:ext cx="10777729" cy="1996700"/>
+            <a:ext cx="10777729" cy="2412199"/>
           </a:xfrm>
           <a:prstGeom prst="rect">
             <a:avLst/>
@@ -10495,7 +12854,7 @@
                 <a:latin typeface="Miriam Libre" pitchFamily="2" charset="-79"/>
                 <a:cs typeface="Miriam Libre" pitchFamily="2" charset="-79"/>
               </a:rPr>
-              <a:t>A server that provides a website’s files (HTML, CSS, JS, …) to clients</a:t>
+              <a:t>The main protocol for communication with web servers</a:t>
             </a:r>
           </a:p>
           <a:p>
@@ -10514,7 +12873,7 @@
                 <a:latin typeface="Miriam Libre" pitchFamily="2" charset="-79"/>
                 <a:cs typeface="Miriam Libre" pitchFamily="2" charset="-79"/>
               </a:rPr>
-              <a:t>Example: starting a web server in Python</a:t>
+              <a:t>Basic aspects:</a:t>
             </a:r>
           </a:p>
           <a:p>
@@ -10531,27 +12890,21 @@
                   <a:schemeClr val="bg1"/>
                 </a:solidFill>
                 <a:effectLst/>
-                <a:highlight>
-                  <a:srgbClr val="000000"/>
-                </a:highlight>
                 <a:latin typeface="Miriam Libre" pitchFamily="2" charset="-79"/>
                 <a:cs typeface="Miriam Libre" pitchFamily="2" charset="-79"/>
               </a:rPr>
-              <a:t>python -m </a:t>
-            </a:r>
-            <a:r>
-              <a:rPr lang="en-US" dirty="0" err="1">
+              <a:t>Client sends </a:t>
+            </a:r>
+            <a:r>
+              <a:rPr lang="en-US" b="1" dirty="0">
                 <a:solidFill>
                   <a:schemeClr val="bg1"/>
                 </a:solidFill>
                 <a:effectLst/>
-                <a:highlight>
-                  <a:srgbClr val="000000"/>
-                </a:highlight>
                 <a:latin typeface="Miriam Libre" pitchFamily="2" charset="-79"/>
                 <a:cs typeface="Miriam Libre" pitchFamily="2" charset="-79"/>
               </a:rPr>
-              <a:t>http.server</a:t>
+              <a:t>HTTP request</a:t>
             </a:r>
             <a:r>
               <a:rPr lang="en-US" dirty="0">
@@ -10559,13 +12912,44 @@
                   <a:schemeClr val="bg1"/>
                 </a:solidFill>
                 <a:effectLst/>
-                <a:highlight>
-                  <a:srgbClr val="000000"/>
-                </a:highlight>
                 <a:latin typeface="Miriam Libre" pitchFamily="2" charset="-79"/>
                 <a:cs typeface="Miriam Libre" pitchFamily="2" charset="-79"/>
               </a:rPr>
-              <a:t> -d c:\website_files</a:t>
+              <a:t> </a:t>
+            </a:r>
+            <a:r>
+              <a:rPr lang="en-US" dirty="0">
+                <a:solidFill>
+                  <a:schemeClr val="bg1"/>
+                </a:solidFill>
+                <a:effectLst/>
+                <a:latin typeface="Miriam Libre" pitchFamily="2" charset="-79"/>
+                <a:cs typeface="Miriam Libre" pitchFamily="2" charset="-79"/>
+                <a:sym typeface="Wingdings" panose="05000000000000000000" pitchFamily="2" charset="2"/>
+              </a:rPr>
+              <a:t> </a:t>
+            </a:r>
+            <a:r>
+              <a:rPr lang="en-US" dirty="0">
+                <a:solidFill>
+                  <a:schemeClr val="bg1"/>
+                </a:solidFill>
+                <a:latin typeface="Miriam Libre" pitchFamily="2" charset="-79"/>
+                <a:cs typeface="Miriam Libre" pitchFamily="2" charset="-79"/>
+                <a:sym typeface="Wingdings" panose="05000000000000000000" pitchFamily="2" charset="2"/>
+              </a:rPr>
+              <a:t>server sends </a:t>
+            </a:r>
+            <a:r>
+              <a:rPr lang="en-US" b="1" dirty="0">
+                <a:solidFill>
+                  <a:schemeClr val="bg1"/>
+                </a:solidFill>
+                <a:latin typeface="Miriam Libre" pitchFamily="2" charset="-79"/>
+                <a:cs typeface="Miriam Libre" pitchFamily="2" charset="-79"/>
+                <a:sym typeface="Wingdings" panose="05000000000000000000" pitchFamily="2" charset="2"/>
+              </a:rPr>
+              <a:t>HTTP response</a:t>
             </a:r>
           </a:p>
           <a:p>
@@ -10581,10 +12965,85 @@
                 <a:solidFill>
                   <a:schemeClr val="bg1"/>
                 </a:solidFill>
+                <a:effectLst/>
                 <a:latin typeface="Miriam Libre" pitchFamily="2" charset="-79"/>
                 <a:cs typeface="Miriam Libre" pitchFamily="2" charset="-79"/>
+                <a:sym typeface="Wingdings" panose="05000000000000000000" pitchFamily="2" charset="2"/>
               </a:rPr>
-              <a:t>This web server simply provides whichever file the client requests</a:t>
+              <a:t>HTTP is stateless</a:t>
+            </a:r>
+            <a:endParaRPr lang="en-US" dirty="0">
+              <a:solidFill>
+                <a:schemeClr val="bg1"/>
+              </a:solidFill>
+              <a:latin typeface="Miriam Libre" pitchFamily="2" charset="-79"/>
+              <a:cs typeface="Miriam Libre" pitchFamily="2" charset="-79"/>
+              <a:sym typeface="Wingdings" panose="05000000000000000000" pitchFamily="2" charset="2"/>
+            </a:endParaRPr>
+          </a:p>
+          <a:p>
+            <a:pPr marL="742950" lvl="1" indent="-285750">
+              <a:lnSpc>
+                <a:spcPct val="150000"/>
+              </a:lnSpc>
+              <a:buFont typeface="Arial" panose="020B0604020202020204" pitchFamily="34" charset="0"/>
+              <a:buChar char="•"/>
+            </a:pPr>
+            <a:r>
+              <a:rPr lang="en-US" dirty="0">
+                <a:solidFill>
+                  <a:schemeClr val="bg1"/>
+                </a:solidFill>
+                <a:effectLst/>
+                <a:latin typeface="Miriam Libre" pitchFamily="2" charset="-79"/>
+                <a:cs typeface="Miriam Libre" pitchFamily="2" charset="-79"/>
+                <a:sym typeface="Wingdings" panose="05000000000000000000" pitchFamily="2" charset="2"/>
+              </a:rPr>
+              <a:t>Requests and </a:t>
+            </a:r>
+            <a:r>
+              <a:rPr lang="en-US" dirty="0">
+                <a:solidFill>
+                  <a:schemeClr val="bg1"/>
+                </a:solidFill>
+                <a:latin typeface="Miriam Libre" pitchFamily="2" charset="-79"/>
+                <a:cs typeface="Miriam Libre" pitchFamily="2" charset="-79"/>
+                <a:sym typeface="Wingdings" panose="05000000000000000000" pitchFamily="2" charset="2"/>
+              </a:rPr>
+              <a:t>responses have </a:t>
+            </a:r>
+            <a:r>
+              <a:rPr lang="en-US" b="1" dirty="0">
+                <a:solidFill>
+                  <a:schemeClr val="bg1"/>
+                </a:solidFill>
+                <a:latin typeface="Miriam Libre" pitchFamily="2" charset="-79"/>
+                <a:cs typeface="Miriam Libre" pitchFamily="2" charset="-79"/>
+                <a:sym typeface="Wingdings" panose="05000000000000000000" pitchFamily="2" charset="2"/>
+              </a:rPr>
+              <a:t>headers</a:t>
+            </a:r>
+            <a:r>
+              <a:rPr lang="en-US" dirty="0">
+                <a:solidFill>
+                  <a:schemeClr val="bg1"/>
+                </a:solidFill>
+                <a:latin typeface="Miriam Libre" pitchFamily="2" charset="-79"/>
+                <a:cs typeface="Miriam Libre" pitchFamily="2" charset="-79"/>
+                <a:sym typeface="Wingdings" panose="05000000000000000000" pitchFamily="2" charset="2"/>
+              </a:rPr>
+              <a:t> and </a:t>
+            </a:r>
+            <a:r>
+              <a:rPr lang="en-US" b="1" dirty="0">
+                <a:solidFill>
+                  <a:schemeClr val="bg1"/>
+                </a:solidFill>
+                <a:latin typeface="Miriam Libre" pitchFamily="2" charset="-79"/>
+                <a:cs typeface="Miriam Libre" pitchFamily="2" charset="-79"/>
+                <a:sym typeface="Wingdings" panose="05000000000000000000" pitchFamily="2" charset="2"/>
+              </a:rPr>
+              <a:t>body</a:t>
             </a:r>
             <a:endParaRPr lang="he-IL" dirty="0">
               <a:solidFill>
@@ -10664,7 +13123,7 @@
                 <a:latin typeface="Miriam Libre" pitchFamily="2" charset="-79"/>
                 <a:cs typeface="Miriam Libre" pitchFamily="2" charset="-79"/>
               </a:rPr>
-              <a:t>Web server</a:t>
+              <a:t>HTTP</a:t>
             </a:r>
             <a:endParaRPr lang="he-IL" sz="3300" b="1" dirty="0">
               <a:solidFill>
@@ -10726,511 +13185,26 @@
                 <a:latin typeface="Miriam Libre" pitchFamily="2" charset="-79"/>
                 <a:cs typeface="Miriam Libre" pitchFamily="2" charset="-79"/>
               </a:rPr>
-              <a:t>       Web Exploitation</a:t>
-            </a:r>
-            <a:endParaRPr lang="en-IL" sz="1000" dirty="0">
-              <a:solidFill>
-                <a:schemeClr val="bg1"/>
-              </a:solidFill>
-              <a:latin typeface="Miriam Libre" pitchFamily="2" charset="-79"/>
-              <a:cs typeface="Miriam Libre" pitchFamily="2" charset="-79"/>
-            </a:endParaRPr>
-          </a:p>
-        </p:txBody>
-      </p:sp>
-      <p:pic>
-        <p:nvPicPr>
-          <p:cNvPr id="2" name="Picture 1">
-            <a:extLst>
-              <a:ext uri="{FF2B5EF4-FFF2-40B4-BE49-F238E27FC236}">
-                <a16:creationId xmlns:a16="http://schemas.microsoft.com/office/drawing/2014/main" id="{24B027AB-9471-2EB1-5D5F-1F06428483FB}"/>
-              </a:ext>
-            </a:extLst>
-          </p:cNvPr>
-          <p:cNvPicPr>
-            <a:picLocks noChangeAspect="1"/>
-          </p:cNvPicPr>
-          <p:nvPr/>
-        </p:nvPicPr>
-        <p:blipFill rotWithShape="1">
-          <a:blip r:embed="rId5"/>
-          <a:srcRect r="35421"/>
-          <a:stretch/>
-        </p:blipFill>
-        <p:spPr>
-          <a:xfrm>
-            <a:off x="7737544" y="3528989"/>
-            <a:ext cx="3481022" cy="2513728"/>
-          </a:xfrm>
-          <a:prstGeom prst="rect">
-            <a:avLst/>
-          </a:prstGeom>
-          <a:ln w="12700" cap="sq">
-            <a:solidFill>
-              <a:srgbClr val="000000"/>
-            </a:solidFill>
-            <a:prstDash val="solid"/>
-            <a:miter lim="800000"/>
-          </a:ln>
-          <a:effectLst>
-            <a:outerShdw blurRad="50800" dist="38100" dir="2700000" algn="tl" rotWithShape="0">
-              <a:srgbClr val="000000">
-                <a:alpha val="43000"/>
-              </a:srgbClr>
-            </a:outerShdw>
-          </a:effectLst>
-        </p:spPr>
-      </p:pic>
-      <p:pic>
-        <p:nvPicPr>
-          <p:cNvPr id="3" name="Picture 2" descr="A computer and printer&#10;&#10;Description automatically generated with medium confidence">
-            <a:extLst>
-              <a:ext uri="{FF2B5EF4-FFF2-40B4-BE49-F238E27FC236}">
-                <a16:creationId xmlns:a16="http://schemas.microsoft.com/office/drawing/2014/main" id="{65E15118-01EA-D677-A308-875F7C9C9A01}"/>
-              </a:ext>
-            </a:extLst>
-          </p:cNvPr>
-          <p:cNvPicPr>
-            <a:picLocks noChangeAspect="1"/>
-          </p:cNvPicPr>
-          <p:nvPr/>
-        </p:nvPicPr>
-        <p:blipFill rotWithShape="1">
-          <a:blip r:embed="rId6">
-            <a:extLst>
-              <a:ext uri="{28A0092B-C50C-407E-A947-70E740481C1C}">
-                <a14:useLocalDpi xmlns:a14="http://schemas.microsoft.com/office/drawing/2010/main" val="0"/>
-              </a:ext>
-            </a:extLst>
-          </a:blip>
-          <a:srcRect r="70419" b="49396"/>
-          <a:stretch/>
-        </p:blipFill>
-        <p:spPr>
-          <a:xfrm>
-            <a:off x="973434" y="3818213"/>
-            <a:ext cx="1784420" cy="1935279"/>
-          </a:xfrm>
-          <a:prstGeom prst="rect">
-            <a:avLst/>
-          </a:prstGeom>
-        </p:spPr>
-      </p:pic>
-      <p:pic>
-        <p:nvPicPr>
-          <p:cNvPr id="10" name="Picture 9" descr="A computer and printer&#10;&#10;Description automatically generated with medium confidence">
-            <a:extLst>
-              <a:ext uri="{FF2B5EF4-FFF2-40B4-BE49-F238E27FC236}">
-                <a16:creationId xmlns:a16="http://schemas.microsoft.com/office/drawing/2014/main" id="{92FBAE80-6097-3661-33DE-60BEF8A99796}"/>
-              </a:ext>
-            </a:extLst>
-          </p:cNvPr>
-          <p:cNvPicPr>
-            <a:picLocks noChangeAspect="1"/>
-          </p:cNvPicPr>
-          <p:nvPr/>
-        </p:nvPicPr>
-        <p:blipFill rotWithShape="1">
-          <a:blip r:embed="rId6">
-            <a:extLst>
-              <a:ext uri="{28A0092B-C50C-407E-A947-70E740481C1C}">
-                <a14:useLocalDpi xmlns:a14="http://schemas.microsoft.com/office/drawing/2010/main" val="0"/>
-              </a:ext>
-            </a:extLst>
-          </a:blip>
-          <a:srcRect l="29221" r="42794" b="50228"/>
-          <a:stretch/>
-        </p:blipFill>
-        <p:spPr>
-          <a:xfrm>
-            <a:off x="5196253" y="3850032"/>
-            <a:ext cx="1688123" cy="1903460"/>
-          </a:xfrm>
-          <a:prstGeom prst="roundRect">
-            <a:avLst/>
-          </a:prstGeom>
-        </p:spPr>
-      </p:pic>
-      <p:cxnSp>
-        <p:nvCxnSpPr>
-          <p:cNvPr id="13" name="Straight Arrow Connector 12">
-            <a:extLst>
-              <a:ext uri="{FF2B5EF4-FFF2-40B4-BE49-F238E27FC236}">
-                <a16:creationId xmlns:a16="http://schemas.microsoft.com/office/drawing/2014/main" id="{AF64C4F1-F58F-FFA4-4210-5D74797F50AB}"/>
-              </a:ext>
-            </a:extLst>
-          </p:cNvPr>
-          <p:cNvCxnSpPr/>
-          <p:nvPr/>
-        </p:nvCxnSpPr>
-        <p:spPr>
-          <a:xfrm>
-            <a:off x="2858336" y="4855373"/>
-            <a:ext cx="2190540" cy="0"/>
-          </a:xfrm>
-          <a:prstGeom prst="straightConnector1">
-            <a:avLst/>
-          </a:prstGeom>
-          <a:ln w="57150">
-            <a:tailEnd type="triangle"/>
-          </a:ln>
-        </p:spPr>
-        <p:style>
-          <a:lnRef idx="1">
-            <a:schemeClr val="accent1"/>
-          </a:lnRef>
-          <a:fillRef idx="0">
-            <a:schemeClr val="accent1"/>
-          </a:fillRef>
-          <a:effectRef idx="0">
-            <a:schemeClr val="accent1"/>
-          </a:effectRef>
-          <a:fontRef idx="minor">
-            <a:schemeClr val="tx1"/>
-          </a:fontRef>
-        </p:style>
-      </p:cxnSp>
-      <p:cxnSp>
-        <p:nvCxnSpPr>
-          <p:cNvPr id="14" name="Straight Arrow Connector 13">
-            <a:extLst>
-              <a:ext uri="{FF2B5EF4-FFF2-40B4-BE49-F238E27FC236}">
-                <a16:creationId xmlns:a16="http://schemas.microsoft.com/office/drawing/2014/main" id="{15604781-0DEE-3E3C-5FB4-ADDFABF94FBA}"/>
-              </a:ext>
-            </a:extLst>
-          </p:cNvPr>
-          <p:cNvCxnSpPr>
-            <a:cxnSpLocks/>
-          </p:cNvCxnSpPr>
-          <p:nvPr/>
-        </p:nvCxnSpPr>
-        <p:spPr>
-          <a:xfrm flipH="1">
-            <a:off x="2838240" y="5086485"/>
-            <a:ext cx="2190540" cy="0"/>
-          </a:xfrm>
-          <a:prstGeom prst="straightConnector1">
-            <a:avLst/>
-          </a:prstGeom>
-          <a:ln w="57150">
-            <a:tailEnd type="triangle"/>
-          </a:ln>
-        </p:spPr>
-        <p:style>
-          <a:lnRef idx="1">
-            <a:schemeClr val="accent1"/>
-          </a:lnRef>
-          <a:fillRef idx="0">
-            <a:schemeClr val="accent1"/>
-          </a:fillRef>
-          <a:effectRef idx="0">
-            <a:schemeClr val="accent1"/>
-          </a:effectRef>
-          <a:fontRef idx="minor">
-            <a:schemeClr val="tx1"/>
-          </a:fontRef>
-        </p:style>
-      </p:cxnSp>
-      <p:sp>
-        <p:nvSpPr>
-          <p:cNvPr id="15" name="TextBox 32">
-            <a:extLst>
-              <a:ext uri="{FF2B5EF4-FFF2-40B4-BE49-F238E27FC236}">
-                <a16:creationId xmlns:a16="http://schemas.microsoft.com/office/drawing/2014/main" id="{7D73452C-548C-32E4-637A-EB76AEA543F0}"/>
-              </a:ext>
-            </a:extLst>
-          </p:cNvPr>
-          <p:cNvSpPr txBox="1"/>
-          <p:nvPr/>
-        </p:nvSpPr>
-        <p:spPr>
-          <a:xfrm>
-            <a:off x="3268963" y="4416520"/>
-            <a:ext cx="1443985" cy="369332"/>
-          </a:xfrm>
-          <a:prstGeom prst="rect">
-            <a:avLst/>
-          </a:prstGeom>
-          <a:noFill/>
-        </p:spPr>
-        <p:txBody>
-          <a:bodyPr wrap="none" rtlCol="1">
-            <a:spAutoFit/>
-          </a:bodyPr>
-          <a:lstStyle>
-            <a:defPPr>
-              <a:defRPr lang="he-IL"/>
-            </a:defPPr>
-            <a:lvl1pPr marL="0" algn="l" defTabSz="914400" rtl="0" eaLnBrk="1" latinLnBrk="0" hangingPunct="1">
-              <a:defRPr sz="1800" kern="1200">
-                <a:solidFill>
-                  <a:schemeClr val="tx1"/>
-                </a:solidFill>
-                <a:latin typeface="+mn-lt"/>
-                <a:ea typeface="+mn-ea"/>
-                <a:cs typeface="+mn-cs"/>
-              </a:defRPr>
-            </a:lvl1pPr>
-            <a:lvl2pPr marL="457200" algn="l" defTabSz="914400" rtl="0" eaLnBrk="1" latinLnBrk="0" hangingPunct="1">
-              <a:defRPr sz="1800" kern="1200">
-                <a:solidFill>
-                  <a:schemeClr val="tx1"/>
-                </a:solidFill>
-                <a:latin typeface="+mn-lt"/>
-                <a:ea typeface="+mn-ea"/>
-                <a:cs typeface="+mn-cs"/>
-              </a:defRPr>
-            </a:lvl2pPr>
-            <a:lvl3pPr marL="914400" algn="l" defTabSz="914400" rtl="0" eaLnBrk="1" latinLnBrk="0" hangingPunct="1">
-              <a:defRPr sz="1800" kern="1200">
-                <a:solidFill>
-                  <a:schemeClr val="tx1"/>
-                </a:solidFill>
-                <a:latin typeface="+mn-lt"/>
-                <a:ea typeface="+mn-ea"/>
-                <a:cs typeface="+mn-cs"/>
-              </a:defRPr>
-            </a:lvl3pPr>
-            <a:lvl4pPr marL="1371600" algn="l" defTabSz="914400" rtl="0" eaLnBrk="1" latinLnBrk="0" hangingPunct="1">
-              <a:defRPr sz="1800" kern="1200">
-                <a:solidFill>
-                  <a:schemeClr val="tx1"/>
-                </a:solidFill>
-                <a:latin typeface="+mn-lt"/>
-                <a:ea typeface="+mn-ea"/>
-                <a:cs typeface="+mn-cs"/>
-              </a:defRPr>
-            </a:lvl4pPr>
-            <a:lvl5pPr marL="1828800" algn="l" defTabSz="914400" rtl="0" eaLnBrk="1" latinLnBrk="0" hangingPunct="1">
-              <a:defRPr sz="1800" kern="1200">
-                <a:solidFill>
-                  <a:schemeClr val="tx1"/>
-                </a:solidFill>
-                <a:latin typeface="+mn-lt"/>
-                <a:ea typeface="+mn-ea"/>
-                <a:cs typeface="+mn-cs"/>
-              </a:defRPr>
-            </a:lvl5pPr>
-            <a:lvl6pPr marL="2286000" algn="l" defTabSz="914400" rtl="0" eaLnBrk="1" latinLnBrk="0" hangingPunct="1">
-              <a:defRPr sz="1800" kern="1200">
-                <a:solidFill>
-                  <a:schemeClr val="tx1"/>
-                </a:solidFill>
-                <a:latin typeface="+mn-lt"/>
-                <a:ea typeface="+mn-ea"/>
-                <a:cs typeface="+mn-cs"/>
-              </a:defRPr>
-            </a:lvl6pPr>
-            <a:lvl7pPr marL="2743200" algn="l" defTabSz="914400" rtl="0" eaLnBrk="1" latinLnBrk="0" hangingPunct="1">
-              <a:defRPr sz="1800" kern="1200">
-                <a:solidFill>
-                  <a:schemeClr val="tx1"/>
-                </a:solidFill>
-                <a:latin typeface="+mn-lt"/>
-                <a:ea typeface="+mn-ea"/>
-                <a:cs typeface="+mn-cs"/>
-              </a:defRPr>
-            </a:lvl7pPr>
-            <a:lvl8pPr marL="3200400" algn="l" defTabSz="914400" rtl="0" eaLnBrk="1" latinLnBrk="0" hangingPunct="1">
-              <a:defRPr sz="1800" kern="1200">
-                <a:solidFill>
-                  <a:schemeClr val="tx1"/>
-                </a:solidFill>
-                <a:latin typeface="+mn-lt"/>
-                <a:ea typeface="+mn-ea"/>
-                <a:cs typeface="+mn-cs"/>
-              </a:defRPr>
-            </a:lvl8pPr>
-            <a:lvl9pPr marL="3657600" algn="l" defTabSz="914400" rtl="0" eaLnBrk="1" latinLnBrk="0" hangingPunct="1">
-              <a:defRPr sz="1800" kern="1200">
-                <a:solidFill>
-                  <a:schemeClr val="tx1"/>
-                </a:solidFill>
-                <a:latin typeface="+mn-lt"/>
-                <a:ea typeface="+mn-ea"/>
-                <a:cs typeface="+mn-cs"/>
-              </a:defRPr>
-            </a:lvl9pPr>
-          </a:lstStyle>
-          <a:p>
-            <a:r>
-              <a:rPr lang="en-US" dirty="0"/>
-              <a:t>GET /main.js</a:t>
-            </a:r>
-            <a:endParaRPr lang="he-IL" dirty="0"/>
-          </a:p>
-        </p:txBody>
-      </p:sp>
-      <p:sp>
-        <p:nvSpPr>
-          <p:cNvPr id="16" name="TextBox 33">
-            <a:extLst>
-              <a:ext uri="{FF2B5EF4-FFF2-40B4-BE49-F238E27FC236}">
-                <a16:creationId xmlns:a16="http://schemas.microsoft.com/office/drawing/2014/main" id="{AEA0F99B-9762-A188-61CD-BC82D6F72410}"/>
-              </a:ext>
-            </a:extLst>
-          </p:cNvPr>
-          <p:cNvSpPr txBox="1"/>
-          <p:nvPr/>
-        </p:nvSpPr>
-        <p:spPr>
-          <a:xfrm>
-            <a:off x="3566913" y="5181011"/>
-            <a:ext cx="918841" cy="369332"/>
-          </a:xfrm>
-          <a:prstGeom prst="rect">
-            <a:avLst/>
-          </a:prstGeom>
-          <a:noFill/>
-        </p:spPr>
-        <p:txBody>
-          <a:bodyPr wrap="none" rtlCol="1">
-            <a:spAutoFit/>
-          </a:bodyPr>
-          <a:lstStyle>
-            <a:defPPr>
-              <a:defRPr lang="he-IL"/>
-            </a:defPPr>
-            <a:lvl1pPr marL="0" algn="l" defTabSz="914400" rtl="0" eaLnBrk="1" latinLnBrk="0" hangingPunct="1">
-              <a:defRPr sz="1800" kern="1200">
-                <a:solidFill>
-                  <a:schemeClr val="tx1"/>
-                </a:solidFill>
-                <a:latin typeface="+mn-lt"/>
-                <a:ea typeface="+mn-ea"/>
-                <a:cs typeface="+mn-cs"/>
-              </a:defRPr>
-            </a:lvl1pPr>
-            <a:lvl2pPr marL="457200" algn="l" defTabSz="914400" rtl="0" eaLnBrk="1" latinLnBrk="0" hangingPunct="1">
-              <a:defRPr sz="1800" kern="1200">
-                <a:solidFill>
-                  <a:schemeClr val="tx1"/>
-                </a:solidFill>
-                <a:latin typeface="+mn-lt"/>
-                <a:ea typeface="+mn-ea"/>
-                <a:cs typeface="+mn-cs"/>
-              </a:defRPr>
-            </a:lvl2pPr>
-            <a:lvl3pPr marL="914400" algn="l" defTabSz="914400" rtl="0" eaLnBrk="1" latinLnBrk="0" hangingPunct="1">
-              <a:defRPr sz="1800" kern="1200">
-                <a:solidFill>
-                  <a:schemeClr val="tx1"/>
-                </a:solidFill>
-                <a:latin typeface="+mn-lt"/>
-                <a:ea typeface="+mn-ea"/>
-                <a:cs typeface="+mn-cs"/>
-              </a:defRPr>
-            </a:lvl3pPr>
-            <a:lvl4pPr marL="1371600" algn="l" defTabSz="914400" rtl="0" eaLnBrk="1" latinLnBrk="0" hangingPunct="1">
-              <a:defRPr sz="1800" kern="1200">
-                <a:solidFill>
-                  <a:schemeClr val="tx1"/>
-                </a:solidFill>
-                <a:latin typeface="+mn-lt"/>
-                <a:ea typeface="+mn-ea"/>
-                <a:cs typeface="+mn-cs"/>
-              </a:defRPr>
-            </a:lvl4pPr>
-            <a:lvl5pPr marL="1828800" algn="l" defTabSz="914400" rtl="0" eaLnBrk="1" latinLnBrk="0" hangingPunct="1">
-              <a:defRPr sz="1800" kern="1200">
-                <a:solidFill>
-                  <a:schemeClr val="tx1"/>
-                </a:solidFill>
-                <a:latin typeface="+mn-lt"/>
-                <a:ea typeface="+mn-ea"/>
-                <a:cs typeface="+mn-cs"/>
-              </a:defRPr>
-            </a:lvl5pPr>
-            <a:lvl6pPr marL="2286000" algn="l" defTabSz="914400" rtl="0" eaLnBrk="1" latinLnBrk="0" hangingPunct="1">
-              <a:defRPr sz="1800" kern="1200">
-                <a:solidFill>
-                  <a:schemeClr val="tx1"/>
-                </a:solidFill>
-                <a:latin typeface="+mn-lt"/>
-                <a:ea typeface="+mn-ea"/>
-                <a:cs typeface="+mn-cs"/>
-              </a:defRPr>
-            </a:lvl6pPr>
-            <a:lvl7pPr marL="2743200" algn="l" defTabSz="914400" rtl="0" eaLnBrk="1" latinLnBrk="0" hangingPunct="1">
-              <a:defRPr sz="1800" kern="1200">
-                <a:solidFill>
-                  <a:schemeClr val="tx1"/>
-                </a:solidFill>
-                <a:latin typeface="+mn-lt"/>
-                <a:ea typeface="+mn-ea"/>
-                <a:cs typeface="+mn-cs"/>
-              </a:defRPr>
-            </a:lvl7pPr>
-            <a:lvl8pPr marL="3200400" algn="l" defTabSz="914400" rtl="0" eaLnBrk="1" latinLnBrk="0" hangingPunct="1">
-              <a:defRPr sz="1800" kern="1200">
-                <a:solidFill>
-                  <a:schemeClr val="tx1"/>
-                </a:solidFill>
-                <a:latin typeface="+mn-lt"/>
-                <a:ea typeface="+mn-ea"/>
-                <a:cs typeface="+mn-cs"/>
-              </a:defRPr>
-            </a:lvl8pPr>
-            <a:lvl9pPr marL="3657600" algn="l" defTabSz="914400" rtl="0" eaLnBrk="1" latinLnBrk="0" hangingPunct="1">
-              <a:defRPr sz="1800" kern="1200">
-                <a:solidFill>
-                  <a:schemeClr val="tx1"/>
-                </a:solidFill>
-                <a:latin typeface="+mn-lt"/>
-                <a:ea typeface="+mn-ea"/>
-                <a:cs typeface="+mn-cs"/>
-              </a:defRPr>
-            </a:lvl9pPr>
-          </a:lstStyle>
-          <a:p>
-            <a:r>
-              <a:rPr lang="en-US" dirty="0"/>
-              <a:t>main.js</a:t>
-            </a:r>
-            <a:endParaRPr lang="he-IL" dirty="0"/>
-          </a:p>
-        </p:txBody>
-      </p:sp>
-      <p:pic>
-        <p:nvPicPr>
-          <p:cNvPr id="17" name="Picture 16" descr="A black background with a black square&#10;&#10;Description automatically generated with medium confidence">
-            <a:extLst>
-              <a:ext uri="{FF2B5EF4-FFF2-40B4-BE49-F238E27FC236}">
-                <a16:creationId xmlns:a16="http://schemas.microsoft.com/office/drawing/2014/main" id="{4BAF582A-FFB2-7B46-AC37-4851B2CDB026}"/>
-              </a:ext>
-            </a:extLst>
-          </p:cNvPr>
-          <p:cNvPicPr>
-            <a:picLocks noChangeAspect="1"/>
-          </p:cNvPicPr>
-          <p:nvPr/>
-        </p:nvPicPr>
-        <p:blipFill>
-          <a:blip r:embed="rId7">
-            <a:extLst>
-              <a:ext uri="{28A0092B-C50C-407E-A947-70E740481C1C}">
-                <a14:useLocalDpi xmlns:a14="http://schemas.microsoft.com/office/drawing/2010/main" val="0"/>
-              </a:ext>
-            </a:extLst>
-          </a:blip>
-          <a:stretch>
-            <a:fillRect/>
-          </a:stretch>
-        </p:blipFill>
-        <p:spPr>
-          <a:xfrm>
-            <a:off x="3370801" y="5237082"/>
-            <a:ext cx="250501" cy="250501"/>
-          </a:xfrm>
-          <a:prstGeom prst="rect">
-            <a:avLst/>
-          </a:prstGeom>
-        </p:spPr>
-      </p:pic>
+              <a:t>       </a:t>
+            </a:r>
+            <a:r>
+              <a:rPr lang="en-GB" sz="1000" dirty="0">
+                <a:solidFill>
+                  <a:schemeClr val="bg1"/>
+                </a:solidFill>
+                <a:effectLst/>
+                <a:latin typeface="Miriam Libre" pitchFamily="2" charset="-79"/>
+                <a:cs typeface="Miriam Libre" pitchFamily="2" charset="-79"/>
+              </a:rPr>
+              <a:t>Understanding Cross-Site Scripting (XSS)</a:t>
+            </a:r>
+          </a:p>
+        </p:txBody>
+      </p:sp>
     </p:spTree>
     <p:extLst>
       <p:ext uri="{BB962C8B-B14F-4D97-AF65-F5344CB8AC3E}">
-        <p14:creationId xmlns:p14="http://schemas.microsoft.com/office/powerpoint/2010/main" val="3822575714"/>
+        <p14:creationId xmlns:p14="http://schemas.microsoft.com/office/powerpoint/2010/main" val="1089048576"/>
       </p:ext>
     </p:extLst>
   </p:cSld>
@@ -11337,7 +13311,7 @@
           <a:lstStyle/>
           <a:p>
             <a:pPr marL="0" algn="ctr" defTabSz="914400" rtl="0" eaLnBrk="1" latinLnBrk="0" hangingPunct="1"/>
-            <a:endParaRPr lang="en-IL" dirty="0"/>
+            <a:endParaRPr lang="en-IL"/>
           </a:p>
         </p:txBody>
       </p:sp>
@@ -11396,8 +13370,8 @@
         </p:nvSpPr>
         <p:spPr>
           <a:xfrm>
-            <a:off x="707135" y="1432533"/>
-            <a:ext cx="10777729" cy="2412199"/>
+            <a:off x="542553" y="1273452"/>
+            <a:ext cx="10659948" cy="3666388"/>
           </a:xfrm>
           <a:prstGeom prst="rect">
             <a:avLst/>
@@ -11405,10 +13379,86 @@
           <a:noFill/>
         </p:spPr>
         <p:txBody>
-          <a:bodyPr wrap="square" rtlCol="0">
+          <a:bodyPr wrap="square" lIns="91440" tIns="45720" rIns="91440" bIns="45720" rtlCol="0" anchor="t">
             <a:spAutoFit/>
           </a:bodyPr>
           <a:lstStyle/>
+          <a:p>
+            <a:pPr marL="285750" indent="-285750">
+              <a:buFont typeface="Arial" panose="020B0604020202020204" pitchFamily="34" charset="0"/>
+              <a:buChar char="•"/>
+            </a:pPr>
+            <a:r>
+              <a:rPr lang="en-US" sz="3200">
+                <a:solidFill>
+                  <a:schemeClr val="bg1"/>
+                </a:solidFill>
+                <a:effectLst/>
+                <a:latin typeface="Miriam Libre"/>
+                <a:ea typeface="+mn-lt"/>
+                <a:cs typeface="Miriam Libre"/>
+              </a:rPr>
+              <a:t>The </a:t>
+            </a:r>
+            <a:r>
+              <a:rPr lang="en-US" sz="3200">
+                <a:solidFill>
+                  <a:schemeClr val="bg1"/>
+                </a:solidFill>
+                <a:latin typeface="Miriam Libre"/>
+                <a:ea typeface="+mn-lt"/>
+                <a:cs typeface="Miriam Libre"/>
+              </a:rPr>
+              <a:t>process of exploiting vulnerabilities in web applications.</a:t>
+            </a:r>
+            <a:endParaRPr lang="en-US">
+              <a:solidFill>
+                <a:schemeClr val="bg1"/>
+              </a:solidFill>
+              <a:latin typeface="Aptos" panose="02110004020202020204"/>
+              <a:ea typeface="+mn-lt"/>
+              <a:cs typeface="Miriam Libre"/>
+            </a:endParaRPr>
+          </a:p>
+          <a:p>
+            <a:pPr marL="285750" indent="-285750">
+              <a:buFont typeface="Arial" panose="020B0604020202020204" pitchFamily="34" charset="0"/>
+              <a:buChar char="•"/>
+            </a:pPr>
+            <a:endParaRPr lang="en-US" sz="3200">
+              <a:solidFill>
+                <a:schemeClr val="bg1"/>
+              </a:solidFill>
+              <a:effectLst/>
+              <a:latin typeface="Miriam Libre" pitchFamily="2" charset="-79"/>
+              <a:cs typeface="Miriam Libre" pitchFamily="2" charset="-79"/>
+            </a:endParaRPr>
+          </a:p>
+          <a:p>
+            <a:pPr marL="285750" indent="-285750">
+              <a:buFont typeface="Arial" panose="020B0604020202020204" pitchFamily="34" charset="0"/>
+              <a:buChar char="•"/>
+            </a:pPr>
+            <a:r>
+              <a:rPr lang="en-US" sz="3200">
+                <a:solidFill>
+                  <a:schemeClr val="bg1"/>
+                </a:solidFill>
+                <a:latin typeface="Miriam Libre"/>
+                <a:ea typeface="+mn-lt"/>
+                <a:cs typeface="Miriam Libre"/>
+              </a:rPr>
+              <a:t>A major risk to data integrity, privacy, and user trust.</a:t>
+            </a:r>
+            <a:endParaRPr lang="en-US" sz="3200">
+              <a:solidFill>
+                <a:schemeClr val="bg1"/>
+              </a:solidFill>
+              <a:effectLst/>
+              <a:latin typeface="Miriam Libre" pitchFamily="2" charset="-79"/>
+              <a:cs typeface="Miriam Libre" pitchFamily="2" charset="-79"/>
+            </a:endParaRPr>
+          </a:p>
           <a:p>
             <a:pPr marL="285750" indent="-285750">
               <a:lnSpc>
@@ -11417,211 +13467,26 @@
               <a:buFont typeface="Arial" panose="020B0604020202020204" pitchFamily="34" charset="0"/>
               <a:buChar char="•"/>
             </a:pPr>
-            <a:r>
-              <a:rPr lang="en-US" sz="2400" dirty="0">
-                <a:solidFill>
-                  <a:schemeClr val="bg1"/>
-                </a:solidFill>
-                <a:effectLst/>
-                <a:latin typeface="Miriam Libre" pitchFamily="2" charset="-79"/>
-                <a:cs typeface="Miriam Libre" pitchFamily="2" charset="-79"/>
-              </a:rPr>
-              <a:t>The main protocol for communication with web servers</a:t>
-            </a:r>
-          </a:p>
-          <a:p>
-            <a:pPr marL="285750" indent="-285750">
-              <a:lnSpc>
-                <a:spcPct val="150000"/>
-              </a:lnSpc>
-              <a:buFont typeface="Arial" panose="020B0604020202020204" pitchFamily="34" charset="0"/>
-              <a:buChar char="•"/>
-            </a:pPr>
-            <a:r>
-              <a:rPr lang="en-US" sz="2400" dirty="0">
-                <a:solidFill>
-                  <a:schemeClr val="bg1"/>
-                </a:solidFill>
-                <a:latin typeface="Miriam Libre" pitchFamily="2" charset="-79"/>
-                <a:cs typeface="Miriam Libre" pitchFamily="2" charset="-79"/>
-              </a:rPr>
-              <a:t>Basic aspects:</a:t>
-            </a:r>
-          </a:p>
-          <a:p>
-            <a:pPr marL="742950" lvl="1" indent="-285750">
-              <a:lnSpc>
-                <a:spcPct val="150000"/>
-              </a:lnSpc>
-              <a:buFont typeface="Arial" panose="020B0604020202020204" pitchFamily="34" charset="0"/>
-              <a:buChar char="•"/>
-            </a:pPr>
-            <a:r>
-              <a:rPr lang="en-US" dirty="0">
-                <a:solidFill>
-                  <a:schemeClr val="bg1"/>
-                </a:solidFill>
-                <a:effectLst/>
-                <a:latin typeface="Miriam Libre" pitchFamily="2" charset="-79"/>
-                <a:cs typeface="Miriam Libre" pitchFamily="2" charset="-79"/>
-              </a:rPr>
-              <a:t>Client sends </a:t>
-            </a:r>
-            <a:r>
-              <a:rPr lang="en-US" b="1" dirty="0">
-                <a:solidFill>
-                  <a:schemeClr val="bg1"/>
-                </a:solidFill>
-                <a:effectLst/>
-                <a:latin typeface="Miriam Libre" pitchFamily="2" charset="-79"/>
-                <a:cs typeface="Miriam Libre" pitchFamily="2" charset="-79"/>
-              </a:rPr>
-              <a:t>HTTP request</a:t>
-            </a:r>
-            <a:r>
-              <a:rPr lang="en-US" dirty="0">
-                <a:solidFill>
-                  <a:schemeClr val="bg1"/>
-                </a:solidFill>
-                <a:effectLst/>
-                <a:latin typeface="Miriam Libre" pitchFamily="2" charset="-79"/>
-                <a:cs typeface="Miriam Libre" pitchFamily="2" charset="-79"/>
-              </a:rPr>
-              <a:t> </a:t>
-            </a:r>
-            <a:r>
-              <a:rPr lang="en-US" dirty="0">
-                <a:solidFill>
-                  <a:schemeClr val="bg1"/>
-                </a:solidFill>
-                <a:effectLst/>
-                <a:latin typeface="Miriam Libre" pitchFamily="2" charset="-79"/>
-                <a:cs typeface="Miriam Libre" pitchFamily="2" charset="-79"/>
-                <a:sym typeface="Wingdings" panose="05000000000000000000" pitchFamily="2" charset="2"/>
-              </a:rPr>
-              <a:t> </a:t>
-            </a:r>
-            <a:r>
-              <a:rPr lang="en-US" dirty="0">
-                <a:solidFill>
-                  <a:schemeClr val="bg1"/>
-                </a:solidFill>
-                <a:latin typeface="Miriam Libre" pitchFamily="2" charset="-79"/>
-                <a:cs typeface="Miriam Libre" pitchFamily="2" charset="-79"/>
-                <a:sym typeface="Wingdings" panose="05000000000000000000" pitchFamily="2" charset="2"/>
-              </a:rPr>
-              <a:t>server sends </a:t>
-            </a:r>
-            <a:r>
-              <a:rPr lang="en-US" b="1" dirty="0">
-                <a:solidFill>
-                  <a:schemeClr val="bg1"/>
-                </a:solidFill>
-                <a:latin typeface="Miriam Libre" pitchFamily="2" charset="-79"/>
-                <a:cs typeface="Miriam Libre" pitchFamily="2" charset="-79"/>
-                <a:sym typeface="Wingdings" panose="05000000000000000000" pitchFamily="2" charset="2"/>
-              </a:rPr>
-              <a:t>HTTP response</a:t>
-            </a:r>
-          </a:p>
-          <a:p>
-            <a:pPr marL="742950" lvl="1" indent="-285750">
-              <a:lnSpc>
-                <a:spcPct val="150000"/>
-              </a:lnSpc>
-              <a:buFont typeface="Arial" panose="020B0604020202020204" pitchFamily="34" charset="0"/>
-              <a:buChar char="•"/>
-            </a:pPr>
-            <a:r>
-              <a:rPr lang="en-US" dirty="0">
-                <a:solidFill>
-                  <a:schemeClr val="bg1"/>
-                </a:solidFill>
-                <a:effectLst/>
-                <a:latin typeface="Miriam Libre" pitchFamily="2" charset="-79"/>
-                <a:cs typeface="Miriam Libre" pitchFamily="2" charset="-79"/>
-                <a:sym typeface="Wingdings" panose="05000000000000000000" pitchFamily="2" charset="2"/>
-              </a:rPr>
-              <a:t>HTTP is stateless</a:t>
-            </a:r>
-            <a:endParaRPr lang="en-US" dirty="0">
+            <a:endParaRPr lang="en-US" sz="3200">
               <a:solidFill>
                 <a:schemeClr val="bg1"/>
               </a:solidFill>
               <a:latin typeface="Miriam Libre" pitchFamily="2" charset="-79"/>
               <a:cs typeface="Miriam Libre" pitchFamily="2" charset="-79"/>
-              <a:sym typeface="Wingdings" panose="05000000000000000000" pitchFamily="2" charset="2"/>
             </a:endParaRPr>
           </a:p>
           <a:p>
-            <a:pPr marL="742950" lvl="1" indent="-285750">
+            <a:pPr marL="285750" indent="-285750">
               <a:lnSpc>
-                <a:spcPct val="150000"/>
+                <a:spcPts val="2560"/>
               </a:lnSpc>
               <a:buFont typeface="Arial" panose="020B0604020202020204" pitchFamily="34" charset="0"/>
               <a:buChar char="•"/>
             </a:pPr>
-            <a:r>
-              <a:rPr lang="en-US" dirty="0">
-                <a:solidFill>
-                  <a:schemeClr val="bg1"/>
-                </a:solidFill>
-                <a:effectLst/>
-                <a:latin typeface="Miriam Libre" pitchFamily="2" charset="-79"/>
-                <a:cs typeface="Miriam Libre" pitchFamily="2" charset="-79"/>
-                <a:sym typeface="Wingdings" panose="05000000000000000000" pitchFamily="2" charset="2"/>
-              </a:rPr>
-              <a:t>Requests and </a:t>
-            </a:r>
-            <a:r>
-              <a:rPr lang="en-US" dirty="0">
-                <a:solidFill>
-                  <a:schemeClr val="bg1"/>
-                </a:solidFill>
-                <a:latin typeface="Miriam Libre" pitchFamily="2" charset="-79"/>
-                <a:cs typeface="Miriam Libre" pitchFamily="2" charset="-79"/>
-                <a:sym typeface="Wingdings" panose="05000000000000000000" pitchFamily="2" charset="2"/>
-              </a:rPr>
-              <a:t>responses have </a:t>
-            </a:r>
-            <a:r>
-              <a:rPr lang="en-US" b="1" dirty="0">
-                <a:solidFill>
-                  <a:schemeClr val="bg1"/>
-                </a:solidFill>
-                <a:latin typeface="Miriam Libre" pitchFamily="2" charset="-79"/>
-                <a:cs typeface="Miriam Libre" pitchFamily="2" charset="-79"/>
-                <a:sym typeface="Wingdings" panose="05000000000000000000" pitchFamily="2" charset="2"/>
-              </a:rPr>
-              <a:t>headers</a:t>
-            </a:r>
-            <a:r>
-              <a:rPr lang="en-US" dirty="0">
-                <a:solidFill>
-                  <a:schemeClr val="bg1"/>
-                </a:solidFill>
-                <a:latin typeface="Miriam Libre" pitchFamily="2" charset="-79"/>
-                <a:cs typeface="Miriam Libre" pitchFamily="2" charset="-79"/>
-                <a:sym typeface="Wingdings" panose="05000000000000000000" pitchFamily="2" charset="2"/>
-              </a:rPr>
-              <a:t> and </a:t>
-            </a:r>
-            <a:r>
-              <a:rPr lang="en-US" b="1" dirty="0">
-                <a:solidFill>
-                  <a:schemeClr val="bg1"/>
-                </a:solidFill>
-                <a:latin typeface="Miriam Libre" pitchFamily="2" charset="-79"/>
-                <a:cs typeface="Miriam Libre" pitchFamily="2" charset="-79"/>
-                <a:sym typeface="Wingdings" panose="05000000000000000000" pitchFamily="2" charset="2"/>
-              </a:rPr>
-              <a:t>body</a:t>
-            </a:r>
-            <a:endParaRPr lang="he-IL" dirty="0">
+            <a:endParaRPr lang="en-US" sz="3200">
               <a:solidFill>
                 <a:schemeClr val="bg1"/>
               </a:solidFill>
-              <a:effectLst/>
               <a:latin typeface="Miriam Libre" pitchFamily="2" charset="-79"/>
               <a:cs typeface="Miriam Libre" pitchFamily="2" charset="-79"/>
             </a:endParaRPr>
@@ -11671,8 +13536,8 @@
         </p:nvSpPr>
         <p:spPr>
           <a:xfrm>
-            <a:off x="707135" y="576675"/>
-            <a:ext cx="7136374" cy="600164"/>
+            <a:off x="562745" y="297371"/>
+            <a:ext cx="9036154" cy="830997"/>
           </a:xfrm>
           <a:prstGeom prst="rect">
             <a:avLst/>
@@ -11680,14 +13545,63 @@
           <a:noFill/>
         </p:spPr>
         <p:txBody>
-          <a:bodyPr wrap="square" rtlCol="0">
+          <a:bodyPr wrap="square" lIns="91440" tIns="45720" rIns="91440" bIns="45720" rtlCol="0" anchor="t">
             <a:spAutoFit/>
           </a:bodyPr>
           <a:lstStyle/>
           <a:p>
-            <a:pPr algn="l"/>
-            <a:r>
-              <a:rPr lang="en-US" sz="3300" b="1" dirty="0">
+            <a:r>
+              <a:rPr lang="en-US" sz="4800" b="1">
+                <a:solidFill>
+                  <a:srgbClr val="E2FE21"/>
+                </a:solidFill>
+                <a:latin typeface="Miriam Libre"/>
+                <a:cs typeface="Miriam Libre"/>
+              </a:rPr>
+              <a:t>What is Web Exploitation?</a:t>
+            </a:r>
+            <a:endParaRPr lang="he-IL" sz="4800" b="1">
+              <a:solidFill>
+                <a:srgbClr val="E2FE21"/>
+              </a:solidFill>
+              <a:effectLst/>
+              <a:latin typeface="Miriam Libre"/>
+              <a:cs typeface="Miriam Libre"/>
+            </a:endParaRPr>
+          </a:p>
+        </p:txBody>
+      </p:sp>
+      <p:sp>
+        <p:nvSpPr>
+          <p:cNvPr id="12" name="TextBox 11">
+            <a:extLst>
+              <a:ext uri="{FF2B5EF4-FFF2-40B4-BE49-F238E27FC236}">
+                <a16:creationId xmlns:a16="http://schemas.microsoft.com/office/drawing/2014/main" id="{8DB64316-BED0-E985-D34B-5228710A02F8}"/>
+              </a:ext>
+            </a:extLst>
+          </p:cNvPr>
+          <p:cNvSpPr txBox="1"/>
+          <p:nvPr/>
+        </p:nvSpPr>
+        <p:spPr>
+          <a:xfrm>
+            <a:off x="707135" y="6373039"/>
+            <a:ext cx="6097218" cy="246221"/>
+          </a:xfrm>
+          <a:prstGeom prst="rect">
+            <a:avLst/>
+          </a:prstGeom>
+          <a:noFill/>
+        </p:spPr>
+        <p:txBody>
+          <a:bodyPr wrap="square">
+            <a:spAutoFit/>
+          </a:bodyPr>
+          <a:lstStyle/>
+          <a:p>
+            <a:pPr marL="0" defTabSz="914400" eaLnBrk="1" latinLnBrk="0" hangingPunct="1"/>
+            <a:r>
+              <a:rPr lang="en-US" sz="1000">
                 <a:solidFill>
                   <a:srgbClr val="E2FE21"/>
                 </a:solidFill>
@@ -11695,71 +13609,20 @@
                 <a:latin typeface="Miriam Libre" pitchFamily="2" charset="-79"/>
                 <a:cs typeface="Miriam Libre" pitchFamily="2" charset="-79"/>
               </a:rPr>
-              <a:t>HTTP</a:t>
-            </a:r>
-            <a:endParaRPr lang="he-IL" sz="3300" b="1" dirty="0">
-              <a:solidFill>
-                <a:srgbClr val="E2FE21"/>
-              </a:solidFill>
-              <a:effectLst/>
-              <a:latin typeface="Miriam Libre" pitchFamily="2" charset="-79"/>
-              <a:cs typeface="Miriam Libre" pitchFamily="2" charset="-79"/>
-            </a:endParaRPr>
-          </a:p>
-        </p:txBody>
-      </p:sp>
-      <p:sp>
-        <p:nvSpPr>
-          <p:cNvPr id="12" name="TextBox 11">
-            <a:extLst>
-              <a:ext uri="{FF2B5EF4-FFF2-40B4-BE49-F238E27FC236}">
-                <a16:creationId xmlns:a16="http://schemas.microsoft.com/office/drawing/2014/main" id="{8DB64316-BED0-E985-D34B-5228710A02F8}"/>
-              </a:ext>
-            </a:extLst>
-          </p:cNvPr>
-          <p:cNvSpPr txBox="1"/>
-          <p:nvPr/>
-        </p:nvSpPr>
-        <p:spPr>
-          <a:xfrm>
-            <a:off x="707135" y="6373039"/>
-            <a:ext cx="6097218" cy="246221"/>
-          </a:xfrm>
-          <a:prstGeom prst="rect">
-            <a:avLst/>
-          </a:prstGeom>
-          <a:noFill/>
-        </p:spPr>
-        <p:txBody>
-          <a:bodyPr wrap="square">
-            <a:spAutoFit/>
-          </a:bodyPr>
-          <a:lstStyle/>
-          <a:p>
-            <a:pPr marL="0" defTabSz="914400" eaLnBrk="1" latinLnBrk="0" hangingPunct="1"/>
-            <a:r>
-              <a:rPr lang="en-US" sz="1000" dirty="0">
-                <a:solidFill>
-                  <a:srgbClr val="E2FE21"/>
+              <a:t>01</a:t>
+            </a:r>
+            <a:r>
+              <a:rPr lang="en-US" sz="1000">
+                <a:solidFill>
+                  <a:schemeClr val="bg1"/>
                 </a:solidFill>
                 <a:effectLst/>
                 <a:latin typeface="Miriam Libre" pitchFamily="2" charset="-79"/>
                 <a:cs typeface="Miriam Libre" pitchFamily="2" charset="-79"/>
               </a:rPr>
-              <a:t>02</a:t>
-            </a:r>
-            <a:r>
-              <a:rPr lang="en-US" sz="1000" dirty="0">
-                <a:solidFill>
-                  <a:schemeClr val="bg1"/>
-                </a:solidFill>
-                <a:effectLst/>
-                <a:latin typeface="Miriam Libre" pitchFamily="2" charset="-79"/>
-                <a:cs typeface="Miriam Libre" pitchFamily="2" charset="-79"/>
-              </a:rPr>
-              <a:t>       Web Exploitation</a:t>
-            </a:r>
-            <a:endParaRPr lang="en-IL" sz="1000" dirty="0">
+              <a:t>       Introduction</a:t>
+            </a:r>
+            <a:endParaRPr lang="en-IL" sz="1000">
               <a:solidFill>
                 <a:schemeClr val="bg1"/>
               </a:solidFill>
@@ -11769,10 +13632,40 @@
           </a:p>
         </p:txBody>
       </p:sp>
+      <p:pic>
+        <p:nvPicPr>
+          <p:cNvPr id="2" name="Picture 1" descr="Web Hacking: Become a Professional Web Pentester | Udemy">
+            <a:extLst>
+              <a:ext uri="{FF2B5EF4-FFF2-40B4-BE49-F238E27FC236}">
+                <a16:creationId xmlns:a16="http://schemas.microsoft.com/office/drawing/2014/main" id="{7229D2DF-BE34-BB50-9AB7-8D79E68D27E5}"/>
+              </a:ext>
+            </a:extLst>
+          </p:cNvPr>
+          <p:cNvPicPr>
+            <a:picLocks noChangeAspect="1"/>
+          </p:cNvPicPr>
+          <p:nvPr/>
+        </p:nvPicPr>
+        <p:blipFill>
+          <a:blip r:embed="rId5"/>
+          <a:stretch>
+            <a:fillRect/>
+          </a:stretch>
+        </p:blipFill>
+        <p:spPr>
+          <a:xfrm>
+            <a:off x="7256930" y="3553717"/>
+            <a:ext cx="4401670" cy="2529624"/>
+          </a:xfrm>
+          <a:prstGeom prst="rect">
+            <a:avLst/>
+          </a:prstGeom>
+        </p:spPr>
+      </p:pic>
     </p:spTree>
     <p:extLst>
       <p:ext uri="{BB962C8B-B14F-4D97-AF65-F5344CB8AC3E}">
-        <p14:creationId xmlns:p14="http://schemas.microsoft.com/office/powerpoint/2010/main" val="1089048576"/>
+        <p14:creationId xmlns:p14="http://schemas.microsoft.com/office/powerpoint/2010/main" val="1524253978"/>
       </p:ext>
     </p:extLst>
   </p:cSld>
@@ -11879,7 +13772,7 @@
           <a:lstStyle/>
           <a:p>
             <a:pPr marL="0" algn="ctr" defTabSz="914400" rtl="0" eaLnBrk="1" latinLnBrk="0" hangingPunct="1"/>
-            <a:endParaRPr lang="en-IL" dirty="0"/>
+            <a:endParaRPr lang="en-IL"/>
           </a:p>
         </p:txBody>
       </p:sp>
@@ -11924,219 +13817,6 @@
           </a:fontRef>
         </p:style>
       </p:cxnSp>
-      <p:sp>
-        <p:nvSpPr>
-          <p:cNvPr id="8" name="TextBox 7">
-            <a:extLst>
-              <a:ext uri="{FF2B5EF4-FFF2-40B4-BE49-F238E27FC236}">
-                <a16:creationId xmlns:a16="http://schemas.microsoft.com/office/drawing/2014/main" id="{9E2D4994-61E5-995F-BDA0-2FC0F1B87884}"/>
-              </a:ext>
-            </a:extLst>
-          </p:cNvPr>
-          <p:cNvSpPr txBox="1"/>
-          <p:nvPr/>
-        </p:nvSpPr>
-        <p:spPr>
-          <a:xfrm>
-            <a:off x="707135" y="1432533"/>
-            <a:ext cx="10777729" cy="2966197"/>
-          </a:xfrm>
-          <a:prstGeom prst="rect">
-            <a:avLst/>
-          </a:prstGeom>
-          <a:noFill/>
-        </p:spPr>
-        <p:txBody>
-          <a:bodyPr wrap="square" rtlCol="0">
-            <a:spAutoFit/>
-          </a:bodyPr>
-          <a:lstStyle/>
-          <a:p>
-            <a:pPr marL="285750" indent="-285750">
-              <a:lnSpc>
-                <a:spcPct val="150000"/>
-              </a:lnSpc>
-              <a:buFont typeface="Arial" panose="020B0604020202020204" pitchFamily="34" charset="0"/>
-              <a:buChar char="•"/>
-            </a:pPr>
-            <a:r>
-              <a:rPr lang="en-US" sz="2400" dirty="0">
-                <a:solidFill>
-                  <a:schemeClr val="bg1"/>
-                </a:solidFill>
-                <a:effectLst/>
-                <a:latin typeface="Miriam Libre" pitchFamily="2" charset="-79"/>
-                <a:cs typeface="Miriam Libre" pitchFamily="2" charset="-79"/>
-              </a:rPr>
-              <a:t>All modern web browsers have a feature called </a:t>
-            </a:r>
-            <a:r>
-              <a:rPr lang="en-US" sz="2400" b="1" dirty="0">
-                <a:solidFill>
-                  <a:schemeClr val="bg1"/>
-                </a:solidFill>
-                <a:effectLst/>
-                <a:latin typeface="Miriam Libre" pitchFamily="2" charset="-79"/>
-                <a:cs typeface="Miriam Libre" pitchFamily="2" charset="-79"/>
-              </a:rPr>
-              <a:t>Developer Tools</a:t>
-            </a:r>
-            <a:endParaRPr lang="en-US" sz="2400" dirty="0">
-              <a:solidFill>
-                <a:schemeClr val="bg1"/>
-              </a:solidFill>
-              <a:effectLst/>
-              <a:latin typeface="Miriam Libre" pitchFamily="2" charset="-79"/>
-              <a:cs typeface="Miriam Libre" pitchFamily="2" charset="-79"/>
-            </a:endParaRPr>
-          </a:p>
-          <a:p>
-            <a:pPr marL="285750" indent="-285750">
-              <a:lnSpc>
-                <a:spcPct val="150000"/>
-              </a:lnSpc>
-              <a:buFont typeface="Arial" panose="020B0604020202020204" pitchFamily="34" charset="0"/>
-              <a:buChar char="•"/>
-            </a:pPr>
-            <a:r>
-              <a:rPr lang="en-US" sz="2400" dirty="0">
-                <a:solidFill>
-                  <a:schemeClr val="bg1"/>
-                </a:solidFill>
-                <a:latin typeface="Miriam Libre" pitchFamily="2" charset="-79"/>
-                <a:cs typeface="Miriam Libre" pitchFamily="2" charset="-79"/>
-              </a:rPr>
-              <a:t>Accessible with F12</a:t>
-            </a:r>
-          </a:p>
-          <a:p>
-            <a:pPr marL="285750" indent="-285750">
-              <a:lnSpc>
-                <a:spcPct val="150000"/>
-              </a:lnSpc>
-              <a:buFont typeface="Arial" panose="020B0604020202020204" pitchFamily="34" charset="0"/>
-              <a:buChar char="•"/>
-            </a:pPr>
-            <a:r>
-              <a:rPr lang="en-US" sz="2400" dirty="0">
-                <a:solidFill>
-                  <a:schemeClr val="bg1"/>
-                </a:solidFill>
-                <a:latin typeface="Miriam Libre" pitchFamily="2" charset="-79"/>
-                <a:cs typeface="Miriam Libre" pitchFamily="2" charset="-79"/>
-              </a:rPr>
-              <a:t>Some of its capabilities:</a:t>
-            </a:r>
-          </a:p>
-          <a:p>
-            <a:pPr marL="742950" lvl="1" indent="-285750">
-              <a:lnSpc>
-                <a:spcPct val="150000"/>
-              </a:lnSpc>
-              <a:buFont typeface="Arial" panose="020B0604020202020204" pitchFamily="34" charset="0"/>
-              <a:buChar char="•"/>
-            </a:pPr>
-            <a:r>
-              <a:rPr lang="en-US" b="1" dirty="0">
-                <a:solidFill>
-                  <a:schemeClr val="bg1"/>
-                </a:solidFill>
-                <a:effectLst/>
-                <a:latin typeface="Miriam Libre" pitchFamily="2" charset="-79"/>
-                <a:cs typeface="Miriam Libre" pitchFamily="2" charset="-79"/>
-              </a:rPr>
-              <a:t>Inspector</a:t>
-            </a:r>
-            <a:r>
-              <a:rPr lang="en-US" dirty="0">
-                <a:solidFill>
-                  <a:schemeClr val="bg1"/>
-                </a:solidFill>
-                <a:effectLst/>
-                <a:latin typeface="Miriam Libre" pitchFamily="2" charset="-79"/>
-                <a:cs typeface="Miriam Libre" pitchFamily="2" charset="-79"/>
-              </a:rPr>
-              <a:t> – inspect a website’s files (HTML, CSS, JS</a:t>
-            </a:r>
-            <a:r>
-              <a:rPr lang="en-US" dirty="0">
-                <a:solidFill>
-                  <a:schemeClr val="bg1"/>
-                </a:solidFill>
-                <a:latin typeface="Miriam Libre" pitchFamily="2" charset="-79"/>
-                <a:cs typeface="Miriam Libre" pitchFamily="2" charset="-79"/>
-              </a:rPr>
-              <a:t>, …)</a:t>
-            </a:r>
-          </a:p>
-          <a:p>
-            <a:pPr marL="742950" lvl="1" indent="-285750">
-              <a:lnSpc>
-                <a:spcPct val="150000"/>
-              </a:lnSpc>
-              <a:buFont typeface="Arial" panose="020B0604020202020204" pitchFamily="34" charset="0"/>
-              <a:buChar char="•"/>
-            </a:pPr>
-            <a:r>
-              <a:rPr lang="en-US" b="1" dirty="0">
-                <a:solidFill>
-                  <a:schemeClr val="bg1"/>
-                </a:solidFill>
-                <a:latin typeface="Miriam Libre" pitchFamily="2" charset="-79"/>
-                <a:cs typeface="Miriam Libre" pitchFamily="2" charset="-79"/>
-              </a:rPr>
-              <a:t>Network</a:t>
-            </a:r>
-            <a:r>
-              <a:rPr lang="en-US" dirty="0">
-                <a:solidFill>
-                  <a:schemeClr val="bg1"/>
-                </a:solidFill>
-                <a:latin typeface="Miriam Libre" pitchFamily="2" charset="-79"/>
-                <a:cs typeface="Miriam Libre" pitchFamily="2" charset="-79"/>
-              </a:rPr>
-              <a:t> – analyze HTTP requests and responses</a:t>
-            </a:r>
-          </a:p>
-          <a:p>
-            <a:pPr marL="742950" lvl="1" indent="-285750">
-              <a:lnSpc>
-                <a:spcPct val="150000"/>
-              </a:lnSpc>
-              <a:buFont typeface="Arial" panose="020B0604020202020204" pitchFamily="34" charset="0"/>
-              <a:buChar char="•"/>
-            </a:pPr>
-            <a:r>
-              <a:rPr lang="en-US" b="1" dirty="0">
-                <a:solidFill>
-                  <a:schemeClr val="bg1"/>
-                </a:solidFill>
-                <a:latin typeface="Miriam Libre" pitchFamily="2" charset="-79"/>
-                <a:cs typeface="Miriam Libre" pitchFamily="2" charset="-79"/>
-              </a:rPr>
-              <a:t>Storage</a:t>
-            </a:r>
-            <a:r>
-              <a:rPr lang="en-US" dirty="0">
-                <a:solidFill>
-                  <a:schemeClr val="bg1"/>
-                </a:solidFill>
-                <a:latin typeface="Miriam Libre" pitchFamily="2" charset="-79"/>
-                <a:cs typeface="Miriam Libre" pitchFamily="2" charset="-79"/>
-              </a:rPr>
-              <a:t> – read/modify information that the browser stores </a:t>
-            </a:r>
-            <a:endParaRPr lang="he-IL" b="1" dirty="0">
-              <a:solidFill>
-                <a:schemeClr val="bg1"/>
-              </a:solidFill>
-              <a:effectLst/>
-              <a:latin typeface="Miriam Libre" pitchFamily="2" charset="-79"/>
-              <a:cs typeface="Miriam Libre" pitchFamily="2" charset="-79"/>
-            </a:endParaRPr>
-          </a:p>
-        </p:txBody>
-      </p:sp>
       <p:pic>
         <p:nvPicPr>
           <p:cNvPr id="11" name="Picture 10">
@@ -12180,8 +13860,8 @@
         </p:nvSpPr>
         <p:spPr>
           <a:xfrm>
-            <a:off x="707135" y="576675"/>
-            <a:ext cx="7136374" cy="600164"/>
+            <a:off x="604498" y="297371"/>
+            <a:ext cx="11016714" cy="707886"/>
           </a:xfrm>
           <a:prstGeom prst="rect">
             <a:avLst/>
@@ -12189,14 +13869,57 @@
           <a:noFill/>
         </p:spPr>
         <p:txBody>
-          <a:bodyPr wrap="square" rtlCol="0">
+          <a:bodyPr wrap="square" lIns="91440" tIns="45720" rIns="91440" bIns="45720" rtlCol="0" anchor="t">
             <a:spAutoFit/>
           </a:bodyPr>
           <a:lstStyle/>
           <a:p>
-            <a:pPr algn="l"/>
-            <a:r>
-              <a:rPr lang="en-US" sz="3300" b="1" dirty="0">
+            <a:r>
+              <a:rPr lang="en-US" sz="4000" b="1">
+                <a:solidFill>
+                  <a:srgbClr val="E2FE21"/>
+                </a:solidFill>
+                <a:latin typeface="Miriam Libre"/>
+                <a:ea typeface="+mn-lt"/>
+                <a:cs typeface="Miriam Libre"/>
+              </a:rPr>
+              <a:t>Common Web Exploitation Techniques</a:t>
+            </a:r>
+            <a:endParaRPr lang="en-US" sz="4000"/>
+          </a:p>
+        </p:txBody>
+      </p:sp>
+      <p:sp>
+        <p:nvSpPr>
+          <p:cNvPr id="12" name="TextBox 11">
+            <a:extLst>
+              <a:ext uri="{FF2B5EF4-FFF2-40B4-BE49-F238E27FC236}">
+                <a16:creationId xmlns:a16="http://schemas.microsoft.com/office/drawing/2014/main" id="{8DB64316-BED0-E985-D34B-5228710A02F8}"/>
+              </a:ext>
+            </a:extLst>
+          </p:cNvPr>
+          <p:cNvSpPr txBox="1"/>
+          <p:nvPr/>
+        </p:nvSpPr>
+        <p:spPr>
+          <a:xfrm>
+            <a:off x="707135" y="6373039"/>
+            <a:ext cx="6097218" cy="246221"/>
+          </a:xfrm>
+          <a:prstGeom prst="rect">
+            <a:avLst/>
+          </a:prstGeom>
+          <a:noFill/>
+        </p:spPr>
+        <p:txBody>
+          <a:bodyPr wrap="square">
+            <a:spAutoFit/>
+          </a:bodyPr>
+          <a:lstStyle/>
+          <a:p>
+            <a:pPr marL="0" defTabSz="914400" eaLnBrk="1" latinLnBrk="0" hangingPunct="1"/>
+            <a:r>
+              <a:rPr lang="en-US" sz="1000">
                 <a:solidFill>
                   <a:srgbClr val="E2FE21"/>
                 </a:solidFill>
@@ -12204,71 +13927,20 @@
                 <a:latin typeface="Miriam Libre" pitchFamily="2" charset="-79"/>
                 <a:cs typeface="Miriam Libre" pitchFamily="2" charset="-79"/>
               </a:rPr>
-              <a:t>Developer Tools</a:t>
-            </a:r>
-            <a:endParaRPr lang="he-IL" sz="3300" b="1" dirty="0">
-              <a:solidFill>
-                <a:srgbClr val="E2FE21"/>
-              </a:solidFill>
-              <a:effectLst/>
-              <a:latin typeface="Miriam Libre" pitchFamily="2" charset="-79"/>
-              <a:cs typeface="Miriam Libre" pitchFamily="2" charset="-79"/>
-            </a:endParaRPr>
-          </a:p>
-        </p:txBody>
-      </p:sp>
-      <p:sp>
-        <p:nvSpPr>
-          <p:cNvPr id="12" name="TextBox 11">
-            <a:extLst>
-              <a:ext uri="{FF2B5EF4-FFF2-40B4-BE49-F238E27FC236}">
-                <a16:creationId xmlns:a16="http://schemas.microsoft.com/office/drawing/2014/main" id="{8DB64316-BED0-E985-D34B-5228710A02F8}"/>
-              </a:ext>
-            </a:extLst>
-          </p:cNvPr>
-          <p:cNvSpPr txBox="1"/>
-          <p:nvPr/>
-        </p:nvSpPr>
-        <p:spPr>
-          <a:xfrm>
-            <a:off x="707135" y="6373039"/>
-            <a:ext cx="6097218" cy="246221"/>
-          </a:xfrm>
-          <a:prstGeom prst="rect">
-            <a:avLst/>
-          </a:prstGeom>
-          <a:noFill/>
-        </p:spPr>
-        <p:txBody>
-          <a:bodyPr wrap="square">
-            <a:spAutoFit/>
-          </a:bodyPr>
-          <a:lstStyle/>
-          <a:p>
-            <a:pPr marL="0" defTabSz="914400" eaLnBrk="1" latinLnBrk="0" hangingPunct="1"/>
-            <a:r>
-              <a:rPr lang="en-US" sz="1000" dirty="0">
-                <a:solidFill>
-                  <a:srgbClr val="E2FE21"/>
+              <a:t>01</a:t>
+            </a:r>
+            <a:r>
+              <a:rPr lang="en-US" sz="1000">
+                <a:solidFill>
+                  <a:schemeClr val="bg1"/>
                 </a:solidFill>
                 <a:effectLst/>
                 <a:latin typeface="Miriam Libre" pitchFamily="2" charset="-79"/>
                 <a:cs typeface="Miriam Libre" pitchFamily="2" charset="-79"/>
               </a:rPr>
-              <a:t>02</a:t>
-            </a:r>
-            <a:r>
-              <a:rPr lang="en-US" sz="1000" dirty="0">
-                <a:solidFill>
-                  <a:schemeClr val="bg1"/>
-                </a:solidFill>
-                <a:effectLst/>
-                <a:latin typeface="Miriam Libre" pitchFamily="2" charset="-79"/>
-                <a:cs typeface="Miriam Libre" pitchFamily="2" charset="-79"/>
-              </a:rPr>
-              <a:t>       Web Exploitation</a:t>
-            </a:r>
-            <a:endParaRPr lang="en-IL" sz="1000" dirty="0">
+              <a:t>       Introduction</a:t>
+            </a:r>
+            <a:endParaRPr lang="en-IL" sz="1000">
               <a:solidFill>
                 <a:schemeClr val="bg1"/>
               </a:solidFill>
@@ -12278,10 +13950,277 @@
           </a:p>
         </p:txBody>
       </p:sp>
+      <p:sp>
+        <p:nvSpPr>
+          <p:cNvPr id="7" name="TextBox 6">
+            <a:extLst>
+              <a:ext uri="{FF2B5EF4-FFF2-40B4-BE49-F238E27FC236}">
+                <a16:creationId xmlns:a16="http://schemas.microsoft.com/office/drawing/2014/main" id="{F341DF30-5ED5-0C10-DB8A-E5BA1FDE2E89}"/>
+              </a:ext>
+            </a:extLst>
+          </p:cNvPr>
+          <p:cNvSpPr txBox="1"/>
+          <p:nvPr/>
+        </p:nvSpPr>
+        <p:spPr>
+          <a:xfrm>
+            <a:off x="542553" y="1273452"/>
+            <a:ext cx="10659948" cy="5262979"/>
+          </a:xfrm>
+          <a:prstGeom prst="rect">
+            <a:avLst/>
+          </a:prstGeom>
+          <a:noFill/>
+        </p:spPr>
+        <p:txBody>
+          <a:bodyPr wrap="square" lIns="91440" tIns="45720" rIns="91440" bIns="45720" rtlCol="0" anchor="t">
+            <a:spAutoFit/>
+          </a:bodyPr>
+          <a:lstStyle/>
+          <a:p>
+            <a:pPr>
+              <a:buFont typeface="Arial" panose="020B0604020202020204" pitchFamily="34" charset="0"/>
+              <a:buChar char="•"/>
+            </a:pPr>
+            <a:r>
+              <a:rPr lang="en-US" sz="2800" b="1" dirty="0">
+                <a:solidFill>
+                  <a:schemeClr val="bg1"/>
+                </a:solidFill>
+                <a:latin typeface="Miriam Libre"/>
+                <a:ea typeface="+mn-lt"/>
+                <a:cs typeface="+mn-lt"/>
+              </a:rPr>
+              <a:t> </a:t>
+            </a:r>
+            <a:r>
+              <a:rPr lang="en-US" sz="2800" b="1" u="sng" dirty="0">
+                <a:solidFill>
+                  <a:schemeClr val="bg1"/>
+                </a:solidFill>
+                <a:latin typeface="Miriam Libre"/>
+                <a:ea typeface="+mn-lt"/>
+                <a:cs typeface="+mn-lt"/>
+              </a:rPr>
+              <a:t>SQL Injection (SQLi)</a:t>
+            </a:r>
+            <a:r>
+              <a:rPr lang="en-US" sz="2800" dirty="0">
+                <a:solidFill>
+                  <a:schemeClr val="bg1"/>
+                </a:solidFill>
+                <a:latin typeface="Miriam Libre"/>
+                <a:ea typeface="+mn-lt"/>
+                <a:cs typeface="+mn-lt"/>
+              </a:rPr>
+              <a:t>: Manipulating database queries through user input (this week).</a:t>
+            </a:r>
+            <a:endParaRPr lang="en-US" sz="2800">
+              <a:solidFill>
+                <a:schemeClr val="bg1"/>
+              </a:solidFill>
+              <a:latin typeface="Miriam Libre"/>
+              <a:cs typeface="Miriam Libre" pitchFamily="2" charset="-79"/>
+            </a:endParaRPr>
+          </a:p>
+          <a:p>
+            <a:pPr>
+              <a:buFont typeface="Arial" panose="020B0604020202020204" pitchFamily="34" charset="0"/>
+              <a:buChar char="•"/>
+            </a:pPr>
+            <a:endParaRPr lang="en-US" sz="2800" b="1" dirty="0">
+              <a:solidFill>
+                <a:schemeClr val="bg1"/>
+              </a:solidFill>
+              <a:latin typeface="Miriam Libre"/>
+              <a:ea typeface="+mn-lt"/>
+              <a:cs typeface="+mn-lt"/>
+            </a:endParaRPr>
+          </a:p>
+          <a:p>
+            <a:pPr>
+              <a:buFont typeface="Arial" panose="020B0604020202020204" pitchFamily="34" charset="0"/>
+              <a:buChar char="•"/>
+            </a:pPr>
+            <a:r>
+              <a:rPr lang="en-US" sz="2800" b="1" dirty="0">
+                <a:solidFill>
+                  <a:schemeClr val="bg1"/>
+                </a:solidFill>
+                <a:latin typeface="Miriam Libre"/>
+                <a:ea typeface="+mn-lt"/>
+                <a:cs typeface="+mn-lt"/>
+              </a:rPr>
+              <a:t> </a:t>
+            </a:r>
+            <a:r>
+              <a:rPr lang="en-US" sz="2800" b="1" u="sng" dirty="0">
+                <a:solidFill>
+                  <a:schemeClr val="bg1"/>
+                </a:solidFill>
+                <a:latin typeface="Miriam Libre"/>
+                <a:ea typeface="+mn-lt"/>
+                <a:cs typeface="+mn-lt"/>
+              </a:rPr>
+              <a:t>Cross-Site Scripting (XSS)</a:t>
+            </a:r>
+            <a:r>
+              <a:rPr lang="en-US" sz="2800" dirty="0">
+                <a:solidFill>
+                  <a:schemeClr val="bg1"/>
+                </a:solidFill>
+                <a:latin typeface="Miriam Libre"/>
+                <a:ea typeface="+mn-lt"/>
+                <a:cs typeface="+mn-lt"/>
+              </a:rPr>
+              <a:t>: Injecting malicious scripts into web pages (next week).</a:t>
+            </a:r>
+            <a:endParaRPr lang="en-US" sz="2800">
+              <a:solidFill>
+                <a:schemeClr val="bg1"/>
+              </a:solidFill>
+              <a:latin typeface="Miriam Libre"/>
+              <a:cs typeface="Miriam Libre"/>
+            </a:endParaRPr>
+          </a:p>
+          <a:p>
+            <a:pPr>
+              <a:buFont typeface="Arial" panose="020B0604020202020204" pitchFamily="34" charset="0"/>
+              <a:buChar char="•"/>
+            </a:pPr>
+            <a:endParaRPr lang="en-US" sz="2800" b="1" dirty="0">
+              <a:solidFill>
+                <a:schemeClr val="bg1"/>
+              </a:solidFill>
+              <a:latin typeface="Miriam Libre"/>
+              <a:ea typeface="+mn-lt"/>
+              <a:cs typeface="+mn-lt"/>
+            </a:endParaRPr>
+          </a:p>
+          <a:p>
+            <a:pPr>
+              <a:buFont typeface="Arial" panose="020B0604020202020204" pitchFamily="34" charset="0"/>
+              <a:buChar char="•"/>
+            </a:pPr>
+            <a:r>
+              <a:rPr lang="en-US" sz="2800" b="1" dirty="0">
+                <a:solidFill>
+                  <a:schemeClr val="bg1"/>
+                </a:solidFill>
+                <a:latin typeface="Miriam Libre"/>
+                <a:ea typeface="+mn-lt"/>
+                <a:cs typeface="+mn-lt"/>
+              </a:rPr>
+              <a:t> Cross-Site Request Forgery (CSRF)</a:t>
+            </a:r>
+            <a:r>
+              <a:rPr lang="en-US" sz="2800" dirty="0">
+                <a:solidFill>
+                  <a:schemeClr val="bg1"/>
+                </a:solidFill>
+                <a:latin typeface="Miriam Libre"/>
+                <a:ea typeface="+mn-lt"/>
+                <a:cs typeface="+mn-lt"/>
+              </a:rPr>
+              <a:t>: Forcing users to execute unwanted actions.</a:t>
+            </a:r>
+            <a:r>
+              <a:rPr lang="en-US" sz="2800" b="1" dirty="0">
+                <a:solidFill>
+                  <a:schemeClr val="bg1"/>
+                </a:solidFill>
+                <a:latin typeface="Miriam Libre"/>
+                <a:ea typeface="+mn-lt"/>
+                <a:cs typeface="+mn-lt"/>
+              </a:rPr>
+              <a:t> </a:t>
+            </a:r>
+            <a:endParaRPr lang="en-US" sz="2800" dirty="0">
+              <a:solidFill>
+                <a:schemeClr val="bg1"/>
+              </a:solidFill>
+              <a:latin typeface="Miriam Libre"/>
+              <a:ea typeface="+mn-lt"/>
+              <a:cs typeface="+mn-lt"/>
+            </a:endParaRPr>
+          </a:p>
+          <a:p>
+            <a:pPr>
+              <a:buFont typeface="Arial" panose="020B0604020202020204" pitchFamily="34" charset="0"/>
+              <a:buChar char="•"/>
+            </a:pPr>
+            <a:endParaRPr lang="en-US" sz="2800" b="1" dirty="0">
+              <a:solidFill>
+                <a:schemeClr val="bg1"/>
+              </a:solidFill>
+              <a:latin typeface="Miriam Libre"/>
+              <a:ea typeface="+mn-lt"/>
+              <a:cs typeface="+mn-lt"/>
+            </a:endParaRPr>
+          </a:p>
+          <a:p>
+            <a:pPr>
+              <a:buFont typeface="Arial" panose="020B0604020202020204" pitchFamily="34" charset="0"/>
+              <a:buChar char="•"/>
+            </a:pPr>
+            <a:r>
+              <a:rPr lang="en-US" sz="2800" b="1" dirty="0">
+                <a:solidFill>
+                  <a:schemeClr val="bg1"/>
+                </a:solidFill>
+                <a:latin typeface="Miriam Libre"/>
+                <a:ea typeface="+mn-lt"/>
+                <a:cs typeface="+mn-lt"/>
+              </a:rPr>
+              <a:t>File Inclusion</a:t>
+            </a:r>
+            <a:r>
+              <a:rPr lang="en-US" sz="2800" dirty="0">
+                <a:solidFill>
+                  <a:schemeClr val="bg1"/>
+                </a:solidFill>
+                <a:latin typeface="Miriam Libre"/>
+                <a:ea typeface="+mn-lt"/>
+                <a:cs typeface="+mn-lt"/>
+              </a:rPr>
+              <a:t>: Gaining unauthorized access via file paths.</a:t>
+            </a:r>
+            <a:endParaRPr lang="en-US" sz="2800">
+              <a:solidFill>
+                <a:schemeClr val="bg1"/>
+              </a:solidFill>
+              <a:latin typeface="Miriam Libre"/>
+              <a:cs typeface="Miriam Libre"/>
+            </a:endParaRPr>
+          </a:p>
+          <a:p>
+            <a:endParaRPr lang="en-US" sz="2800" dirty="0">
+              <a:solidFill>
+                <a:schemeClr val="bg1"/>
+              </a:solidFill>
+              <a:latin typeface="Miriam Libre"/>
+              <a:cs typeface="Miriam Libre" pitchFamily="2" charset="-79"/>
+            </a:endParaRPr>
+          </a:p>
+          <a:p>
+            <a:pPr marL="285750" indent="-285750">
+              <a:buFont typeface="Arial" panose="020B0604020202020204" pitchFamily="34" charset="0"/>
+              <a:buChar char="•"/>
+            </a:pPr>
+            <a:endParaRPr lang="en-US" sz="2800" dirty="0">
+              <a:solidFill>
+                <a:schemeClr val="bg1"/>
+              </a:solidFill>
+              <a:latin typeface="Miriam Libre"/>
+              <a:cs typeface="Miriam Libre" pitchFamily="2" charset="-79"/>
+            </a:endParaRPr>
+          </a:p>
+        </p:txBody>
+      </p:sp>
     </p:spTree>
     <p:extLst>
       <p:ext uri="{BB962C8B-B14F-4D97-AF65-F5344CB8AC3E}">
-        <p14:creationId xmlns:p14="http://schemas.microsoft.com/office/powerpoint/2010/main" val="2802775667"/>
+        <p14:creationId xmlns:p14="http://schemas.microsoft.com/office/powerpoint/2010/main" val="713239404"/>
       </p:ext>
     </p:extLst>
   </p:cSld>
